--- a/电商离线数据仓库流程架构.pptx
+++ b/电商离线数据仓库流程架构.pptx
@@ -5,7 +5,11 @@
     <p:sldMasterId id="2147483648" r:id="rId1"/>
   </p:sldMasterIdLst>
   <p:sldIdLst>
-    <p:sldId id="256" r:id="rId2"/>
+    <p:sldId id="257" r:id="rId2"/>
+    <p:sldId id="258" r:id="rId3"/>
+    <p:sldId id="256" r:id="rId4"/>
+    <p:sldId id="259" r:id="rId5"/>
+    <p:sldId id="260" r:id="rId6"/>
   </p:sldIdLst>
   <p:sldSz cx="12192000" cy="6858000"/>
   <p:notesSz cx="6858000" cy="9144000"/>
@@ -104,6 +108,11 @@
       </a:defRPr>
     </a:lvl9pPr>
   </p:defaultTextStyle>
+  <p:extLst>
+    <p:ext uri="{EFAFB233-063F-42B5-8137-9DF3F51BA10A}">
+      <p15:sldGuideLst xmlns:p15="http://schemas.microsoft.com/office/powerpoint/2012/main"/>
+    </p:ext>
+  </p:extLst>
 </p:presentation>
 </file>
 
@@ -254,7 +263,7 @@
           <a:p>
             <a:fld id="{1129E15B-970B-47A3-8C8F-22DF97A0F1AB}" type="datetimeFigureOut">
               <a:rPr lang="zh-CN" altLang="en-US" smtClean="0"/>
-              <a:t>2021/12/22</a:t>
+              <a:t>2022/1/15</a:t>
             </a:fld>
             <a:endParaRPr lang="zh-CN" altLang="en-US"/>
           </a:p>
@@ -452,7 +461,7 @@
           <a:p>
             <a:fld id="{1129E15B-970B-47A3-8C8F-22DF97A0F1AB}" type="datetimeFigureOut">
               <a:rPr lang="zh-CN" altLang="en-US" smtClean="0"/>
-              <a:t>2021/12/22</a:t>
+              <a:t>2022/1/15</a:t>
             </a:fld>
             <a:endParaRPr lang="zh-CN" altLang="en-US"/>
           </a:p>
@@ -660,7 +669,7 @@
           <a:p>
             <a:fld id="{1129E15B-970B-47A3-8C8F-22DF97A0F1AB}" type="datetimeFigureOut">
               <a:rPr lang="zh-CN" altLang="en-US" smtClean="0"/>
-              <a:t>2021/12/22</a:t>
+              <a:t>2022/1/15</a:t>
             </a:fld>
             <a:endParaRPr lang="zh-CN" altLang="en-US"/>
           </a:p>
@@ -858,7 +867,7 @@
           <a:p>
             <a:fld id="{1129E15B-970B-47A3-8C8F-22DF97A0F1AB}" type="datetimeFigureOut">
               <a:rPr lang="zh-CN" altLang="en-US" smtClean="0"/>
-              <a:t>2021/12/22</a:t>
+              <a:t>2022/1/15</a:t>
             </a:fld>
             <a:endParaRPr lang="zh-CN" altLang="en-US"/>
           </a:p>
@@ -1133,7 +1142,7 @@
           <a:p>
             <a:fld id="{1129E15B-970B-47A3-8C8F-22DF97A0F1AB}" type="datetimeFigureOut">
               <a:rPr lang="zh-CN" altLang="en-US" smtClean="0"/>
-              <a:t>2021/12/22</a:t>
+              <a:t>2022/1/15</a:t>
             </a:fld>
             <a:endParaRPr lang="zh-CN" altLang="en-US"/>
           </a:p>
@@ -1398,7 +1407,7 @@
           <a:p>
             <a:fld id="{1129E15B-970B-47A3-8C8F-22DF97A0F1AB}" type="datetimeFigureOut">
               <a:rPr lang="zh-CN" altLang="en-US" smtClean="0"/>
-              <a:t>2021/12/22</a:t>
+              <a:t>2022/1/15</a:t>
             </a:fld>
             <a:endParaRPr lang="zh-CN" altLang="en-US"/>
           </a:p>
@@ -1810,7 +1819,7 @@
           <a:p>
             <a:fld id="{1129E15B-970B-47A3-8C8F-22DF97A0F1AB}" type="datetimeFigureOut">
               <a:rPr lang="zh-CN" altLang="en-US" smtClean="0"/>
-              <a:t>2021/12/22</a:t>
+              <a:t>2022/1/15</a:t>
             </a:fld>
             <a:endParaRPr lang="zh-CN" altLang="en-US"/>
           </a:p>
@@ -1951,7 +1960,7 @@
           <a:p>
             <a:fld id="{1129E15B-970B-47A3-8C8F-22DF97A0F1AB}" type="datetimeFigureOut">
               <a:rPr lang="zh-CN" altLang="en-US" smtClean="0"/>
-              <a:t>2021/12/22</a:t>
+              <a:t>2022/1/15</a:t>
             </a:fld>
             <a:endParaRPr lang="zh-CN" altLang="en-US"/>
           </a:p>
@@ -2064,7 +2073,7 @@
           <a:p>
             <a:fld id="{1129E15B-970B-47A3-8C8F-22DF97A0F1AB}" type="datetimeFigureOut">
               <a:rPr lang="zh-CN" altLang="en-US" smtClean="0"/>
-              <a:t>2021/12/22</a:t>
+              <a:t>2022/1/15</a:t>
             </a:fld>
             <a:endParaRPr lang="zh-CN" altLang="en-US"/>
           </a:p>
@@ -2375,7 +2384,7 @@
           <a:p>
             <a:fld id="{1129E15B-970B-47A3-8C8F-22DF97A0F1AB}" type="datetimeFigureOut">
               <a:rPr lang="zh-CN" altLang="en-US" smtClean="0"/>
-              <a:t>2021/12/22</a:t>
+              <a:t>2022/1/15</a:t>
             </a:fld>
             <a:endParaRPr lang="zh-CN" altLang="en-US"/>
           </a:p>
@@ -2663,7 +2672,7 @@
           <a:p>
             <a:fld id="{1129E15B-970B-47A3-8C8F-22DF97A0F1AB}" type="datetimeFigureOut">
               <a:rPr lang="zh-CN" altLang="en-US" smtClean="0"/>
-              <a:t>2021/12/22</a:t>
+              <a:t>2022/1/15</a:t>
             </a:fld>
             <a:endParaRPr lang="zh-CN" altLang="en-US"/>
           </a:p>
@@ -2904,7 +2913,7 @@
           <a:p>
             <a:fld id="{1129E15B-970B-47A3-8C8F-22DF97A0F1AB}" type="datetimeFigureOut">
               <a:rPr lang="zh-CN" altLang="en-US" smtClean="0"/>
-              <a:t>2021/12/22</a:t>
+              <a:t>2022/1/15</a:t>
             </a:fld>
             <a:endParaRPr lang="zh-CN" altLang="en-US"/>
           </a:p>
@@ -3307,6 +3316,316 @@
 <file path=ppt/slides/slide1.xml><?xml version="1.0" encoding="utf-8"?>
 <p:sld xmlns:a="http://schemas.openxmlformats.org/drawingml/2006/main" xmlns:r="http://schemas.openxmlformats.org/officeDocument/2006/relationships" xmlns:p="http://schemas.openxmlformats.org/presentationml/2006/main">
   <p:cSld>
+    <p:spTree>
+      <p:nvGrpSpPr>
+        <p:cNvPr id="1" name=""/>
+        <p:cNvGrpSpPr/>
+        <p:nvPr/>
+      </p:nvGrpSpPr>
+      <p:grpSpPr>
+        <a:xfrm>
+          <a:off x="0" y="0"/>
+          <a:ext cx="0" cy="0"/>
+          <a:chOff x="0" y="0"/>
+          <a:chExt cx="0" cy="0"/>
+        </a:xfrm>
+      </p:grpSpPr>
+      <p:pic>
+        <p:nvPicPr>
+          <p:cNvPr id="4" name="图片 3">
+            <a:extLst>
+              <a:ext uri="{FF2B5EF4-FFF2-40B4-BE49-F238E27FC236}">
+                <a16:creationId xmlns:a16="http://schemas.microsoft.com/office/drawing/2014/main" id="{91CCA718-5106-4C41-90B5-A46705790D51}"/>
+              </a:ext>
+            </a:extLst>
+          </p:cNvPr>
+          <p:cNvPicPr>
+            <a:picLocks noChangeAspect="1"/>
+          </p:cNvPicPr>
+          <p:nvPr/>
+        </p:nvPicPr>
+        <p:blipFill rotWithShape="1">
+          <a:blip r:embed="rId2" cstate="print">
+            <a:extLst>
+              <a:ext uri="{BEBA8EAE-BF5A-486C-A8C5-ECC9F3942E4B}">
+                <a14:imgProps xmlns:a14="http://schemas.microsoft.com/office/drawing/2010/main">
+                  <a14:imgLayer r:embed="rId3">
+                    <a14:imgEffect>
+                      <a14:backgroundRemoval t="0" b="64834" l="0" r="52450"/>
+                    </a14:imgEffect>
+                  </a14:imgLayer>
+                </a14:imgProps>
+              </a:ext>
+              <a:ext uri="{28A0092B-C50C-407E-A947-70E740481C1C}">
+                <a14:useLocalDpi xmlns:a14="http://schemas.microsoft.com/office/drawing/2010/main" val="0"/>
+              </a:ext>
+            </a:extLst>
+          </a:blip>
+          <a:srcRect l="4796" t="7905" r="68334" b="39870"/>
+          <a:stretch>
+            <a:fillRect/>
+          </a:stretch>
+        </p:blipFill>
+        <p:spPr>
+          <a:xfrm>
+            <a:off x="0" y="0"/>
+            <a:ext cx="1291586" cy="1498600"/>
+          </a:xfrm>
+          <a:prstGeom prst="rect">
+            <a:avLst/>
+          </a:prstGeom>
+        </p:spPr>
+      </p:pic>
+      <p:pic>
+        <p:nvPicPr>
+          <p:cNvPr id="5" name="图片 4">
+            <a:extLst>
+              <a:ext uri="{FF2B5EF4-FFF2-40B4-BE49-F238E27FC236}">
+                <a16:creationId xmlns:a16="http://schemas.microsoft.com/office/drawing/2014/main" id="{1EB09952-A6B7-4985-A73F-B21B94CD0383}"/>
+              </a:ext>
+            </a:extLst>
+          </p:cNvPr>
+          <p:cNvPicPr>
+            <a:picLocks noChangeAspect="1"/>
+          </p:cNvPicPr>
+          <p:nvPr/>
+        </p:nvPicPr>
+        <p:blipFill rotWithShape="1">
+          <a:blip r:embed="rId4" cstate="print">
+            <a:extLst>
+              <a:ext uri="{BEBA8EAE-BF5A-486C-A8C5-ECC9F3942E4B}">
+                <a14:imgProps xmlns:a14="http://schemas.microsoft.com/office/drawing/2010/main">
+                  <a14:imgLayer r:embed="rId5">
+                    <a14:imgEffect>
+                      <a14:backgroundRemoval t="45230" b="100000" l="56481" r="100000">
+                        <a14:foregroundMark x1="99638" y1="46483" x2="99928" y2="91512"/>
+                        <a14:foregroundMark x1="97852" y1="46160" x2="82694" y2="71584"/>
+                        <a14:foregroundMark x1="80908" y1="70493" x2="57229" y2="98868"/>
+                        <a14:foregroundMark x1="96259" y1="47251" x2="81101" y2="68270"/>
+                        <a14:foregroundMark x1="65749" y1="82862" x2="59015" y2="99636"/>
+                      </a14:backgroundRemoval>
+                    </a14:imgEffect>
+                  </a14:imgLayer>
+                </a14:imgProps>
+              </a:ext>
+              <a:ext uri="{28A0092B-C50C-407E-A947-70E740481C1C}">
+                <a14:useLocalDpi xmlns:a14="http://schemas.microsoft.com/office/drawing/2010/main" val="0"/>
+              </a:ext>
+            </a:extLst>
+          </a:blip>
+          <a:srcRect l="59472" t="50250" r="5326" b="7406"/>
+          <a:stretch>
+            <a:fillRect/>
+          </a:stretch>
+        </p:blipFill>
+        <p:spPr>
+          <a:xfrm>
+            <a:off x="10706100" y="5790996"/>
+            <a:ext cx="1485900" cy="1067003"/>
+          </a:xfrm>
+          <a:prstGeom prst="rect">
+            <a:avLst/>
+          </a:prstGeom>
+        </p:spPr>
+      </p:pic>
+      <p:sp>
+        <p:nvSpPr>
+          <p:cNvPr id="6" name="矩形 5">
+            <a:extLst>
+              <a:ext uri="{FF2B5EF4-FFF2-40B4-BE49-F238E27FC236}">
+                <a16:creationId xmlns:a16="http://schemas.microsoft.com/office/drawing/2014/main" id="{3FC7BBEE-3A52-4863-A909-30394B839132}"/>
+              </a:ext>
+            </a:extLst>
+          </p:cNvPr>
+          <p:cNvSpPr/>
+          <p:nvPr/>
+        </p:nvSpPr>
+        <p:spPr>
+          <a:xfrm>
+            <a:off x="1771739" y="2875002"/>
+            <a:ext cx="8648521" cy="1107996"/>
+          </a:xfrm>
+          <a:prstGeom prst="rect">
+            <a:avLst/>
+          </a:prstGeom>
+          <a:noFill/>
+        </p:spPr>
+        <p:txBody>
+          <a:bodyPr wrap="none" lIns="91440" tIns="45720" rIns="91440" bIns="45720">
+            <a:spAutoFit/>
+          </a:bodyPr>
+          <a:lstStyle/>
+          <a:p>
+            <a:pPr algn="ctr"/>
+            <a:r>
+              <a:rPr lang="zh-CN" altLang="en-US" sz="6600" b="1" cap="none" spc="0" dirty="0">
+                <a:ln w="9525">
+                  <a:solidFill>
+                    <a:schemeClr val="bg1"/>
+                  </a:solidFill>
+                  <a:prstDash val="solid"/>
+                </a:ln>
+                <a:solidFill>
+                  <a:schemeClr val="accent5"/>
+                </a:solidFill>
+                <a:effectLst>
+                  <a:outerShdw blurRad="12700" dist="38100" dir="2700000" algn="tl" rotWithShape="0">
+                    <a:schemeClr val="accent5">
+                      <a:lumMod val="60000"/>
+                      <a:lumOff val="40000"/>
+                    </a:schemeClr>
+                  </a:outerShdw>
+                </a:effectLst>
+              </a:rPr>
+              <a:t>电商离线数据仓库项目</a:t>
+            </a:r>
+          </a:p>
+        </p:txBody>
+      </p:sp>
+    </p:spTree>
+    <p:extLst>
+      <p:ext uri="{BB962C8B-B14F-4D97-AF65-F5344CB8AC3E}">
+        <p14:creationId xmlns:p14="http://schemas.microsoft.com/office/powerpoint/2010/main" val="1971463966"/>
+      </p:ext>
+    </p:extLst>
+  </p:cSld>
+  <p:clrMapOvr>
+    <a:masterClrMapping/>
+  </p:clrMapOvr>
+</p:sld>
+</file>
+
+<file path=ppt/slides/slide2.xml><?xml version="1.0" encoding="utf-8"?>
+<p:sld xmlns:a="http://schemas.openxmlformats.org/drawingml/2006/main" xmlns:r="http://schemas.openxmlformats.org/officeDocument/2006/relationships" xmlns:p="http://schemas.openxmlformats.org/presentationml/2006/main">
+  <p:cSld>
+    <p:spTree>
+      <p:nvGrpSpPr>
+        <p:cNvPr id="1" name=""/>
+        <p:cNvGrpSpPr/>
+        <p:nvPr/>
+      </p:nvGrpSpPr>
+      <p:grpSpPr>
+        <a:xfrm>
+          <a:off x="0" y="0"/>
+          <a:ext cx="0" cy="0"/>
+          <a:chOff x="0" y="0"/>
+          <a:chExt cx="0" cy="0"/>
+        </a:xfrm>
+      </p:grpSpPr>
+      <p:pic>
+        <p:nvPicPr>
+          <p:cNvPr id="4" name="图片 3">
+            <a:extLst>
+              <a:ext uri="{FF2B5EF4-FFF2-40B4-BE49-F238E27FC236}">
+                <a16:creationId xmlns:a16="http://schemas.microsoft.com/office/drawing/2014/main" id="{91CCA718-5106-4C41-90B5-A46705790D51}"/>
+              </a:ext>
+            </a:extLst>
+          </p:cNvPr>
+          <p:cNvPicPr>
+            <a:picLocks noChangeAspect="1"/>
+          </p:cNvPicPr>
+          <p:nvPr/>
+        </p:nvPicPr>
+        <p:blipFill rotWithShape="1">
+          <a:blip r:embed="rId2" cstate="print">
+            <a:extLst>
+              <a:ext uri="{BEBA8EAE-BF5A-486C-A8C5-ECC9F3942E4B}">
+                <a14:imgProps xmlns:a14="http://schemas.microsoft.com/office/drawing/2010/main">
+                  <a14:imgLayer r:embed="rId3">
+                    <a14:imgEffect>
+                      <a14:backgroundRemoval t="0" b="64834" l="0" r="52450"/>
+                    </a14:imgEffect>
+                  </a14:imgLayer>
+                </a14:imgProps>
+              </a:ext>
+              <a:ext uri="{28A0092B-C50C-407E-A947-70E740481C1C}">
+                <a14:useLocalDpi xmlns:a14="http://schemas.microsoft.com/office/drawing/2010/main" val="0"/>
+              </a:ext>
+            </a:extLst>
+          </a:blip>
+          <a:srcRect l="4796" t="7905" r="68334" b="39870"/>
+          <a:stretch>
+            <a:fillRect/>
+          </a:stretch>
+        </p:blipFill>
+        <p:spPr>
+          <a:xfrm>
+            <a:off x="0" y="0"/>
+            <a:ext cx="1291586" cy="1498600"/>
+          </a:xfrm>
+          <a:prstGeom prst="rect">
+            <a:avLst/>
+          </a:prstGeom>
+        </p:spPr>
+      </p:pic>
+      <p:pic>
+        <p:nvPicPr>
+          <p:cNvPr id="5" name="图片 4">
+            <a:extLst>
+              <a:ext uri="{FF2B5EF4-FFF2-40B4-BE49-F238E27FC236}">
+                <a16:creationId xmlns:a16="http://schemas.microsoft.com/office/drawing/2014/main" id="{1EB09952-A6B7-4985-A73F-B21B94CD0383}"/>
+              </a:ext>
+            </a:extLst>
+          </p:cNvPr>
+          <p:cNvPicPr>
+            <a:picLocks noChangeAspect="1"/>
+          </p:cNvPicPr>
+          <p:nvPr/>
+        </p:nvPicPr>
+        <p:blipFill rotWithShape="1">
+          <a:blip r:embed="rId4" cstate="print">
+            <a:extLst>
+              <a:ext uri="{BEBA8EAE-BF5A-486C-A8C5-ECC9F3942E4B}">
+                <a14:imgProps xmlns:a14="http://schemas.microsoft.com/office/drawing/2010/main">
+                  <a14:imgLayer r:embed="rId5">
+                    <a14:imgEffect>
+                      <a14:backgroundRemoval t="45230" b="100000" l="56481" r="100000">
+                        <a14:foregroundMark x1="99638" y1="46483" x2="99928" y2="91512"/>
+                        <a14:foregroundMark x1="97852" y1="46160" x2="82694" y2="71584"/>
+                        <a14:foregroundMark x1="80908" y1="70493" x2="57229" y2="98868"/>
+                        <a14:foregroundMark x1="96259" y1="47251" x2="81101" y2="68270"/>
+                        <a14:foregroundMark x1="65749" y1="82862" x2="59015" y2="99636"/>
+                      </a14:backgroundRemoval>
+                    </a14:imgEffect>
+                  </a14:imgLayer>
+                </a14:imgProps>
+              </a:ext>
+              <a:ext uri="{28A0092B-C50C-407E-A947-70E740481C1C}">
+                <a14:useLocalDpi xmlns:a14="http://schemas.microsoft.com/office/drawing/2010/main" val="0"/>
+              </a:ext>
+            </a:extLst>
+          </a:blip>
+          <a:srcRect l="59472" t="50250" r="5326" b="7406"/>
+          <a:stretch>
+            <a:fillRect/>
+          </a:stretch>
+        </p:blipFill>
+        <p:spPr>
+          <a:xfrm>
+            <a:off x="10706100" y="5790996"/>
+            <a:ext cx="1485900" cy="1067003"/>
+          </a:xfrm>
+          <a:prstGeom prst="rect">
+            <a:avLst/>
+          </a:prstGeom>
+        </p:spPr>
+      </p:pic>
+    </p:spTree>
+    <p:extLst>
+      <p:ext uri="{BB962C8B-B14F-4D97-AF65-F5344CB8AC3E}">
+        <p14:creationId xmlns:p14="http://schemas.microsoft.com/office/powerpoint/2010/main" val="3306666456"/>
+      </p:ext>
+    </p:extLst>
+  </p:cSld>
+  <p:clrMapOvr>
+    <a:masterClrMapping/>
+  </p:clrMapOvr>
+</p:sld>
+</file>
+
+<file path=ppt/slides/slide3.xml><?xml version="1.0" encoding="utf-8"?>
+<p:sld xmlns:a="http://schemas.openxmlformats.org/drawingml/2006/main" xmlns:r="http://schemas.openxmlformats.org/officeDocument/2006/relationships" xmlns:p="http://schemas.openxmlformats.org/presentationml/2006/main">
+  <p:cSld>
     <p:bg>
       <p:bgPr>
         <a:solidFill>
@@ -13158,6 +13477,262 @@
       <p:bldP spid="197" grpId="0" animBg="1"/>
     </p:bldLst>
   </p:timing>
+</p:sld>
+</file>
+
+<file path=ppt/slides/slide4.xml><?xml version="1.0" encoding="utf-8"?>
+<p:sld xmlns:a="http://schemas.openxmlformats.org/drawingml/2006/main" xmlns:r="http://schemas.openxmlformats.org/officeDocument/2006/relationships" xmlns:p="http://schemas.openxmlformats.org/presentationml/2006/main">
+  <p:cSld>
+    <p:spTree>
+      <p:nvGrpSpPr>
+        <p:cNvPr id="1" name=""/>
+        <p:cNvGrpSpPr/>
+        <p:nvPr/>
+      </p:nvGrpSpPr>
+      <p:grpSpPr>
+        <a:xfrm>
+          <a:off x="0" y="0"/>
+          <a:ext cx="0" cy="0"/>
+          <a:chOff x="0" y="0"/>
+          <a:chExt cx="0" cy="0"/>
+        </a:xfrm>
+      </p:grpSpPr>
+      <p:pic>
+        <p:nvPicPr>
+          <p:cNvPr id="4" name="图片 3">
+            <a:extLst>
+              <a:ext uri="{FF2B5EF4-FFF2-40B4-BE49-F238E27FC236}">
+                <a16:creationId xmlns:a16="http://schemas.microsoft.com/office/drawing/2014/main" id="{91CCA718-5106-4C41-90B5-A46705790D51}"/>
+              </a:ext>
+            </a:extLst>
+          </p:cNvPr>
+          <p:cNvPicPr>
+            <a:picLocks noChangeAspect="1"/>
+          </p:cNvPicPr>
+          <p:nvPr/>
+        </p:nvPicPr>
+        <p:blipFill rotWithShape="1">
+          <a:blip r:embed="rId2" cstate="print">
+            <a:extLst>
+              <a:ext uri="{BEBA8EAE-BF5A-486C-A8C5-ECC9F3942E4B}">
+                <a14:imgProps xmlns:a14="http://schemas.microsoft.com/office/drawing/2010/main">
+                  <a14:imgLayer r:embed="rId3">
+                    <a14:imgEffect>
+                      <a14:backgroundRemoval t="0" b="64834" l="0" r="52450"/>
+                    </a14:imgEffect>
+                  </a14:imgLayer>
+                </a14:imgProps>
+              </a:ext>
+              <a:ext uri="{28A0092B-C50C-407E-A947-70E740481C1C}">
+                <a14:useLocalDpi xmlns:a14="http://schemas.microsoft.com/office/drawing/2010/main" val="0"/>
+              </a:ext>
+            </a:extLst>
+          </a:blip>
+          <a:srcRect l="4796" t="7905" r="68334" b="39870"/>
+          <a:stretch>
+            <a:fillRect/>
+          </a:stretch>
+        </p:blipFill>
+        <p:spPr>
+          <a:xfrm>
+            <a:off x="0" y="0"/>
+            <a:ext cx="1291586" cy="1498600"/>
+          </a:xfrm>
+          <a:prstGeom prst="rect">
+            <a:avLst/>
+          </a:prstGeom>
+        </p:spPr>
+      </p:pic>
+      <p:pic>
+        <p:nvPicPr>
+          <p:cNvPr id="5" name="图片 4">
+            <a:extLst>
+              <a:ext uri="{FF2B5EF4-FFF2-40B4-BE49-F238E27FC236}">
+                <a16:creationId xmlns:a16="http://schemas.microsoft.com/office/drawing/2014/main" id="{1EB09952-A6B7-4985-A73F-B21B94CD0383}"/>
+              </a:ext>
+            </a:extLst>
+          </p:cNvPr>
+          <p:cNvPicPr>
+            <a:picLocks noChangeAspect="1"/>
+          </p:cNvPicPr>
+          <p:nvPr/>
+        </p:nvPicPr>
+        <p:blipFill rotWithShape="1">
+          <a:blip r:embed="rId4" cstate="print">
+            <a:extLst>
+              <a:ext uri="{BEBA8EAE-BF5A-486C-A8C5-ECC9F3942E4B}">
+                <a14:imgProps xmlns:a14="http://schemas.microsoft.com/office/drawing/2010/main">
+                  <a14:imgLayer r:embed="rId5">
+                    <a14:imgEffect>
+                      <a14:backgroundRemoval t="45230" b="100000" l="56481" r="100000">
+                        <a14:foregroundMark x1="99638" y1="46483" x2="99928" y2="91512"/>
+                        <a14:foregroundMark x1="97852" y1="46160" x2="82694" y2="71584"/>
+                        <a14:foregroundMark x1="80908" y1="70493" x2="57229" y2="98868"/>
+                        <a14:foregroundMark x1="96259" y1="47251" x2="81101" y2="68270"/>
+                        <a14:foregroundMark x1="65749" y1="82862" x2="59015" y2="99636"/>
+                      </a14:backgroundRemoval>
+                    </a14:imgEffect>
+                  </a14:imgLayer>
+                </a14:imgProps>
+              </a:ext>
+              <a:ext uri="{28A0092B-C50C-407E-A947-70E740481C1C}">
+                <a14:useLocalDpi xmlns:a14="http://schemas.microsoft.com/office/drawing/2010/main" val="0"/>
+              </a:ext>
+            </a:extLst>
+          </a:blip>
+          <a:srcRect l="59472" t="50250" r="5326" b="7406"/>
+          <a:stretch>
+            <a:fillRect/>
+          </a:stretch>
+        </p:blipFill>
+        <p:spPr>
+          <a:xfrm>
+            <a:off x="10706100" y="5790996"/>
+            <a:ext cx="1485900" cy="1067003"/>
+          </a:xfrm>
+          <a:prstGeom prst="rect">
+            <a:avLst/>
+          </a:prstGeom>
+        </p:spPr>
+      </p:pic>
+    </p:spTree>
+    <p:extLst>
+      <p:ext uri="{BB962C8B-B14F-4D97-AF65-F5344CB8AC3E}">
+        <p14:creationId xmlns:p14="http://schemas.microsoft.com/office/powerpoint/2010/main" val="1241801590"/>
+      </p:ext>
+    </p:extLst>
+  </p:cSld>
+  <p:clrMapOvr>
+    <a:masterClrMapping/>
+  </p:clrMapOvr>
+</p:sld>
+</file>
+
+<file path=ppt/slides/slide5.xml><?xml version="1.0" encoding="utf-8"?>
+<p:sld xmlns:a="http://schemas.openxmlformats.org/drawingml/2006/main" xmlns:r="http://schemas.openxmlformats.org/officeDocument/2006/relationships" xmlns:p="http://schemas.openxmlformats.org/presentationml/2006/main">
+  <p:cSld>
+    <p:spTree>
+      <p:nvGrpSpPr>
+        <p:cNvPr id="1" name=""/>
+        <p:cNvGrpSpPr/>
+        <p:nvPr/>
+      </p:nvGrpSpPr>
+      <p:grpSpPr>
+        <a:xfrm>
+          <a:off x="0" y="0"/>
+          <a:ext cx="0" cy="0"/>
+          <a:chOff x="0" y="0"/>
+          <a:chExt cx="0" cy="0"/>
+        </a:xfrm>
+      </p:grpSpPr>
+      <p:pic>
+        <p:nvPicPr>
+          <p:cNvPr id="4" name="图片 3">
+            <a:extLst>
+              <a:ext uri="{FF2B5EF4-FFF2-40B4-BE49-F238E27FC236}">
+                <a16:creationId xmlns:a16="http://schemas.microsoft.com/office/drawing/2014/main" id="{91CCA718-5106-4C41-90B5-A46705790D51}"/>
+              </a:ext>
+            </a:extLst>
+          </p:cNvPr>
+          <p:cNvPicPr>
+            <a:picLocks noChangeAspect="1"/>
+          </p:cNvPicPr>
+          <p:nvPr/>
+        </p:nvPicPr>
+        <p:blipFill rotWithShape="1">
+          <a:blip r:embed="rId2" cstate="print">
+            <a:extLst>
+              <a:ext uri="{BEBA8EAE-BF5A-486C-A8C5-ECC9F3942E4B}">
+                <a14:imgProps xmlns:a14="http://schemas.microsoft.com/office/drawing/2010/main">
+                  <a14:imgLayer r:embed="rId3">
+                    <a14:imgEffect>
+                      <a14:backgroundRemoval t="0" b="64834" l="0" r="52450"/>
+                    </a14:imgEffect>
+                  </a14:imgLayer>
+                </a14:imgProps>
+              </a:ext>
+              <a:ext uri="{28A0092B-C50C-407E-A947-70E740481C1C}">
+                <a14:useLocalDpi xmlns:a14="http://schemas.microsoft.com/office/drawing/2010/main" val="0"/>
+              </a:ext>
+            </a:extLst>
+          </a:blip>
+          <a:srcRect l="4796" t="7905" r="68334" b="39870"/>
+          <a:stretch>
+            <a:fillRect/>
+          </a:stretch>
+        </p:blipFill>
+        <p:spPr>
+          <a:xfrm>
+            <a:off x="0" y="0"/>
+            <a:ext cx="1291586" cy="1498600"/>
+          </a:xfrm>
+          <a:prstGeom prst="rect">
+            <a:avLst/>
+          </a:prstGeom>
+        </p:spPr>
+      </p:pic>
+      <p:pic>
+        <p:nvPicPr>
+          <p:cNvPr id="5" name="图片 4">
+            <a:extLst>
+              <a:ext uri="{FF2B5EF4-FFF2-40B4-BE49-F238E27FC236}">
+                <a16:creationId xmlns:a16="http://schemas.microsoft.com/office/drawing/2014/main" id="{1EB09952-A6B7-4985-A73F-B21B94CD0383}"/>
+              </a:ext>
+            </a:extLst>
+          </p:cNvPr>
+          <p:cNvPicPr>
+            <a:picLocks noChangeAspect="1"/>
+          </p:cNvPicPr>
+          <p:nvPr/>
+        </p:nvPicPr>
+        <p:blipFill rotWithShape="1">
+          <a:blip r:embed="rId4" cstate="print">
+            <a:extLst>
+              <a:ext uri="{BEBA8EAE-BF5A-486C-A8C5-ECC9F3942E4B}">
+                <a14:imgProps xmlns:a14="http://schemas.microsoft.com/office/drawing/2010/main">
+                  <a14:imgLayer r:embed="rId5">
+                    <a14:imgEffect>
+                      <a14:backgroundRemoval t="45230" b="100000" l="56481" r="100000">
+                        <a14:foregroundMark x1="99638" y1="46483" x2="99928" y2="91512"/>
+                        <a14:foregroundMark x1="97852" y1="46160" x2="82694" y2="71584"/>
+                        <a14:foregroundMark x1="80908" y1="70493" x2="57229" y2="98868"/>
+                        <a14:foregroundMark x1="96259" y1="47251" x2="81101" y2="68270"/>
+                        <a14:foregroundMark x1="65749" y1="82862" x2="59015" y2="99636"/>
+                      </a14:backgroundRemoval>
+                    </a14:imgEffect>
+                  </a14:imgLayer>
+                </a14:imgProps>
+              </a:ext>
+              <a:ext uri="{28A0092B-C50C-407E-A947-70E740481C1C}">
+                <a14:useLocalDpi xmlns:a14="http://schemas.microsoft.com/office/drawing/2010/main" val="0"/>
+              </a:ext>
+            </a:extLst>
+          </a:blip>
+          <a:srcRect l="59472" t="50250" r="5326" b="7406"/>
+          <a:stretch>
+            <a:fillRect/>
+          </a:stretch>
+        </p:blipFill>
+        <p:spPr>
+          <a:xfrm>
+            <a:off x="10706100" y="5790996"/>
+            <a:ext cx="1485900" cy="1067003"/>
+          </a:xfrm>
+          <a:prstGeom prst="rect">
+            <a:avLst/>
+          </a:prstGeom>
+        </p:spPr>
+      </p:pic>
+    </p:spTree>
+    <p:extLst>
+      <p:ext uri="{BB962C8B-B14F-4D97-AF65-F5344CB8AC3E}">
+        <p14:creationId xmlns:p14="http://schemas.microsoft.com/office/powerpoint/2010/main" val="2999539733"/>
+      </p:ext>
+    </p:extLst>
+  </p:cSld>
+  <p:clrMapOvr>
+    <a:masterClrMapping/>
+  </p:clrMapOvr>
 </p:sld>
 </file>
 

--- a/电商离线数据仓库流程架构.pptx
+++ b/电商离线数据仓库流程架构.pptx
@@ -263,7 +263,7 @@
           <a:p>
             <a:fld id="{1129E15B-970B-47A3-8C8F-22DF97A0F1AB}" type="datetimeFigureOut">
               <a:rPr lang="zh-CN" altLang="en-US" smtClean="0"/>
-              <a:t>2022/1/15</a:t>
+              <a:t>2022/1/19</a:t>
             </a:fld>
             <a:endParaRPr lang="zh-CN" altLang="en-US"/>
           </a:p>
@@ -461,7 +461,7 @@
           <a:p>
             <a:fld id="{1129E15B-970B-47A3-8C8F-22DF97A0F1AB}" type="datetimeFigureOut">
               <a:rPr lang="zh-CN" altLang="en-US" smtClean="0"/>
-              <a:t>2022/1/15</a:t>
+              <a:t>2022/1/19</a:t>
             </a:fld>
             <a:endParaRPr lang="zh-CN" altLang="en-US"/>
           </a:p>
@@ -669,7 +669,7 @@
           <a:p>
             <a:fld id="{1129E15B-970B-47A3-8C8F-22DF97A0F1AB}" type="datetimeFigureOut">
               <a:rPr lang="zh-CN" altLang="en-US" smtClean="0"/>
-              <a:t>2022/1/15</a:t>
+              <a:t>2022/1/19</a:t>
             </a:fld>
             <a:endParaRPr lang="zh-CN" altLang="en-US"/>
           </a:p>
@@ -867,7 +867,7 @@
           <a:p>
             <a:fld id="{1129E15B-970B-47A3-8C8F-22DF97A0F1AB}" type="datetimeFigureOut">
               <a:rPr lang="zh-CN" altLang="en-US" smtClean="0"/>
-              <a:t>2022/1/15</a:t>
+              <a:t>2022/1/19</a:t>
             </a:fld>
             <a:endParaRPr lang="zh-CN" altLang="en-US"/>
           </a:p>
@@ -1142,7 +1142,7 @@
           <a:p>
             <a:fld id="{1129E15B-970B-47A3-8C8F-22DF97A0F1AB}" type="datetimeFigureOut">
               <a:rPr lang="zh-CN" altLang="en-US" smtClean="0"/>
-              <a:t>2022/1/15</a:t>
+              <a:t>2022/1/19</a:t>
             </a:fld>
             <a:endParaRPr lang="zh-CN" altLang="en-US"/>
           </a:p>
@@ -1407,7 +1407,7 @@
           <a:p>
             <a:fld id="{1129E15B-970B-47A3-8C8F-22DF97A0F1AB}" type="datetimeFigureOut">
               <a:rPr lang="zh-CN" altLang="en-US" smtClean="0"/>
-              <a:t>2022/1/15</a:t>
+              <a:t>2022/1/19</a:t>
             </a:fld>
             <a:endParaRPr lang="zh-CN" altLang="en-US"/>
           </a:p>
@@ -1819,7 +1819,7 @@
           <a:p>
             <a:fld id="{1129E15B-970B-47A3-8C8F-22DF97A0F1AB}" type="datetimeFigureOut">
               <a:rPr lang="zh-CN" altLang="en-US" smtClean="0"/>
-              <a:t>2022/1/15</a:t>
+              <a:t>2022/1/19</a:t>
             </a:fld>
             <a:endParaRPr lang="zh-CN" altLang="en-US"/>
           </a:p>
@@ -1960,7 +1960,7 @@
           <a:p>
             <a:fld id="{1129E15B-970B-47A3-8C8F-22DF97A0F1AB}" type="datetimeFigureOut">
               <a:rPr lang="zh-CN" altLang="en-US" smtClean="0"/>
-              <a:t>2022/1/15</a:t>
+              <a:t>2022/1/19</a:t>
             </a:fld>
             <a:endParaRPr lang="zh-CN" altLang="en-US"/>
           </a:p>
@@ -2073,7 +2073,7 @@
           <a:p>
             <a:fld id="{1129E15B-970B-47A3-8C8F-22DF97A0F1AB}" type="datetimeFigureOut">
               <a:rPr lang="zh-CN" altLang="en-US" smtClean="0"/>
-              <a:t>2022/1/15</a:t>
+              <a:t>2022/1/19</a:t>
             </a:fld>
             <a:endParaRPr lang="zh-CN" altLang="en-US"/>
           </a:p>
@@ -2384,7 +2384,7 @@
           <a:p>
             <a:fld id="{1129E15B-970B-47A3-8C8F-22DF97A0F1AB}" type="datetimeFigureOut">
               <a:rPr lang="zh-CN" altLang="en-US" smtClean="0"/>
-              <a:t>2022/1/15</a:t>
+              <a:t>2022/1/19</a:t>
             </a:fld>
             <a:endParaRPr lang="zh-CN" altLang="en-US"/>
           </a:p>
@@ -2672,7 +2672,7 @@
           <a:p>
             <a:fld id="{1129E15B-970B-47A3-8C8F-22DF97A0F1AB}" type="datetimeFigureOut">
               <a:rPr lang="zh-CN" altLang="en-US" smtClean="0"/>
-              <a:t>2022/1/15</a:t>
+              <a:t>2022/1/19</a:t>
             </a:fld>
             <a:endParaRPr lang="zh-CN" altLang="en-US"/>
           </a:p>
@@ -2913,7 +2913,7 @@
           <a:p>
             <a:fld id="{1129E15B-970B-47A3-8C8F-22DF97A0F1AB}" type="datetimeFigureOut">
               <a:rPr lang="zh-CN" altLang="en-US" smtClean="0"/>
-              <a:t>2022/1/15</a:t>
+              <a:t>2022/1/19</a:t>
             </a:fld>
             <a:endParaRPr lang="zh-CN" altLang="en-US"/>
           </a:p>
@@ -3610,6 +3610,411 @@
           </a:prstGeom>
         </p:spPr>
       </p:pic>
+      <p:sp>
+        <p:nvSpPr>
+          <p:cNvPr id="6" name="矩形 5">
+            <a:extLst>
+              <a:ext uri="{FF2B5EF4-FFF2-40B4-BE49-F238E27FC236}">
+                <a16:creationId xmlns:a16="http://schemas.microsoft.com/office/drawing/2014/main" id="{4120470C-C484-4927-A764-B776E3F71F80}"/>
+              </a:ext>
+            </a:extLst>
+          </p:cNvPr>
+          <p:cNvSpPr/>
+          <p:nvPr/>
+        </p:nvSpPr>
+        <p:spPr>
+          <a:xfrm>
+            <a:off x="3707524" y="969579"/>
+            <a:ext cx="4776951" cy="591207"/>
+          </a:xfrm>
+          <a:prstGeom prst="rect">
+            <a:avLst/>
+          </a:prstGeom>
+        </p:spPr>
+        <p:style>
+          <a:lnRef idx="2">
+            <a:schemeClr val="accent5">
+              <a:shade val="50000"/>
+            </a:schemeClr>
+          </a:lnRef>
+          <a:fillRef idx="1">
+            <a:schemeClr val="accent5"/>
+          </a:fillRef>
+          <a:effectRef idx="0">
+            <a:schemeClr val="accent5"/>
+          </a:effectRef>
+          <a:fontRef idx="minor">
+            <a:schemeClr val="lt1"/>
+          </a:fontRef>
+        </p:style>
+        <p:txBody>
+          <a:bodyPr rtlCol="0" anchor="ctr"/>
+          <a:lstStyle/>
+          <a:p>
+            <a:pPr algn="ctr"/>
+            <a:r>
+              <a:rPr lang="zh-CN" altLang="en-US" sz="2800" dirty="0"/>
+              <a:t>电商离线数据仓库</a:t>
+            </a:r>
+          </a:p>
+        </p:txBody>
+      </p:sp>
+      <p:sp>
+        <p:nvSpPr>
+          <p:cNvPr id="7" name="矩形 6">
+            <a:extLst>
+              <a:ext uri="{FF2B5EF4-FFF2-40B4-BE49-F238E27FC236}">
+                <a16:creationId xmlns:a16="http://schemas.microsoft.com/office/drawing/2014/main" id="{CD20061D-1CAB-48B5-B6F6-D31753A1E8B8}"/>
+              </a:ext>
+            </a:extLst>
+          </p:cNvPr>
+          <p:cNvSpPr/>
+          <p:nvPr/>
+        </p:nvSpPr>
+        <p:spPr>
+          <a:xfrm>
+            <a:off x="433552" y="2695904"/>
+            <a:ext cx="2325413" cy="583324"/>
+          </a:xfrm>
+          <a:prstGeom prst="rect">
+            <a:avLst/>
+          </a:prstGeom>
+        </p:spPr>
+        <p:style>
+          <a:lnRef idx="1">
+            <a:schemeClr val="accent2"/>
+          </a:lnRef>
+          <a:fillRef idx="2">
+            <a:schemeClr val="accent2"/>
+          </a:fillRef>
+          <a:effectRef idx="1">
+            <a:schemeClr val="accent2"/>
+          </a:effectRef>
+          <a:fontRef idx="minor">
+            <a:schemeClr val="dk1"/>
+          </a:fontRef>
+        </p:style>
+        <p:txBody>
+          <a:bodyPr rtlCol="0" anchor="ctr"/>
+          <a:lstStyle/>
+          <a:p>
+            <a:pPr algn="ctr"/>
+            <a:r>
+              <a:rPr lang="zh-CN" altLang="en-US" sz="2400" dirty="0"/>
+              <a:t>数据生成模块</a:t>
+            </a:r>
+          </a:p>
+        </p:txBody>
+      </p:sp>
+      <p:sp>
+        <p:nvSpPr>
+          <p:cNvPr id="8" name="矩形 7">
+            <a:extLst>
+              <a:ext uri="{FF2B5EF4-FFF2-40B4-BE49-F238E27FC236}">
+                <a16:creationId xmlns:a16="http://schemas.microsoft.com/office/drawing/2014/main" id="{F30E1A6A-D4D6-4306-95F5-00635DB7035C}"/>
+              </a:ext>
+            </a:extLst>
+          </p:cNvPr>
+          <p:cNvSpPr/>
+          <p:nvPr/>
+        </p:nvSpPr>
+        <p:spPr>
+          <a:xfrm>
+            <a:off x="3431628" y="2695904"/>
+            <a:ext cx="2325413" cy="583324"/>
+          </a:xfrm>
+          <a:prstGeom prst="rect">
+            <a:avLst/>
+          </a:prstGeom>
+        </p:spPr>
+        <p:style>
+          <a:lnRef idx="1">
+            <a:schemeClr val="accent2"/>
+          </a:lnRef>
+          <a:fillRef idx="2">
+            <a:schemeClr val="accent2"/>
+          </a:fillRef>
+          <a:effectRef idx="1">
+            <a:schemeClr val="accent2"/>
+          </a:effectRef>
+          <a:fontRef idx="minor">
+            <a:schemeClr val="dk1"/>
+          </a:fontRef>
+        </p:style>
+        <p:txBody>
+          <a:bodyPr rtlCol="0" anchor="ctr"/>
+          <a:lstStyle/>
+          <a:p>
+            <a:pPr algn="ctr"/>
+            <a:r>
+              <a:rPr lang="zh-CN" altLang="en-US" sz="2400" dirty="0"/>
+              <a:t>数据采集模块</a:t>
+            </a:r>
+          </a:p>
+        </p:txBody>
+      </p:sp>
+      <p:sp>
+        <p:nvSpPr>
+          <p:cNvPr id="9" name="矩形 8">
+            <a:extLst>
+              <a:ext uri="{FF2B5EF4-FFF2-40B4-BE49-F238E27FC236}">
+                <a16:creationId xmlns:a16="http://schemas.microsoft.com/office/drawing/2014/main" id="{33C88DB3-E4AD-49D7-94D4-BB0863A26D85}"/>
+              </a:ext>
+            </a:extLst>
+          </p:cNvPr>
+          <p:cNvSpPr/>
+          <p:nvPr/>
+        </p:nvSpPr>
+        <p:spPr>
+          <a:xfrm>
+            <a:off x="6429704" y="2695904"/>
+            <a:ext cx="2325413" cy="583324"/>
+          </a:xfrm>
+          <a:prstGeom prst="rect">
+            <a:avLst/>
+          </a:prstGeom>
+        </p:spPr>
+        <p:style>
+          <a:lnRef idx="1">
+            <a:schemeClr val="accent2"/>
+          </a:lnRef>
+          <a:fillRef idx="2">
+            <a:schemeClr val="accent2"/>
+          </a:fillRef>
+          <a:effectRef idx="1">
+            <a:schemeClr val="accent2"/>
+          </a:effectRef>
+          <a:fontRef idx="minor">
+            <a:schemeClr val="dk1"/>
+          </a:fontRef>
+        </p:style>
+        <p:txBody>
+          <a:bodyPr rtlCol="0" anchor="ctr"/>
+          <a:lstStyle/>
+          <a:p>
+            <a:pPr algn="ctr"/>
+            <a:r>
+              <a:rPr lang="zh-CN" altLang="en-US" sz="2400" dirty="0"/>
+              <a:t>数据仓库模块</a:t>
+            </a:r>
+          </a:p>
+        </p:txBody>
+      </p:sp>
+      <p:sp>
+        <p:nvSpPr>
+          <p:cNvPr id="10" name="矩形 9">
+            <a:extLst>
+              <a:ext uri="{FF2B5EF4-FFF2-40B4-BE49-F238E27FC236}">
+                <a16:creationId xmlns:a16="http://schemas.microsoft.com/office/drawing/2014/main" id="{8B048CB1-C557-4B03-832F-CE096DB95EAF}"/>
+              </a:ext>
+            </a:extLst>
+          </p:cNvPr>
+          <p:cNvSpPr/>
+          <p:nvPr/>
+        </p:nvSpPr>
+        <p:spPr>
+          <a:xfrm>
+            <a:off x="9427780" y="2695904"/>
+            <a:ext cx="2325413" cy="583324"/>
+          </a:xfrm>
+          <a:prstGeom prst="rect">
+            <a:avLst/>
+          </a:prstGeom>
+        </p:spPr>
+        <p:style>
+          <a:lnRef idx="1">
+            <a:schemeClr val="accent2"/>
+          </a:lnRef>
+          <a:fillRef idx="2">
+            <a:schemeClr val="accent2"/>
+          </a:fillRef>
+          <a:effectRef idx="1">
+            <a:schemeClr val="accent2"/>
+          </a:effectRef>
+          <a:fontRef idx="minor">
+            <a:schemeClr val="dk1"/>
+          </a:fontRef>
+        </p:style>
+        <p:txBody>
+          <a:bodyPr rtlCol="0" anchor="ctr"/>
+          <a:lstStyle/>
+          <a:p>
+            <a:pPr algn="ctr"/>
+            <a:r>
+              <a:rPr lang="zh-CN" altLang="en-US" sz="2400" dirty="0"/>
+              <a:t>附加辅助模块</a:t>
+            </a:r>
+          </a:p>
+        </p:txBody>
+      </p:sp>
+      <p:cxnSp>
+        <p:nvCxnSpPr>
+          <p:cNvPr id="12" name="连接符: 肘形 11">
+            <a:extLst>
+              <a:ext uri="{FF2B5EF4-FFF2-40B4-BE49-F238E27FC236}">
+                <a16:creationId xmlns:a16="http://schemas.microsoft.com/office/drawing/2014/main" id="{C3C31581-3BCD-48A2-9BEB-F4CD4D721BD0}"/>
+              </a:ext>
+            </a:extLst>
+          </p:cNvPr>
+          <p:cNvCxnSpPr>
+            <a:stCxn id="6" idx="2"/>
+            <a:endCxn id="7" idx="0"/>
+          </p:cNvCxnSpPr>
+          <p:nvPr/>
+        </p:nvCxnSpPr>
+        <p:spPr>
+          <a:xfrm rot="5400000">
+            <a:off x="3278571" y="-121525"/>
+            <a:ext cx="1135118" cy="4499741"/>
+          </a:xfrm>
+          <a:prstGeom prst="bentConnector3">
+            <a:avLst/>
+          </a:prstGeom>
+          <a:ln>
+            <a:tailEnd type="triangle"/>
+          </a:ln>
+        </p:spPr>
+        <p:style>
+          <a:lnRef idx="1">
+            <a:schemeClr val="accent1"/>
+          </a:lnRef>
+          <a:fillRef idx="0">
+            <a:schemeClr val="accent1"/>
+          </a:fillRef>
+          <a:effectRef idx="0">
+            <a:schemeClr val="accent1"/>
+          </a:effectRef>
+          <a:fontRef idx="minor">
+            <a:schemeClr val="tx1"/>
+          </a:fontRef>
+        </p:style>
+      </p:cxnSp>
+      <p:cxnSp>
+        <p:nvCxnSpPr>
+          <p:cNvPr id="14" name="连接符: 肘形 13">
+            <a:extLst>
+              <a:ext uri="{FF2B5EF4-FFF2-40B4-BE49-F238E27FC236}">
+                <a16:creationId xmlns:a16="http://schemas.microsoft.com/office/drawing/2014/main" id="{52D01E5E-C8C5-4AFB-9F9B-B151C3C29587}"/>
+              </a:ext>
+            </a:extLst>
+          </p:cNvPr>
+          <p:cNvCxnSpPr>
+            <a:stCxn id="6" idx="2"/>
+            <a:endCxn id="8" idx="0"/>
+          </p:cNvCxnSpPr>
+          <p:nvPr/>
+        </p:nvCxnSpPr>
+        <p:spPr>
+          <a:xfrm rot="5400000">
+            <a:off x="4777609" y="1377513"/>
+            <a:ext cx="1135118" cy="1501665"/>
+          </a:xfrm>
+          <a:prstGeom prst="bentConnector3">
+            <a:avLst/>
+          </a:prstGeom>
+          <a:ln>
+            <a:tailEnd type="triangle"/>
+          </a:ln>
+        </p:spPr>
+        <p:style>
+          <a:lnRef idx="1">
+            <a:schemeClr val="accent1"/>
+          </a:lnRef>
+          <a:fillRef idx="0">
+            <a:schemeClr val="accent1"/>
+          </a:fillRef>
+          <a:effectRef idx="0">
+            <a:schemeClr val="accent1"/>
+          </a:effectRef>
+          <a:fontRef idx="minor">
+            <a:schemeClr val="tx1"/>
+          </a:fontRef>
+        </p:style>
+      </p:cxnSp>
+      <p:cxnSp>
+        <p:nvCxnSpPr>
+          <p:cNvPr id="16" name="连接符: 肘形 15">
+            <a:extLst>
+              <a:ext uri="{FF2B5EF4-FFF2-40B4-BE49-F238E27FC236}">
+                <a16:creationId xmlns:a16="http://schemas.microsoft.com/office/drawing/2014/main" id="{2F3BC469-ED8C-418F-B8B7-87FD22C69E66}"/>
+              </a:ext>
+            </a:extLst>
+          </p:cNvPr>
+          <p:cNvCxnSpPr>
+            <a:stCxn id="6" idx="2"/>
+            <a:endCxn id="9" idx="0"/>
+          </p:cNvCxnSpPr>
+          <p:nvPr/>
+        </p:nvCxnSpPr>
+        <p:spPr>
+          <a:xfrm rot="16200000" flipH="1">
+            <a:off x="6276646" y="1380139"/>
+            <a:ext cx="1135118" cy="1496411"/>
+          </a:xfrm>
+          <a:prstGeom prst="bentConnector3">
+            <a:avLst/>
+          </a:prstGeom>
+          <a:ln>
+            <a:tailEnd type="triangle"/>
+          </a:ln>
+        </p:spPr>
+        <p:style>
+          <a:lnRef idx="1">
+            <a:schemeClr val="accent1"/>
+          </a:lnRef>
+          <a:fillRef idx="0">
+            <a:schemeClr val="accent1"/>
+          </a:fillRef>
+          <a:effectRef idx="0">
+            <a:schemeClr val="accent1"/>
+          </a:effectRef>
+          <a:fontRef idx="minor">
+            <a:schemeClr val="tx1"/>
+          </a:fontRef>
+        </p:style>
+      </p:cxnSp>
+      <p:cxnSp>
+        <p:nvCxnSpPr>
+          <p:cNvPr id="18" name="连接符: 肘形 17">
+            <a:extLst>
+              <a:ext uri="{FF2B5EF4-FFF2-40B4-BE49-F238E27FC236}">
+                <a16:creationId xmlns:a16="http://schemas.microsoft.com/office/drawing/2014/main" id="{AA2F2D33-1033-401B-9ADD-2F2470152F4A}"/>
+              </a:ext>
+            </a:extLst>
+          </p:cNvPr>
+          <p:cNvCxnSpPr>
+            <a:stCxn id="6" idx="2"/>
+            <a:endCxn id="10" idx="0"/>
+          </p:cNvCxnSpPr>
+          <p:nvPr/>
+        </p:nvCxnSpPr>
+        <p:spPr>
+          <a:xfrm rot="16200000" flipH="1">
+            <a:off x="7775684" y="-118899"/>
+            <a:ext cx="1135118" cy="4494487"/>
+          </a:xfrm>
+          <a:prstGeom prst="bentConnector3">
+            <a:avLst/>
+          </a:prstGeom>
+          <a:ln>
+            <a:tailEnd type="triangle"/>
+          </a:ln>
+        </p:spPr>
+        <p:style>
+          <a:lnRef idx="1">
+            <a:schemeClr val="accent1"/>
+          </a:lnRef>
+          <a:fillRef idx="0">
+            <a:schemeClr val="accent1"/>
+          </a:fillRef>
+          <a:effectRef idx="0">
+            <a:schemeClr val="accent1"/>
+          </a:effectRef>
+          <a:fontRef idx="minor">
+            <a:schemeClr val="tx1"/>
+          </a:fontRef>
+        </p:style>
+      </p:cxnSp>
     </p:spTree>
     <p:extLst>
       <p:ext uri="{BB962C8B-B14F-4D97-AF65-F5344CB8AC3E}">

--- a/电商离线数据仓库流程架构.pptx
+++ b/电商离线数据仓库流程架构.pptx
@@ -6,10 +6,12 @@
   </p:sldMasterIdLst>
   <p:sldIdLst>
     <p:sldId id="257" r:id="rId2"/>
-    <p:sldId id="258" r:id="rId3"/>
-    <p:sldId id="256" r:id="rId4"/>
-    <p:sldId id="259" r:id="rId5"/>
-    <p:sldId id="260" r:id="rId6"/>
+    <p:sldId id="262" r:id="rId3"/>
+    <p:sldId id="261" r:id="rId4"/>
+    <p:sldId id="258" r:id="rId5"/>
+    <p:sldId id="256" r:id="rId6"/>
+    <p:sldId id="259" r:id="rId7"/>
+    <p:sldId id="260" r:id="rId8"/>
   </p:sldIdLst>
   <p:sldSz cx="12192000" cy="6858000"/>
   <p:notesSz cx="6858000" cy="9144000"/>
@@ -263,7 +265,7 @@
           <a:p>
             <a:fld id="{1129E15B-970B-47A3-8C8F-22DF97A0F1AB}" type="datetimeFigureOut">
               <a:rPr lang="zh-CN" altLang="en-US" smtClean="0"/>
-              <a:t>2022/1/19</a:t>
+              <a:t>2022/1/20</a:t>
             </a:fld>
             <a:endParaRPr lang="zh-CN" altLang="en-US"/>
           </a:p>
@@ -461,7 +463,7 @@
           <a:p>
             <a:fld id="{1129E15B-970B-47A3-8C8F-22DF97A0F1AB}" type="datetimeFigureOut">
               <a:rPr lang="zh-CN" altLang="en-US" smtClean="0"/>
-              <a:t>2022/1/19</a:t>
+              <a:t>2022/1/20</a:t>
             </a:fld>
             <a:endParaRPr lang="zh-CN" altLang="en-US"/>
           </a:p>
@@ -669,7 +671,7 @@
           <a:p>
             <a:fld id="{1129E15B-970B-47A3-8C8F-22DF97A0F1AB}" type="datetimeFigureOut">
               <a:rPr lang="zh-CN" altLang="en-US" smtClean="0"/>
-              <a:t>2022/1/19</a:t>
+              <a:t>2022/1/20</a:t>
             </a:fld>
             <a:endParaRPr lang="zh-CN" altLang="en-US"/>
           </a:p>
@@ -867,7 +869,7 @@
           <a:p>
             <a:fld id="{1129E15B-970B-47A3-8C8F-22DF97A0F1AB}" type="datetimeFigureOut">
               <a:rPr lang="zh-CN" altLang="en-US" smtClean="0"/>
-              <a:t>2022/1/19</a:t>
+              <a:t>2022/1/20</a:t>
             </a:fld>
             <a:endParaRPr lang="zh-CN" altLang="en-US"/>
           </a:p>
@@ -1142,7 +1144,7 @@
           <a:p>
             <a:fld id="{1129E15B-970B-47A3-8C8F-22DF97A0F1AB}" type="datetimeFigureOut">
               <a:rPr lang="zh-CN" altLang="en-US" smtClean="0"/>
-              <a:t>2022/1/19</a:t>
+              <a:t>2022/1/20</a:t>
             </a:fld>
             <a:endParaRPr lang="zh-CN" altLang="en-US"/>
           </a:p>
@@ -1407,7 +1409,7 @@
           <a:p>
             <a:fld id="{1129E15B-970B-47A3-8C8F-22DF97A0F1AB}" type="datetimeFigureOut">
               <a:rPr lang="zh-CN" altLang="en-US" smtClean="0"/>
-              <a:t>2022/1/19</a:t>
+              <a:t>2022/1/20</a:t>
             </a:fld>
             <a:endParaRPr lang="zh-CN" altLang="en-US"/>
           </a:p>
@@ -1819,7 +1821,7 @@
           <a:p>
             <a:fld id="{1129E15B-970B-47A3-8C8F-22DF97A0F1AB}" type="datetimeFigureOut">
               <a:rPr lang="zh-CN" altLang="en-US" smtClean="0"/>
-              <a:t>2022/1/19</a:t>
+              <a:t>2022/1/20</a:t>
             </a:fld>
             <a:endParaRPr lang="zh-CN" altLang="en-US"/>
           </a:p>
@@ -1960,7 +1962,7 @@
           <a:p>
             <a:fld id="{1129E15B-970B-47A3-8C8F-22DF97A0F1AB}" type="datetimeFigureOut">
               <a:rPr lang="zh-CN" altLang="en-US" smtClean="0"/>
-              <a:t>2022/1/19</a:t>
+              <a:t>2022/1/20</a:t>
             </a:fld>
             <a:endParaRPr lang="zh-CN" altLang="en-US"/>
           </a:p>
@@ -2073,7 +2075,7 @@
           <a:p>
             <a:fld id="{1129E15B-970B-47A3-8C8F-22DF97A0F1AB}" type="datetimeFigureOut">
               <a:rPr lang="zh-CN" altLang="en-US" smtClean="0"/>
-              <a:t>2022/1/19</a:t>
+              <a:t>2022/1/20</a:t>
             </a:fld>
             <a:endParaRPr lang="zh-CN" altLang="en-US"/>
           </a:p>
@@ -2384,7 +2386,7 @@
           <a:p>
             <a:fld id="{1129E15B-970B-47A3-8C8F-22DF97A0F1AB}" type="datetimeFigureOut">
               <a:rPr lang="zh-CN" altLang="en-US" smtClean="0"/>
-              <a:t>2022/1/19</a:t>
+              <a:t>2022/1/20</a:t>
             </a:fld>
             <a:endParaRPr lang="zh-CN" altLang="en-US"/>
           </a:p>
@@ -2672,7 +2674,7 @@
           <a:p>
             <a:fld id="{1129E15B-970B-47A3-8C8F-22DF97A0F1AB}" type="datetimeFigureOut">
               <a:rPr lang="zh-CN" altLang="en-US" smtClean="0"/>
-              <a:t>2022/1/19</a:t>
+              <a:t>2022/1/20</a:t>
             </a:fld>
             <a:endParaRPr lang="zh-CN" altLang="en-US"/>
           </a:p>
@@ -2913,7 +2915,7 @@
           <a:p>
             <a:fld id="{1129E15B-970B-47A3-8C8F-22DF97A0F1AB}" type="datetimeFigureOut">
               <a:rPr lang="zh-CN" altLang="en-US" smtClean="0"/>
-              <a:t>2022/1/19</a:t>
+              <a:t>2022/1/20</a:t>
             </a:fld>
             <a:endParaRPr lang="zh-CN" altLang="en-US"/>
           </a:p>
@@ -3615,6 +3617,565 @@
           <p:cNvPr id="6" name="矩形 5">
             <a:extLst>
               <a:ext uri="{FF2B5EF4-FFF2-40B4-BE49-F238E27FC236}">
+                <a16:creationId xmlns:a16="http://schemas.microsoft.com/office/drawing/2014/main" id="{AD1124CB-3130-4E8E-A021-713D23385E19}"/>
+              </a:ext>
+            </a:extLst>
+          </p:cNvPr>
+          <p:cNvSpPr/>
+          <p:nvPr/>
+        </p:nvSpPr>
+        <p:spPr>
+          <a:xfrm>
+            <a:off x="1046920" y="69658"/>
+            <a:ext cx="1877437" cy="1107996"/>
+          </a:xfrm>
+          <a:prstGeom prst="rect">
+            <a:avLst/>
+          </a:prstGeom>
+          <a:noFill/>
+        </p:spPr>
+        <p:txBody>
+          <a:bodyPr wrap="none" lIns="91440" tIns="45720" rIns="91440" bIns="45720">
+            <a:spAutoFit/>
+          </a:bodyPr>
+          <a:lstStyle/>
+          <a:p>
+            <a:pPr algn="ctr"/>
+            <a:r>
+              <a:rPr lang="zh-CN" altLang="en-US" sz="6600" b="1" cap="none" spc="0" dirty="0">
+                <a:ln w="9525">
+                  <a:solidFill>
+                    <a:schemeClr val="bg1"/>
+                  </a:solidFill>
+                  <a:prstDash val="solid"/>
+                </a:ln>
+                <a:solidFill>
+                  <a:schemeClr val="accent5"/>
+                </a:solidFill>
+                <a:effectLst>
+                  <a:outerShdw blurRad="12700" dist="38100" dir="2700000" algn="tl" rotWithShape="0">
+                    <a:schemeClr val="accent5">
+                      <a:lumMod val="60000"/>
+                      <a:lumOff val="40000"/>
+                    </a:schemeClr>
+                  </a:outerShdw>
+                </a:effectLst>
+              </a:rPr>
+              <a:t>目录</a:t>
+            </a:r>
+          </a:p>
+        </p:txBody>
+      </p:sp>
+      <p:sp>
+        <p:nvSpPr>
+          <p:cNvPr id="7" name="文本框 6">
+            <a:extLst>
+              <a:ext uri="{FF2B5EF4-FFF2-40B4-BE49-F238E27FC236}">
+                <a16:creationId xmlns:a16="http://schemas.microsoft.com/office/drawing/2014/main" id="{49363362-7C92-4FC3-A487-3629242102DB}"/>
+              </a:ext>
+            </a:extLst>
+          </p:cNvPr>
+          <p:cNvSpPr txBox="1"/>
+          <p:nvPr/>
+        </p:nvSpPr>
+        <p:spPr>
+          <a:xfrm>
+            <a:off x="2924357" y="2228671"/>
+            <a:ext cx="6094520" cy="1846659"/>
+          </a:xfrm>
+          <a:prstGeom prst="rect">
+            <a:avLst/>
+          </a:prstGeom>
+          <a:noFill/>
+        </p:spPr>
+        <p:txBody>
+          <a:bodyPr wrap="square">
+            <a:spAutoFit/>
+          </a:bodyPr>
+          <a:lstStyle/>
+          <a:p>
+            <a:r>
+              <a:rPr lang="zh-CN" altLang="en-US" sz="2400" b="1" cap="none" spc="0" dirty="0">
+                <a:ln w="0"/>
+                <a:solidFill>
+                  <a:schemeClr val="tx1"/>
+                </a:solidFill>
+                <a:latin typeface="黑体" panose="02010609060101010101" pitchFamily="49" charset="-122"/>
+                <a:ea typeface="黑体" panose="02010609060101010101" pitchFamily="49" charset="-122"/>
+              </a:rPr>
+              <a:t>一、项目介绍</a:t>
+            </a:r>
+            <a:endParaRPr lang="en-US" altLang="zh-CN" sz="2400" b="1" cap="none" spc="0" dirty="0">
+              <a:ln w="0"/>
+              <a:solidFill>
+                <a:schemeClr val="tx1"/>
+              </a:solidFill>
+              <a:latin typeface="黑体" panose="02010609060101010101" pitchFamily="49" charset="-122"/>
+              <a:ea typeface="黑体" panose="02010609060101010101" pitchFamily="49" charset="-122"/>
+            </a:endParaRPr>
+          </a:p>
+          <a:p>
+            <a:r>
+              <a:rPr lang="zh-CN" altLang="en-US" sz="2400" b="1" cap="none" spc="0" dirty="0">
+                <a:ln w="0"/>
+                <a:solidFill>
+                  <a:schemeClr val="tx1"/>
+                </a:solidFill>
+                <a:latin typeface="黑体" panose="02010609060101010101" pitchFamily="49" charset="-122"/>
+                <a:ea typeface="黑体" panose="02010609060101010101" pitchFamily="49" charset="-122"/>
+              </a:rPr>
+              <a:t>二、项目功能架构图</a:t>
+            </a:r>
+          </a:p>
+          <a:p>
+            <a:r>
+              <a:rPr lang="zh-CN" altLang="en-US" sz="2400" b="1" cap="none" spc="0" dirty="0">
+                <a:ln w="0"/>
+                <a:solidFill>
+                  <a:schemeClr val="tx1"/>
+                </a:solidFill>
+                <a:latin typeface="黑体" panose="02010609060101010101" pitchFamily="49" charset="-122"/>
+                <a:ea typeface="黑体" panose="02010609060101010101" pitchFamily="49" charset="-122"/>
+              </a:rPr>
+              <a:t>三、项目流程图</a:t>
+            </a:r>
+            <a:endParaRPr lang="en-US" altLang="zh-CN" sz="2400" b="1" cap="none" spc="0" dirty="0">
+              <a:ln w="0"/>
+              <a:solidFill>
+                <a:schemeClr val="tx1"/>
+              </a:solidFill>
+              <a:latin typeface="黑体" panose="02010609060101010101" pitchFamily="49" charset="-122"/>
+              <a:ea typeface="黑体" panose="02010609060101010101" pitchFamily="49" charset="-122"/>
+            </a:endParaRPr>
+          </a:p>
+          <a:p>
+            <a:r>
+              <a:rPr lang="zh-CN" altLang="en-US" sz="2400" b="1" dirty="0">
+                <a:ln w="0"/>
+                <a:latin typeface="黑体" panose="02010609060101010101" pitchFamily="49" charset="-122"/>
+                <a:ea typeface="黑体" panose="02010609060101010101" pitchFamily="49" charset="-122"/>
+              </a:rPr>
+              <a:t>四、项目演示</a:t>
+            </a:r>
+          </a:p>
+          <a:p>
+            <a:pPr algn="ctr"/>
+            <a:endParaRPr lang="zh-CN" altLang="en-US" sz="1800" b="0" cap="none" spc="0" dirty="0">
+              <a:ln w="0"/>
+              <a:solidFill>
+                <a:schemeClr val="tx1"/>
+              </a:solidFill>
+              <a:effectLst>
+                <a:outerShdw blurRad="38100" dist="19050" dir="2700000" algn="tl" rotWithShape="0">
+                  <a:schemeClr val="dk1">
+                    <a:alpha val="40000"/>
+                  </a:schemeClr>
+                </a:outerShdw>
+              </a:effectLst>
+            </a:endParaRPr>
+          </a:p>
+        </p:txBody>
+      </p:sp>
+    </p:spTree>
+    <p:extLst>
+      <p:ext uri="{BB962C8B-B14F-4D97-AF65-F5344CB8AC3E}">
+        <p14:creationId xmlns:p14="http://schemas.microsoft.com/office/powerpoint/2010/main" val="3566467458"/>
+      </p:ext>
+    </p:extLst>
+  </p:cSld>
+  <p:clrMapOvr>
+    <a:masterClrMapping/>
+  </p:clrMapOvr>
+</p:sld>
+</file>
+
+<file path=ppt/slides/slide3.xml><?xml version="1.0" encoding="utf-8"?>
+<p:sld xmlns:a="http://schemas.openxmlformats.org/drawingml/2006/main" xmlns:r="http://schemas.openxmlformats.org/officeDocument/2006/relationships" xmlns:p="http://schemas.openxmlformats.org/presentationml/2006/main">
+  <p:cSld>
+    <p:spTree>
+      <p:nvGrpSpPr>
+        <p:cNvPr id="1" name=""/>
+        <p:cNvGrpSpPr/>
+        <p:nvPr/>
+      </p:nvGrpSpPr>
+      <p:grpSpPr>
+        <a:xfrm>
+          <a:off x="0" y="0"/>
+          <a:ext cx="0" cy="0"/>
+          <a:chOff x="0" y="0"/>
+          <a:chExt cx="0" cy="0"/>
+        </a:xfrm>
+      </p:grpSpPr>
+      <p:pic>
+        <p:nvPicPr>
+          <p:cNvPr id="4" name="图片 3">
+            <a:extLst>
+              <a:ext uri="{FF2B5EF4-FFF2-40B4-BE49-F238E27FC236}">
+                <a16:creationId xmlns:a16="http://schemas.microsoft.com/office/drawing/2014/main" id="{91CCA718-5106-4C41-90B5-A46705790D51}"/>
+              </a:ext>
+            </a:extLst>
+          </p:cNvPr>
+          <p:cNvPicPr>
+            <a:picLocks noChangeAspect="1"/>
+          </p:cNvPicPr>
+          <p:nvPr/>
+        </p:nvPicPr>
+        <p:blipFill rotWithShape="1">
+          <a:blip r:embed="rId2" cstate="print">
+            <a:extLst>
+              <a:ext uri="{BEBA8EAE-BF5A-486C-A8C5-ECC9F3942E4B}">
+                <a14:imgProps xmlns:a14="http://schemas.microsoft.com/office/drawing/2010/main">
+                  <a14:imgLayer r:embed="rId3">
+                    <a14:imgEffect>
+                      <a14:backgroundRemoval t="0" b="64834" l="0" r="52450"/>
+                    </a14:imgEffect>
+                  </a14:imgLayer>
+                </a14:imgProps>
+              </a:ext>
+              <a:ext uri="{28A0092B-C50C-407E-A947-70E740481C1C}">
+                <a14:useLocalDpi xmlns:a14="http://schemas.microsoft.com/office/drawing/2010/main" val="0"/>
+              </a:ext>
+            </a:extLst>
+          </a:blip>
+          <a:srcRect l="4796" t="7905" r="68334" b="39870"/>
+          <a:stretch>
+            <a:fillRect/>
+          </a:stretch>
+        </p:blipFill>
+        <p:spPr>
+          <a:xfrm>
+            <a:off x="0" y="0"/>
+            <a:ext cx="1291586" cy="1498600"/>
+          </a:xfrm>
+          <a:prstGeom prst="rect">
+            <a:avLst/>
+          </a:prstGeom>
+        </p:spPr>
+      </p:pic>
+      <p:pic>
+        <p:nvPicPr>
+          <p:cNvPr id="5" name="图片 4">
+            <a:extLst>
+              <a:ext uri="{FF2B5EF4-FFF2-40B4-BE49-F238E27FC236}">
+                <a16:creationId xmlns:a16="http://schemas.microsoft.com/office/drawing/2014/main" id="{1EB09952-A6B7-4985-A73F-B21B94CD0383}"/>
+              </a:ext>
+            </a:extLst>
+          </p:cNvPr>
+          <p:cNvPicPr>
+            <a:picLocks noChangeAspect="1"/>
+          </p:cNvPicPr>
+          <p:nvPr/>
+        </p:nvPicPr>
+        <p:blipFill rotWithShape="1">
+          <a:blip r:embed="rId4" cstate="print">
+            <a:extLst>
+              <a:ext uri="{BEBA8EAE-BF5A-486C-A8C5-ECC9F3942E4B}">
+                <a14:imgProps xmlns:a14="http://schemas.microsoft.com/office/drawing/2010/main">
+                  <a14:imgLayer r:embed="rId5">
+                    <a14:imgEffect>
+                      <a14:backgroundRemoval t="45230" b="100000" l="56481" r="100000">
+                        <a14:foregroundMark x1="99638" y1="46483" x2="99928" y2="91512"/>
+                        <a14:foregroundMark x1="97852" y1="46160" x2="82694" y2="71584"/>
+                        <a14:foregroundMark x1="80908" y1="70493" x2="57229" y2="98868"/>
+                        <a14:foregroundMark x1="96259" y1="47251" x2="81101" y2="68270"/>
+                        <a14:foregroundMark x1="65749" y1="82862" x2="59015" y2="99636"/>
+                      </a14:backgroundRemoval>
+                    </a14:imgEffect>
+                  </a14:imgLayer>
+                </a14:imgProps>
+              </a:ext>
+              <a:ext uri="{28A0092B-C50C-407E-A947-70E740481C1C}">
+                <a14:useLocalDpi xmlns:a14="http://schemas.microsoft.com/office/drawing/2010/main" val="0"/>
+              </a:ext>
+            </a:extLst>
+          </a:blip>
+          <a:srcRect l="59472" t="50250" r="5326" b="7406"/>
+          <a:stretch>
+            <a:fillRect/>
+          </a:stretch>
+        </p:blipFill>
+        <p:spPr>
+          <a:xfrm>
+            <a:off x="10706100" y="5790996"/>
+            <a:ext cx="1485900" cy="1067003"/>
+          </a:xfrm>
+          <a:prstGeom prst="rect">
+            <a:avLst/>
+          </a:prstGeom>
+        </p:spPr>
+      </p:pic>
+      <p:sp>
+        <p:nvSpPr>
+          <p:cNvPr id="6" name="矩形 5">
+            <a:extLst>
+              <a:ext uri="{FF2B5EF4-FFF2-40B4-BE49-F238E27FC236}">
+                <a16:creationId xmlns:a16="http://schemas.microsoft.com/office/drawing/2014/main" id="{63D66E84-EC38-43B7-A9F0-8FD1011AAA0D}"/>
+              </a:ext>
+            </a:extLst>
+          </p:cNvPr>
+          <p:cNvSpPr/>
+          <p:nvPr/>
+        </p:nvSpPr>
+        <p:spPr>
+          <a:xfrm>
+            <a:off x="4351674" y="26633"/>
+            <a:ext cx="2954655" cy="646331"/>
+          </a:xfrm>
+          <a:prstGeom prst="rect">
+            <a:avLst/>
+          </a:prstGeom>
+          <a:noFill/>
+        </p:spPr>
+        <p:txBody>
+          <a:bodyPr wrap="none" lIns="91440" tIns="45720" rIns="91440" bIns="45720">
+            <a:spAutoFit/>
+          </a:bodyPr>
+          <a:lstStyle/>
+          <a:p>
+            <a:pPr algn="ctr"/>
+            <a:r>
+              <a:rPr lang="zh-CN" altLang="en-US" sz="3600" b="0" cap="none" spc="0" dirty="0">
+                <a:ln w="0"/>
+                <a:solidFill>
+                  <a:schemeClr val="tx1"/>
+                </a:solidFill>
+                <a:effectLst>
+                  <a:outerShdw blurRad="38100" dist="19050" dir="2700000" algn="tl" rotWithShape="0">
+                    <a:schemeClr val="dk1">
+                      <a:alpha val="40000"/>
+                    </a:schemeClr>
+                  </a:outerShdw>
+                </a:effectLst>
+              </a:rPr>
+              <a:t>一、项目介绍</a:t>
+            </a:r>
+          </a:p>
+        </p:txBody>
+      </p:sp>
+      <p:sp>
+        <p:nvSpPr>
+          <p:cNvPr id="2" name="文本框 1">
+            <a:extLst>
+              <a:ext uri="{FF2B5EF4-FFF2-40B4-BE49-F238E27FC236}">
+                <a16:creationId xmlns:a16="http://schemas.microsoft.com/office/drawing/2014/main" id="{0BA6809D-B89D-4504-8668-2E2E42F0E9AC}"/>
+              </a:ext>
+            </a:extLst>
+          </p:cNvPr>
+          <p:cNvSpPr txBox="1"/>
+          <p:nvPr/>
+        </p:nvSpPr>
+        <p:spPr>
+          <a:xfrm>
+            <a:off x="880368" y="1585763"/>
+            <a:ext cx="10431263" cy="1569660"/>
+          </a:xfrm>
+          <a:prstGeom prst="rect">
+            <a:avLst/>
+          </a:prstGeom>
+          <a:noFill/>
+        </p:spPr>
+        <p:txBody>
+          <a:bodyPr wrap="square" rtlCol="0">
+            <a:spAutoFit/>
+          </a:bodyPr>
+          <a:lstStyle/>
+          <a:p>
+            <a:r>
+              <a:rPr lang="en-US" altLang="zh-CN" sz="2400" kern="100" dirty="0">
+                <a:latin typeface="Times New Roman" panose="02020603050405020304" pitchFamily="18" charset="0"/>
+                <a:ea typeface="宋体" panose="02010600030101010101" pitchFamily="2" charset="-122"/>
+              </a:rPr>
+              <a:t>       </a:t>
+            </a:r>
+            <a:r>
+              <a:rPr lang="zh-CN" altLang="zh-CN" sz="2400" kern="100" dirty="0">
+                <a:latin typeface="Times New Roman" panose="02020603050405020304" pitchFamily="18" charset="0"/>
+                <a:ea typeface="宋体" panose="02010600030101010101" pitchFamily="2" charset="-122"/>
+              </a:rPr>
+              <a:t>数据仓库（</a:t>
+            </a:r>
+            <a:r>
+              <a:rPr lang="en-US" altLang="zh-CN" sz="2400" kern="100" dirty="0">
+                <a:latin typeface="Times New Roman" panose="02020603050405020304" pitchFamily="18" charset="0"/>
+                <a:ea typeface="宋体" panose="02010600030101010101" pitchFamily="2" charset="-122"/>
+              </a:rPr>
+              <a:t> Data Warehouse </a:t>
+            </a:r>
+            <a:r>
+              <a:rPr lang="zh-CN" altLang="zh-CN" sz="2400" kern="100" dirty="0">
+                <a:latin typeface="Times New Roman" panose="02020603050405020304" pitchFamily="18" charset="0"/>
+                <a:ea typeface="宋体" panose="02010600030101010101" pitchFamily="2" charset="-122"/>
+              </a:rPr>
+              <a:t>），是为企业制定决策，提供数据支持的。可以帮助企业，改进业务流程、提高产品质量等。该项目是一个以电子商务为背景的离线数据仓库，基于真实的企业需求与环境搭建，完成一套完整的电商数据业务流程，</a:t>
+            </a:r>
+            <a:r>
+              <a:rPr lang="zh-CN" altLang="en-US" sz="2400" kern="100" dirty="0">
+                <a:latin typeface="Times New Roman" panose="02020603050405020304" pitchFamily="18" charset="0"/>
+                <a:ea typeface="宋体" panose="02010600030101010101" pitchFamily="2" charset="-122"/>
+              </a:rPr>
+              <a:t>进行可视化呈现，</a:t>
+            </a:r>
+            <a:r>
+              <a:rPr lang="zh-CN" altLang="zh-CN" sz="2400" kern="100" dirty="0">
+                <a:latin typeface="Times New Roman" panose="02020603050405020304" pitchFamily="18" charset="0"/>
+                <a:ea typeface="宋体" panose="02010600030101010101" pitchFamily="2" charset="-122"/>
+              </a:rPr>
+              <a:t>为</a:t>
+            </a:r>
+            <a:r>
+              <a:rPr lang="zh-CN" altLang="en-US" sz="2400" kern="100" dirty="0">
+                <a:latin typeface="Times New Roman" panose="02020603050405020304" pitchFamily="18" charset="0"/>
+                <a:ea typeface="宋体" panose="02010600030101010101" pitchFamily="2" charset="-122"/>
+              </a:rPr>
+              <a:t>商业</a:t>
+            </a:r>
+            <a:r>
+              <a:rPr lang="zh-CN" altLang="zh-CN" sz="2400" kern="100" dirty="0">
+                <a:latin typeface="Times New Roman" panose="02020603050405020304" pitchFamily="18" charset="0"/>
+                <a:ea typeface="宋体" panose="02010600030101010101" pitchFamily="2" charset="-122"/>
+              </a:rPr>
+              <a:t>决策提供数据分析的支持。</a:t>
+            </a:r>
+            <a:endParaRPr lang="en-US" altLang="zh-CN" sz="2400" kern="100" dirty="0">
+              <a:latin typeface="Times New Roman" panose="02020603050405020304" pitchFamily="18" charset="0"/>
+              <a:ea typeface="宋体" panose="02010600030101010101" pitchFamily="2" charset="-122"/>
+            </a:endParaRPr>
+          </a:p>
+        </p:txBody>
+      </p:sp>
+    </p:spTree>
+    <p:extLst>
+      <p:ext uri="{BB962C8B-B14F-4D97-AF65-F5344CB8AC3E}">
+        <p14:creationId xmlns:p14="http://schemas.microsoft.com/office/powerpoint/2010/main" val="985201876"/>
+      </p:ext>
+    </p:extLst>
+  </p:cSld>
+  <p:clrMapOvr>
+    <a:masterClrMapping/>
+  </p:clrMapOvr>
+</p:sld>
+</file>
+
+<file path=ppt/slides/slide4.xml><?xml version="1.0" encoding="utf-8"?>
+<p:sld xmlns:a="http://schemas.openxmlformats.org/drawingml/2006/main" xmlns:r="http://schemas.openxmlformats.org/officeDocument/2006/relationships" xmlns:p="http://schemas.openxmlformats.org/presentationml/2006/main">
+  <p:cSld>
+    <p:spTree>
+      <p:nvGrpSpPr>
+        <p:cNvPr id="1" name=""/>
+        <p:cNvGrpSpPr/>
+        <p:nvPr/>
+      </p:nvGrpSpPr>
+      <p:grpSpPr>
+        <a:xfrm>
+          <a:off x="0" y="0"/>
+          <a:ext cx="0" cy="0"/>
+          <a:chOff x="0" y="0"/>
+          <a:chExt cx="0" cy="0"/>
+        </a:xfrm>
+      </p:grpSpPr>
+      <p:pic>
+        <p:nvPicPr>
+          <p:cNvPr id="4" name="图片 3">
+            <a:extLst>
+              <a:ext uri="{FF2B5EF4-FFF2-40B4-BE49-F238E27FC236}">
+                <a16:creationId xmlns:a16="http://schemas.microsoft.com/office/drawing/2014/main" id="{91CCA718-5106-4C41-90B5-A46705790D51}"/>
+              </a:ext>
+            </a:extLst>
+          </p:cNvPr>
+          <p:cNvPicPr>
+            <a:picLocks noChangeAspect="1"/>
+          </p:cNvPicPr>
+          <p:nvPr/>
+        </p:nvPicPr>
+        <p:blipFill rotWithShape="1">
+          <a:blip r:embed="rId2" cstate="print">
+            <a:extLst>
+              <a:ext uri="{BEBA8EAE-BF5A-486C-A8C5-ECC9F3942E4B}">
+                <a14:imgProps xmlns:a14="http://schemas.microsoft.com/office/drawing/2010/main">
+                  <a14:imgLayer r:embed="rId3">
+                    <a14:imgEffect>
+                      <a14:backgroundRemoval t="0" b="64834" l="0" r="52450"/>
+                    </a14:imgEffect>
+                  </a14:imgLayer>
+                </a14:imgProps>
+              </a:ext>
+              <a:ext uri="{28A0092B-C50C-407E-A947-70E740481C1C}">
+                <a14:useLocalDpi xmlns:a14="http://schemas.microsoft.com/office/drawing/2010/main" val="0"/>
+              </a:ext>
+            </a:extLst>
+          </a:blip>
+          <a:srcRect l="4796" t="7905" r="68334" b="39870"/>
+          <a:stretch>
+            <a:fillRect/>
+          </a:stretch>
+        </p:blipFill>
+        <p:spPr>
+          <a:xfrm>
+            <a:off x="0" y="0"/>
+            <a:ext cx="1291586" cy="1498600"/>
+          </a:xfrm>
+          <a:prstGeom prst="rect">
+            <a:avLst/>
+          </a:prstGeom>
+        </p:spPr>
+      </p:pic>
+      <p:pic>
+        <p:nvPicPr>
+          <p:cNvPr id="5" name="图片 4">
+            <a:extLst>
+              <a:ext uri="{FF2B5EF4-FFF2-40B4-BE49-F238E27FC236}">
+                <a16:creationId xmlns:a16="http://schemas.microsoft.com/office/drawing/2014/main" id="{1EB09952-A6B7-4985-A73F-B21B94CD0383}"/>
+              </a:ext>
+            </a:extLst>
+          </p:cNvPr>
+          <p:cNvPicPr>
+            <a:picLocks noChangeAspect="1"/>
+          </p:cNvPicPr>
+          <p:nvPr/>
+        </p:nvPicPr>
+        <p:blipFill rotWithShape="1">
+          <a:blip r:embed="rId4" cstate="print">
+            <a:extLst>
+              <a:ext uri="{BEBA8EAE-BF5A-486C-A8C5-ECC9F3942E4B}">
+                <a14:imgProps xmlns:a14="http://schemas.microsoft.com/office/drawing/2010/main">
+                  <a14:imgLayer r:embed="rId5">
+                    <a14:imgEffect>
+                      <a14:backgroundRemoval t="45230" b="100000" l="56481" r="100000">
+                        <a14:foregroundMark x1="99638" y1="46483" x2="99928" y2="91512"/>
+                        <a14:foregroundMark x1="97852" y1="46160" x2="82694" y2="71584"/>
+                        <a14:foregroundMark x1="80908" y1="70493" x2="57229" y2="98868"/>
+                        <a14:foregroundMark x1="96259" y1="47251" x2="81101" y2="68270"/>
+                        <a14:foregroundMark x1="65749" y1="82862" x2="59015" y2="99636"/>
+                      </a14:backgroundRemoval>
+                    </a14:imgEffect>
+                  </a14:imgLayer>
+                </a14:imgProps>
+              </a:ext>
+              <a:ext uri="{28A0092B-C50C-407E-A947-70E740481C1C}">
+                <a14:useLocalDpi xmlns:a14="http://schemas.microsoft.com/office/drawing/2010/main" val="0"/>
+              </a:ext>
+            </a:extLst>
+          </a:blip>
+          <a:srcRect l="59472" t="50250" r="5326" b="7406"/>
+          <a:stretch>
+            <a:fillRect/>
+          </a:stretch>
+        </p:blipFill>
+        <p:spPr>
+          <a:xfrm>
+            <a:off x="10706100" y="5790996"/>
+            <a:ext cx="1485900" cy="1067003"/>
+          </a:xfrm>
+          <a:prstGeom prst="rect">
+            <a:avLst/>
+          </a:prstGeom>
+        </p:spPr>
+      </p:pic>
+      <p:sp>
+        <p:nvSpPr>
+          <p:cNvPr id="6" name="矩形 5">
+            <a:extLst>
+              <a:ext uri="{FF2B5EF4-FFF2-40B4-BE49-F238E27FC236}">
                 <a16:creationId xmlns:a16="http://schemas.microsoft.com/office/drawing/2014/main" id="{4120470C-C484-4927-A764-B776E3F71F80}"/>
               </a:ext>
             </a:extLst>
@@ -3673,8 +4234,8 @@
         </p:nvSpPr>
         <p:spPr>
           <a:xfrm>
-            <a:off x="433552" y="2695904"/>
-            <a:ext cx="2325413" cy="583324"/>
+            <a:off x="775265" y="2695905"/>
+            <a:ext cx="1923986" cy="457200"/>
           </a:xfrm>
           <a:prstGeom prst="rect">
             <a:avLst/>
@@ -3700,7 +4261,7 @@
           <a:p>
             <a:pPr algn="ctr"/>
             <a:r>
-              <a:rPr lang="zh-CN" altLang="en-US" sz="2400" dirty="0"/>
+              <a:rPr lang="zh-CN" altLang="en-US" sz="2000" dirty="0"/>
               <a:t>数据生成模块</a:t>
             </a:r>
           </a:p>
@@ -3720,8 +4281,8 @@
         </p:nvSpPr>
         <p:spPr>
           <a:xfrm>
-            <a:off x="3431628" y="2695904"/>
-            <a:ext cx="2325413" cy="583324"/>
+            <a:off x="3995095" y="2695904"/>
+            <a:ext cx="1923986" cy="457200"/>
           </a:xfrm>
           <a:prstGeom prst="rect">
             <a:avLst/>
@@ -3747,7 +4308,7 @@
           <a:p>
             <a:pPr algn="ctr"/>
             <a:r>
-              <a:rPr lang="zh-CN" altLang="en-US" sz="2400" dirty="0"/>
+              <a:rPr lang="zh-CN" altLang="en-US" sz="2000" dirty="0"/>
               <a:t>数据采集模块</a:t>
             </a:r>
           </a:p>
@@ -3767,8 +4328,8 @@
         </p:nvSpPr>
         <p:spPr>
           <a:xfrm>
-            <a:off x="6429704" y="2695904"/>
-            <a:ext cx="2325413" cy="583324"/>
+            <a:off x="7168666" y="2695904"/>
+            <a:ext cx="1923986" cy="457200"/>
           </a:xfrm>
           <a:prstGeom prst="rect">
             <a:avLst/>
@@ -3794,7 +4355,7 @@
           <a:p>
             <a:pPr algn="ctr"/>
             <a:r>
-              <a:rPr lang="zh-CN" altLang="en-US" sz="2400" dirty="0"/>
+              <a:rPr lang="zh-CN" altLang="en-US" sz="2000" dirty="0"/>
               <a:t>数据仓库模块</a:t>
             </a:r>
           </a:p>
@@ -3814,8 +4375,8 @@
         </p:nvSpPr>
         <p:spPr>
           <a:xfrm>
-            <a:off x="9427780" y="2695904"/>
-            <a:ext cx="2325413" cy="583324"/>
+            <a:off x="9984420" y="2695904"/>
+            <a:ext cx="1923986" cy="457200"/>
           </a:xfrm>
           <a:prstGeom prst="rect">
             <a:avLst/>
@@ -3841,7 +4402,7 @@
           <a:p>
             <a:pPr algn="ctr"/>
             <a:r>
-              <a:rPr lang="zh-CN" altLang="en-US" sz="2400" dirty="0"/>
+              <a:rPr lang="zh-CN" altLang="en-US" sz="2000" dirty="0"/>
               <a:t>附加辅助模块</a:t>
             </a:r>
           </a:p>
@@ -3857,6 +4418,7 @@
             </a:extLst>
           </p:cNvPr>
           <p:cNvCxnSpPr>
+            <a:cxnSpLocks/>
             <a:stCxn id="6" idx="2"/>
             <a:endCxn id="7" idx="0"/>
           </p:cNvCxnSpPr>
@@ -3864,8 +4426,8 @@
         </p:nvCxnSpPr>
         <p:spPr>
           <a:xfrm rot="5400000">
-            <a:off x="3278571" y="-121525"/>
-            <a:ext cx="1135118" cy="4499741"/>
+            <a:off x="3349070" y="-51026"/>
+            <a:ext cx="1135119" cy="4358742"/>
           </a:xfrm>
           <a:prstGeom prst="bentConnector3">
             <a:avLst/>
@@ -3899,6 +4461,7 @@
             </a:extLst>
           </p:cNvPr>
           <p:cNvCxnSpPr>
+            <a:cxnSpLocks/>
             <a:stCxn id="6" idx="2"/>
             <a:endCxn id="8" idx="0"/>
           </p:cNvCxnSpPr>
@@ -3906,8 +4469,8 @@
         </p:nvCxnSpPr>
         <p:spPr>
           <a:xfrm rot="5400000">
-            <a:off x="4777609" y="1377513"/>
-            <a:ext cx="1135118" cy="1501665"/>
+            <a:off x="4958985" y="1558889"/>
+            <a:ext cx="1135118" cy="1138912"/>
           </a:xfrm>
           <a:prstGeom prst="bentConnector3">
             <a:avLst/>
@@ -3941,6 +4504,7 @@
             </a:extLst>
           </p:cNvPr>
           <p:cNvCxnSpPr>
+            <a:cxnSpLocks/>
             <a:stCxn id="6" idx="2"/>
             <a:endCxn id="9" idx="0"/>
           </p:cNvCxnSpPr>
@@ -3948,8 +4512,8 @@
         </p:nvCxnSpPr>
         <p:spPr>
           <a:xfrm rot="16200000" flipH="1">
-            <a:off x="6276646" y="1380139"/>
-            <a:ext cx="1135118" cy="1496411"/>
+            <a:off x="6545770" y="1111015"/>
+            <a:ext cx="1135118" cy="2034659"/>
           </a:xfrm>
           <a:prstGeom prst="bentConnector3">
             <a:avLst/>
@@ -3983,6 +4547,7 @@
             </a:extLst>
           </p:cNvPr>
           <p:cNvCxnSpPr>
+            <a:cxnSpLocks/>
             <a:stCxn id="6" idx="2"/>
             <a:endCxn id="10" idx="0"/>
           </p:cNvCxnSpPr>
@@ -3990,8 +4555,8 @@
         </p:nvCxnSpPr>
         <p:spPr>
           <a:xfrm rot="16200000" flipH="1">
-            <a:off x="7775684" y="-118899"/>
-            <a:ext cx="1135118" cy="4494487"/>
+            <a:off x="7953647" y="-296862"/>
+            <a:ext cx="1135118" cy="4850413"/>
           </a:xfrm>
           <a:prstGeom prst="bentConnector3">
             <a:avLst/>
@@ -4015,6 +4580,1286 @@
           </a:fontRef>
         </p:style>
       </p:cxnSp>
+      <p:sp>
+        <p:nvSpPr>
+          <p:cNvPr id="2" name="矩形 1">
+            <a:extLst>
+              <a:ext uri="{FF2B5EF4-FFF2-40B4-BE49-F238E27FC236}">
+                <a16:creationId xmlns:a16="http://schemas.microsoft.com/office/drawing/2014/main" id="{7B0B3D8F-769B-447B-89BA-667CEF61659A}"/>
+              </a:ext>
+            </a:extLst>
+          </p:cNvPr>
+          <p:cNvSpPr/>
+          <p:nvPr/>
+        </p:nvSpPr>
+        <p:spPr>
+          <a:xfrm>
+            <a:off x="162166" y="3716057"/>
+            <a:ext cx="1450429" cy="388004"/>
+          </a:xfrm>
+          <a:prstGeom prst="rect">
+            <a:avLst/>
+          </a:prstGeom>
+        </p:spPr>
+        <p:style>
+          <a:lnRef idx="1">
+            <a:schemeClr val="accent6"/>
+          </a:lnRef>
+          <a:fillRef idx="2">
+            <a:schemeClr val="accent6"/>
+          </a:fillRef>
+          <a:effectRef idx="1">
+            <a:schemeClr val="accent6"/>
+          </a:effectRef>
+          <a:fontRef idx="minor">
+            <a:schemeClr val="dk1"/>
+          </a:fontRef>
+        </p:style>
+        <p:txBody>
+          <a:bodyPr rtlCol="0" anchor="ctr"/>
+          <a:lstStyle/>
+          <a:p>
+            <a:pPr algn="ctr"/>
+            <a:r>
+              <a:rPr lang="zh-CN" altLang="en-US" sz="1600" dirty="0"/>
+              <a:t>用户行为数据</a:t>
+            </a:r>
+          </a:p>
+        </p:txBody>
+      </p:sp>
+      <p:sp>
+        <p:nvSpPr>
+          <p:cNvPr id="15" name="矩形 14">
+            <a:extLst>
+              <a:ext uri="{FF2B5EF4-FFF2-40B4-BE49-F238E27FC236}">
+                <a16:creationId xmlns:a16="http://schemas.microsoft.com/office/drawing/2014/main" id="{E08CCD5F-650F-43E6-BDB0-B30152214FAB}"/>
+              </a:ext>
+            </a:extLst>
+          </p:cNvPr>
+          <p:cNvSpPr/>
+          <p:nvPr/>
+        </p:nvSpPr>
+        <p:spPr>
+          <a:xfrm>
+            <a:off x="1836234" y="3714738"/>
+            <a:ext cx="1329559" cy="388004"/>
+          </a:xfrm>
+          <a:prstGeom prst="rect">
+            <a:avLst/>
+          </a:prstGeom>
+        </p:spPr>
+        <p:style>
+          <a:lnRef idx="1">
+            <a:schemeClr val="accent6"/>
+          </a:lnRef>
+          <a:fillRef idx="2">
+            <a:schemeClr val="accent6"/>
+          </a:fillRef>
+          <a:effectRef idx="1">
+            <a:schemeClr val="accent6"/>
+          </a:effectRef>
+          <a:fontRef idx="minor">
+            <a:schemeClr val="dk1"/>
+          </a:fontRef>
+        </p:style>
+        <p:txBody>
+          <a:bodyPr rtlCol="0" anchor="ctr"/>
+          <a:lstStyle/>
+          <a:p>
+            <a:pPr algn="ctr"/>
+            <a:r>
+              <a:rPr lang="zh-CN" altLang="en-US" sz="1600" dirty="0"/>
+              <a:t>业务数据</a:t>
+            </a:r>
+          </a:p>
+        </p:txBody>
+      </p:sp>
+      <p:sp>
+        <p:nvSpPr>
+          <p:cNvPr id="33" name="矩形 32">
+            <a:extLst>
+              <a:ext uri="{FF2B5EF4-FFF2-40B4-BE49-F238E27FC236}">
+                <a16:creationId xmlns:a16="http://schemas.microsoft.com/office/drawing/2014/main" id="{336825B6-CBC2-446C-84C2-642B9217F375}"/>
+              </a:ext>
+            </a:extLst>
+          </p:cNvPr>
+          <p:cNvSpPr/>
+          <p:nvPr/>
+        </p:nvSpPr>
+        <p:spPr>
+          <a:xfrm>
+            <a:off x="3418847" y="3708419"/>
+            <a:ext cx="1450429" cy="388004"/>
+          </a:xfrm>
+          <a:prstGeom prst="rect">
+            <a:avLst/>
+          </a:prstGeom>
+        </p:spPr>
+        <p:style>
+          <a:lnRef idx="1">
+            <a:schemeClr val="accent6"/>
+          </a:lnRef>
+          <a:fillRef idx="2">
+            <a:schemeClr val="accent6"/>
+          </a:fillRef>
+          <a:effectRef idx="1">
+            <a:schemeClr val="accent6"/>
+          </a:effectRef>
+          <a:fontRef idx="minor">
+            <a:schemeClr val="dk1"/>
+          </a:fontRef>
+        </p:style>
+        <p:txBody>
+          <a:bodyPr rtlCol="0" anchor="ctr"/>
+          <a:lstStyle/>
+          <a:p>
+            <a:pPr algn="ctr"/>
+            <a:r>
+              <a:rPr lang="zh-CN" altLang="en-US" sz="1600" dirty="0"/>
+              <a:t>用户行为数据</a:t>
+            </a:r>
+          </a:p>
+        </p:txBody>
+      </p:sp>
+      <p:sp>
+        <p:nvSpPr>
+          <p:cNvPr id="34" name="矩形 33">
+            <a:extLst>
+              <a:ext uri="{FF2B5EF4-FFF2-40B4-BE49-F238E27FC236}">
+                <a16:creationId xmlns:a16="http://schemas.microsoft.com/office/drawing/2014/main" id="{1083E407-20BD-46EC-9D25-C1F4C95DBC3A}"/>
+              </a:ext>
+            </a:extLst>
+          </p:cNvPr>
+          <p:cNvSpPr/>
+          <p:nvPr/>
+        </p:nvSpPr>
+        <p:spPr>
+          <a:xfrm>
+            <a:off x="5105547" y="3704897"/>
+            <a:ext cx="1329559" cy="388004"/>
+          </a:xfrm>
+          <a:prstGeom prst="rect">
+            <a:avLst/>
+          </a:prstGeom>
+        </p:spPr>
+        <p:style>
+          <a:lnRef idx="1">
+            <a:schemeClr val="accent6"/>
+          </a:lnRef>
+          <a:fillRef idx="2">
+            <a:schemeClr val="accent6"/>
+          </a:fillRef>
+          <a:effectRef idx="1">
+            <a:schemeClr val="accent6"/>
+          </a:effectRef>
+          <a:fontRef idx="minor">
+            <a:schemeClr val="dk1"/>
+          </a:fontRef>
+        </p:style>
+        <p:txBody>
+          <a:bodyPr rtlCol="0" anchor="ctr"/>
+          <a:lstStyle/>
+          <a:p>
+            <a:pPr algn="ctr"/>
+            <a:r>
+              <a:rPr lang="zh-CN" altLang="en-US" sz="1600" dirty="0"/>
+              <a:t>业务数据</a:t>
+            </a:r>
+          </a:p>
+        </p:txBody>
+      </p:sp>
+      <p:cxnSp>
+        <p:nvCxnSpPr>
+          <p:cNvPr id="37" name="连接符: 肘形 36">
+            <a:extLst>
+              <a:ext uri="{FF2B5EF4-FFF2-40B4-BE49-F238E27FC236}">
+                <a16:creationId xmlns:a16="http://schemas.microsoft.com/office/drawing/2014/main" id="{7AFB9D6B-FDE3-480A-9767-2690AE57293B}"/>
+              </a:ext>
+            </a:extLst>
+          </p:cNvPr>
+          <p:cNvCxnSpPr>
+            <a:stCxn id="7" idx="2"/>
+            <a:endCxn id="2" idx="0"/>
+          </p:cNvCxnSpPr>
+          <p:nvPr/>
+        </p:nvCxnSpPr>
+        <p:spPr>
+          <a:xfrm rot="5400000">
+            <a:off x="1030844" y="3009643"/>
+            <a:ext cx="562952" cy="849877"/>
+          </a:xfrm>
+          <a:prstGeom prst="bentConnector3">
+            <a:avLst/>
+          </a:prstGeom>
+          <a:ln>
+            <a:tailEnd type="triangle"/>
+          </a:ln>
+        </p:spPr>
+        <p:style>
+          <a:lnRef idx="1">
+            <a:schemeClr val="accent1"/>
+          </a:lnRef>
+          <a:fillRef idx="0">
+            <a:schemeClr val="accent1"/>
+          </a:fillRef>
+          <a:effectRef idx="0">
+            <a:schemeClr val="accent1"/>
+          </a:effectRef>
+          <a:fontRef idx="minor">
+            <a:schemeClr val="tx1"/>
+          </a:fontRef>
+        </p:style>
+      </p:cxnSp>
+      <p:cxnSp>
+        <p:nvCxnSpPr>
+          <p:cNvPr id="39" name="连接符: 肘形 38">
+            <a:extLst>
+              <a:ext uri="{FF2B5EF4-FFF2-40B4-BE49-F238E27FC236}">
+                <a16:creationId xmlns:a16="http://schemas.microsoft.com/office/drawing/2014/main" id="{A45189D6-873A-4F9A-9ABC-F9AD8FBE6C32}"/>
+              </a:ext>
+            </a:extLst>
+          </p:cNvPr>
+          <p:cNvCxnSpPr>
+            <a:stCxn id="7" idx="2"/>
+            <a:endCxn id="15" idx="0"/>
+          </p:cNvCxnSpPr>
+          <p:nvPr/>
+        </p:nvCxnSpPr>
+        <p:spPr>
+          <a:xfrm rot="16200000" flipH="1">
+            <a:off x="1838320" y="3052043"/>
+            <a:ext cx="561633" cy="763756"/>
+          </a:xfrm>
+          <a:prstGeom prst="bentConnector3">
+            <a:avLst/>
+          </a:prstGeom>
+          <a:ln>
+            <a:tailEnd type="triangle"/>
+          </a:ln>
+        </p:spPr>
+        <p:style>
+          <a:lnRef idx="1">
+            <a:schemeClr val="accent1"/>
+          </a:lnRef>
+          <a:fillRef idx="0">
+            <a:schemeClr val="accent1"/>
+          </a:fillRef>
+          <a:effectRef idx="0">
+            <a:schemeClr val="accent1"/>
+          </a:effectRef>
+          <a:fontRef idx="minor">
+            <a:schemeClr val="tx1"/>
+          </a:fontRef>
+        </p:style>
+      </p:cxnSp>
+      <p:cxnSp>
+        <p:nvCxnSpPr>
+          <p:cNvPr id="41" name="连接符: 肘形 40">
+            <a:extLst>
+              <a:ext uri="{FF2B5EF4-FFF2-40B4-BE49-F238E27FC236}">
+                <a16:creationId xmlns:a16="http://schemas.microsoft.com/office/drawing/2014/main" id="{E6166A0A-09CE-4525-B283-E6BD7CB4F61B}"/>
+              </a:ext>
+            </a:extLst>
+          </p:cNvPr>
+          <p:cNvCxnSpPr>
+            <a:cxnSpLocks/>
+            <a:stCxn id="8" idx="2"/>
+          </p:cNvCxnSpPr>
+          <p:nvPr/>
+        </p:nvCxnSpPr>
+        <p:spPr>
+          <a:xfrm rot="5400000">
+            <a:off x="4280995" y="3028803"/>
+            <a:ext cx="551793" cy="800394"/>
+          </a:xfrm>
+          <a:prstGeom prst="bentConnector3">
+            <a:avLst/>
+          </a:prstGeom>
+          <a:ln>
+            <a:tailEnd type="triangle"/>
+          </a:ln>
+        </p:spPr>
+        <p:style>
+          <a:lnRef idx="1">
+            <a:schemeClr val="accent1"/>
+          </a:lnRef>
+          <a:fillRef idx="0">
+            <a:schemeClr val="accent1"/>
+          </a:fillRef>
+          <a:effectRef idx="0">
+            <a:schemeClr val="accent1"/>
+          </a:effectRef>
+          <a:fontRef idx="minor">
+            <a:schemeClr val="tx1"/>
+          </a:fontRef>
+        </p:style>
+      </p:cxnSp>
+      <p:cxnSp>
+        <p:nvCxnSpPr>
+          <p:cNvPr id="43" name="连接符: 肘形 42">
+            <a:extLst>
+              <a:ext uri="{FF2B5EF4-FFF2-40B4-BE49-F238E27FC236}">
+                <a16:creationId xmlns:a16="http://schemas.microsoft.com/office/drawing/2014/main" id="{4F7E0528-5FDE-44C6-A206-AC13EA0F866F}"/>
+              </a:ext>
+            </a:extLst>
+          </p:cNvPr>
+          <p:cNvCxnSpPr>
+            <a:stCxn id="8" idx="2"/>
+            <a:endCxn id="34" idx="0"/>
+          </p:cNvCxnSpPr>
+          <p:nvPr/>
+        </p:nvCxnSpPr>
+        <p:spPr>
+          <a:xfrm rot="16200000" flipH="1">
+            <a:off x="5087811" y="3022380"/>
+            <a:ext cx="551793" cy="813239"/>
+          </a:xfrm>
+          <a:prstGeom prst="bentConnector3">
+            <a:avLst/>
+          </a:prstGeom>
+          <a:ln>
+            <a:tailEnd type="triangle"/>
+          </a:ln>
+        </p:spPr>
+        <p:style>
+          <a:lnRef idx="1">
+            <a:schemeClr val="accent1"/>
+          </a:lnRef>
+          <a:fillRef idx="0">
+            <a:schemeClr val="accent1"/>
+          </a:fillRef>
+          <a:effectRef idx="0">
+            <a:schemeClr val="accent1"/>
+          </a:effectRef>
+          <a:fontRef idx="minor">
+            <a:schemeClr val="tx1"/>
+          </a:fontRef>
+        </p:style>
+      </p:cxnSp>
+      <p:sp>
+        <p:nvSpPr>
+          <p:cNvPr id="44" name="矩形 43">
+            <a:extLst>
+              <a:ext uri="{FF2B5EF4-FFF2-40B4-BE49-F238E27FC236}">
+                <a16:creationId xmlns:a16="http://schemas.microsoft.com/office/drawing/2014/main" id="{4C40331B-C7AA-437B-9121-77D3378EA00D}"/>
+              </a:ext>
+            </a:extLst>
+          </p:cNvPr>
+          <p:cNvSpPr/>
+          <p:nvPr/>
+        </p:nvSpPr>
+        <p:spPr>
+          <a:xfrm>
+            <a:off x="7549171" y="3339395"/>
+            <a:ext cx="1162975" cy="388004"/>
+          </a:xfrm>
+          <a:prstGeom prst="rect">
+            <a:avLst/>
+          </a:prstGeom>
+        </p:spPr>
+        <p:style>
+          <a:lnRef idx="1">
+            <a:schemeClr val="accent3"/>
+          </a:lnRef>
+          <a:fillRef idx="2">
+            <a:schemeClr val="accent3"/>
+          </a:fillRef>
+          <a:effectRef idx="1">
+            <a:schemeClr val="accent3"/>
+          </a:effectRef>
+          <a:fontRef idx="minor">
+            <a:schemeClr val="dk1"/>
+          </a:fontRef>
+        </p:style>
+        <p:txBody>
+          <a:bodyPr rtlCol="0" anchor="ctr"/>
+          <a:lstStyle/>
+          <a:p>
+            <a:pPr algn="ctr"/>
+            <a:r>
+              <a:rPr lang="en-US" altLang="zh-CN" dirty="0"/>
+              <a:t>ODS</a:t>
+            </a:r>
+            <a:endParaRPr lang="zh-CN" altLang="en-US" dirty="0"/>
+          </a:p>
+        </p:txBody>
+      </p:sp>
+      <p:sp>
+        <p:nvSpPr>
+          <p:cNvPr id="45" name="矩形 44">
+            <a:extLst>
+              <a:ext uri="{FF2B5EF4-FFF2-40B4-BE49-F238E27FC236}">
+                <a16:creationId xmlns:a16="http://schemas.microsoft.com/office/drawing/2014/main" id="{D83F33A2-CF3F-45DC-99CC-EB48CF0788BE}"/>
+              </a:ext>
+            </a:extLst>
+          </p:cNvPr>
+          <p:cNvSpPr/>
+          <p:nvPr/>
+        </p:nvSpPr>
+        <p:spPr>
+          <a:xfrm>
+            <a:off x="6907648" y="3990597"/>
+            <a:ext cx="1162975" cy="388004"/>
+          </a:xfrm>
+          <a:prstGeom prst="rect">
+            <a:avLst/>
+          </a:prstGeom>
+        </p:spPr>
+        <p:style>
+          <a:lnRef idx="1">
+            <a:schemeClr val="accent3"/>
+          </a:lnRef>
+          <a:fillRef idx="2">
+            <a:schemeClr val="accent3"/>
+          </a:fillRef>
+          <a:effectRef idx="1">
+            <a:schemeClr val="accent3"/>
+          </a:effectRef>
+          <a:fontRef idx="minor">
+            <a:schemeClr val="dk1"/>
+          </a:fontRef>
+        </p:style>
+        <p:txBody>
+          <a:bodyPr rtlCol="0" anchor="ctr"/>
+          <a:lstStyle/>
+          <a:p>
+            <a:pPr algn="ctr"/>
+            <a:r>
+              <a:rPr lang="en-US" altLang="zh-CN" dirty="0"/>
+              <a:t>DWD</a:t>
+            </a:r>
+            <a:endParaRPr lang="zh-CN" altLang="en-US" dirty="0"/>
+          </a:p>
+        </p:txBody>
+      </p:sp>
+      <p:sp>
+        <p:nvSpPr>
+          <p:cNvPr id="46" name="矩形 45">
+            <a:extLst>
+              <a:ext uri="{FF2B5EF4-FFF2-40B4-BE49-F238E27FC236}">
+                <a16:creationId xmlns:a16="http://schemas.microsoft.com/office/drawing/2014/main" id="{4447967A-0977-4A1D-AB91-73ECC59AE450}"/>
+              </a:ext>
+            </a:extLst>
+          </p:cNvPr>
+          <p:cNvSpPr/>
+          <p:nvPr/>
+        </p:nvSpPr>
+        <p:spPr>
+          <a:xfrm>
+            <a:off x="7549170" y="4675489"/>
+            <a:ext cx="1162975" cy="388004"/>
+          </a:xfrm>
+          <a:prstGeom prst="rect">
+            <a:avLst/>
+          </a:prstGeom>
+        </p:spPr>
+        <p:style>
+          <a:lnRef idx="1">
+            <a:schemeClr val="accent3"/>
+          </a:lnRef>
+          <a:fillRef idx="2">
+            <a:schemeClr val="accent3"/>
+          </a:fillRef>
+          <a:effectRef idx="1">
+            <a:schemeClr val="accent3"/>
+          </a:effectRef>
+          <a:fontRef idx="minor">
+            <a:schemeClr val="dk1"/>
+          </a:fontRef>
+        </p:style>
+        <p:txBody>
+          <a:bodyPr rtlCol="0" anchor="ctr"/>
+          <a:lstStyle/>
+          <a:p>
+            <a:pPr algn="ctr"/>
+            <a:r>
+              <a:rPr lang="en-US" altLang="zh-CN" dirty="0"/>
+              <a:t>DWS</a:t>
+            </a:r>
+            <a:endParaRPr lang="zh-CN" altLang="en-US" dirty="0"/>
+          </a:p>
+        </p:txBody>
+      </p:sp>
+      <p:sp>
+        <p:nvSpPr>
+          <p:cNvPr id="47" name="矩形 46">
+            <a:extLst>
+              <a:ext uri="{FF2B5EF4-FFF2-40B4-BE49-F238E27FC236}">
+                <a16:creationId xmlns:a16="http://schemas.microsoft.com/office/drawing/2014/main" id="{2A8C9F1A-F0D5-4F42-8AA8-4775C0660A8B}"/>
+              </a:ext>
+            </a:extLst>
+          </p:cNvPr>
+          <p:cNvSpPr/>
+          <p:nvPr/>
+        </p:nvSpPr>
+        <p:spPr>
+          <a:xfrm>
+            <a:off x="7551023" y="6179000"/>
+            <a:ext cx="1162975" cy="388004"/>
+          </a:xfrm>
+          <a:prstGeom prst="rect">
+            <a:avLst/>
+          </a:prstGeom>
+        </p:spPr>
+        <p:style>
+          <a:lnRef idx="1">
+            <a:schemeClr val="accent3"/>
+          </a:lnRef>
+          <a:fillRef idx="2">
+            <a:schemeClr val="accent3"/>
+          </a:fillRef>
+          <a:effectRef idx="1">
+            <a:schemeClr val="accent3"/>
+          </a:effectRef>
+          <a:fontRef idx="minor">
+            <a:schemeClr val="dk1"/>
+          </a:fontRef>
+        </p:style>
+        <p:txBody>
+          <a:bodyPr rtlCol="0" anchor="ctr"/>
+          <a:lstStyle/>
+          <a:p>
+            <a:pPr algn="ctr"/>
+            <a:r>
+              <a:rPr lang="en-US" altLang="zh-CN" dirty="0"/>
+              <a:t>ADS</a:t>
+            </a:r>
+            <a:endParaRPr lang="zh-CN" altLang="en-US" dirty="0"/>
+          </a:p>
+        </p:txBody>
+      </p:sp>
+      <p:sp>
+        <p:nvSpPr>
+          <p:cNvPr id="48" name="矩形 47">
+            <a:extLst>
+              <a:ext uri="{FF2B5EF4-FFF2-40B4-BE49-F238E27FC236}">
+                <a16:creationId xmlns:a16="http://schemas.microsoft.com/office/drawing/2014/main" id="{357A1F00-29F1-4CAE-98CD-3613A253D7AF}"/>
+              </a:ext>
+            </a:extLst>
+          </p:cNvPr>
+          <p:cNvSpPr/>
+          <p:nvPr/>
+        </p:nvSpPr>
+        <p:spPr>
+          <a:xfrm>
+            <a:off x="7551024" y="5402992"/>
+            <a:ext cx="1162975" cy="388004"/>
+          </a:xfrm>
+          <a:prstGeom prst="rect">
+            <a:avLst/>
+          </a:prstGeom>
+        </p:spPr>
+        <p:style>
+          <a:lnRef idx="1">
+            <a:schemeClr val="accent3"/>
+          </a:lnRef>
+          <a:fillRef idx="2">
+            <a:schemeClr val="accent3"/>
+          </a:fillRef>
+          <a:effectRef idx="1">
+            <a:schemeClr val="accent3"/>
+          </a:effectRef>
+          <a:fontRef idx="minor">
+            <a:schemeClr val="dk1"/>
+          </a:fontRef>
+        </p:style>
+        <p:txBody>
+          <a:bodyPr rtlCol="0" anchor="ctr"/>
+          <a:lstStyle/>
+          <a:p>
+            <a:pPr algn="ctr"/>
+            <a:r>
+              <a:rPr lang="en-US" altLang="zh-CN" dirty="0"/>
+              <a:t>DWT</a:t>
+            </a:r>
+            <a:endParaRPr lang="zh-CN" altLang="en-US" dirty="0"/>
+          </a:p>
+        </p:txBody>
+      </p:sp>
+      <p:sp>
+        <p:nvSpPr>
+          <p:cNvPr id="49" name="矩形 48">
+            <a:extLst>
+              <a:ext uri="{FF2B5EF4-FFF2-40B4-BE49-F238E27FC236}">
+                <a16:creationId xmlns:a16="http://schemas.microsoft.com/office/drawing/2014/main" id="{F05F5DCB-5CC1-4CBF-98FB-8E2F59FA3DB6}"/>
+              </a:ext>
+            </a:extLst>
+          </p:cNvPr>
+          <p:cNvSpPr/>
+          <p:nvPr/>
+        </p:nvSpPr>
+        <p:spPr>
+          <a:xfrm>
+            <a:off x="8225072" y="3990597"/>
+            <a:ext cx="1162975" cy="388004"/>
+          </a:xfrm>
+          <a:prstGeom prst="rect">
+            <a:avLst/>
+          </a:prstGeom>
+        </p:spPr>
+        <p:style>
+          <a:lnRef idx="1">
+            <a:schemeClr val="accent3"/>
+          </a:lnRef>
+          <a:fillRef idx="2">
+            <a:schemeClr val="accent3"/>
+          </a:fillRef>
+          <a:effectRef idx="1">
+            <a:schemeClr val="accent3"/>
+          </a:effectRef>
+          <a:fontRef idx="minor">
+            <a:schemeClr val="dk1"/>
+          </a:fontRef>
+        </p:style>
+        <p:txBody>
+          <a:bodyPr rtlCol="0" anchor="ctr"/>
+          <a:lstStyle/>
+          <a:p>
+            <a:pPr algn="ctr"/>
+            <a:r>
+              <a:rPr lang="en-US" altLang="zh-CN" dirty="0"/>
+              <a:t>DIM</a:t>
+            </a:r>
+            <a:endParaRPr lang="zh-CN" altLang="en-US" dirty="0"/>
+          </a:p>
+        </p:txBody>
+      </p:sp>
+      <p:sp>
+        <p:nvSpPr>
+          <p:cNvPr id="51" name="矩形 50">
+            <a:extLst>
+              <a:ext uri="{FF2B5EF4-FFF2-40B4-BE49-F238E27FC236}">
+                <a16:creationId xmlns:a16="http://schemas.microsoft.com/office/drawing/2014/main" id="{C99FA964-A57D-4B86-B857-3F200C2AC2C3}"/>
+              </a:ext>
+            </a:extLst>
+          </p:cNvPr>
+          <p:cNvSpPr/>
+          <p:nvPr/>
+        </p:nvSpPr>
+        <p:spPr>
+          <a:xfrm>
+            <a:off x="10342236" y="3253757"/>
+            <a:ext cx="1162975" cy="388004"/>
+          </a:xfrm>
+          <a:prstGeom prst="rect">
+            <a:avLst/>
+          </a:prstGeom>
+        </p:spPr>
+        <p:style>
+          <a:lnRef idx="2">
+            <a:schemeClr val="accent1">
+              <a:shade val="50000"/>
+            </a:schemeClr>
+          </a:lnRef>
+          <a:fillRef idx="1">
+            <a:schemeClr val="accent1"/>
+          </a:fillRef>
+          <a:effectRef idx="0">
+            <a:schemeClr val="accent1"/>
+          </a:effectRef>
+          <a:fontRef idx="minor">
+            <a:schemeClr val="lt1"/>
+          </a:fontRef>
+        </p:style>
+        <p:txBody>
+          <a:bodyPr rtlCol="0" anchor="ctr"/>
+          <a:lstStyle/>
+          <a:p>
+            <a:pPr algn="ctr"/>
+            <a:r>
+              <a:rPr lang="zh-CN" altLang="en-US" dirty="0"/>
+              <a:t>可视化</a:t>
+            </a:r>
+          </a:p>
+        </p:txBody>
+      </p:sp>
+      <p:sp>
+        <p:nvSpPr>
+          <p:cNvPr id="52" name="矩形 51">
+            <a:extLst>
+              <a:ext uri="{FF2B5EF4-FFF2-40B4-BE49-F238E27FC236}">
+                <a16:creationId xmlns:a16="http://schemas.microsoft.com/office/drawing/2014/main" id="{3826666B-D12F-4E04-8ECC-138092A1FB60}"/>
+              </a:ext>
+            </a:extLst>
+          </p:cNvPr>
+          <p:cNvSpPr/>
+          <p:nvPr/>
+        </p:nvSpPr>
+        <p:spPr>
+          <a:xfrm>
+            <a:off x="10342236" y="3774842"/>
+            <a:ext cx="1162975" cy="388004"/>
+          </a:xfrm>
+          <a:prstGeom prst="rect">
+            <a:avLst/>
+          </a:prstGeom>
+        </p:spPr>
+        <p:style>
+          <a:lnRef idx="2">
+            <a:schemeClr val="accent1">
+              <a:shade val="50000"/>
+            </a:schemeClr>
+          </a:lnRef>
+          <a:fillRef idx="1">
+            <a:schemeClr val="accent1"/>
+          </a:fillRef>
+          <a:effectRef idx="0">
+            <a:schemeClr val="accent1"/>
+          </a:effectRef>
+          <a:fontRef idx="minor">
+            <a:schemeClr val="lt1"/>
+          </a:fontRef>
+        </p:style>
+        <p:txBody>
+          <a:bodyPr rtlCol="0" anchor="ctr"/>
+          <a:lstStyle/>
+          <a:p>
+            <a:pPr algn="ctr"/>
+            <a:r>
+              <a:rPr lang="zh-CN" altLang="en-US" dirty="0"/>
+              <a:t>集群监控</a:t>
+            </a:r>
+          </a:p>
+        </p:txBody>
+      </p:sp>
+      <p:sp>
+        <p:nvSpPr>
+          <p:cNvPr id="53" name="矩形 52">
+            <a:extLst>
+              <a:ext uri="{FF2B5EF4-FFF2-40B4-BE49-F238E27FC236}">
+                <a16:creationId xmlns:a16="http://schemas.microsoft.com/office/drawing/2014/main" id="{6A02D272-94DA-4158-81C3-71F54968F73E}"/>
+              </a:ext>
+            </a:extLst>
+          </p:cNvPr>
+          <p:cNvSpPr/>
+          <p:nvPr/>
+        </p:nvSpPr>
+        <p:spPr>
+          <a:xfrm>
+            <a:off x="10339092" y="4278048"/>
+            <a:ext cx="1162975" cy="388004"/>
+          </a:xfrm>
+          <a:prstGeom prst="rect">
+            <a:avLst/>
+          </a:prstGeom>
+        </p:spPr>
+        <p:style>
+          <a:lnRef idx="2">
+            <a:schemeClr val="accent1">
+              <a:shade val="50000"/>
+            </a:schemeClr>
+          </a:lnRef>
+          <a:fillRef idx="1">
+            <a:schemeClr val="accent1"/>
+          </a:fillRef>
+          <a:effectRef idx="0">
+            <a:schemeClr val="accent1"/>
+          </a:effectRef>
+          <a:fontRef idx="minor">
+            <a:schemeClr val="lt1"/>
+          </a:fontRef>
+        </p:style>
+        <p:txBody>
+          <a:bodyPr rtlCol="0" anchor="ctr"/>
+          <a:lstStyle/>
+          <a:p>
+            <a:pPr algn="ctr"/>
+            <a:r>
+              <a:rPr lang="zh-CN" altLang="en-US" dirty="0"/>
+              <a:t>集群监控</a:t>
+            </a:r>
+          </a:p>
+        </p:txBody>
+      </p:sp>
+      <p:sp>
+        <p:nvSpPr>
+          <p:cNvPr id="54" name="矩形 53">
+            <a:extLst>
+              <a:ext uri="{FF2B5EF4-FFF2-40B4-BE49-F238E27FC236}">
+                <a16:creationId xmlns:a16="http://schemas.microsoft.com/office/drawing/2014/main" id="{CE01F0BD-AE88-4D45-8002-AFDF9C93EEAF}"/>
+              </a:ext>
+            </a:extLst>
+          </p:cNvPr>
+          <p:cNvSpPr/>
+          <p:nvPr/>
+        </p:nvSpPr>
+        <p:spPr>
+          <a:xfrm>
+            <a:off x="10352903" y="4777829"/>
+            <a:ext cx="1162975" cy="388004"/>
+          </a:xfrm>
+          <a:prstGeom prst="rect">
+            <a:avLst/>
+          </a:prstGeom>
+        </p:spPr>
+        <p:style>
+          <a:lnRef idx="2">
+            <a:schemeClr val="accent1">
+              <a:shade val="50000"/>
+            </a:schemeClr>
+          </a:lnRef>
+          <a:fillRef idx="1">
+            <a:schemeClr val="accent1"/>
+          </a:fillRef>
+          <a:effectRef idx="0">
+            <a:schemeClr val="accent1"/>
+          </a:effectRef>
+          <a:fontRef idx="minor">
+            <a:schemeClr val="lt1"/>
+          </a:fontRef>
+        </p:style>
+        <p:txBody>
+          <a:bodyPr rtlCol="0" anchor="ctr"/>
+          <a:lstStyle/>
+          <a:p>
+            <a:pPr algn="ctr"/>
+            <a:r>
+              <a:rPr lang="zh-CN" altLang="en-US" dirty="0"/>
+              <a:t>定时调度</a:t>
+            </a:r>
+          </a:p>
+        </p:txBody>
+      </p:sp>
+      <p:sp>
+        <p:nvSpPr>
+          <p:cNvPr id="55" name="矩形 54">
+            <a:extLst>
+              <a:ext uri="{FF2B5EF4-FFF2-40B4-BE49-F238E27FC236}">
+                <a16:creationId xmlns:a16="http://schemas.microsoft.com/office/drawing/2014/main" id="{3A316EAB-3103-49A7-8086-D1297F9C4A68}"/>
+              </a:ext>
+            </a:extLst>
+          </p:cNvPr>
+          <p:cNvSpPr/>
+          <p:nvPr/>
+        </p:nvSpPr>
+        <p:spPr>
+          <a:xfrm>
+            <a:off x="10352902" y="5284412"/>
+            <a:ext cx="1162975" cy="388004"/>
+          </a:xfrm>
+          <a:prstGeom prst="rect">
+            <a:avLst/>
+          </a:prstGeom>
+        </p:spPr>
+        <p:style>
+          <a:lnRef idx="2">
+            <a:schemeClr val="accent1">
+              <a:shade val="50000"/>
+            </a:schemeClr>
+          </a:lnRef>
+          <a:fillRef idx="1">
+            <a:schemeClr val="accent1"/>
+          </a:fillRef>
+          <a:effectRef idx="0">
+            <a:schemeClr val="accent1"/>
+          </a:effectRef>
+          <a:fontRef idx="minor">
+            <a:schemeClr val="lt1"/>
+          </a:fontRef>
+        </p:style>
+        <p:txBody>
+          <a:bodyPr rtlCol="0" anchor="ctr"/>
+          <a:lstStyle/>
+          <a:p>
+            <a:pPr algn="ctr"/>
+            <a:r>
+              <a:rPr lang="zh-CN" altLang="en-US" dirty="0"/>
+              <a:t>质量管理</a:t>
+            </a:r>
+          </a:p>
+        </p:txBody>
+      </p:sp>
+      <p:cxnSp>
+        <p:nvCxnSpPr>
+          <p:cNvPr id="57" name="直接箭头连接符 56">
+            <a:extLst>
+              <a:ext uri="{FF2B5EF4-FFF2-40B4-BE49-F238E27FC236}">
+                <a16:creationId xmlns:a16="http://schemas.microsoft.com/office/drawing/2014/main" id="{B97374EE-7453-4EEB-8E28-67B3C7016CC9}"/>
+              </a:ext>
+            </a:extLst>
+          </p:cNvPr>
+          <p:cNvCxnSpPr>
+            <a:stCxn id="9" idx="2"/>
+            <a:endCxn id="44" idx="0"/>
+          </p:cNvCxnSpPr>
+          <p:nvPr/>
+        </p:nvCxnSpPr>
+        <p:spPr>
+          <a:xfrm>
+            <a:off x="8130659" y="3153104"/>
+            <a:ext cx="0" cy="186291"/>
+          </a:xfrm>
+          <a:prstGeom prst="straightConnector1">
+            <a:avLst/>
+          </a:prstGeom>
+          <a:ln>
+            <a:tailEnd type="triangle"/>
+          </a:ln>
+        </p:spPr>
+        <p:style>
+          <a:lnRef idx="1">
+            <a:schemeClr val="accent1"/>
+          </a:lnRef>
+          <a:fillRef idx="0">
+            <a:schemeClr val="accent1"/>
+          </a:fillRef>
+          <a:effectRef idx="0">
+            <a:schemeClr val="accent1"/>
+          </a:effectRef>
+          <a:fontRef idx="minor">
+            <a:schemeClr val="tx1"/>
+          </a:fontRef>
+        </p:style>
+      </p:cxnSp>
+      <p:cxnSp>
+        <p:nvCxnSpPr>
+          <p:cNvPr id="59" name="连接符: 肘形 58">
+            <a:extLst>
+              <a:ext uri="{FF2B5EF4-FFF2-40B4-BE49-F238E27FC236}">
+                <a16:creationId xmlns:a16="http://schemas.microsoft.com/office/drawing/2014/main" id="{FB9EC4FA-788F-4B2B-BA46-CF99368CC23F}"/>
+              </a:ext>
+            </a:extLst>
+          </p:cNvPr>
+          <p:cNvCxnSpPr>
+            <a:stCxn id="44" idx="2"/>
+            <a:endCxn id="45" idx="0"/>
+          </p:cNvCxnSpPr>
+          <p:nvPr/>
+        </p:nvCxnSpPr>
+        <p:spPr>
+          <a:xfrm rot="5400000">
+            <a:off x="7678299" y="3538237"/>
+            <a:ext cx="263198" cy="641523"/>
+          </a:xfrm>
+          <a:prstGeom prst="bentConnector3">
+            <a:avLst/>
+          </a:prstGeom>
+          <a:ln>
+            <a:tailEnd type="triangle"/>
+          </a:ln>
+        </p:spPr>
+        <p:style>
+          <a:lnRef idx="1">
+            <a:schemeClr val="accent1"/>
+          </a:lnRef>
+          <a:fillRef idx="0">
+            <a:schemeClr val="accent1"/>
+          </a:fillRef>
+          <a:effectRef idx="0">
+            <a:schemeClr val="accent1"/>
+          </a:effectRef>
+          <a:fontRef idx="minor">
+            <a:schemeClr val="tx1"/>
+          </a:fontRef>
+        </p:style>
+      </p:cxnSp>
+      <p:cxnSp>
+        <p:nvCxnSpPr>
+          <p:cNvPr id="61" name="连接符: 肘形 60">
+            <a:extLst>
+              <a:ext uri="{FF2B5EF4-FFF2-40B4-BE49-F238E27FC236}">
+                <a16:creationId xmlns:a16="http://schemas.microsoft.com/office/drawing/2014/main" id="{5CF39436-1A0B-4E85-8DC1-7E7286165B3F}"/>
+              </a:ext>
+            </a:extLst>
+          </p:cNvPr>
+          <p:cNvCxnSpPr>
+            <a:stCxn id="44" idx="2"/>
+            <a:endCxn id="49" idx="0"/>
+          </p:cNvCxnSpPr>
+          <p:nvPr/>
+        </p:nvCxnSpPr>
+        <p:spPr>
+          <a:xfrm rot="16200000" flipH="1">
+            <a:off x="8337010" y="3521047"/>
+            <a:ext cx="263198" cy="675901"/>
+          </a:xfrm>
+          <a:prstGeom prst="bentConnector3">
+            <a:avLst/>
+          </a:prstGeom>
+          <a:ln>
+            <a:tailEnd type="triangle"/>
+          </a:ln>
+        </p:spPr>
+        <p:style>
+          <a:lnRef idx="1">
+            <a:schemeClr val="accent1"/>
+          </a:lnRef>
+          <a:fillRef idx="0">
+            <a:schemeClr val="accent1"/>
+          </a:fillRef>
+          <a:effectRef idx="0">
+            <a:schemeClr val="accent1"/>
+          </a:effectRef>
+          <a:fontRef idx="minor">
+            <a:schemeClr val="tx1"/>
+          </a:fontRef>
+        </p:style>
+      </p:cxnSp>
+      <p:cxnSp>
+        <p:nvCxnSpPr>
+          <p:cNvPr id="63" name="连接符: 肘形 62">
+            <a:extLst>
+              <a:ext uri="{FF2B5EF4-FFF2-40B4-BE49-F238E27FC236}">
+                <a16:creationId xmlns:a16="http://schemas.microsoft.com/office/drawing/2014/main" id="{F82233F9-6A1D-41A9-B04B-32C79F8A653D}"/>
+              </a:ext>
+            </a:extLst>
+          </p:cNvPr>
+          <p:cNvCxnSpPr>
+            <a:stCxn id="45" idx="2"/>
+            <a:endCxn id="46" idx="0"/>
+          </p:cNvCxnSpPr>
+          <p:nvPr/>
+        </p:nvCxnSpPr>
+        <p:spPr>
+          <a:xfrm rot="16200000" flipH="1">
+            <a:off x="7661453" y="4206284"/>
+            <a:ext cx="296888" cy="641522"/>
+          </a:xfrm>
+          <a:prstGeom prst="bentConnector3">
+            <a:avLst/>
+          </a:prstGeom>
+          <a:ln>
+            <a:tailEnd type="triangle"/>
+          </a:ln>
+        </p:spPr>
+        <p:style>
+          <a:lnRef idx="1">
+            <a:schemeClr val="accent1"/>
+          </a:lnRef>
+          <a:fillRef idx="0">
+            <a:schemeClr val="accent1"/>
+          </a:fillRef>
+          <a:effectRef idx="0">
+            <a:schemeClr val="accent1"/>
+          </a:effectRef>
+          <a:fontRef idx="minor">
+            <a:schemeClr val="tx1"/>
+          </a:fontRef>
+        </p:style>
+      </p:cxnSp>
+      <p:cxnSp>
+        <p:nvCxnSpPr>
+          <p:cNvPr id="65" name="连接符: 肘形 64">
+            <a:extLst>
+              <a:ext uri="{FF2B5EF4-FFF2-40B4-BE49-F238E27FC236}">
+                <a16:creationId xmlns:a16="http://schemas.microsoft.com/office/drawing/2014/main" id="{D42603F4-9FDF-455E-ABCF-362B113E9054}"/>
+              </a:ext>
+            </a:extLst>
+          </p:cNvPr>
+          <p:cNvCxnSpPr>
+            <a:stCxn id="49" idx="2"/>
+            <a:endCxn id="46" idx="0"/>
+          </p:cNvCxnSpPr>
+          <p:nvPr/>
+        </p:nvCxnSpPr>
+        <p:spPr>
+          <a:xfrm rot="5400000">
+            <a:off x="8320165" y="4189094"/>
+            <a:ext cx="296888" cy="675902"/>
+          </a:xfrm>
+          <a:prstGeom prst="bentConnector3">
+            <a:avLst/>
+          </a:prstGeom>
+          <a:ln>
+            <a:tailEnd type="triangle"/>
+          </a:ln>
+        </p:spPr>
+        <p:style>
+          <a:lnRef idx="1">
+            <a:schemeClr val="accent1"/>
+          </a:lnRef>
+          <a:fillRef idx="0">
+            <a:schemeClr val="accent1"/>
+          </a:fillRef>
+          <a:effectRef idx="0">
+            <a:schemeClr val="accent1"/>
+          </a:effectRef>
+          <a:fontRef idx="minor">
+            <a:schemeClr val="tx1"/>
+          </a:fontRef>
+        </p:style>
+      </p:cxnSp>
+      <p:cxnSp>
+        <p:nvCxnSpPr>
+          <p:cNvPr id="67" name="直接箭头连接符 66">
+            <a:extLst>
+              <a:ext uri="{FF2B5EF4-FFF2-40B4-BE49-F238E27FC236}">
+                <a16:creationId xmlns:a16="http://schemas.microsoft.com/office/drawing/2014/main" id="{CC31C778-BA7A-4AB7-84F1-3D88C69067E4}"/>
+              </a:ext>
+            </a:extLst>
+          </p:cNvPr>
+          <p:cNvCxnSpPr>
+            <a:stCxn id="46" idx="2"/>
+            <a:endCxn id="48" idx="0"/>
+          </p:cNvCxnSpPr>
+          <p:nvPr/>
+        </p:nvCxnSpPr>
+        <p:spPr>
+          <a:xfrm>
+            <a:off x="8130658" y="5063493"/>
+            <a:ext cx="1854" cy="339499"/>
+          </a:xfrm>
+          <a:prstGeom prst="straightConnector1">
+            <a:avLst/>
+          </a:prstGeom>
+          <a:ln>
+            <a:tailEnd type="triangle"/>
+          </a:ln>
+        </p:spPr>
+        <p:style>
+          <a:lnRef idx="1">
+            <a:schemeClr val="accent1"/>
+          </a:lnRef>
+          <a:fillRef idx="0">
+            <a:schemeClr val="accent1"/>
+          </a:fillRef>
+          <a:effectRef idx="0">
+            <a:schemeClr val="accent1"/>
+          </a:effectRef>
+          <a:fontRef idx="minor">
+            <a:schemeClr val="tx1"/>
+          </a:fontRef>
+        </p:style>
+      </p:cxnSp>
+      <p:cxnSp>
+        <p:nvCxnSpPr>
+          <p:cNvPr id="69" name="连接符: 肘形 68">
+            <a:extLst>
+              <a:ext uri="{FF2B5EF4-FFF2-40B4-BE49-F238E27FC236}">
+                <a16:creationId xmlns:a16="http://schemas.microsoft.com/office/drawing/2014/main" id="{8EA371DC-05E4-4979-AA61-D505DA8A1C0D}"/>
+              </a:ext>
+            </a:extLst>
+          </p:cNvPr>
+          <p:cNvCxnSpPr>
+            <a:stCxn id="48" idx="2"/>
+            <a:endCxn id="47" idx="0"/>
+          </p:cNvCxnSpPr>
+          <p:nvPr/>
+        </p:nvCxnSpPr>
+        <p:spPr>
+          <a:xfrm rot="5400000">
+            <a:off x="7938510" y="5984998"/>
+            <a:ext cx="388004" cy="1"/>
+          </a:xfrm>
+          <a:prstGeom prst="bentConnector3">
+            <a:avLst/>
+          </a:prstGeom>
+          <a:ln>
+            <a:tailEnd type="triangle"/>
+          </a:ln>
+        </p:spPr>
+        <p:style>
+          <a:lnRef idx="1">
+            <a:schemeClr val="accent1"/>
+          </a:lnRef>
+          <a:fillRef idx="0">
+            <a:schemeClr val="accent1"/>
+          </a:fillRef>
+          <a:effectRef idx="0">
+            <a:schemeClr val="accent1"/>
+          </a:effectRef>
+          <a:fontRef idx="minor">
+            <a:schemeClr val="tx1"/>
+          </a:fontRef>
+        </p:style>
+      </p:cxnSp>
+      <p:sp>
+        <p:nvSpPr>
+          <p:cNvPr id="80" name="矩形 79">
+            <a:extLst>
+              <a:ext uri="{FF2B5EF4-FFF2-40B4-BE49-F238E27FC236}">
+                <a16:creationId xmlns:a16="http://schemas.microsoft.com/office/drawing/2014/main" id="{1CC8F9AB-4C05-474A-A3BF-1EBFC92DC4C8}"/>
+              </a:ext>
+            </a:extLst>
+          </p:cNvPr>
+          <p:cNvSpPr/>
+          <p:nvPr/>
+        </p:nvSpPr>
+        <p:spPr>
+          <a:xfrm>
+            <a:off x="10362581" y="5802120"/>
+            <a:ext cx="1162975" cy="388004"/>
+          </a:xfrm>
+          <a:prstGeom prst="rect">
+            <a:avLst/>
+          </a:prstGeom>
+        </p:spPr>
+        <p:style>
+          <a:lnRef idx="2">
+            <a:schemeClr val="accent1">
+              <a:shade val="50000"/>
+            </a:schemeClr>
+          </a:lnRef>
+          <a:fillRef idx="1">
+            <a:schemeClr val="accent1"/>
+          </a:fillRef>
+          <a:effectRef idx="0">
+            <a:schemeClr val="accent1"/>
+          </a:effectRef>
+          <a:fontRef idx="minor">
+            <a:schemeClr val="lt1"/>
+          </a:fontRef>
+        </p:style>
+        <p:txBody>
+          <a:bodyPr rtlCol="0" anchor="ctr"/>
+          <a:lstStyle/>
+          <a:p>
+            <a:pPr algn="ctr"/>
+            <a:r>
+              <a:rPr lang="zh-CN" altLang="en-US" dirty="0"/>
+              <a:t>即席查询</a:t>
+            </a:r>
+          </a:p>
+        </p:txBody>
+      </p:sp>
+      <p:sp>
+        <p:nvSpPr>
+          <p:cNvPr id="81" name="矩形 80">
+            <a:extLst>
+              <a:ext uri="{FF2B5EF4-FFF2-40B4-BE49-F238E27FC236}">
+                <a16:creationId xmlns:a16="http://schemas.microsoft.com/office/drawing/2014/main" id="{B9CAED35-00FD-4F3F-971C-119722080ABE}"/>
+              </a:ext>
+            </a:extLst>
+          </p:cNvPr>
+          <p:cNvSpPr/>
+          <p:nvPr/>
+        </p:nvSpPr>
+        <p:spPr>
+          <a:xfrm>
+            <a:off x="3916629" y="52408"/>
+            <a:ext cx="4339650" cy="646331"/>
+          </a:xfrm>
+          <a:prstGeom prst="rect">
+            <a:avLst/>
+          </a:prstGeom>
+          <a:noFill/>
+        </p:spPr>
+        <p:txBody>
+          <a:bodyPr wrap="none" lIns="91440" tIns="45720" rIns="91440" bIns="45720">
+            <a:spAutoFit/>
+          </a:bodyPr>
+          <a:lstStyle/>
+          <a:p>
+            <a:pPr algn="ctr"/>
+            <a:r>
+              <a:rPr lang="zh-CN" altLang="en-US" sz="3600" b="0" cap="none" spc="0" dirty="0">
+                <a:ln w="0"/>
+                <a:solidFill>
+                  <a:schemeClr val="tx1"/>
+                </a:solidFill>
+                <a:effectLst>
+                  <a:outerShdw blurRad="38100" dist="19050" dir="2700000" algn="tl" rotWithShape="0">
+                    <a:schemeClr val="dk1">
+                      <a:alpha val="40000"/>
+                    </a:schemeClr>
+                  </a:outerShdw>
+                </a:effectLst>
+              </a:rPr>
+              <a:t>二、项目功能架构图</a:t>
+            </a:r>
+          </a:p>
+        </p:txBody>
+      </p:sp>
     </p:spTree>
     <p:extLst>
       <p:ext uri="{BB962C8B-B14F-4D97-AF65-F5344CB8AC3E}">
@@ -4028,7 +5873,7 @@
 </p:sld>
 </file>
 
-<file path=ppt/slides/slide3.xml><?xml version="1.0" encoding="utf-8"?>
+<file path=ppt/slides/slide5.xml><?xml version="1.0" encoding="utf-8"?>
 <p:sld xmlns:a="http://schemas.openxmlformats.org/drawingml/2006/main" xmlns:r="http://schemas.openxmlformats.org/officeDocument/2006/relationships" xmlns:p="http://schemas.openxmlformats.org/presentationml/2006/main">
   <p:cSld>
     <p:bg>
@@ -5164,7 +7009,7 @@
         </p:nvSpPr>
         <p:spPr>
           <a:xfrm>
-            <a:off x="7501697" y="6070747"/>
+            <a:off x="8231225" y="6082662"/>
             <a:ext cx="1177922" cy="573587"/>
           </a:xfrm>
           <a:prstGeom prst="rect">
@@ -5221,7 +7066,7 @@
         </p:nvSpPr>
         <p:spPr>
           <a:xfrm>
-            <a:off x="10344853" y="6070748"/>
+            <a:off x="9652803" y="6072029"/>
             <a:ext cx="1177922" cy="584220"/>
           </a:xfrm>
           <a:prstGeom prst="rect">
@@ -5280,7 +7125,7 @@
         </p:nvSpPr>
         <p:spPr>
           <a:xfrm>
-            <a:off x="6096000" y="1107112"/>
+            <a:off x="6124940" y="736104"/>
             <a:ext cx="2439234" cy="410447"/>
           </a:xfrm>
           <a:prstGeom prst="rect">
@@ -5337,7 +7182,7 @@
         </p:nvSpPr>
         <p:spPr>
           <a:xfrm>
-            <a:off x="5998610" y="6076411"/>
+            <a:off x="6728138" y="6069197"/>
             <a:ext cx="1259431" cy="589883"/>
           </a:xfrm>
           <a:prstGeom prst="rect">
@@ -5434,63 +7279,6 @@
               <a:t>Zookeeper3.5.7</a:t>
             </a:r>
             <a:endParaRPr lang="zh-CN" altLang="en-US" sz="900" dirty="0"/>
-          </a:p>
-        </p:txBody>
-      </p:sp>
-      <p:sp>
-        <p:nvSpPr>
-          <p:cNvPr id="138" name="矩形 137">
-            <a:extLst>
-              <a:ext uri="{FF2B5EF4-FFF2-40B4-BE49-F238E27FC236}">
-                <a16:creationId xmlns:a16="http://schemas.microsoft.com/office/drawing/2014/main" id="{08894BED-01E0-4EA6-B5AC-29ADD347234F}"/>
-              </a:ext>
-            </a:extLst>
-          </p:cNvPr>
-          <p:cNvSpPr/>
-          <p:nvPr/>
-        </p:nvSpPr>
-        <p:spPr>
-          <a:xfrm>
-            <a:off x="8923275" y="6070748"/>
-            <a:ext cx="1177922" cy="589883"/>
-          </a:xfrm>
-          <a:prstGeom prst="rect">
-            <a:avLst/>
-          </a:prstGeom>
-          <a:ln/>
-        </p:spPr>
-        <p:style>
-          <a:lnRef idx="3">
-            <a:schemeClr val="lt1"/>
-          </a:lnRef>
-          <a:fillRef idx="1">
-            <a:schemeClr val="accent1"/>
-          </a:fillRef>
-          <a:effectRef idx="1">
-            <a:schemeClr val="accent1"/>
-          </a:effectRef>
-          <a:fontRef idx="minor">
-            <a:schemeClr val="lt1"/>
-          </a:fontRef>
-        </p:style>
-        <p:txBody>
-          <a:bodyPr rtlCol="0" anchor="ctr"/>
-          <a:lstStyle/>
-          <a:p>
-            <a:pPr algn="ctr"/>
-            <a:r>
-              <a:rPr lang="zh-CN" altLang="en-US" sz="1000" dirty="0"/>
-              <a:t>权限管理</a:t>
-            </a:r>
-            <a:endParaRPr lang="en-US" altLang="zh-CN" sz="1000" dirty="0"/>
-          </a:p>
-          <a:p>
-            <a:pPr algn="ctr"/>
-            <a:r>
-              <a:rPr lang="en-US" altLang="zh-CN" sz="1000" dirty="0"/>
-              <a:t>Ranger2.0</a:t>
-            </a:r>
-            <a:endParaRPr lang="zh-CN" altLang="en-US" sz="1000" dirty="0"/>
           </a:p>
         </p:txBody>
       </p:sp>
@@ -7659,6 +9447,54 @@
           </a:fontRef>
         </p:style>
       </p:cxnSp>
+      <p:sp>
+        <p:nvSpPr>
+          <p:cNvPr id="72" name="矩形 71">
+            <a:extLst>
+              <a:ext uri="{FF2B5EF4-FFF2-40B4-BE49-F238E27FC236}">
+                <a16:creationId xmlns:a16="http://schemas.microsoft.com/office/drawing/2014/main" id="{1EDACFBB-AFD2-4B4F-91C0-C107629F88C5}"/>
+              </a:ext>
+            </a:extLst>
+          </p:cNvPr>
+          <p:cNvSpPr/>
+          <p:nvPr/>
+        </p:nvSpPr>
+        <p:spPr>
+          <a:xfrm>
+            <a:off x="927970" y="89928"/>
+            <a:ext cx="3416320" cy="646331"/>
+          </a:xfrm>
+          <a:prstGeom prst="rect">
+            <a:avLst/>
+          </a:prstGeom>
+          <a:noFill/>
+        </p:spPr>
+        <p:txBody>
+          <a:bodyPr wrap="none" lIns="91440" tIns="45720" rIns="91440" bIns="45720">
+            <a:spAutoFit/>
+          </a:bodyPr>
+          <a:lstStyle/>
+          <a:p>
+            <a:pPr algn="ctr"/>
+            <a:r>
+              <a:rPr lang="zh-CN" altLang="en-US" sz="3600" b="0" cap="none" spc="0" dirty="0">
+                <a:ln w="0"/>
+                <a:solidFill>
+                  <a:schemeClr val="tx1"/>
+                </a:solidFill>
+                <a:effectLst>
+                  <a:outerShdw blurRad="38100" dist="19050" dir="2700000" algn="tl" rotWithShape="0">
+                    <a:schemeClr val="dk1">
+                      <a:alpha val="40000"/>
+                    </a:schemeClr>
+                  </a:outerShdw>
+                </a:effectLst>
+              </a:rPr>
+              <a:t>三、项目流程图</a:t>
+            </a:r>
+          </a:p>
+        </p:txBody>
+      </p:sp>
     </p:spTree>
     <p:extLst>
       <p:ext uri="{BB962C8B-B14F-4D97-AF65-F5344CB8AC3E}">
@@ -13544,7 +15380,7 @@
                                           </p:stCondLst>
                                         </p:cTn>
                                         <p:tgtEl>
-                                          <p:spTgt spid="138"/>
+                                          <p:spTgt spid="134"/>
                                         </p:tgtEl>
                                         <p:attrNameLst>
                                           <p:attrName>style.visibility</p:attrName>
@@ -13558,7 +15394,7 @@
                                       <p:cBhvr>
                                         <p:cTn id="388" dur="1000"/>
                                         <p:tgtEl>
-                                          <p:spTgt spid="138"/>
+                                          <p:spTgt spid="134"/>
                                         </p:tgtEl>
                                       </p:cBhvr>
                                     </p:animEffect>
@@ -13566,7 +15402,7 @@
                                       <p:cBhvr>
                                         <p:cTn id="389" dur="1000" fill="hold"/>
                                         <p:tgtEl>
-                                          <p:spTgt spid="138"/>
+                                          <p:spTgt spid="134"/>
                                         </p:tgtEl>
                                         <p:attrNameLst>
                                           <p:attrName>ppt_x</p:attrName>
@@ -13589,7 +15425,7 @@
                                       <p:cBhvr>
                                         <p:cTn id="390" dur="1000" fill="hold"/>
                                         <p:tgtEl>
-                                          <p:spTgt spid="138"/>
+                                          <p:spTgt spid="134"/>
                                         </p:tgtEl>
                                         <p:attrNameLst>
                                           <p:attrName>ppt_y</p:attrName>
@@ -13643,7 +15479,7 @@
                                           </p:stCondLst>
                                         </p:cTn>
                                         <p:tgtEl>
-                                          <p:spTgt spid="134"/>
+                                          <p:spTgt spid="135"/>
                                         </p:tgtEl>
                                         <p:attrNameLst>
                                           <p:attrName>style.visibility</p:attrName>
@@ -13657,7 +15493,7 @@
                                       <p:cBhvr>
                                         <p:cTn id="395" dur="1000"/>
                                         <p:tgtEl>
-                                          <p:spTgt spid="134"/>
+                                          <p:spTgt spid="135"/>
                                         </p:tgtEl>
                                       </p:cBhvr>
                                     </p:animEffect>
@@ -13665,7 +15501,7 @@
                                       <p:cBhvr>
                                         <p:cTn id="396" dur="1000" fill="hold"/>
                                         <p:tgtEl>
-                                          <p:spTgt spid="134"/>
+                                          <p:spTgt spid="135"/>
                                         </p:tgtEl>
                                         <p:attrNameLst>
                                           <p:attrName>ppt_x</p:attrName>
@@ -13687,105 +15523,6 @@
                                     <p:anim calcmode="lin" valueType="num">
                                       <p:cBhvr>
                                         <p:cTn id="397" dur="1000" fill="hold"/>
-                                        <p:tgtEl>
-                                          <p:spTgt spid="134"/>
-                                        </p:tgtEl>
-                                        <p:attrNameLst>
-                                          <p:attrName>ppt_y</p:attrName>
-                                        </p:attrNameLst>
-                                      </p:cBhvr>
-                                      <p:tavLst>
-                                        <p:tav tm="0">
-                                          <p:val>
-                                            <p:strVal val="#ppt_y+.1"/>
-                                          </p:val>
-                                        </p:tav>
-                                        <p:tav tm="100000">
-                                          <p:val>
-                                            <p:strVal val="#ppt_y"/>
-                                          </p:val>
-                                        </p:tav>
-                                      </p:tavLst>
-                                    </p:anim>
-                                  </p:childTnLst>
-                                </p:cTn>
-                              </p:par>
-                            </p:childTnLst>
-                          </p:cTn>
-                        </p:par>
-                      </p:childTnLst>
-                    </p:cTn>
-                  </p:par>
-                  <p:par>
-                    <p:cTn id="398" fill="hold">
-                      <p:stCondLst>
-                        <p:cond delay="indefinite"/>
-                      </p:stCondLst>
-                      <p:childTnLst>
-                        <p:par>
-                          <p:cTn id="399" fill="hold">
-                            <p:stCondLst>
-                              <p:cond delay="0"/>
-                            </p:stCondLst>
-                            <p:childTnLst>
-                              <p:par>
-                                <p:cTn id="400" presetID="42" presetClass="entr" presetSubtype="0" fill="hold" grpId="0" nodeType="clickEffect">
-                                  <p:stCondLst>
-                                    <p:cond delay="0"/>
-                                  </p:stCondLst>
-                                  <p:childTnLst>
-                                    <p:set>
-                                      <p:cBhvr>
-                                        <p:cTn id="401" dur="1" fill="hold">
-                                          <p:stCondLst>
-                                            <p:cond delay="0"/>
-                                          </p:stCondLst>
-                                        </p:cTn>
-                                        <p:tgtEl>
-                                          <p:spTgt spid="135"/>
-                                        </p:tgtEl>
-                                        <p:attrNameLst>
-                                          <p:attrName>style.visibility</p:attrName>
-                                        </p:attrNameLst>
-                                      </p:cBhvr>
-                                      <p:to>
-                                        <p:strVal val="visible"/>
-                                      </p:to>
-                                    </p:set>
-                                    <p:animEffect transition="in" filter="fade">
-                                      <p:cBhvr>
-                                        <p:cTn id="402" dur="1000"/>
-                                        <p:tgtEl>
-                                          <p:spTgt spid="135"/>
-                                        </p:tgtEl>
-                                      </p:cBhvr>
-                                    </p:animEffect>
-                                    <p:anim calcmode="lin" valueType="num">
-                                      <p:cBhvr>
-                                        <p:cTn id="403" dur="1000" fill="hold"/>
-                                        <p:tgtEl>
-                                          <p:spTgt spid="135"/>
-                                        </p:tgtEl>
-                                        <p:attrNameLst>
-                                          <p:attrName>ppt_x</p:attrName>
-                                        </p:attrNameLst>
-                                      </p:cBhvr>
-                                      <p:tavLst>
-                                        <p:tav tm="0">
-                                          <p:val>
-                                            <p:strVal val="#ppt_x"/>
-                                          </p:val>
-                                        </p:tav>
-                                        <p:tav tm="100000">
-                                          <p:val>
-                                            <p:strVal val="#ppt_x"/>
-                                          </p:val>
-                                        </p:tav>
-                                      </p:tavLst>
-                                    </p:anim>
-                                    <p:anim calcmode="lin" valueType="num">
-                                      <p:cBhvr>
-                                        <p:cTn id="404" dur="1000" fill="hold"/>
                                         <p:tgtEl>
                                           <p:spTgt spid="135"/>
                                         </p:tgtEl>
@@ -13854,7 +15591,6 @@
       <p:bldP spid="135" grpId="0" animBg="1"/>
       <p:bldP spid="136" grpId="0" animBg="1"/>
       <p:bldP spid="137" grpId="0" animBg="1"/>
-      <p:bldP spid="138" grpId="0" animBg="1"/>
       <p:bldP spid="139" grpId="0" animBg="1"/>
       <p:bldP spid="140" grpId="0" animBg="1"/>
       <p:bldP spid="141" grpId="0" animBg="1"/>
@@ -13885,7 +15621,7 @@
 </p:sld>
 </file>
 
-<file path=ppt/slides/slide4.xml><?xml version="1.0" encoding="utf-8"?>
+<file path=ppt/slides/slide6.xml><?xml version="1.0" encoding="utf-8"?>
 <p:sld xmlns:a="http://schemas.openxmlformats.org/drawingml/2006/main" xmlns:r="http://schemas.openxmlformats.org/officeDocument/2006/relationships" xmlns:p="http://schemas.openxmlformats.org/presentationml/2006/main">
   <p:cSld>
     <p:spTree>
@@ -14000,6 +15736,83 @@
           </a:prstGeom>
         </p:spPr>
       </p:pic>
+      <p:sp>
+        <p:nvSpPr>
+          <p:cNvPr id="6" name="矩形 5">
+            <a:extLst>
+              <a:ext uri="{FF2B5EF4-FFF2-40B4-BE49-F238E27FC236}">
+                <a16:creationId xmlns:a16="http://schemas.microsoft.com/office/drawing/2014/main" id="{B1F4F3E0-62E4-40C4-BB4F-563CC240DB35}"/>
+              </a:ext>
+            </a:extLst>
+          </p:cNvPr>
+          <p:cNvSpPr/>
+          <p:nvPr/>
+        </p:nvSpPr>
+        <p:spPr>
+          <a:xfrm>
+            <a:off x="4351674" y="26633"/>
+            <a:ext cx="2954655" cy="646331"/>
+          </a:xfrm>
+          <a:prstGeom prst="rect">
+            <a:avLst/>
+          </a:prstGeom>
+          <a:noFill/>
+        </p:spPr>
+        <p:txBody>
+          <a:bodyPr wrap="none" lIns="91440" tIns="45720" rIns="91440" bIns="45720">
+            <a:spAutoFit/>
+          </a:bodyPr>
+          <a:lstStyle/>
+          <a:p>
+            <a:pPr algn="ctr"/>
+            <a:r>
+              <a:rPr lang="zh-CN" altLang="en-US" sz="3600" b="0" cap="none" spc="0" dirty="0">
+                <a:ln w="0"/>
+                <a:solidFill>
+                  <a:schemeClr val="tx1"/>
+                </a:solidFill>
+                <a:effectLst>
+                  <a:outerShdw blurRad="38100" dist="19050" dir="2700000" algn="tl" rotWithShape="0">
+                    <a:schemeClr val="dk1">
+                      <a:alpha val="40000"/>
+                    </a:schemeClr>
+                  </a:outerShdw>
+                </a:effectLst>
+              </a:rPr>
+              <a:t>一</a:t>
+            </a:r>
+            <a:r>
+              <a:rPr lang="zh-CN" altLang="en-US" sz="3600" b="0" cap="none" spc="0">
+                <a:ln w="0"/>
+                <a:solidFill>
+                  <a:schemeClr val="tx1"/>
+                </a:solidFill>
+                <a:effectLst>
+                  <a:outerShdw blurRad="38100" dist="19050" dir="2700000" algn="tl" rotWithShape="0">
+                    <a:schemeClr val="dk1">
+                      <a:alpha val="40000"/>
+                    </a:schemeClr>
+                  </a:outerShdw>
+                </a:effectLst>
+              </a:rPr>
+              <a:t>、项目演示</a:t>
+            </a:r>
+            <a:endParaRPr lang="zh-CN" altLang="en-US" sz="3600" b="0" cap="none" spc="0" dirty="0">
+              <a:ln w="0"/>
+              <a:solidFill>
+                <a:schemeClr val="tx1"/>
+              </a:solidFill>
+              <a:effectLst>
+                <a:outerShdw blurRad="38100" dist="19050" dir="2700000" algn="tl" rotWithShape="0">
+                  <a:schemeClr val="dk1">
+                    <a:alpha val="40000"/>
+                  </a:schemeClr>
+                </a:outerShdw>
+              </a:effectLst>
+            </a:endParaRPr>
+          </a:p>
+        </p:txBody>
+      </p:sp>
     </p:spTree>
     <p:extLst>
       <p:ext uri="{BB962C8B-B14F-4D97-AF65-F5344CB8AC3E}">
@@ -14013,7 +15826,7 @@
 </p:sld>
 </file>
 
-<file path=ppt/slides/slide5.xml><?xml version="1.0" encoding="utf-8"?>
+<file path=ppt/slides/slide7.xml><?xml version="1.0" encoding="utf-8"?>
 <p:sld xmlns:a="http://schemas.openxmlformats.org/drawingml/2006/main" xmlns:r="http://schemas.openxmlformats.org/officeDocument/2006/relationships" xmlns:p="http://schemas.openxmlformats.org/presentationml/2006/main">
   <p:cSld>
     <p:spTree>

--- a/电商离线数据仓库流程架构.pptx
+++ b/电商离线数据仓库流程架构.pptx
@@ -265,7 +265,7 @@
           <a:p>
             <a:fld id="{1129E15B-970B-47A3-8C8F-22DF97A0F1AB}" type="datetimeFigureOut">
               <a:rPr lang="zh-CN" altLang="en-US" smtClean="0"/>
-              <a:t>2022/1/20</a:t>
+              <a:t>2022/1/22</a:t>
             </a:fld>
             <a:endParaRPr lang="zh-CN" altLang="en-US"/>
           </a:p>
@@ -463,7 +463,7 @@
           <a:p>
             <a:fld id="{1129E15B-970B-47A3-8C8F-22DF97A0F1AB}" type="datetimeFigureOut">
               <a:rPr lang="zh-CN" altLang="en-US" smtClean="0"/>
-              <a:t>2022/1/20</a:t>
+              <a:t>2022/1/22</a:t>
             </a:fld>
             <a:endParaRPr lang="zh-CN" altLang="en-US"/>
           </a:p>
@@ -671,7 +671,7 @@
           <a:p>
             <a:fld id="{1129E15B-970B-47A3-8C8F-22DF97A0F1AB}" type="datetimeFigureOut">
               <a:rPr lang="zh-CN" altLang="en-US" smtClean="0"/>
-              <a:t>2022/1/20</a:t>
+              <a:t>2022/1/22</a:t>
             </a:fld>
             <a:endParaRPr lang="zh-CN" altLang="en-US"/>
           </a:p>
@@ -869,7 +869,7 @@
           <a:p>
             <a:fld id="{1129E15B-970B-47A3-8C8F-22DF97A0F1AB}" type="datetimeFigureOut">
               <a:rPr lang="zh-CN" altLang="en-US" smtClean="0"/>
-              <a:t>2022/1/20</a:t>
+              <a:t>2022/1/22</a:t>
             </a:fld>
             <a:endParaRPr lang="zh-CN" altLang="en-US"/>
           </a:p>
@@ -1144,7 +1144,7 @@
           <a:p>
             <a:fld id="{1129E15B-970B-47A3-8C8F-22DF97A0F1AB}" type="datetimeFigureOut">
               <a:rPr lang="zh-CN" altLang="en-US" smtClean="0"/>
-              <a:t>2022/1/20</a:t>
+              <a:t>2022/1/22</a:t>
             </a:fld>
             <a:endParaRPr lang="zh-CN" altLang="en-US"/>
           </a:p>
@@ -1409,7 +1409,7 @@
           <a:p>
             <a:fld id="{1129E15B-970B-47A3-8C8F-22DF97A0F1AB}" type="datetimeFigureOut">
               <a:rPr lang="zh-CN" altLang="en-US" smtClean="0"/>
-              <a:t>2022/1/20</a:t>
+              <a:t>2022/1/22</a:t>
             </a:fld>
             <a:endParaRPr lang="zh-CN" altLang="en-US"/>
           </a:p>
@@ -1821,7 +1821,7 @@
           <a:p>
             <a:fld id="{1129E15B-970B-47A3-8C8F-22DF97A0F1AB}" type="datetimeFigureOut">
               <a:rPr lang="zh-CN" altLang="en-US" smtClean="0"/>
-              <a:t>2022/1/20</a:t>
+              <a:t>2022/1/22</a:t>
             </a:fld>
             <a:endParaRPr lang="zh-CN" altLang="en-US"/>
           </a:p>
@@ -1962,7 +1962,7 @@
           <a:p>
             <a:fld id="{1129E15B-970B-47A3-8C8F-22DF97A0F1AB}" type="datetimeFigureOut">
               <a:rPr lang="zh-CN" altLang="en-US" smtClean="0"/>
-              <a:t>2022/1/20</a:t>
+              <a:t>2022/1/22</a:t>
             </a:fld>
             <a:endParaRPr lang="zh-CN" altLang="en-US"/>
           </a:p>
@@ -2075,7 +2075,7 @@
           <a:p>
             <a:fld id="{1129E15B-970B-47A3-8C8F-22DF97A0F1AB}" type="datetimeFigureOut">
               <a:rPr lang="zh-CN" altLang="en-US" smtClean="0"/>
-              <a:t>2022/1/20</a:t>
+              <a:t>2022/1/22</a:t>
             </a:fld>
             <a:endParaRPr lang="zh-CN" altLang="en-US"/>
           </a:p>
@@ -2386,7 +2386,7 @@
           <a:p>
             <a:fld id="{1129E15B-970B-47A3-8C8F-22DF97A0F1AB}" type="datetimeFigureOut">
               <a:rPr lang="zh-CN" altLang="en-US" smtClean="0"/>
-              <a:t>2022/1/20</a:t>
+              <a:t>2022/1/22</a:t>
             </a:fld>
             <a:endParaRPr lang="zh-CN" altLang="en-US"/>
           </a:p>
@@ -2674,7 +2674,7 @@
           <a:p>
             <a:fld id="{1129E15B-970B-47A3-8C8F-22DF97A0F1AB}" type="datetimeFigureOut">
               <a:rPr lang="zh-CN" altLang="en-US" smtClean="0"/>
-              <a:t>2022/1/20</a:t>
+              <a:t>2022/1/22</a:t>
             </a:fld>
             <a:endParaRPr lang="zh-CN" altLang="en-US"/>
           </a:p>
@@ -2915,7 +2915,7 @@
           <a:p>
             <a:fld id="{1129E15B-970B-47A3-8C8F-22DF97A0F1AB}" type="datetimeFigureOut">
               <a:rPr lang="zh-CN" altLang="en-US" smtClean="0"/>
-              <a:t>2022/1/20</a:t>
+              <a:t>2022/1/22</a:t>
             </a:fld>
             <a:endParaRPr lang="zh-CN" altLang="en-US"/>
           </a:p>
@@ -15779,37 +15779,125 @@
                   </a:outerShdw>
                 </a:effectLst>
               </a:rPr>
-              <a:t>一</a:t>
-            </a:r>
-            <a:r>
-              <a:rPr lang="zh-CN" altLang="en-US" sz="3600" b="0" cap="none" spc="0">
-                <a:ln w="0"/>
-                <a:solidFill>
-                  <a:schemeClr val="tx1"/>
-                </a:solidFill>
-                <a:effectLst>
-                  <a:outerShdw blurRad="38100" dist="19050" dir="2700000" algn="tl" rotWithShape="0">
-                    <a:schemeClr val="dk1">
-                      <a:alpha val="40000"/>
-                    </a:schemeClr>
-                  </a:outerShdw>
-                </a:effectLst>
-              </a:rPr>
-              <a:t>、项目演示</a:t>
-            </a:r>
-            <a:endParaRPr lang="zh-CN" altLang="en-US" sz="3600" b="0" cap="none" spc="0" dirty="0">
-              <a:ln w="0"/>
-              <a:solidFill>
-                <a:schemeClr val="tx1"/>
-              </a:solidFill>
-              <a:effectLst>
-                <a:outerShdw blurRad="38100" dist="19050" dir="2700000" algn="tl" rotWithShape="0">
-                  <a:schemeClr val="dk1">
-                    <a:alpha val="40000"/>
-                  </a:schemeClr>
-                </a:outerShdw>
-              </a:effectLst>
-            </a:endParaRPr>
+              <a:t>四、项目演示</a:t>
+            </a:r>
+          </a:p>
+        </p:txBody>
+      </p:sp>
+      <p:sp>
+        <p:nvSpPr>
+          <p:cNvPr id="2" name="文本框 1">
+            <a:extLst>
+              <a:ext uri="{FF2B5EF4-FFF2-40B4-BE49-F238E27FC236}">
+                <a16:creationId xmlns:a16="http://schemas.microsoft.com/office/drawing/2014/main" id="{508C6C21-2809-4126-B196-266E2C1805CF}"/>
+              </a:ext>
+            </a:extLst>
+          </p:cNvPr>
+          <p:cNvSpPr txBox="1"/>
+          <p:nvPr/>
+        </p:nvSpPr>
+        <p:spPr>
+          <a:xfrm>
+            <a:off x="4802820" y="1242873"/>
+            <a:ext cx="1922321" cy="369332"/>
+          </a:xfrm>
+          <a:prstGeom prst="rect">
+            <a:avLst/>
+          </a:prstGeom>
+          <a:noFill/>
+        </p:spPr>
+        <p:txBody>
+          <a:bodyPr wrap="none" rtlCol="0">
+            <a:spAutoFit/>
+          </a:bodyPr>
+          <a:lstStyle/>
+          <a:p>
+            <a:r>
+              <a:rPr lang="en-US" altLang="zh-CN" dirty="0"/>
+              <a:t>1</a:t>
+            </a:r>
+            <a:r>
+              <a:rPr lang="zh-CN" altLang="en-US" dirty="0"/>
+              <a:t>、模拟数据生成</a:t>
+            </a:r>
+          </a:p>
+        </p:txBody>
+      </p:sp>
+      <p:sp>
+        <p:nvSpPr>
+          <p:cNvPr id="7" name="文本框 6">
+            <a:extLst>
+              <a:ext uri="{FF2B5EF4-FFF2-40B4-BE49-F238E27FC236}">
+                <a16:creationId xmlns:a16="http://schemas.microsoft.com/office/drawing/2014/main" id="{3C5E3C59-9865-4BFF-ACD9-5CED6B4E0313}"/>
+              </a:ext>
+            </a:extLst>
+          </p:cNvPr>
+          <p:cNvSpPr txBox="1"/>
+          <p:nvPr/>
+        </p:nvSpPr>
+        <p:spPr>
+          <a:xfrm>
+            <a:off x="4802820" y="1750380"/>
+            <a:ext cx="1691489" cy="369332"/>
+          </a:xfrm>
+          <a:prstGeom prst="rect">
+            <a:avLst/>
+          </a:prstGeom>
+          <a:noFill/>
+        </p:spPr>
+        <p:txBody>
+          <a:bodyPr wrap="none" rtlCol="0">
+            <a:spAutoFit/>
+          </a:bodyPr>
+          <a:lstStyle/>
+          <a:p>
+            <a:r>
+              <a:rPr lang="en-US" altLang="zh-CN" dirty="0"/>
+              <a:t>2</a:t>
+            </a:r>
+            <a:r>
+              <a:rPr lang="zh-CN" altLang="en-US" dirty="0"/>
+              <a:t>、全流程调度</a:t>
+            </a:r>
+          </a:p>
+        </p:txBody>
+      </p:sp>
+      <p:sp>
+        <p:nvSpPr>
+          <p:cNvPr id="8" name="文本框 7">
+            <a:extLst>
+              <a:ext uri="{FF2B5EF4-FFF2-40B4-BE49-F238E27FC236}">
+                <a16:creationId xmlns:a16="http://schemas.microsoft.com/office/drawing/2014/main" id="{9F83A761-B4C1-40F5-9AC7-CBF9C3D7A183}"/>
+              </a:ext>
+            </a:extLst>
+          </p:cNvPr>
+          <p:cNvSpPr txBox="1"/>
+          <p:nvPr/>
+        </p:nvSpPr>
+        <p:spPr>
+          <a:xfrm>
+            <a:off x="4802819" y="2399930"/>
+            <a:ext cx="1691489" cy="369332"/>
+          </a:xfrm>
+          <a:prstGeom prst="rect">
+            <a:avLst/>
+          </a:prstGeom>
+          <a:noFill/>
+        </p:spPr>
+        <p:txBody>
+          <a:bodyPr wrap="none" rtlCol="0">
+            <a:spAutoFit/>
+          </a:bodyPr>
+          <a:lstStyle/>
+          <a:p>
+            <a:r>
+              <a:rPr lang="en-US" altLang="zh-CN" dirty="0"/>
+              <a:t>3</a:t>
+            </a:r>
+            <a:r>
+              <a:rPr lang="zh-CN" altLang="en-US" dirty="0"/>
+              <a:t>、可视化呈现</a:t>
+            </a:r>
           </a:p>
         </p:txBody>
       </p:sp>

--- a/电商离线数据仓库流程架构.pptx
+++ b/电商离线数据仓库流程架构.pptx
@@ -10,8 +10,13 @@
     <p:sldId id="261" r:id="rId4"/>
     <p:sldId id="258" r:id="rId5"/>
     <p:sldId id="256" r:id="rId6"/>
-    <p:sldId id="259" r:id="rId7"/>
-    <p:sldId id="260" r:id="rId8"/>
+    <p:sldId id="263" r:id="rId7"/>
+    <p:sldId id="259" r:id="rId8"/>
+    <p:sldId id="260" r:id="rId9"/>
+    <p:sldId id="264" r:id="rId10"/>
+    <p:sldId id="265" r:id="rId11"/>
+    <p:sldId id="266" r:id="rId12"/>
+    <p:sldId id="267" r:id="rId13"/>
   </p:sldIdLst>
   <p:sldSz cx="12192000" cy="6858000"/>
   <p:notesSz cx="6858000" cy="9144000"/>
@@ -265,7 +270,7 @@
           <a:p>
             <a:fld id="{1129E15B-970B-47A3-8C8F-22DF97A0F1AB}" type="datetimeFigureOut">
               <a:rPr lang="zh-CN" altLang="en-US" smtClean="0"/>
-              <a:t>2022/1/22</a:t>
+              <a:t>2022/1/23</a:t>
             </a:fld>
             <a:endParaRPr lang="zh-CN" altLang="en-US"/>
           </a:p>
@@ -463,7 +468,7 @@
           <a:p>
             <a:fld id="{1129E15B-970B-47A3-8C8F-22DF97A0F1AB}" type="datetimeFigureOut">
               <a:rPr lang="zh-CN" altLang="en-US" smtClean="0"/>
-              <a:t>2022/1/22</a:t>
+              <a:t>2022/1/23</a:t>
             </a:fld>
             <a:endParaRPr lang="zh-CN" altLang="en-US"/>
           </a:p>
@@ -671,7 +676,7 @@
           <a:p>
             <a:fld id="{1129E15B-970B-47A3-8C8F-22DF97A0F1AB}" type="datetimeFigureOut">
               <a:rPr lang="zh-CN" altLang="en-US" smtClean="0"/>
-              <a:t>2022/1/22</a:t>
+              <a:t>2022/1/23</a:t>
             </a:fld>
             <a:endParaRPr lang="zh-CN" altLang="en-US"/>
           </a:p>
@@ -869,7 +874,7 @@
           <a:p>
             <a:fld id="{1129E15B-970B-47A3-8C8F-22DF97A0F1AB}" type="datetimeFigureOut">
               <a:rPr lang="zh-CN" altLang="en-US" smtClean="0"/>
-              <a:t>2022/1/22</a:t>
+              <a:t>2022/1/23</a:t>
             </a:fld>
             <a:endParaRPr lang="zh-CN" altLang="en-US"/>
           </a:p>
@@ -1144,7 +1149,7 @@
           <a:p>
             <a:fld id="{1129E15B-970B-47A3-8C8F-22DF97A0F1AB}" type="datetimeFigureOut">
               <a:rPr lang="zh-CN" altLang="en-US" smtClean="0"/>
-              <a:t>2022/1/22</a:t>
+              <a:t>2022/1/23</a:t>
             </a:fld>
             <a:endParaRPr lang="zh-CN" altLang="en-US"/>
           </a:p>
@@ -1409,7 +1414,7 @@
           <a:p>
             <a:fld id="{1129E15B-970B-47A3-8C8F-22DF97A0F1AB}" type="datetimeFigureOut">
               <a:rPr lang="zh-CN" altLang="en-US" smtClean="0"/>
-              <a:t>2022/1/22</a:t>
+              <a:t>2022/1/23</a:t>
             </a:fld>
             <a:endParaRPr lang="zh-CN" altLang="en-US"/>
           </a:p>
@@ -1821,7 +1826,7 @@
           <a:p>
             <a:fld id="{1129E15B-970B-47A3-8C8F-22DF97A0F1AB}" type="datetimeFigureOut">
               <a:rPr lang="zh-CN" altLang="en-US" smtClean="0"/>
-              <a:t>2022/1/22</a:t>
+              <a:t>2022/1/23</a:t>
             </a:fld>
             <a:endParaRPr lang="zh-CN" altLang="en-US"/>
           </a:p>
@@ -1962,7 +1967,7 @@
           <a:p>
             <a:fld id="{1129E15B-970B-47A3-8C8F-22DF97A0F1AB}" type="datetimeFigureOut">
               <a:rPr lang="zh-CN" altLang="en-US" smtClean="0"/>
-              <a:t>2022/1/22</a:t>
+              <a:t>2022/1/23</a:t>
             </a:fld>
             <a:endParaRPr lang="zh-CN" altLang="en-US"/>
           </a:p>
@@ -2075,7 +2080,7 @@
           <a:p>
             <a:fld id="{1129E15B-970B-47A3-8C8F-22DF97A0F1AB}" type="datetimeFigureOut">
               <a:rPr lang="zh-CN" altLang="en-US" smtClean="0"/>
-              <a:t>2022/1/22</a:t>
+              <a:t>2022/1/23</a:t>
             </a:fld>
             <a:endParaRPr lang="zh-CN" altLang="en-US"/>
           </a:p>
@@ -2386,7 +2391,7 @@
           <a:p>
             <a:fld id="{1129E15B-970B-47A3-8C8F-22DF97A0F1AB}" type="datetimeFigureOut">
               <a:rPr lang="zh-CN" altLang="en-US" smtClean="0"/>
-              <a:t>2022/1/22</a:t>
+              <a:t>2022/1/23</a:t>
             </a:fld>
             <a:endParaRPr lang="zh-CN" altLang="en-US"/>
           </a:p>
@@ -2674,7 +2679,7 @@
           <a:p>
             <a:fld id="{1129E15B-970B-47A3-8C8F-22DF97A0F1AB}" type="datetimeFigureOut">
               <a:rPr lang="zh-CN" altLang="en-US" smtClean="0"/>
-              <a:t>2022/1/22</a:t>
+              <a:t>2022/1/23</a:t>
             </a:fld>
             <a:endParaRPr lang="zh-CN" altLang="en-US"/>
           </a:p>
@@ -2915,7 +2920,7 @@
           <a:p>
             <a:fld id="{1129E15B-970B-47A3-8C8F-22DF97A0F1AB}" type="datetimeFigureOut">
               <a:rPr lang="zh-CN" altLang="en-US" smtClean="0"/>
-              <a:t>2022/1/22</a:t>
+              <a:t>2022/1/23</a:t>
             </a:fld>
             <a:endParaRPr lang="zh-CN" altLang="en-US"/>
           </a:p>
@@ -3497,6 +3502,498 @@
 </p:sld>
 </file>
 
+<file path=ppt/slides/slide10.xml><?xml version="1.0" encoding="utf-8"?>
+<p:sld xmlns:a="http://schemas.openxmlformats.org/drawingml/2006/main" xmlns:r="http://schemas.openxmlformats.org/officeDocument/2006/relationships" xmlns:p="http://schemas.openxmlformats.org/presentationml/2006/main">
+  <p:cSld>
+    <p:spTree>
+      <p:nvGrpSpPr>
+        <p:cNvPr id="1" name=""/>
+        <p:cNvGrpSpPr/>
+        <p:nvPr/>
+      </p:nvGrpSpPr>
+      <p:grpSpPr>
+        <a:xfrm>
+          <a:off x="0" y="0"/>
+          <a:ext cx="0" cy="0"/>
+          <a:chOff x="0" y="0"/>
+          <a:chExt cx="0" cy="0"/>
+        </a:xfrm>
+      </p:grpSpPr>
+      <p:pic>
+        <p:nvPicPr>
+          <p:cNvPr id="4" name="图片 3">
+            <a:extLst>
+              <a:ext uri="{FF2B5EF4-FFF2-40B4-BE49-F238E27FC236}">
+                <a16:creationId xmlns:a16="http://schemas.microsoft.com/office/drawing/2014/main" id="{91CCA718-5106-4C41-90B5-A46705790D51}"/>
+              </a:ext>
+            </a:extLst>
+          </p:cNvPr>
+          <p:cNvPicPr>
+            <a:picLocks noChangeAspect="1"/>
+          </p:cNvPicPr>
+          <p:nvPr/>
+        </p:nvPicPr>
+        <p:blipFill rotWithShape="1">
+          <a:blip r:embed="rId2" cstate="print">
+            <a:extLst>
+              <a:ext uri="{BEBA8EAE-BF5A-486C-A8C5-ECC9F3942E4B}">
+                <a14:imgProps xmlns:a14="http://schemas.microsoft.com/office/drawing/2010/main">
+                  <a14:imgLayer r:embed="rId3">
+                    <a14:imgEffect>
+                      <a14:backgroundRemoval t="0" b="64834" l="0" r="52450"/>
+                    </a14:imgEffect>
+                  </a14:imgLayer>
+                </a14:imgProps>
+              </a:ext>
+              <a:ext uri="{28A0092B-C50C-407E-A947-70E740481C1C}">
+                <a14:useLocalDpi xmlns:a14="http://schemas.microsoft.com/office/drawing/2010/main" val="0"/>
+              </a:ext>
+            </a:extLst>
+          </a:blip>
+          <a:srcRect l="4796" t="7905" r="68334" b="39870"/>
+          <a:stretch>
+            <a:fillRect/>
+          </a:stretch>
+        </p:blipFill>
+        <p:spPr>
+          <a:xfrm>
+            <a:off x="0" y="0"/>
+            <a:ext cx="1291586" cy="1498600"/>
+          </a:xfrm>
+          <a:prstGeom prst="rect">
+            <a:avLst/>
+          </a:prstGeom>
+        </p:spPr>
+      </p:pic>
+      <p:pic>
+        <p:nvPicPr>
+          <p:cNvPr id="5" name="图片 4">
+            <a:extLst>
+              <a:ext uri="{FF2B5EF4-FFF2-40B4-BE49-F238E27FC236}">
+                <a16:creationId xmlns:a16="http://schemas.microsoft.com/office/drawing/2014/main" id="{1EB09952-A6B7-4985-A73F-B21B94CD0383}"/>
+              </a:ext>
+            </a:extLst>
+          </p:cNvPr>
+          <p:cNvPicPr>
+            <a:picLocks noChangeAspect="1"/>
+          </p:cNvPicPr>
+          <p:nvPr/>
+        </p:nvPicPr>
+        <p:blipFill rotWithShape="1">
+          <a:blip r:embed="rId4" cstate="print">
+            <a:extLst>
+              <a:ext uri="{BEBA8EAE-BF5A-486C-A8C5-ECC9F3942E4B}">
+                <a14:imgProps xmlns:a14="http://schemas.microsoft.com/office/drawing/2010/main">
+                  <a14:imgLayer r:embed="rId5">
+                    <a14:imgEffect>
+                      <a14:backgroundRemoval t="45230" b="100000" l="56481" r="100000">
+                        <a14:foregroundMark x1="99638" y1="46483" x2="99928" y2="91512"/>
+                        <a14:foregroundMark x1="97852" y1="46160" x2="82694" y2="71584"/>
+                        <a14:foregroundMark x1="80908" y1="70493" x2="57229" y2="98868"/>
+                        <a14:foregroundMark x1="96259" y1="47251" x2="81101" y2="68270"/>
+                        <a14:foregroundMark x1="65749" y1="82862" x2="59015" y2="99636"/>
+                      </a14:backgroundRemoval>
+                    </a14:imgEffect>
+                  </a14:imgLayer>
+                </a14:imgProps>
+              </a:ext>
+              <a:ext uri="{28A0092B-C50C-407E-A947-70E740481C1C}">
+                <a14:useLocalDpi xmlns:a14="http://schemas.microsoft.com/office/drawing/2010/main" val="0"/>
+              </a:ext>
+            </a:extLst>
+          </a:blip>
+          <a:srcRect l="59472" t="50250" r="5326" b="7406"/>
+          <a:stretch>
+            <a:fillRect/>
+          </a:stretch>
+        </p:blipFill>
+        <p:spPr>
+          <a:xfrm>
+            <a:off x="10706100" y="5790996"/>
+            <a:ext cx="1485900" cy="1067003"/>
+          </a:xfrm>
+          <a:prstGeom prst="rect">
+            <a:avLst/>
+          </a:prstGeom>
+        </p:spPr>
+      </p:pic>
+      <p:sp>
+        <p:nvSpPr>
+          <p:cNvPr id="6" name="文本框 5">
+            <a:extLst>
+              <a:ext uri="{FF2B5EF4-FFF2-40B4-BE49-F238E27FC236}">
+                <a16:creationId xmlns:a16="http://schemas.microsoft.com/office/drawing/2014/main" id="{3C25259B-F8D0-41EA-90EC-A0AC412900B4}"/>
+              </a:ext>
+            </a:extLst>
+          </p:cNvPr>
+          <p:cNvSpPr txBox="1"/>
+          <p:nvPr/>
+        </p:nvSpPr>
+        <p:spPr>
+          <a:xfrm>
+            <a:off x="1291586" y="254778"/>
+            <a:ext cx="6094520" cy="523220"/>
+          </a:xfrm>
+          <a:prstGeom prst="rect">
+            <a:avLst/>
+          </a:prstGeom>
+          <a:noFill/>
+        </p:spPr>
+        <p:txBody>
+          <a:bodyPr wrap="square">
+            <a:spAutoFit/>
+          </a:bodyPr>
+          <a:lstStyle/>
+          <a:p>
+            <a:r>
+              <a:rPr lang="zh-CN" altLang="en-US" sz="2800" dirty="0"/>
+              <a:t>模拟数据生成</a:t>
+            </a:r>
+            <a:endParaRPr lang="en-US" altLang="zh-CN" sz="2800" dirty="0"/>
+          </a:p>
+        </p:txBody>
+      </p:sp>
+    </p:spTree>
+    <p:extLst>
+      <p:ext uri="{BB962C8B-B14F-4D97-AF65-F5344CB8AC3E}">
+        <p14:creationId xmlns:p14="http://schemas.microsoft.com/office/powerpoint/2010/main" val="1850238111"/>
+      </p:ext>
+    </p:extLst>
+  </p:cSld>
+  <p:clrMapOvr>
+    <a:masterClrMapping/>
+  </p:clrMapOvr>
+</p:sld>
+</file>
+
+<file path=ppt/slides/slide11.xml><?xml version="1.0" encoding="utf-8"?>
+<p:sld xmlns:a="http://schemas.openxmlformats.org/drawingml/2006/main" xmlns:r="http://schemas.openxmlformats.org/officeDocument/2006/relationships" xmlns:p="http://schemas.openxmlformats.org/presentationml/2006/main">
+  <p:cSld>
+    <p:spTree>
+      <p:nvGrpSpPr>
+        <p:cNvPr id="1" name=""/>
+        <p:cNvGrpSpPr/>
+        <p:nvPr/>
+      </p:nvGrpSpPr>
+      <p:grpSpPr>
+        <a:xfrm>
+          <a:off x="0" y="0"/>
+          <a:ext cx="0" cy="0"/>
+          <a:chOff x="0" y="0"/>
+          <a:chExt cx="0" cy="0"/>
+        </a:xfrm>
+      </p:grpSpPr>
+      <p:pic>
+        <p:nvPicPr>
+          <p:cNvPr id="4" name="图片 3">
+            <a:extLst>
+              <a:ext uri="{FF2B5EF4-FFF2-40B4-BE49-F238E27FC236}">
+                <a16:creationId xmlns:a16="http://schemas.microsoft.com/office/drawing/2014/main" id="{91CCA718-5106-4C41-90B5-A46705790D51}"/>
+              </a:ext>
+            </a:extLst>
+          </p:cNvPr>
+          <p:cNvPicPr>
+            <a:picLocks noChangeAspect="1"/>
+          </p:cNvPicPr>
+          <p:nvPr/>
+        </p:nvPicPr>
+        <p:blipFill rotWithShape="1">
+          <a:blip r:embed="rId2" cstate="print">
+            <a:extLst>
+              <a:ext uri="{BEBA8EAE-BF5A-486C-A8C5-ECC9F3942E4B}">
+                <a14:imgProps xmlns:a14="http://schemas.microsoft.com/office/drawing/2010/main">
+                  <a14:imgLayer r:embed="rId3">
+                    <a14:imgEffect>
+                      <a14:backgroundRemoval t="0" b="64834" l="0" r="52450"/>
+                    </a14:imgEffect>
+                  </a14:imgLayer>
+                </a14:imgProps>
+              </a:ext>
+              <a:ext uri="{28A0092B-C50C-407E-A947-70E740481C1C}">
+                <a14:useLocalDpi xmlns:a14="http://schemas.microsoft.com/office/drawing/2010/main" val="0"/>
+              </a:ext>
+            </a:extLst>
+          </a:blip>
+          <a:srcRect l="4796" t="7905" r="68334" b="39870"/>
+          <a:stretch>
+            <a:fillRect/>
+          </a:stretch>
+        </p:blipFill>
+        <p:spPr>
+          <a:xfrm>
+            <a:off x="0" y="0"/>
+            <a:ext cx="1291586" cy="1498600"/>
+          </a:xfrm>
+          <a:prstGeom prst="rect">
+            <a:avLst/>
+          </a:prstGeom>
+        </p:spPr>
+      </p:pic>
+      <p:pic>
+        <p:nvPicPr>
+          <p:cNvPr id="5" name="图片 4">
+            <a:extLst>
+              <a:ext uri="{FF2B5EF4-FFF2-40B4-BE49-F238E27FC236}">
+                <a16:creationId xmlns:a16="http://schemas.microsoft.com/office/drawing/2014/main" id="{1EB09952-A6B7-4985-A73F-B21B94CD0383}"/>
+              </a:ext>
+            </a:extLst>
+          </p:cNvPr>
+          <p:cNvPicPr>
+            <a:picLocks noChangeAspect="1"/>
+          </p:cNvPicPr>
+          <p:nvPr/>
+        </p:nvPicPr>
+        <p:blipFill rotWithShape="1">
+          <a:blip r:embed="rId4" cstate="print">
+            <a:extLst>
+              <a:ext uri="{BEBA8EAE-BF5A-486C-A8C5-ECC9F3942E4B}">
+                <a14:imgProps xmlns:a14="http://schemas.microsoft.com/office/drawing/2010/main">
+                  <a14:imgLayer r:embed="rId5">
+                    <a14:imgEffect>
+                      <a14:backgroundRemoval t="45230" b="100000" l="56481" r="100000">
+                        <a14:foregroundMark x1="99638" y1="46483" x2="99928" y2="91512"/>
+                        <a14:foregroundMark x1="97852" y1="46160" x2="82694" y2="71584"/>
+                        <a14:foregroundMark x1="80908" y1="70493" x2="57229" y2="98868"/>
+                        <a14:foregroundMark x1="96259" y1="47251" x2="81101" y2="68270"/>
+                        <a14:foregroundMark x1="65749" y1="82862" x2="59015" y2="99636"/>
+                      </a14:backgroundRemoval>
+                    </a14:imgEffect>
+                  </a14:imgLayer>
+                </a14:imgProps>
+              </a:ext>
+              <a:ext uri="{28A0092B-C50C-407E-A947-70E740481C1C}">
+                <a14:useLocalDpi xmlns:a14="http://schemas.microsoft.com/office/drawing/2010/main" val="0"/>
+              </a:ext>
+            </a:extLst>
+          </a:blip>
+          <a:srcRect l="59472" t="50250" r="5326" b="7406"/>
+          <a:stretch>
+            <a:fillRect/>
+          </a:stretch>
+        </p:blipFill>
+        <p:spPr>
+          <a:xfrm>
+            <a:off x="10706100" y="5790996"/>
+            <a:ext cx="1485900" cy="1067003"/>
+          </a:xfrm>
+          <a:prstGeom prst="rect">
+            <a:avLst/>
+          </a:prstGeom>
+        </p:spPr>
+      </p:pic>
+      <p:sp>
+        <p:nvSpPr>
+          <p:cNvPr id="6" name="文本框 5">
+            <a:extLst>
+              <a:ext uri="{FF2B5EF4-FFF2-40B4-BE49-F238E27FC236}">
+                <a16:creationId xmlns:a16="http://schemas.microsoft.com/office/drawing/2014/main" id="{3C25259B-F8D0-41EA-90EC-A0AC412900B4}"/>
+              </a:ext>
+            </a:extLst>
+          </p:cNvPr>
+          <p:cNvSpPr txBox="1"/>
+          <p:nvPr/>
+        </p:nvSpPr>
+        <p:spPr>
+          <a:xfrm>
+            <a:off x="1291586" y="254778"/>
+            <a:ext cx="6094520" cy="523220"/>
+          </a:xfrm>
+          <a:prstGeom prst="rect">
+            <a:avLst/>
+          </a:prstGeom>
+          <a:noFill/>
+        </p:spPr>
+        <p:txBody>
+          <a:bodyPr wrap="square">
+            <a:spAutoFit/>
+          </a:bodyPr>
+          <a:lstStyle/>
+          <a:p>
+            <a:r>
+              <a:rPr lang="zh-CN" altLang="en-US" sz="2800" dirty="0"/>
+              <a:t>模拟数据生成</a:t>
+            </a:r>
+            <a:endParaRPr lang="en-US" altLang="zh-CN" sz="2800" dirty="0"/>
+          </a:p>
+        </p:txBody>
+      </p:sp>
+    </p:spTree>
+    <p:extLst>
+      <p:ext uri="{BB962C8B-B14F-4D97-AF65-F5344CB8AC3E}">
+        <p14:creationId xmlns:p14="http://schemas.microsoft.com/office/powerpoint/2010/main" val="420381865"/>
+      </p:ext>
+    </p:extLst>
+  </p:cSld>
+  <p:clrMapOvr>
+    <a:masterClrMapping/>
+  </p:clrMapOvr>
+</p:sld>
+</file>
+
+<file path=ppt/slides/slide12.xml><?xml version="1.0" encoding="utf-8"?>
+<p:sld xmlns:a="http://schemas.openxmlformats.org/drawingml/2006/main" xmlns:r="http://schemas.openxmlformats.org/officeDocument/2006/relationships" xmlns:p="http://schemas.openxmlformats.org/presentationml/2006/main">
+  <p:cSld>
+    <p:spTree>
+      <p:nvGrpSpPr>
+        <p:cNvPr id="1" name=""/>
+        <p:cNvGrpSpPr/>
+        <p:nvPr/>
+      </p:nvGrpSpPr>
+      <p:grpSpPr>
+        <a:xfrm>
+          <a:off x="0" y="0"/>
+          <a:ext cx="0" cy="0"/>
+          <a:chOff x="0" y="0"/>
+          <a:chExt cx="0" cy="0"/>
+        </a:xfrm>
+      </p:grpSpPr>
+      <p:pic>
+        <p:nvPicPr>
+          <p:cNvPr id="4" name="图片 3">
+            <a:extLst>
+              <a:ext uri="{FF2B5EF4-FFF2-40B4-BE49-F238E27FC236}">
+                <a16:creationId xmlns:a16="http://schemas.microsoft.com/office/drawing/2014/main" id="{91CCA718-5106-4C41-90B5-A46705790D51}"/>
+              </a:ext>
+            </a:extLst>
+          </p:cNvPr>
+          <p:cNvPicPr>
+            <a:picLocks noChangeAspect="1"/>
+          </p:cNvPicPr>
+          <p:nvPr/>
+        </p:nvPicPr>
+        <p:blipFill rotWithShape="1">
+          <a:blip r:embed="rId2" cstate="print">
+            <a:extLst>
+              <a:ext uri="{BEBA8EAE-BF5A-486C-A8C5-ECC9F3942E4B}">
+                <a14:imgProps xmlns:a14="http://schemas.microsoft.com/office/drawing/2010/main">
+                  <a14:imgLayer r:embed="rId3">
+                    <a14:imgEffect>
+                      <a14:backgroundRemoval t="0" b="64834" l="0" r="52450"/>
+                    </a14:imgEffect>
+                  </a14:imgLayer>
+                </a14:imgProps>
+              </a:ext>
+              <a:ext uri="{28A0092B-C50C-407E-A947-70E740481C1C}">
+                <a14:useLocalDpi xmlns:a14="http://schemas.microsoft.com/office/drawing/2010/main" val="0"/>
+              </a:ext>
+            </a:extLst>
+          </a:blip>
+          <a:srcRect l="4796" t="7905" r="68334" b="39870"/>
+          <a:stretch>
+            <a:fillRect/>
+          </a:stretch>
+        </p:blipFill>
+        <p:spPr>
+          <a:xfrm>
+            <a:off x="0" y="0"/>
+            <a:ext cx="1291586" cy="1498600"/>
+          </a:xfrm>
+          <a:prstGeom prst="rect">
+            <a:avLst/>
+          </a:prstGeom>
+        </p:spPr>
+      </p:pic>
+      <p:pic>
+        <p:nvPicPr>
+          <p:cNvPr id="5" name="图片 4">
+            <a:extLst>
+              <a:ext uri="{FF2B5EF4-FFF2-40B4-BE49-F238E27FC236}">
+                <a16:creationId xmlns:a16="http://schemas.microsoft.com/office/drawing/2014/main" id="{1EB09952-A6B7-4985-A73F-B21B94CD0383}"/>
+              </a:ext>
+            </a:extLst>
+          </p:cNvPr>
+          <p:cNvPicPr>
+            <a:picLocks noChangeAspect="1"/>
+          </p:cNvPicPr>
+          <p:nvPr/>
+        </p:nvPicPr>
+        <p:blipFill rotWithShape="1">
+          <a:blip r:embed="rId4" cstate="print">
+            <a:extLst>
+              <a:ext uri="{BEBA8EAE-BF5A-486C-A8C5-ECC9F3942E4B}">
+                <a14:imgProps xmlns:a14="http://schemas.microsoft.com/office/drawing/2010/main">
+                  <a14:imgLayer r:embed="rId5">
+                    <a14:imgEffect>
+                      <a14:backgroundRemoval t="45230" b="100000" l="56481" r="100000">
+                        <a14:foregroundMark x1="99638" y1="46483" x2="99928" y2="91512"/>
+                        <a14:foregroundMark x1="97852" y1="46160" x2="82694" y2="71584"/>
+                        <a14:foregroundMark x1="80908" y1="70493" x2="57229" y2="98868"/>
+                        <a14:foregroundMark x1="96259" y1="47251" x2="81101" y2="68270"/>
+                        <a14:foregroundMark x1="65749" y1="82862" x2="59015" y2="99636"/>
+                      </a14:backgroundRemoval>
+                    </a14:imgEffect>
+                  </a14:imgLayer>
+                </a14:imgProps>
+              </a:ext>
+              <a:ext uri="{28A0092B-C50C-407E-A947-70E740481C1C}">
+                <a14:useLocalDpi xmlns:a14="http://schemas.microsoft.com/office/drawing/2010/main" val="0"/>
+              </a:ext>
+            </a:extLst>
+          </a:blip>
+          <a:srcRect l="59472" t="50250" r="5326" b="7406"/>
+          <a:stretch>
+            <a:fillRect/>
+          </a:stretch>
+        </p:blipFill>
+        <p:spPr>
+          <a:xfrm>
+            <a:off x="10706100" y="5790996"/>
+            <a:ext cx="1485900" cy="1067003"/>
+          </a:xfrm>
+          <a:prstGeom prst="rect">
+            <a:avLst/>
+          </a:prstGeom>
+        </p:spPr>
+      </p:pic>
+      <p:sp>
+        <p:nvSpPr>
+          <p:cNvPr id="6" name="文本框 5">
+            <a:extLst>
+              <a:ext uri="{FF2B5EF4-FFF2-40B4-BE49-F238E27FC236}">
+                <a16:creationId xmlns:a16="http://schemas.microsoft.com/office/drawing/2014/main" id="{3C25259B-F8D0-41EA-90EC-A0AC412900B4}"/>
+              </a:ext>
+            </a:extLst>
+          </p:cNvPr>
+          <p:cNvSpPr txBox="1"/>
+          <p:nvPr/>
+        </p:nvSpPr>
+        <p:spPr>
+          <a:xfrm>
+            <a:off x="1291586" y="254778"/>
+            <a:ext cx="6094520" cy="523220"/>
+          </a:xfrm>
+          <a:prstGeom prst="rect">
+            <a:avLst/>
+          </a:prstGeom>
+          <a:noFill/>
+        </p:spPr>
+        <p:txBody>
+          <a:bodyPr wrap="square">
+            <a:spAutoFit/>
+          </a:bodyPr>
+          <a:lstStyle/>
+          <a:p>
+            <a:r>
+              <a:rPr lang="zh-CN" altLang="en-US" sz="2800" dirty="0"/>
+              <a:t>模拟数据生成</a:t>
+            </a:r>
+            <a:endParaRPr lang="en-US" altLang="zh-CN" sz="2800" dirty="0"/>
+          </a:p>
+        </p:txBody>
+      </p:sp>
+    </p:spTree>
+    <p:extLst>
+      <p:ext uri="{BB962C8B-B14F-4D97-AF65-F5344CB8AC3E}">
+        <p14:creationId xmlns:p14="http://schemas.microsoft.com/office/powerpoint/2010/main" val="2339201142"/>
+      </p:ext>
+    </p:extLst>
+  </p:cSld>
+  <p:clrMapOvr>
+    <a:masterClrMapping/>
+  </p:clrMapOvr>
+</p:sld>
+</file>
+
 <file path=ppt/slides/slide2.xml><?xml version="1.0" encoding="utf-8"?>
 <p:sld xmlns:a="http://schemas.openxmlformats.org/drawingml/2006/main" xmlns:r="http://schemas.openxmlformats.org/officeDocument/2006/relationships" xmlns:p="http://schemas.openxmlformats.org/presentationml/2006/main">
   <p:cSld>
@@ -3680,8 +4177,8 @@
         </p:nvSpPr>
         <p:spPr>
           <a:xfrm>
-            <a:off x="2924357" y="2228671"/>
-            <a:ext cx="6094520" cy="1846659"/>
+            <a:off x="2924357" y="1247312"/>
+            <a:ext cx="6094520" cy="3139321"/>
           </a:xfrm>
           <a:prstGeom prst="rect">
             <a:avLst/>
@@ -3695,7 +4192,7 @@
           <a:lstStyle/>
           <a:p>
             <a:r>
-              <a:rPr lang="zh-CN" altLang="en-US" sz="2400" b="1" cap="none" spc="0" dirty="0">
+              <a:rPr lang="zh-CN" altLang="en-US" sz="3600" b="1" cap="none" spc="0" dirty="0">
                 <a:ln w="0"/>
                 <a:solidFill>
                   <a:schemeClr val="tx1"/>
@@ -3705,7 +4202,7 @@
               </a:rPr>
               <a:t>一、项目介绍</a:t>
             </a:r>
-            <a:endParaRPr lang="en-US" altLang="zh-CN" sz="2400" b="1" cap="none" spc="0" dirty="0">
+            <a:endParaRPr lang="en-US" altLang="zh-CN" sz="3600" b="1" cap="none" spc="0" dirty="0">
               <a:ln w="0"/>
               <a:solidFill>
                 <a:schemeClr val="tx1"/>
@@ -3716,7 +4213,7 @@
           </a:p>
           <a:p>
             <a:r>
-              <a:rPr lang="zh-CN" altLang="en-US" sz="2400" b="1" cap="none" spc="0" dirty="0">
+              <a:rPr lang="zh-CN" altLang="en-US" sz="3600" b="1" cap="none" spc="0" dirty="0">
                 <a:ln w="0"/>
                 <a:solidFill>
                   <a:schemeClr val="tx1"/>
@@ -3729,7 +4226,7 @@
           </a:p>
           <a:p>
             <a:r>
-              <a:rPr lang="zh-CN" altLang="en-US" sz="2400" b="1" cap="none" spc="0" dirty="0">
+              <a:rPr lang="zh-CN" altLang="en-US" sz="3600" b="1" cap="none" spc="0" dirty="0">
                 <a:ln w="0"/>
                 <a:solidFill>
                   <a:schemeClr val="tx1"/>
@@ -3739,7 +4236,7 @@
               </a:rPr>
               <a:t>三、项目流程图</a:t>
             </a:r>
-            <a:endParaRPr lang="en-US" altLang="zh-CN" sz="2400" b="1" cap="none" spc="0" dirty="0">
+            <a:endParaRPr lang="en-US" altLang="zh-CN" sz="3600" b="1" cap="none" spc="0" dirty="0">
               <a:ln w="0"/>
               <a:solidFill>
                 <a:schemeClr val="tx1"/>
@@ -3750,12 +4247,27 @@
           </a:p>
           <a:p>
             <a:r>
-              <a:rPr lang="zh-CN" altLang="en-US" sz="2400" b="1" dirty="0">
+              <a:rPr lang="zh-CN" altLang="en-US" sz="3600" b="1" dirty="0">
                 <a:ln w="0"/>
                 <a:latin typeface="黑体" panose="02010609060101010101" pitchFamily="49" charset="-122"/>
                 <a:ea typeface="黑体" panose="02010609060101010101" pitchFamily="49" charset="-122"/>
               </a:rPr>
-              <a:t>四、项目演示</a:t>
+              <a:t>四、项目环境</a:t>
+            </a:r>
+            <a:endParaRPr lang="en-US" altLang="zh-CN" sz="3600" b="1" dirty="0">
+              <a:ln w="0"/>
+              <a:latin typeface="黑体" panose="02010609060101010101" pitchFamily="49" charset="-122"/>
+              <a:ea typeface="黑体" panose="02010609060101010101" pitchFamily="49" charset="-122"/>
+            </a:endParaRPr>
+          </a:p>
+          <a:p>
+            <a:r>
+              <a:rPr lang="zh-CN" altLang="en-US" sz="3600" b="1" dirty="0">
+                <a:ln w="0"/>
+                <a:latin typeface="黑体" panose="02010609060101010101" pitchFamily="49" charset="-122"/>
+                <a:ea typeface="黑体" panose="02010609060101010101" pitchFamily="49" charset="-122"/>
+              </a:rPr>
+              <a:t>五、项目演示</a:t>
             </a:r>
           </a:p>
           <a:p>
@@ -15779,17 +16291,17 @@
                   </a:outerShdw>
                 </a:effectLst>
               </a:rPr>
-              <a:t>四、项目演示</a:t>
+              <a:t>四、项目环境</a:t>
             </a:r>
           </a:p>
         </p:txBody>
       </p:sp>
       <p:sp>
         <p:nvSpPr>
-          <p:cNvPr id="2" name="文本框 1">
-            <a:extLst>
-              <a:ext uri="{FF2B5EF4-FFF2-40B4-BE49-F238E27FC236}">
-                <a16:creationId xmlns:a16="http://schemas.microsoft.com/office/drawing/2014/main" id="{508C6C21-2809-4126-B196-266E2C1805CF}"/>
+          <p:cNvPr id="3" name="文本框 2">
+            <a:extLst>
+              <a:ext uri="{FF2B5EF4-FFF2-40B4-BE49-F238E27FC236}">
+                <a16:creationId xmlns:a16="http://schemas.microsoft.com/office/drawing/2014/main" id="{8F6D840B-A89C-45B7-A9C1-3047D539E9B7}"/>
               </a:ext>
             </a:extLst>
           </p:cNvPr>
@@ -15798,8 +16310,8 @@
         </p:nvSpPr>
         <p:spPr>
           <a:xfrm>
-            <a:off x="4802820" y="1242873"/>
-            <a:ext cx="1922321" cy="369332"/>
+            <a:off x="865093" y="1168310"/>
+            <a:ext cx="6036076" cy="3416320"/>
           </a:xfrm>
           <a:prstGeom prst="rect">
             <a:avLst/>
@@ -15812,99 +16324,442 @@
           </a:bodyPr>
           <a:lstStyle/>
           <a:p>
-            <a:r>
-              <a:rPr lang="en-US" altLang="zh-CN" dirty="0"/>
-              <a:t>1</a:t>
-            </a:r>
-            <a:r>
-              <a:rPr lang="zh-CN" altLang="en-US" dirty="0"/>
-              <a:t>、模拟数据生成</a:t>
-            </a:r>
+            <a:pPr algn="just"/>
+            <a:r>
+              <a:rPr lang="zh-CN" altLang="zh-CN" sz="1800" kern="100" dirty="0">
+                <a:effectLst/>
+                <a:latin typeface="Times New Roman" panose="02020603050405020304" pitchFamily="18" charset="0"/>
+                <a:ea typeface="黑体" panose="02010609060101010101" pitchFamily="49" charset="-122"/>
+              </a:rPr>
+              <a:t>主机环境：</a:t>
+            </a:r>
+            <a:endParaRPr lang="zh-CN" altLang="zh-CN" sz="1800" kern="100" dirty="0">
+              <a:effectLst/>
+              <a:latin typeface="Times New Roman" panose="02020603050405020304" pitchFamily="18" charset="0"/>
+              <a:ea typeface="宋体" panose="02010600030101010101" pitchFamily="2" charset="-122"/>
+            </a:endParaRPr>
+          </a:p>
+          <a:p>
+            <a:pPr algn="just"/>
+            <a:r>
+              <a:rPr lang="en-US" altLang="zh-CN" sz="1800" kern="100" dirty="0">
+                <a:effectLst/>
+                <a:latin typeface="Times New Roman" panose="02020603050405020304" pitchFamily="18" charset="0"/>
+                <a:ea typeface="黑体" panose="02010609060101010101" pitchFamily="49" charset="-122"/>
+              </a:rPr>
+              <a:t>Windows 10</a:t>
+            </a:r>
+            <a:endParaRPr lang="zh-CN" altLang="zh-CN" sz="1800" kern="100" dirty="0">
+              <a:effectLst/>
+              <a:latin typeface="Times New Roman" panose="02020603050405020304" pitchFamily="18" charset="0"/>
+              <a:ea typeface="宋体" panose="02010600030101010101" pitchFamily="2" charset="-122"/>
+            </a:endParaRPr>
+          </a:p>
+          <a:p>
+            <a:pPr algn="just"/>
+            <a:r>
+              <a:rPr lang="zh-CN" altLang="zh-CN" sz="1800" kern="100" dirty="0">
+                <a:effectLst/>
+                <a:latin typeface="Times New Roman" panose="02020603050405020304" pitchFamily="18" charset="0"/>
+                <a:ea typeface="黑体" panose="02010609060101010101" pitchFamily="49" charset="-122"/>
+              </a:rPr>
+              <a:t>处理器 </a:t>
+            </a:r>
+            <a:r>
+              <a:rPr lang="en-US" altLang="zh-CN" sz="1800" kern="100" dirty="0">
+                <a:effectLst/>
+                <a:latin typeface="Times New Roman" panose="02020603050405020304" pitchFamily="18" charset="0"/>
+                <a:ea typeface="黑体" panose="02010609060101010101" pitchFamily="49" charset="-122"/>
+              </a:rPr>
+              <a:t>AMD Ryzen 7 4800U with Radeon Graphics 1.80 GHz</a:t>
+            </a:r>
+            <a:endParaRPr lang="zh-CN" altLang="zh-CN" sz="1800" kern="100" dirty="0">
+              <a:effectLst/>
+              <a:latin typeface="Times New Roman" panose="02020603050405020304" pitchFamily="18" charset="0"/>
+              <a:ea typeface="宋体" panose="02010600030101010101" pitchFamily="2" charset="-122"/>
+            </a:endParaRPr>
+          </a:p>
+          <a:p>
+            <a:pPr algn="just"/>
+            <a:r>
+              <a:rPr lang="zh-CN" altLang="zh-CN" sz="1800" kern="100" dirty="0">
+                <a:effectLst/>
+                <a:latin typeface="Times New Roman" panose="02020603050405020304" pitchFamily="18" charset="0"/>
+                <a:ea typeface="黑体" panose="02010609060101010101" pitchFamily="49" charset="-122"/>
+              </a:rPr>
+              <a:t>内存 </a:t>
+            </a:r>
+            <a:r>
+              <a:rPr lang="en-US" altLang="zh-CN" sz="1800" kern="100" dirty="0">
+                <a:effectLst/>
+                <a:latin typeface="Times New Roman" panose="02020603050405020304" pitchFamily="18" charset="0"/>
+                <a:ea typeface="黑体" panose="02010609060101010101" pitchFamily="49" charset="-122"/>
+              </a:rPr>
+              <a:t>16GB</a:t>
+            </a:r>
+            <a:endParaRPr lang="zh-CN" altLang="zh-CN" sz="1800" kern="100" dirty="0">
+              <a:effectLst/>
+              <a:latin typeface="Times New Roman" panose="02020603050405020304" pitchFamily="18" charset="0"/>
+              <a:ea typeface="宋体" panose="02010600030101010101" pitchFamily="2" charset="-122"/>
+            </a:endParaRPr>
+          </a:p>
+          <a:p>
+            <a:pPr algn="just"/>
+            <a:r>
+              <a:rPr lang="zh-CN" altLang="zh-CN" sz="1800" kern="100" dirty="0">
+                <a:effectLst/>
+                <a:latin typeface="Times New Roman" panose="02020603050405020304" pitchFamily="18" charset="0"/>
+                <a:ea typeface="黑体" panose="02010609060101010101" pitchFamily="49" charset="-122"/>
+              </a:rPr>
+              <a:t>硬盘 </a:t>
+            </a:r>
+            <a:r>
+              <a:rPr lang="en-US" altLang="zh-CN" sz="1800" kern="100" dirty="0">
+                <a:effectLst/>
+                <a:latin typeface="Times New Roman" panose="02020603050405020304" pitchFamily="18" charset="0"/>
+                <a:ea typeface="黑体" panose="02010609060101010101" pitchFamily="49" charset="-122"/>
+              </a:rPr>
+              <a:t>512</a:t>
+            </a:r>
+            <a:r>
+              <a:rPr lang="zh-CN" altLang="zh-CN" sz="1800" kern="100" dirty="0">
+                <a:effectLst/>
+                <a:latin typeface="Times New Roman" panose="02020603050405020304" pitchFamily="18" charset="0"/>
+                <a:ea typeface="黑体" panose="02010609060101010101" pitchFamily="49" charset="-122"/>
+              </a:rPr>
+              <a:t>固态</a:t>
+            </a:r>
+            <a:endParaRPr lang="zh-CN" altLang="zh-CN" sz="1800" kern="100" dirty="0">
+              <a:effectLst/>
+              <a:latin typeface="Times New Roman" panose="02020603050405020304" pitchFamily="18" charset="0"/>
+              <a:ea typeface="宋体" panose="02010600030101010101" pitchFamily="2" charset="-122"/>
+            </a:endParaRPr>
+          </a:p>
+          <a:p>
+            <a:pPr algn="just"/>
+            <a:r>
+              <a:rPr lang="en-US" altLang="zh-CN" sz="1800" kern="100" dirty="0">
+                <a:effectLst/>
+                <a:latin typeface="Times New Roman" panose="02020603050405020304" pitchFamily="18" charset="0"/>
+                <a:ea typeface="黑体" panose="02010609060101010101" pitchFamily="49" charset="-122"/>
+              </a:rPr>
+              <a:t> </a:t>
+            </a:r>
+            <a:endParaRPr lang="zh-CN" altLang="zh-CN" sz="1800" kern="100" dirty="0">
+              <a:effectLst/>
+              <a:latin typeface="Times New Roman" panose="02020603050405020304" pitchFamily="18" charset="0"/>
+              <a:ea typeface="宋体" panose="02010600030101010101" pitchFamily="2" charset="-122"/>
+            </a:endParaRPr>
+          </a:p>
+          <a:p>
+            <a:pPr algn="just"/>
+            <a:r>
+              <a:rPr lang="zh-CN" altLang="zh-CN" sz="1800" kern="100" dirty="0">
+                <a:effectLst/>
+                <a:latin typeface="Times New Roman" panose="02020603050405020304" pitchFamily="18" charset="0"/>
+                <a:ea typeface="黑体" panose="02010609060101010101" pitchFamily="49" charset="-122"/>
+              </a:rPr>
+              <a:t>在本地搭建三台虚拟机，配置如下：</a:t>
+            </a:r>
+            <a:endParaRPr lang="zh-CN" altLang="zh-CN" sz="1800" kern="100" dirty="0">
+              <a:effectLst/>
+              <a:latin typeface="Times New Roman" panose="02020603050405020304" pitchFamily="18" charset="0"/>
+              <a:ea typeface="宋体" panose="02010600030101010101" pitchFamily="2" charset="-122"/>
+            </a:endParaRPr>
+          </a:p>
+          <a:p>
+            <a:pPr algn="just"/>
+            <a:r>
+              <a:rPr lang="zh-CN" altLang="zh-CN" sz="1800" kern="100" dirty="0">
+                <a:effectLst/>
+                <a:latin typeface="Times New Roman" panose="02020603050405020304" pitchFamily="18" charset="0"/>
+                <a:ea typeface="黑体" panose="02010609060101010101" pitchFamily="49" charset="-122"/>
+              </a:rPr>
+              <a:t>操作系统：</a:t>
+            </a:r>
+            <a:r>
+              <a:rPr lang="en-US" altLang="zh-CN" sz="1800" kern="100" dirty="0">
+                <a:effectLst/>
+                <a:latin typeface="Times New Roman" panose="02020603050405020304" pitchFamily="18" charset="0"/>
+                <a:ea typeface="黑体" panose="02010609060101010101" pitchFamily="49" charset="-122"/>
+              </a:rPr>
+              <a:t>CentOS 7</a:t>
+            </a:r>
+            <a:endParaRPr lang="zh-CN" altLang="zh-CN" sz="1800" kern="100" dirty="0">
+              <a:effectLst/>
+              <a:latin typeface="Times New Roman" panose="02020603050405020304" pitchFamily="18" charset="0"/>
+              <a:ea typeface="宋体" panose="02010600030101010101" pitchFamily="2" charset="-122"/>
+            </a:endParaRPr>
+          </a:p>
+          <a:p>
+            <a:pPr algn="just"/>
+            <a:r>
+              <a:rPr lang="zh-CN" altLang="zh-CN" sz="1800" kern="100" dirty="0">
+                <a:effectLst/>
+                <a:latin typeface="Times New Roman" panose="02020603050405020304" pitchFamily="18" charset="0"/>
+                <a:ea typeface="黑体" panose="02010609060101010101" pitchFamily="49" charset="-122"/>
+              </a:rPr>
+              <a:t>内存 </a:t>
+            </a:r>
+            <a:r>
+              <a:rPr lang="en-US" altLang="zh-CN" sz="1800" kern="100" dirty="0">
+                <a:effectLst/>
+                <a:latin typeface="Times New Roman" panose="02020603050405020304" pitchFamily="18" charset="0"/>
+                <a:ea typeface="黑体" panose="02010609060101010101" pitchFamily="49" charset="-122"/>
+              </a:rPr>
+              <a:t>4GB</a:t>
+            </a:r>
+            <a:endParaRPr lang="zh-CN" altLang="zh-CN" sz="1800" kern="100" dirty="0">
+              <a:effectLst/>
+              <a:latin typeface="Times New Roman" panose="02020603050405020304" pitchFamily="18" charset="0"/>
+              <a:ea typeface="宋体" panose="02010600030101010101" pitchFamily="2" charset="-122"/>
+            </a:endParaRPr>
+          </a:p>
+          <a:p>
+            <a:pPr algn="just"/>
+            <a:r>
+              <a:rPr lang="zh-CN" altLang="zh-CN" sz="1800" kern="100" dirty="0">
+                <a:effectLst/>
+                <a:latin typeface="Times New Roman" panose="02020603050405020304" pitchFamily="18" charset="0"/>
+                <a:ea typeface="黑体" panose="02010609060101010101" pitchFamily="49" charset="-122"/>
+              </a:rPr>
+              <a:t>处理器 </a:t>
+            </a:r>
+            <a:r>
+              <a:rPr lang="en-US" altLang="zh-CN" sz="1800" kern="100" dirty="0">
+                <a:effectLst/>
+                <a:latin typeface="Times New Roman" panose="02020603050405020304" pitchFamily="18" charset="0"/>
+                <a:ea typeface="黑体" panose="02010609060101010101" pitchFamily="49" charset="-122"/>
+              </a:rPr>
+              <a:t>4</a:t>
+            </a:r>
+            <a:r>
+              <a:rPr lang="zh-CN" altLang="zh-CN" sz="1800" kern="100" dirty="0">
+                <a:effectLst/>
+                <a:latin typeface="Times New Roman" panose="02020603050405020304" pitchFamily="18" charset="0"/>
+                <a:ea typeface="黑体" panose="02010609060101010101" pitchFamily="49" charset="-122"/>
+              </a:rPr>
+              <a:t>核</a:t>
+            </a:r>
+            <a:endParaRPr lang="zh-CN" altLang="zh-CN" sz="1800" kern="100" dirty="0">
+              <a:effectLst/>
+              <a:latin typeface="Times New Roman" panose="02020603050405020304" pitchFamily="18" charset="0"/>
+              <a:ea typeface="宋体" panose="02010600030101010101" pitchFamily="2" charset="-122"/>
+            </a:endParaRPr>
+          </a:p>
+          <a:p>
+            <a:pPr algn="just"/>
+            <a:r>
+              <a:rPr lang="zh-CN" altLang="zh-CN" sz="1800" kern="100" dirty="0">
+                <a:effectLst/>
+                <a:latin typeface="Times New Roman" panose="02020603050405020304" pitchFamily="18" charset="0"/>
+                <a:ea typeface="黑体" panose="02010609060101010101" pitchFamily="49" charset="-122"/>
+              </a:rPr>
+              <a:t>硬盘 </a:t>
+            </a:r>
+            <a:r>
+              <a:rPr lang="en-US" altLang="zh-CN" sz="1800" kern="100" dirty="0">
+                <a:effectLst/>
+                <a:latin typeface="Times New Roman" panose="02020603050405020304" pitchFamily="18" charset="0"/>
+                <a:ea typeface="黑体" panose="02010609060101010101" pitchFamily="49" charset="-122"/>
+              </a:rPr>
+              <a:t>50GB</a:t>
+            </a:r>
+            <a:endParaRPr lang="zh-CN" altLang="zh-CN" sz="1800" kern="100" dirty="0">
+              <a:effectLst/>
+              <a:latin typeface="Times New Roman" panose="02020603050405020304" pitchFamily="18" charset="0"/>
+              <a:ea typeface="宋体" panose="02010600030101010101" pitchFamily="2" charset="-122"/>
+            </a:endParaRPr>
+          </a:p>
+          <a:p>
+            <a:endParaRPr lang="zh-CN" altLang="en-US" dirty="0"/>
           </a:p>
         </p:txBody>
       </p:sp>
-      <p:sp>
-        <p:nvSpPr>
-          <p:cNvPr id="7" name="文本框 6">
-            <a:extLst>
-              <a:ext uri="{FF2B5EF4-FFF2-40B4-BE49-F238E27FC236}">
-                <a16:creationId xmlns:a16="http://schemas.microsoft.com/office/drawing/2014/main" id="{3C5E3C59-9865-4BFF-ACD9-5CED6B4E0313}"/>
-              </a:ext>
-            </a:extLst>
-          </p:cNvPr>
-          <p:cNvSpPr txBox="1"/>
+      <p:pic>
+        <p:nvPicPr>
+          <p:cNvPr id="1026" name="图片 18">
+            <a:extLst>
+              <a:ext uri="{FF2B5EF4-FFF2-40B4-BE49-F238E27FC236}">
+                <a16:creationId xmlns:a16="http://schemas.microsoft.com/office/drawing/2014/main" id="{EADAD753-B718-45D9-898E-801E7D625E11}"/>
+              </a:ext>
+            </a:extLst>
+          </p:cNvPr>
+          <p:cNvPicPr>
+            <a:picLocks noChangeAspect="1" noChangeArrowheads="1"/>
+          </p:cNvPicPr>
           <p:nvPr/>
-        </p:nvSpPr>
-        <p:spPr>
+        </p:nvPicPr>
+        <p:blipFill>
+          <a:blip r:embed="rId6">
+            <a:extLst>
+              <a:ext uri="{28A0092B-C50C-407E-A947-70E740481C1C}">
+                <a14:useLocalDpi xmlns:a14="http://schemas.microsoft.com/office/drawing/2010/main" val="0"/>
+              </a:ext>
+            </a:extLst>
+          </a:blip>
+          <a:srcRect/>
+          <a:stretch>
+            <a:fillRect/>
+          </a:stretch>
+        </p:blipFill>
+        <p:spPr bwMode="auto">
           <a:xfrm>
-            <a:off x="4802820" y="1750380"/>
-            <a:ext cx="1691489" cy="369332"/>
+            <a:off x="5631660" y="3846711"/>
+            <a:ext cx="2276797" cy="2466530"/>
           </a:xfrm>
           <a:prstGeom prst="rect">
             <a:avLst/>
           </a:prstGeom>
           <a:noFill/>
+          <a:ln>
+            <a:noFill/>
+          </a:ln>
+          <a:extLst>
+            <a:ext uri="{909E8E84-426E-40DD-AFC4-6F175D3DCCD1}">
+              <a14:hiddenFill xmlns:a14="http://schemas.microsoft.com/office/drawing/2010/main">
+                <a:solidFill>
+                  <a:srgbClr val="FFFFFF"/>
+                </a:solidFill>
+              </a14:hiddenFill>
+            </a:ext>
+            <a:ext uri="{91240B29-F687-4F45-9708-019B960494DF}">
+              <a14:hiddenLine xmlns:a14="http://schemas.microsoft.com/office/drawing/2010/main" w="9525">
+                <a:solidFill>
+                  <a:srgbClr val="000000"/>
+                </a:solidFill>
+                <a:miter lim="800000"/>
+                <a:headEnd/>
+                <a:tailEnd/>
+              </a14:hiddenLine>
+            </a:ext>
+          </a:extLst>
         </p:spPr>
-        <p:txBody>
-          <a:bodyPr wrap="none" rtlCol="0">
-            <a:spAutoFit/>
-          </a:bodyPr>
-          <a:lstStyle/>
-          <a:p>
-            <a:r>
-              <a:rPr lang="en-US" altLang="zh-CN" dirty="0"/>
-              <a:t>2</a:t>
-            </a:r>
-            <a:r>
-              <a:rPr lang="zh-CN" altLang="en-US" dirty="0"/>
-              <a:t>、全流程调度</a:t>
-            </a:r>
-          </a:p>
-        </p:txBody>
-      </p:sp>
-      <p:sp>
-        <p:nvSpPr>
-          <p:cNvPr id="8" name="文本框 7">
-            <a:extLst>
-              <a:ext uri="{FF2B5EF4-FFF2-40B4-BE49-F238E27FC236}">
-                <a16:creationId xmlns:a16="http://schemas.microsoft.com/office/drawing/2014/main" id="{9F83A761-B4C1-40F5-9AC7-CBF9C3D7A183}"/>
-              </a:ext>
-            </a:extLst>
-          </p:cNvPr>
-          <p:cNvSpPr txBox="1"/>
+      </p:pic>
+      <p:pic>
+        <p:nvPicPr>
+          <p:cNvPr id="1028" name="图片 20">
+            <a:extLst>
+              <a:ext uri="{FF2B5EF4-FFF2-40B4-BE49-F238E27FC236}">
+                <a16:creationId xmlns:a16="http://schemas.microsoft.com/office/drawing/2014/main" id="{AF5FFFAD-2D32-401F-B2CA-13BEEAB7CEB8}"/>
+              </a:ext>
+            </a:extLst>
+          </p:cNvPr>
+          <p:cNvPicPr>
+            <a:picLocks noChangeAspect="1" noChangeArrowheads="1"/>
+          </p:cNvPicPr>
           <p:nvPr/>
-        </p:nvSpPr>
-        <p:spPr>
+        </p:nvPicPr>
+        <p:blipFill>
+          <a:blip r:embed="rId7">
+            <a:extLst>
+              <a:ext uri="{28A0092B-C50C-407E-A947-70E740481C1C}">
+                <a14:useLocalDpi xmlns:a14="http://schemas.microsoft.com/office/drawing/2010/main" val="0"/>
+              </a:ext>
+            </a:extLst>
+          </a:blip>
+          <a:srcRect/>
+          <a:stretch>
+            <a:fillRect/>
+          </a:stretch>
+        </p:blipFill>
+        <p:spPr bwMode="auto">
           <a:xfrm>
-            <a:off x="4802819" y="2399930"/>
-            <a:ext cx="1691489" cy="369332"/>
+            <a:off x="7908457" y="3846711"/>
+            <a:ext cx="2371663" cy="2466530"/>
           </a:xfrm>
           <a:prstGeom prst="rect">
             <a:avLst/>
           </a:prstGeom>
           <a:noFill/>
+          <a:ln>
+            <a:noFill/>
+          </a:ln>
+          <a:extLst>
+            <a:ext uri="{909E8E84-426E-40DD-AFC4-6F175D3DCCD1}">
+              <a14:hiddenFill xmlns:a14="http://schemas.microsoft.com/office/drawing/2010/main">
+                <a:solidFill>
+                  <a:srgbClr val="FFFFFF"/>
+                </a:solidFill>
+              </a14:hiddenFill>
+            </a:ext>
+            <a:ext uri="{91240B29-F687-4F45-9708-019B960494DF}">
+              <a14:hiddenLine xmlns:a14="http://schemas.microsoft.com/office/drawing/2010/main" w="9525">
+                <a:solidFill>
+                  <a:srgbClr val="000000"/>
+                </a:solidFill>
+                <a:miter lim="800000"/>
+                <a:headEnd/>
+                <a:tailEnd/>
+              </a14:hiddenLine>
+            </a:ext>
+          </a:extLst>
         </p:spPr>
-        <p:txBody>
-          <a:bodyPr wrap="none" rtlCol="0">
-            <a:spAutoFit/>
-          </a:bodyPr>
-          <a:lstStyle/>
-          <a:p>
-            <a:r>
-              <a:rPr lang="en-US" altLang="zh-CN" dirty="0"/>
-              <a:t>3</a:t>
-            </a:r>
-            <a:r>
-              <a:rPr lang="zh-CN" altLang="en-US" dirty="0"/>
-              <a:t>、可视化呈现</a:t>
-            </a:r>
-          </a:p>
-        </p:txBody>
-      </p:sp>
+      </p:pic>
+      <p:pic>
+        <p:nvPicPr>
+          <p:cNvPr id="1029" name="图片 22">
+            <a:extLst>
+              <a:ext uri="{FF2B5EF4-FFF2-40B4-BE49-F238E27FC236}">
+                <a16:creationId xmlns:a16="http://schemas.microsoft.com/office/drawing/2014/main" id="{92C065C4-B96B-4E1A-B83A-6DE88FCB6C90}"/>
+              </a:ext>
+            </a:extLst>
+          </p:cNvPr>
+          <p:cNvPicPr>
+            <a:picLocks noChangeAspect="1" noChangeArrowheads="1"/>
+          </p:cNvPicPr>
+          <p:nvPr/>
+        </p:nvPicPr>
+        <p:blipFill>
+          <a:blip r:embed="rId8">
+            <a:extLst>
+              <a:ext uri="{28A0092B-C50C-407E-A947-70E740481C1C}">
+                <a14:useLocalDpi xmlns:a14="http://schemas.microsoft.com/office/drawing/2010/main" val="0"/>
+              </a:ext>
+            </a:extLst>
+          </a:blip>
+          <a:srcRect/>
+          <a:stretch>
+            <a:fillRect/>
+          </a:stretch>
+        </p:blipFill>
+        <p:spPr bwMode="auto">
+          <a:xfrm>
+            <a:off x="3284823" y="3883205"/>
+            <a:ext cx="2346836" cy="2346836"/>
+          </a:xfrm>
+          <a:prstGeom prst="rect">
+            <a:avLst/>
+          </a:prstGeom>
+          <a:noFill/>
+          <a:ln>
+            <a:noFill/>
+          </a:ln>
+          <a:extLst>
+            <a:ext uri="{909E8E84-426E-40DD-AFC4-6F175D3DCCD1}">
+              <a14:hiddenFill xmlns:a14="http://schemas.microsoft.com/office/drawing/2010/main">
+                <a:solidFill>
+                  <a:srgbClr val="FFFFFF"/>
+                </a:solidFill>
+              </a14:hiddenFill>
+            </a:ext>
+            <a:ext uri="{91240B29-F687-4F45-9708-019B960494DF}">
+              <a14:hiddenLine xmlns:a14="http://schemas.microsoft.com/office/drawing/2010/main" w="9525">
+                <a:solidFill>
+                  <a:srgbClr val="000000"/>
+                </a:solidFill>
+                <a:miter lim="800000"/>
+                <a:headEnd/>
+                <a:tailEnd/>
+              </a14:hiddenLine>
+            </a:ext>
+          </a:extLst>
+        </p:spPr>
+      </p:pic>
     </p:spTree>
     <p:extLst>
       <p:ext uri="{BB962C8B-B14F-4D97-AF65-F5344CB8AC3E}">
-        <p14:creationId xmlns:p14="http://schemas.microsoft.com/office/powerpoint/2010/main" val="1241801590"/>
+        <p14:creationId xmlns:p14="http://schemas.microsoft.com/office/powerpoint/2010/main" val="1410157900"/>
       </p:ext>
     </p:extLst>
   </p:cSld>
@@ -16029,10 +16884,457 @@
           </a:prstGeom>
         </p:spPr>
       </p:pic>
+      <p:sp>
+        <p:nvSpPr>
+          <p:cNvPr id="6" name="矩形 5">
+            <a:extLst>
+              <a:ext uri="{FF2B5EF4-FFF2-40B4-BE49-F238E27FC236}">
+                <a16:creationId xmlns:a16="http://schemas.microsoft.com/office/drawing/2014/main" id="{B1F4F3E0-62E4-40C4-BB4F-563CC240DB35}"/>
+              </a:ext>
+            </a:extLst>
+          </p:cNvPr>
+          <p:cNvSpPr/>
+          <p:nvPr/>
+        </p:nvSpPr>
+        <p:spPr>
+          <a:xfrm>
+            <a:off x="4351674" y="26633"/>
+            <a:ext cx="2954655" cy="646331"/>
+          </a:xfrm>
+          <a:prstGeom prst="rect">
+            <a:avLst/>
+          </a:prstGeom>
+          <a:noFill/>
+        </p:spPr>
+        <p:txBody>
+          <a:bodyPr wrap="none" lIns="91440" tIns="45720" rIns="91440" bIns="45720">
+            <a:spAutoFit/>
+          </a:bodyPr>
+          <a:lstStyle/>
+          <a:p>
+            <a:pPr algn="ctr"/>
+            <a:r>
+              <a:rPr lang="zh-CN" altLang="en-US" sz="3600" b="0" cap="none" spc="0" dirty="0">
+                <a:ln w="0"/>
+                <a:solidFill>
+                  <a:schemeClr val="tx1"/>
+                </a:solidFill>
+                <a:effectLst>
+                  <a:outerShdw blurRad="38100" dist="19050" dir="2700000" algn="tl" rotWithShape="0">
+                    <a:schemeClr val="dk1">
+                      <a:alpha val="40000"/>
+                    </a:schemeClr>
+                  </a:outerShdw>
+                </a:effectLst>
+              </a:rPr>
+              <a:t>五、项目演示</a:t>
+            </a:r>
+          </a:p>
+        </p:txBody>
+      </p:sp>
+      <p:sp>
+        <p:nvSpPr>
+          <p:cNvPr id="2" name="文本框 1">
+            <a:extLst>
+              <a:ext uri="{FF2B5EF4-FFF2-40B4-BE49-F238E27FC236}">
+                <a16:creationId xmlns:a16="http://schemas.microsoft.com/office/drawing/2014/main" id="{508C6C21-2809-4126-B196-266E2C1805CF}"/>
+              </a:ext>
+            </a:extLst>
+          </p:cNvPr>
+          <p:cNvSpPr txBox="1"/>
+          <p:nvPr/>
+        </p:nvSpPr>
+        <p:spPr>
+          <a:xfrm>
+            <a:off x="4385336" y="1597980"/>
+            <a:ext cx="5041765" cy="1815882"/>
+          </a:xfrm>
+          <a:prstGeom prst="rect">
+            <a:avLst/>
+          </a:prstGeom>
+          <a:noFill/>
+        </p:spPr>
+        <p:txBody>
+          <a:bodyPr wrap="none" rtlCol="0">
+            <a:spAutoFit/>
+          </a:bodyPr>
+          <a:lstStyle/>
+          <a:p>
+            <a:r>
+              <a:rPr lang="en-US" altLang="zh-CN" sz="2800" dirty="0"/>
+              <a:t>1</a:t>
+            </a:r>
+            <a:r>
+              <a:rPr lang="zh-CN" altLang="en-US" sz="2800" dirty="0"/>
+              <a:t>、各服务器节点进程运行情况</a:t>
+            </a:r>
+            <a:endParaRPr lang="en-US" altLang="zh-CN" sz="2800" dirty="0"/>
+          </a:p>
+          <a:p>
+            <a:r>
+              <a:rPr lang="en-US" altLang="zh-CN" sz="2800" dirty="0"/>
+              <a:t>2</a:t>
+            </a:r>
+            <a:r>
+              <a:rPr lang="zh-CN" altLang="en-US" sz="2800" dirty="0"/>
+              <a:t>、模拟数据生成</a:t>
+            </a:r>
+            <a:endParaRPr lang="en-US" altLang="zh-CN" sz="2800" dirty="0"/>
+          </a:p>
+          <a:p>
+            <a:r>
+              <a:rPr lang="en-US" altLang="zh-CN" sz="2800" dirty="0"/>
+              <a:t>3</a:t>
+            </a:r>
+            <a:r>
+              <a:rPr lang="zh-CN" altLang="en-US" sz="2800" dirty="0"/>
+              <a:t>、全流程调度</a:t>
+            </a:r>
+          </a:p>
+          <a:p>
+            <a:r>
+              <a:rPr lang="en-US" altLang="zh-CN" sz="2800" dirty="0"/>
+              <a:t>4</a:t>
+            </a:r>
+            <a:r>
+              <a:rPr lang="zh-CN" altLang="en-US" sz="2800" dirty="0"/>
+              <a:t>、可视化呈现</a:t>
+            </a:r>
+          </a:p>
+        </p:txBody>
+      </p:sp>
+    </p:spTree>
+    <p:extLst>
+      <p:ext uri="{BB962C8B-B14F-4D97-AF65-F5344CB8AC3E}">
+        <p14:creationId xmlns:p14="http://schemas.microsoft.com/office/powerpoint/2010/main" val="1241801590"/>
+      </p:ext>
+    </p:extLst>
+  </p:cSld>
+  <p:clrMapOvr>
+    <a:masterClrMapping/>
+  </p:clrMapOvr>
+</p:sld>
+</file>
+
+<file path=ppt/slides/slide8.xml><?xml version="1.0" encoding="utf-8"?>
+<p:sld xmlns:a="http://schemas.openxmlformats.org/drawingml/2006/main" xmlns:r="http://schemas.openxmlformats.org/officeDocument/2006/relationships" xmlns:p="http://schemas.openxmlformats.org/presentationml/2006/main">
+  <p:cSld>
+    <p:spTree>
+      <p:nvGrpSpPr>
+        <p:cNvPr id="1" name=""/>
+        <p:cNvGrpSpPr/>
+        <p:nvPr/>
+      </p:nvGrpSpPr>
+      <p:grpSpPr>
+        <a:xfrm>
+          <a:off x="0" y="0"/>
+          <a:ext cx="0" cy="0"/>
+          <a:chOff x="0" y="0"/>
+          <a:chExt cx="0" cy="0"/>
+        </a:xfrm>
+      </p:grpSpPr>
+      <p:pic>
+        <p:nvPicPr>
+          <p:cNvPr id="4" name="图片 3">
+            <a:extLst>
+              <a:ext uri="{FF2B5EF4-FFF2-40B4-BE49-F238E27FC236}">
+                <a16:creationId xmlns:a16="http://schemas.microsoft.com/office/drawing/2014/main" id="{91CCA718-5106-4C41-90B5-A46705790D51}"/>
+              </a:ext>
+            </a:extLst>
+          </p:cNvPr>
+          <p:cNvPicPr>
+            <a:picLocks noChangeAspect="1"/>
+          </p:cNvPicPr>
+          <p:nvPr/>
+        </p:nvPicPr>
+        <p:blipFill rotWithShape="1">
+          <a:blip r:embed="rId2" cstate="print">
+            <a:extLst>
+              <a:ext uri="{BEBA8EAE-BF5A-486C-A8C5-ECC9F3942E4B}">
+                <a14:imgProps xmlns:a14="http://schemas.microsoft.com/office/drawing/2010/main">
+                  <a14:imgLayer r:embed="rId3">
+                    <a14:imgEffect>
+                      <a14:backgroundRemoval t="0" b="64834" l="0" r="52450"/>
+                    </a14:imgEffect>
+                  </a14:imgLayer>
+                </a14:imgProps>
+              </a:ext>
+              <a:ext uri="{28A0092B-C50C-407E-A947-70E740481C1C}">
+                <a14:useLocalDpi xmlns:a14="http://schemas.microsoft.com/office/drawing/2010/main" val="0"/>
+              </a:ext>
+            </a:extLst>
+          </a:blip>
+          <a:srcRect l="4796" t="7905" r="68334" b="39870"/>
+          <a:stretch>
+            <a:fillRect/>
+          </a:stretch>
+        </p:blipFill>
+        <p:spPr>
+          <a:xfrm>
+            <a:off x="0" y="0"/>
+            <a:ext cx="1291586" cy="1498600"/>
+          </a:xfrm>
+          <a:prstGeom prst="rect">
+            <a:avLst/>
+          </a:prstGeom>
+        </p:spPr>
+      </p:pic>
+      <p:pic>
+        <p:nvPicPr>
+          <p:cNvPr id="5" name="图片 4">
+            <a:extLst>
+              <a:ext uri="{FF2B5EF4-FFF2-40B4-BE49-F238E27FC236}">
+                <a16:creationId xmlns:a16="http://schemas.microsoft.com/office/drawing/2014/main" id="{1EB09952-A6B7-4985-A73F-B21B94CD0383}"/>
+              </a:ext>
+            </a:extLst>
+          </p:cNvPr>
+          <p:cNvPicPr>
+            <a:picLocks noChangeAspect="1"/>
+          </p:cNvPicPr>
+          <p:nvPr/>
+        </p:nvPicPr>
+        <p:blipFill rotWithShape="1">
+          <a:blip r:embed="rId4" cstate="print">
+            <a:extLst>
+              <a:ext uri="{BEBA8EAE-BF5A-486C-A8C5-ECC9F3942E4B}">
+                <a14:imgProps xmlns:a14="http://schemas.microsoft.com/office/drawing/2010/main">
+                  <a14:imgLayer r:embed="rId5">
+                    <a14:imgEffect>
+                      <a14:backgroundRemoval t="45230" b="100000" l="56481" r="100000">
+                        <a14:foregroundMark x1="99638" y1="46483" x2="99928" y2="91512"/>
+                        <a14:foregroundMark x1="97852" y1="46160" x2="82694" y2="71584"/>
+                        <a14:foregroundMark x1="80908" y1="70493" x2="57229" y2="98868"/>
+                        <a14:foregroundMark x1="96259" y1="47251" x2="81101" y2="68270"/>
+                        <a14:foregroundMark x1="65749" y1="82862" x2="59015" y2="99636"/>
+                      </a14:backgroundRemoval>
+                    </a14:imgEffect>
+                  </a14:imgLayer>
+                </a14:imgProps>
+              </a:ext>
+              <a:ext uri="{28A0092B-C50C-407E-A947-70E740481C1C}">
+                <a14:useLocalDpi xmlns:a14="http://schemas.microsoft.com/office/drawing/2010/main" val="0"/>
+              </a:ext>
+            </a:extLst>
+          </a:blip>
+          <a:srcRect l="59472" t="50250" r="5326" b="7406"/>
+          <a:stretch>
+            <a:fillRect/>
+          </a:stretch>
+        </p:blipFill>
+        <p:spPr>
+          <a:xfrm>
+            <a:off x="10706100" y="5790996"/>
+            <a:ext cx="1485900" cy="1067003"/>
+          </a:xfrm>
+          <a:prstGeom prst="rect">
+            <a:avLst/>
+          </a:prstGeom>
+        </p:spPr>
+      </p:pic>
+      <p:sp>
+        <p:nvSpPr>
+          <p:cNvPr id="6" name="文本框 5">
+            <a:extLst>
+              <a:ext uri="{FF2B5EF4-FFF2-40B4-BE49-F238E27FC236}">
+                <a16:creationId xmlns:a16="http://schemas.microsoft.com/office/drawing/2014/main" id="{3C25259B-F8D0-41EA-90EC-A0AC412900B4}"/>
+              </a:ext>
+            </a:extLst>
+          </p:cNvPr>
+          <p:cNvSpPr txBox="1"/>
+          <p:nvPr/>
+        </p:nvSpPr>
+        <p:spPr>
+          <a:xfrm>
+            <a:off x="1291586" y="254778"/>
+            <a:ext cx="6094520" cy="523220"/>
+          </a:xfrm>
+          <a:prstGeom prst="rect">
+            <a:avLst/>
+          </a:prstGeom>
+          <a:noFill/>
+        </p:spPr>
+        <p:txBody>
+          <a:bodyPr wrap="square">
+            <a:spAutoFit/>
+          </a:bodyPr>
+          <a:lstStyle/>
+          <a:p>
+            <a:r>
+              <a:rPr lang="zh-CN" altLang="en-US" sz="2800" dirty="0"/>
+              <a:t>模拟数据生成</a:t>
+            </a:r>
+            <a:endParaRPr lang="en-US" altLang="zh-CN" sz="2800" dirty="0"/>
+          </a:p>
+        </p:txBody>
+      </p:sp>
     </p:spTree>
     <p:extLst>
       <p:ext uri="{BB962C8B-B14F-4D97-AF65-F5344CB8AC3E}">
         <p14:creationId xmlns:p14="http://schemas.microsoft.com/office/powerpoint/2010/main" val="2999539733"/>
+      </p:ext>
+    </p:extLst>
+  </p:cSld>
+  <p:clrMapOvr>
+    <a:masterClrMapping/>
+  </p:clrMapOvr>
+</p:sld>
+</file>
+
+<file path=ppt/slides/slide9.xml><?xml version="1.0" encoding="utf-8"?>
+<p:sld xmlns:a="http://schemas.openxmlformats.org/drawingml/2006/main" xmlns:r="http://schemas.openxmlformats.org/officeDocument/2006/relationships" xmlns:p="http://schemas.openxmlformats.org/presentationml/2006/main">
+  <p:cSld>
+    <p:spTree>
+      <p:nvGrpSpPr>
+        <p:cNvPr id="1" name=""/>
+        <p:cNvGrpSpPr/>
+        <p:nvPr/>
+      </p:nvGrpSpPr>
+      <p:grpSpPr>
+        <a:xfrm>
+          <a:off x="0" y="0"/>
+          <a:ext cx="0" cy="0"/>
+          <a:chOff x="0" y="0"/>
+          <a:chExt cx="0" cy="0"/>
+        </a:xfrm>
+      </p:grpSpPr>
+      <p:pic>
+        <p:nvPicPr>
+          <p:cNvPr id="4" name="图片 3">
+            <a:extLst>
+              <a:ext uri="{FF2B5EF4-FFF2-40B4-BE49-F238E27FC236}">
+                <a16:creationId xmlns:a16="http://schemas.microsoft.com/office/drawing/2014/main" id="{91CCA718-5106-4C41-90B5-A46705790D51}"/>
+              </a:ext>
+            </a:extLst>
+          </p:cNvPr>
+          <p:cNvPicPr>
+            <a:picLocks noChangeAspect="1"/>
+          </p:cNvPicPr>
+          <p:nvPr/>
+        </p:nvPicPr>
+        <p:blipFill rotWithShape="1">
+          <a:blip r:embed="rId2" cstate="print">
+            <a:extLst>
+              <a:ext uri="{BEBA8EAE-BF5A-486C-A8C5-ECC9F3942E4B}">
+                <a14:imgProps xmlns:a14="http://schemas.microsoft.com/office/drawing/2010/main">
+                  <a14:imgLayer r:embed="rId3">
+                    <a14:imgEffect>
+                      <a14:backgroundRemoval t="0" b="64834" l="0" r="52450"/>
+                    </a14:imgEffect>
+                  </a14:imgLayer>
+                </a14:imgProps>
+              </a:ext>
+              <a:ext uri="{28A0092B-C50C-407E-A947-70E740481C1C}">
+                <a14:useLocalDpi xmlns:a14="http://schemas.microsoft.com/office/drawing/2010/main" val="0"/>
+              </a:ext>
+            </a:extLst>
+          </a:blip>
+          <a:srcRect l="4796" t="7905" r="68334" b="39870"/>
+          <a:stretch>
+            <a:fillRect/>
+          </a:stretch>
+        </p:blipFill>
+        <p:spPr>
+          <a:xfrm>
+            <a:off x="0" y="0"/>
+            <a:ext cx="1291586" cy="1498600"/>
+          </a:xfrm>
+          <a:prstGeom prst="rect">
+            <a:avLst/>
+          </a:prstGeom>
+        </p:spPr>
+      </p:pic>
+      <p:pic>
+        <p:nvPicPr>
+          <p:cNvPr id="5" name="图片 4">
+            <a:extLst>
+              <a:ext uri="{FF2B5EF4-FFF2-40B4-BE49-F238E27FC236}">
+                <a16:creationId xmlns:a16="http://schemas.microsoft.com/office/drawing/2014/main" id="{1EB09952-A6B7-4985-A73F-B21B94CD0383}"/>
+              </a:ext>
+            </a:extLst>
+          </p:cNvPr>
+          <p:cNvPicPr>
+            <a:picLocks noChangeAspect="1"/>
+          </p:cNvPicPr>
+          <p:nvPr/>
+        </p:nvPicPr>
+        <p:blipFill rotWithShape="1">
+          <a:blip r:embed="rId4" cstate="print">
+            <a:extLst>
+              <a:ext uri="{BEBA8EAE-BF5A-486C-A8C5-ECC9F3942E4B}">
+                <a14:imgProps xmlns:a14="http://schemas.microsoft.com/office/drawing/2010/main">
+                  <a14:imgLayer r:embed="rId5">
+                    <a14:imgEffect>
+                      <a14:backgroundRemoval t="45230" b="100000" l="56481" r="100000">
+                        <a14:foregroundMark x1="99638" y1="46483" x2="99928" y2="91512"/>
+                        <a14:foregroundMark x1="97852" y1="46160" x2="82694" y2="71584"/>
+                        <a14:foregroundMark x1="80908" y1="70493" x2="57229" y2="98868"/>
+                        <a14:foregroundMark x1="96259" y1="47251" x2="81101" y2="68270"/>
+                        <a14:foregroundMark x1="65749" y1="82862" x2="59015" y2="99636"/>
+                      </a14:backgroundRemoval>
+                    </a14:imgEffect>
+                  </a14:imgLayer>
+                </a14:imgProps>
+              </a:ext>
+              <a:ext uri="{28A0092B-C50C-407E-A947-70E740481C1C}">
+                <a14:useLocalDpi xmlns:a14="http://schemas.microsoft.com/office/drawing/2010/main" val="0"/>
+              </a:ext>
+            </a:extLst>
+          </a:blip>
+          <a:srcRect l="59472" t="50250" r="5326" b="7406"/>
+          <a:stretch>
+            <a:fillRect/>
+          </a:stretch>
+        </p:blipFill>
+        <p:spPr>
+          <a:xfrm>
+            <a:off x="10706100" y="5790996"/>
+            <a:ext cx="1485900" cy="1067003"/>
+          </a:xfrm>
+          <a:prstGeom prst="rect">
+            <a:avLst/>
+          </a:prstGeom>
+        </p:spPr>
+      </p:pic>
+      <p:sp>
+        <p:nvSpPr>
+          <p:cNvPr id="6" name="文本框 5">
+            <a:extLst>
+              <a:ext uri="{FF2B5EF4-FFF2-40B4-BE49-F238E27FC236}">
+                <a16:creationId xmlns:a16="http://schemas.microsoft.com/office/drawing/2014/main" id="{3C25259B-F8D0-41EA-90EC-A0AC412900B4}"/>
+              </a:ext>
+            </a:extLst>
+          </p:cNvPr>
+          <p:cNvSpPr txBox="1"/>
+          <p:nvPr/>
+        </p:nvSpPr>
+        <p:spPr>
+          <a:xfrm>
+            <a:off x="1291586" y="254778"/>
+            <a:ext cx="6094520" cy="523220"/>
+          </a:xfrm>
+          <a:prstGeom prst="rect">
+            <a:avLst/>
+          </a:prstGeom>
+          <a:noFill/>
+        </p:spPr>
+        <p:txBody>
+          <a:bodyPr wrap="square">
+            <a:spAutoFit/>
+          </a:bodyPr>
+          <a:lstStyle/>
+          <a:p>
+            <a:r>
+              <a:rPr lang="zh-CN" altLang="en-US" sz="2800" dirty="0"/>
+              <a:t>模拟数据生成</a:t>
+            </a:r>
+            <a:endParaRPr lang="en-US" altLang="zh-CN" sz="2800" dirty="0"/>
+          </a:p>
+        </p:txBody>
+      </p:sp>
+    </p:spTree>
+    <p:extLst>
+      <p:ext uri="{BB962C8B-B14F-4D97-AF65-F5344CB8AC3E}">
+        <p14:creationId xmlns:p14="http://schemas.microsoft.com/office/powerpoint/2010/main" val="994202467"/>
       </p:ext>
     </p:extLst>
   </p:cSld>

--- a/电商离线数据仓库流程架构.pptx
+++ b/电商离线数据仓库流程架构.pptx
@@ -17324,10 +17324,10 @@
           <a:lstStyle/>
           <a:p>
             <a:r>
-              <a:rPr lang="zh-CN" altLang="en-US" sz="2800" dirty="0"/>
-              <a:t>模拟数据生成</a:t>
-            </a:r>
-            <a:endParaRPr lang="en-US" altLang="zh-CN" sz="2800" dirty="0"/>
+              <a:rPr lang="zh-CN" altLang="en-US" sz="2800"/>
+              <a:t>全流程调度</a:t>
+            </a:r>
+            <a:endParaRPr lang="zh-CN" altLang="en-US" sz="2800" dirty="0"/>
           </a:p>
         </p:txBody>
       </p:sp>

--- a/电商离线数据仓库流程架构.pptx
+++ b/电商离线数据仓库流程架构.pptx
@@ -3646,8 +3646,8 @@
           <a:lstStyle/>
           <a:p>
             <a:r>
-              <a:rPr lang="zh-CN" altLang="en-US" sz="2800" dirty="0"/>
-              <a:t>模拟数据生成</a:t>
+              <a:rPr lang="zh-CN" altLang="en-US" sz="2800"/>
+              <a:t>可视化呈现</a:t>
             </a:r>
             <a:endParaRPr lang="en-US" altLang="zh-CN" sz="2800" dirty="0"/>
           </a:p>

--- a/电商离线数据仓库流程架构.pptx
+++ b/电商离线数据仓库流程架构.pptx
@@ -13,10 +13,18 @@
     <p:sldId id="263" r:id="rId7"/>
     <p:sldId id="259" r:id="rId8"/>
     <p:sldId id="260" r:id="rId9"/>
-    <p:sldId id="264" r:id="rId10"/>
-    <p:sldId id="265" r:id="rId11"/>
-    <p:sldId id="266" r:id="rId12"/>
-    <p:sldId id="267" r:id="rId13"/>
+    <p:sldId id="266" r:id="rId10"/>
+    <p:sldId id="268" r:id="rId11"/>
+    <p:sldId id="272" r:id="rId12"/>
+    <p:sldId id="264" r:id="rId13"/>
+    <p:sldId id="273" r:id="rId14"/>
+    <p:sldId id="274" r:id="rId15"/>
+    <p:sldId id="275" r:id="rId16"/>
+    <p:sldId id="276" r:id="rId17"/>
+    <p:sldId id="265" r:id="rId18"/>
+    <p:sldId id="269" r:id="rId19"/>
+    <p:sldId id="270" r:id="rId20"/>
+    <p:sldId id="271" r:id="rId21"/>
   </p:sldIdLst>
   <p:sldSz cx="12192000" cy="6858000"/>
   <p:notesSz cx="6858000" cy="9144000"/>
@@ -270,7 +278,7 @@
           <a:p>
             <a:fld id="{1129E15B-970B-47A3-8C8F-22DF97A0F1AB}" type="datetimeFigureOut">
               <a:rPr lang="zh-CN" altLang="en-US" smtClean="0"/>
-              <a:t>2022/1/23</a:t>
+              <a:t>2022/1/24</a:t>
             </a:fld>
             <a:endParaRPr lang="zh-CN" altLang="en-US"/>
           </a:p>
@@ -468,7 +476,7 @@
           <a:p>
             <a:fld id="{1129E15B-970B-47A3-8C8F-22DF97A0F1AB}" type="datetimeFigureOut">
               <a:rPr lang="zh-CN" altLang="en-US" smtClean="0"/>
-              <a:t>2022/1/23</a:t>
+              <a:t>2022/1/24</a:t>
             </a:fld>
             <a:endParaRPr lang="zh-CN" altLang="en-US"/>
           </a:p>
@@ -676,7 +684,7 @@
           <a:p>
             <a:fld id="{1129E15B-970B-47A3-8C8F-22DF97A0F1AB}" type="datetimeFigureOut">
               <a:rPr lang="zh-CN" altLang="en-US" smtClean="0"/>
-              <a:t>2022/1/23</a:t>
+              <a:t>2022/1/24</a:t>
             </a:fld>
             <a:endParaRPr lang="zh-CN" altLang="en-US"/>
           </a:p>
@@ -874,7 +882,7 @@
           <a:p>
             <a:fld id="{1129E15B-970B-47A3-8C8F-22DF97A0F1AB}" type="datetimeFigureOut">
               <a:rPr lang="zh-CN" altLang="en-US" smtClean="0"/>
-              <a:t>2022/1/23</a:t>
+              <a:t>2022/1/24</a:t>
             </a:fld>
             <a:endParaRPr lang="zh-CN" altLang="en-US"/>
           </a:p>
@@ -1149,7 +1157,7 @@
           <a:p>
             <a:fld id="{1129E15B-970B-47A3-8C8F-22DF97A0F1AB}" type="datetimeFigureOut">
               <a:rPr lang="zh-CN" altLang="en-US" smtClean="0"/>
-              <a:t>2022/1/23</a:t>
+              <a:t>2022/1/24</a:t>
             </a:fld>
             <a:endParaRPr lang="zh-CN" altLang="en-US"/>
           </a:p>
@@ -1414,7 +1422,7 @@
           <a:p>
             <a:fld id="{1129E15B-970B-47A3-8C8F-22DF97A0F1AB}" type="datetimeFigureOut">
               <a:rPr lang="zh-CN" altLang="en-US" smtClean="0"/>
-              <a:t>2022/1/23</a:t>
+              <a:t>2022/1/24</a:t>
             </a:fld>
             <a:endParaRPr lang="zh-CN" altLang="en-US"/>
           </a:p>
@@ -1826,7 +1834,7 @@
           <a:p>
             <a:fld id="{1129E15B-970B-47A3-8C8F-22DF97A0F1AB}" type="datetimeFigureOut">
               <a:rPr lang="zh-CN" altLang="en-US" smtClean="0"/>
-              <a:t>2022/1/23</a:t>
+              <a:t>2022/1/24</a:t>
             </a:fld>
             <a:endParaRPr lang="zh-CN" altLang="en-US"/>
           </a:p>
@@ -1967,7 +1975,7 @@
           <a:p>
             <a:fld id="{1129E15B-970B-47A3-8C8F-22DF97A0F1AB}" type="datetimeFigureOut">
               <a:rPr lang="zh-CN" altLang="en-US" smtClean="0"/>
-              <a:t>2022/1/23</a:t>
+              <a:t>2022/1/24</a:t>
             </a:fld>
             <a:endParaRPr lang="zh-CN" altLang="en-US"/>
           </a:p>
@@ -2080,7 +2088,7 @@
           <a:p>
             <a:fld id="{1129E15B-970B-47A3-8C8F-22DF97A0F1AB}" type="datetimeFigureOut">
               <a:rPr lang="zh-CN" altLang="en-US" smtClean="0"/>
-              <a:t>2022/1/23</a:t>
+              <a:t>2022/1/24</a:t>
             </a:fld>
             <a:endParaRPr lang="zh-CN" altLang="en-US"/>
           </a:p>
@@ -2391,7 +2399,7 @@
           <a:p>
             <a:fld id="{1129E15B-970B-47A3-8C8F-22DF97A0F1AB}" type="datetimeFigureOut">
               <a:rPr lang="zh-CN" altLang="en-US" smtClean="0"/>
-              <a:t>2022/1/23</a:t>
+              <a:t>2022/1/24</a:t>
             </a:fld>
             <a:endParaRPr lang="zh-CN" altLang="en-US"/>
           </a:p>
@@ -2679,7 +2687,7 @@
           <a:p>
             <a:fld id="{1129E15B-970B-47A3-8C8F-22DF97A0F1AB}" type="datetimeFigureOut">
               <a:rPr lang="zh-CN" altLang="en-US" smtClean="0"/>
-              <a:t>2022/1/23</a:t>
+              <a:t>2022/1/24</a:t>
             </a:fld>
             <a:endParaRPr lang="zh-CN" altLang="en-US"/>
           </a:p>
@@ -2920,7 +2928,7 @@
           <a:p>
             <a:fld id="{1129E15B-970B-47A3-8C8F-22DF97A0F1AB}" type="datetimeFigureOut">
               <a:rPr lang="zh-CN" altLang="en-US" smtClean="0"/>
-              <a:t>2022/1/23</a:t>
+              <a:t>2022/1/24</a:t>
             </a:fld>
             <a:endParaRPr lang="zh-CN" altLang="en-US"/>
           </a:p>
@@ -3631,8 +3639,8 @@
         </p:nvSpPr>
         <p:spPr>
           <a:xfrm>
-            <a:off x="1291586" y="254778"/>
-            <a:ext cx="6094520" cy="523220"/>
+            <a:off x="1291585" y="254778"/>
+            <a:ext cx="8962123" cy="523220"/>
           </a:xfrm>
           <a:prstGeom prst="rect">
             <a:avLst/>
@@ -3646,17 +3654,347 @@
           <a:lstStyle/>
           <a:p>
             <a:r>
-              <a:rPr lang="zh-CN" altLang="en-US" sz="2800"/>
-              <a:t>可视化呈现</a:t>
+              <a:rPr lang="zh-CN" altLang="en-US" sz="2800" dirty="0"/>
+              <a:t>模拟数据生成</a:t>
+            </a:r>
+            <a:r>
+              <a:rPr lang="en-US" altLang="zh-CN" sz="2800" dirty="0"/>
+              <a:t>——</a:t>
+            </a:r>
+            <a:r>
+              <a:rPr lang="zh-CN" altLang="en-US" sz="2800" dirty="0"/>
+              <a:t>业务数据生成</a:t>
             </a:r>
             <a:endParaRPr lang="en-US" altLang="zh-CN" sz="2800" dirty="0"/>
           </a:p>
         </p:txBody>
       </p:sp>
+      <p:sp>
+        <p:nvSpPr>
+          <p:cNvPr id="2" name="Rectangle 4">
+            <a:extLst>
+              <a:ext uri="{FF2B5EF4-FFF2-40B4-BE49-F238E27FC236}">
+                <a16:creationId xmlns:a16="http://schemas.microsoft.com/office/drawing/2014/main" id="{48B84074-E029-4BB2-A886-3955655DC732}"/>
+              </a:ext>
+            </a:extLst>
+          </p:cNvPr>
+          <p:cNvSpPr>
+            <a:spLocks noChangeArrowheads="1"/>
+          </p:cNvSpPr>
+          <p:nvPr/>
+        </p:nvSpPr>
+        <p:spPr bwMode="auto">
+          <a:xfrm>
+            <a:off x="1249983" y="886961"/>
+            <a:ext cx="9614518" cy="1477328"/>
+          </a:xfrm>
+          <a:prstGeom prst="rect">
+            <a:avLst/>
+          </a:prstGeom>
+          <a:noFill/>
+          <a:ln>
+            <a:noFill/>
+          </a:ln>
+          <a:effectLst/>
+          <a:extLst>
+            <a:ext uri="{909E8E84-426E-40DD-AFC4-6F175D3DCCD1}">
+              <a14:hiddenFill xmlns:a14="http://schemas.microsoft.com/office/drawing/2010/main">
+                <a:solidFill>
+                  <a:schemeClr val="accent1"/>
+                </a:solidFill>
+              </a14:hiddenFill>
+            </a:ext>
+            <a:ext uri="{91240B29-F687-4F45-9708-019B960494DF}">
+              <a14:hiddenLine xmlns:a14="http://schemas.microsoft.com/office/drawing/2010/main" w="9525">
+                <a:solidFill>
+                  <a:schemeClr val="tx1"/>
+                </a:solidFill>
+                <a:miter lim="800000"/>
+                <a:headEnd/>
+                <a:tailEnd/>
+              </a14:hiddenLine>
+            </a:ext>
+            <a:ext uri="{AF507438-7753-43E0-B8FC-AC1667EBCBE1}">
+              <a14:hiddenEffects xmlns:a14="http://schemas.microsoft.com/office/drawing/2010/main">
+                <a:effectLst>
+                  <a:outerShdw dist="35921" dir="2700000" algn="ctr" rotWithShape="0">
+                    <a:schemeClr val="bg2"/>
+                  </a:outerShdw>
+                </a:effectLst>
+              </a14:hiddenEffects>
+            </a:ext>
+          </a:extLst>
+        </p:spPr>
+        <p:txBody>
+          <a:bodyPr vert="horz" wrap="square" lIns="91440" tIns="45720" rIns="91440" bIns="45720" numCol="1" anchor="ctr" anchorCtr="0" compatLnSpc="1">
+            <a:prstTxWarp prst="textNoShape">
+              <a:avLst/>
+            </a:prstTxWarp>
+            <a:spAutoFit/>
+          </a:bodyPr>
+          <a:lstStyle/>
+          <a:p>
+            <a:pPr marL="0" marR="0" lvl="0" indent="0" algn="l" defTabSz="914400" rtl="0" eaLnBrk="0" fontAlgn="base" latinLnBrk="0" hangingPunct="0">
+              <a:lnSpc>
+                <a:spcPct val="100000"/>
+              </a:lnSpc>
+              <a:spcBef>
+                <a:spcPct val="0"/>
+              </a:spcBef>
+              <a:spcAft>
+                <a:spcPct val="0"/>
+              </a:spcAft>
+              <a:buClrTx/>
+              <a:buSzTx/>
+              <a:buFontTx/>
+              <a:buNone/>
+              <a:tabLst/>
+            </a:pPr>
+            <a:r>
+              <a:rPr lang="zh-CN" altLang="en-US" sz="2400" dirty="0">
+                <a:latin typeface="宋体" panose="02010600030101010101" pitchFamily="2" charset="-122"/>
+                <a:ea typeface="宋体" panose="02010600030101010101" pitchFamily="2" charset="-122"/>
+                <a:cs typeface="Times New Roman" panose="02020603050405020304" pitchFamily="18" charset="0"/>
+              </a:rPr>
+              <a:t>业务数据生成模块的文件在</a:t>
+            </a:r>
+            <a:r>
+              <a:rPr lang="en-US" altLang="zh-CN" sz="2400" dirty="0">
+                <a:latin typeface="宋体" panose="02010600030101010101" pitchFamily="2" charset="-122"/>
+                <a:ea typeface="宋体" panose="02010600030101010101" pitchFamily="2" charset="-122"/>
+                <a:cs typeface="Times New Roman" panose="02020603050405020304" pitchFamily="18" charset="0"/>
+              </a:rPr>
+              <a:t>/opt/module/</a:t>
+            </a:r>
+            <a:r>
+              <a:rPr lang="en-US" altLang="zh-CN" sz="2400" dirty="0" err="1">
+                <a:latin typeface="宋体" panose="02010600030101010101" pitchFamily="2" charset="-122"/>
+                <a:ea typeface="宋体" panose="02010600030101010101" pitchFamily="2" charset="-122"/>
+                <a:cs typeface="Times New Roman" panose="02020603050405020304" pitchFamily="18" charset="0"/>
+              </a:rPr>
+              <a:t>db_log</a:t>
+            </a:r>
+            <a:r>
+              <a:rPr lang="zh-CN" altLang="en-US" sz="2400" dirty="0">
+                <a:latin typeface="宋体" panose="02010600030101010101" pitchFamily="2" charset="-122"/>
+                <a:ea typeface="宋体" panose="02010600030101010101" pitchFamily="2" charset="-122"/>
+                <a:cs typeface="Times New Roman" panose="02020603050405020304" pitchFamily="18" charset="0"/>
+              </a:rPr>
+              <a:t>目录下。</a:t>
+            </a:r>
+            <a:endParaRPr lang="en-US" altLang="zh-CN" sz="2400" dirty="0">
+              <a:latin typeface="宋体" panose="02010600030101010101" pitchFamily="2" charset="-122"/>
+              <a:ea typeface="宋体" panose="02010600030101010101" pitchFamily="2" charset="-122"/>
+              <a:cs typeface="Times New Roman" panose="02020603050405020304" pitchFamily="18" charset="0"/>
+            </a:endParaRPr>
+          </a:p>
+          <a:p>
+            <a:pPr marL="0" marR="0" lvl="0" indent="0" algn="l" defTabSz="914400" rtl="0" eaLnBrk="0" fontAlgn="base" latinLnBrk="0" hangingPunct="0">
+              <a:lnSpc>
+                <a:spcPct val="100000"/>
+              </a:lnSpc>
+              <a:spcBef>
+                <a:spcPct val="0"/>
+              </a:spcBef>
+              <a:spcAft>
+                <a:spcPct val="0"/>
+              </a:spcAft>
+              <a:buClrTx/>
+              <a:buSzTx/>
+              <a:buFontTx/>
+              <a:buNone/>
+              <a:tabLst/>
+            </a:pPr>
+            <a:r>
+              <a:rPr lang="zh-CN" altLang="zh-CN" sz="2400" dirty="0">
+                <a:latin typeface="宋体" panose="02010600030101010101" pitchFamily="2" charset="-122"/>
+                <a:ea typeface="宋体" panose="02010600030101010101" pitchFamily="2" charset="-122"/>
+                <a:cs typeface="Times New Roman" panose="02020603050405020304" pitchFamily="18" charset="0"/>
+              </a:rPr>
+              <a:t>只需修改业务日期后执行</a:t>
+            </a:r>
+            <a:r>
+              <a:rPr lang="en-US" altLang="zh-CN" sz="2400" dirty="0">
+                <a:latin typeface="宋体" panose="02010600030101010101" pitchFamily="2" charset="-122"/>
+                <a:ea typeface="宋体" panose="02010600030101010101" pitchFamily="2" charset="-122"/>
+                <a:cs typeface="Times New Roman" panose="02020603050405020304" pitchFamily="18" charset="0"/>
+              </a:rPr>
+              <a:t>java -jar gmall2021-mock-db.jar</a:t>
+            </a:r>
+            <a:r>
+              <a:rPr lang="zh-CN" altLang="zh-CN" sz="2400" dirty="0">
+                <a:latin typeface="宋体" panose="02010600030101010101" pitchFamily="2" charset="-122"/>
+                <a:ea typeface="宋体" panose="02010600030101010101" pitchFamily="2" charset="-122"/>
+                <a:cs typeface="Times New Roman" panose="02020603050405020304" pitchFamily="18" charset="0"/>
+              </a:rPr>
+              <a:t>即可生成指定日期的业务数据。</a:t>
+            </a:r>
+            <a:r>
+              <a:rPr lang="zh-CN" altLang="en-US" sz="2400" dirty="0">
+                <a:latin typeface="宋体" panose="02010600030101010101" pitchFamily="2" charset="-122"/>
+                <a:ea typeface="宋体" panose="02010600030101010101" pitchFamily="2" charset="-122"/>
+                <a:cs typeface="Times New Roman" panose="02020603050405020304" pitchFamily="18" charset="0"/>
+              </a:rPr>
+              <a:t>这里生成了</a:t>
+            </a:r>
+            <a:r>
+              <a:rPr lang="en-US" altLang="zh-CN" sz="2400" dirty="0">
+                <a:latin typeface="宋体" panose="02010600030101010101" pitchFamily="2" charset="-122"/>
+                <a:ea typeface="宋体" panose="02010600030101010101" pitchFamily="2" charset="-122"/>
+                <a:cs typeface="Times New Roman" panose="02020603050405020304" pitchFamily="18" charset="0"/>
+              </a:rPr>
+              <a:t>2021-08-04</a:t>
+            </a:r>
+            <a:r>
+              <a:rPr lang="zh-CN" altLang="en-US" sz="2400" dirty="0">
+                <a:latin typeface="宋体" panose="02010600030101010101" pitchFamily="2" charset="-122"/>
+                <a:ea typeface="宋体" panose="02010600030101010101" pitchFamily="2" charset="-122"/>
+                <a:cs typeface="Times New Roman" panose="02020603050405020304" pitchFamily="18" charset="0"/>
+              </a:rPr>
+              <a:t>的数据。</a:t>
+            </a:r>
+          </a:p>
+          <a:p>
+            <a:pPr marL="0" marR="0" lvl="0" indent="0" algn="l" defTabSz="914400" rtl="0" eaLnBrk="0" fontAlgn="base" latinLnBrk="0" hangingPunct="0">
+              <a:lnSpc>
+                <a:spcPct val="100000"/>
+              </a:lnSpc>
+              <a:spcBef>
+                <a:spcPct val="0"/>
+              </a:spcBef>
+              <a:spcAft>
+                <a:spcPct val="0"/>
+              </a:spcAft>
+              <a:buClrTx/>
+              <a:buSzTx/>
+              <a:buFontTx/>
+              <a:buNone/>
+              <a:tabLst/>
+            </a:pPr>
+            <a:endParaRPr kumimoji="0" lang="zh-CN" altLang="en-US" sz="1800" b="0" i="0" u="none" strike="noStrike" cap="none" normalizeH="0" baseline="0" dirty="0">
+              <a:ln>
+                <a:noFill/>
+              </a:ln>
+              <a:solidFill>
+                <a:schemeClr val="tx1"/>
+              </a:solidFill>
+              <a:effectLst/>
+              <a:latin typeface="Arial" panose="020B0604020202020204" pitchFamily="34" charset="0"/>
+            </a:endParaRPr>
+          </a:p>
+        </p:txBody>
+      </p:sp>
+      <p:pic>
+        <p:nvPicPr>
+          <p:cNvPr id="2051" name="图片 1">
+            <a:extLst>
+              <a:ext uri="{FF2B5EF4-FFF2-40B4-BE49-F238E27FC236}">
+                <a16:creationId xmlns:a16="http://schemas.microsoft.com/office/drawing/2014/main" id="{CEAD5167-C8DD-4B72-96A8-D9C82BE91132}"/>
+              </a:ext>
+            </a:extLst>
+          </p:cNvPr>
+          <p:cNvPicPr>
+            <a:picLocks noChangeAspect="1" noChangeArrowheads="1"/>
+          </p:cNvPicPr>
+          <p:nvPr/>
+        </p:nvPicPr>
+        <p:blipFill>
+          <a:blip r:embed="rId6">
+            <a:extLst>
+              <a:ext uri="{28A0092B-C50C-407E-A947-70E740481C1C}">
+                <a14:useLocalDpi xmlns:a14="http://schemas.microsoft.com/office/drawing/2010/main" val="0"/>
+              </a:ext>
+            </a:extLst>
+          </a:blip>
+          <a:srcRect/>
+          <a:stretch>
+            <a:fillRect/>
+          </a:stretch>
+        </p:blipFill>
+        <p:spPr bwMode="auto">
+          <a:xfrm>
+            <a:off x="1912766" y="2207812"/>
+            <a:ext cx="5762625" cy="784225"/>
+          </a:xfrm>
+          <a:prstGeom prst="rect">
+            <a:avLst/>
+          </a:prstGeom>
+          <a:noFill/>
+          <a:extLst>
+            <a:ext uri="{909E8E84-426E-40DD-AFC4-6F175D3DCCD1}">
+              <a14:hiddenFill xmlns:a14="http://schemas.microsoft.com/office/drawing/2010/main">
+                <a:solidFill>
+                  <a:srgbClr val="FFFFFF"/>
+                </a:solidFill>
+              </a14:hiddenFill>
+            </a:ext>
+          </a:extLst>
+        </p:spPr>
+      </p:pic>
+      <p:pic>
+        <p:nvPicPr>
+          <p:cNvPr id="7" name="图片 6">
+            <a:extLst>
+              <a:ext uri="{FF2B5EF4-FFF2-40B4-BE49-F238E27FC236}">
+                <a16:creationId xmlns:a16="http://schemas.microsoft.com/office/drawing/2014/main" id="{49ED7672-E153-47F5-B14D-39A7B344D4CB}"/>
+              </a:ext>
+            </a:extLst>
+          </p:cNvPr>
+          <p:cNvPicPr>
+            <a:picLocks noChangeAspect="1"/>
+          </p:cNvPicPr>
+          <p:nvPr/>
+        </p:nvPicPr>
+        <p:blipFill>
+          <a:blip r:embed="rId7"/>
+          <a:stretch>
+            <a:fillRect/>
+          </a:stretch>
+        </p:blipFill>
+        <p:spPr>
+          <a:xfrm>
+            <a:off x="338512" y="3132269"/>
+            <a:ext cx="2970383" cy="3611566"/>
+          </a:xfrm>
+          <a:prstGeom prst="rect">
+            <a:avLst/>
+          </a:prstGeom>
+        </p:spPr>
+      </p:pic>
+      <p:pic>
+        <p:nvPicPr>
+          <p:cNvPr id="9" name="图片 8">
+            <a:extLst>
+              <a:ext uri="{FF2B5EF4-FFF2-40B4-BE49-F238E27FC236}">
+                <a16:creationId xmlns:a16="http://schemas.microsoft.com/office/drawing/2014/main" id="{D358DBD1-1AD2-4A2F-99D9-6B42A8719F14}"/>
+              </a:ext>
+            </a:extLst>
+          </p:cNvPr>
+          <p:cNvPicPr>
+            <a:picLocks noChangeAspect="1"/>
+          </p:cNvPicPr>
+          <p:nvPr/>
+        </p:nvPicPr>
+        <p:blipFill>
+          <a:blip r:embed="rId8"/>
+          <a:stretch>
+            <a:fillRect/>
+          </a:stretch>
+        </p:blipFill>
+        <p:spPr>
+          <a:xfrm>
+            <a:off x="3675355" y="3111820"/>
+            <a:ext cx="6770358" cy="3632015"/>
+          </a:xfrm>
+          <a:prstGeom prst="rect">
+            <a:avLst/>
+          </a:prstGeom>
+        </p:spPr>
+      </p:pic>
     </p:spTree>
     <p:extLst>
       <p:ext uri="{BB962C8B-B14F-4D97-AF65-F5344CB8AC3E}">
-        <p14:creationId xmlns:p14="http://schemas.microsoft.com/office/powerpoint/2010/main" val="1850238111"/>
+        <p14:creationId xmlns:p14="http://schemas.microsoft.com/office/powerpoint/2010/main" val="548948255"/>
       </p:ext>
     </p:extLst>
   </p:cSld>
@@ -3811,16 +4149,374 @@
           <a:p>
             <a:r>
               <a:rPr lang="zh-CN" altLang="en-US" sz="2800" dirty="0"/>
-              <a:t>模拟数据生成</a:t>
+              <a:t>数仓建模</a:t>
             </a:r>
             <a:endParaRPr lang="en-US" altLang="zh-CN" sz="2800" dirty="0"/>
+          </a:p>
+        </p:txBody>
+      </p:sp>
+      <p:pic>
+        <p:nvPicPr>
+          <p:cNvPr id="3074" name="图片 1">
+            <a:extLst>
+              <a:ext uri="{FF2B5EF4-FFF2-40B4-BE49-F238E27FC236}">
+                <a16:creationId xmlns:a16="http://schemas.microsoft.com/office/drawing/2014/main" id="{03C72728-8B8D-487D-9529-03EE71FF5083}"/>
+              </a:ext>
+            </a:extLst>
+          </p:cNvPr>
+          <p:cNvPicPr>
+            <a:picLocks noChangeAspect="1" noChangeArrowheads="1"/>
+          </p:cNvPicPr>
+          <p:nvPr/>
+        </p:nvPicPr>
+        <p:blipFill>
+          <a:blip r:embed="rId6">
+            <a:extLst>
+              <a:ext uri="{28A0092B-C50C-407E-A947-70E740481C1C}">
+                <a14:useLocalDpi xmlns:a14="http://schemas.microsoft.com/office/drawing/2010/main" val="0"/>
+              </a:ext>
+            </a:extLst>
+          </a:blip>
+          <a:srcRect/>
+          <a:stretch>
+            <a:fillRect/>
+          </a:stretch>
+        </p:blipFill>
+        <p:spPr bwMode="auto">
+          <a:xfrm>
+            <a:off x="288409" y="1210329"/>
+            <a:ext cx="5383383" cy="4915263"/>
+          </a:xfrm>
+          <a:prstGeom prst="rect">
+            <a:avLst/>
+          </a:prstGeom>
+          <a:noFill/>
+          <a:ln>
+            <a:noFill/>
+          </a:ln>
+          <a:extLst>
+            <a:ext uri="{909E8E84-426E-40DD-AFC4-6F175D3DCCD1}">
+              <a14:hiddenFill xmlns:a14="http://schemas.microsoft.com/office/drawing/2010/main">
+                <a:solidFill>
+                  <a:srgbClr val="FFFFFF"/>
+                </a:solidFill>
+              </a14:hiddenFill>
+            </a:ext>
+            <a:ext uri="{91240B29-F687-4F45-9708-019B960494DF}">
+              <a14:hiddenLine xmlns:a14="http://schemas.microsoft.com/office/drawing/2010/main" w="9525">
+                <a:solidFill>
+                  <a:srgbClr val="000000"/>
+                </a:solidFill>
+                <a:miter lim="800000"/>
+                <a:headEnd/>
+                <a:tailEnd/>
+              </a14:hiddenLine>
+            </a:ext>
+          </a:extLst>
+        </p:spPr>
+      </p:pic>
+      <p:sp>
+        <p:nvSpPr>
+          <p:cNvPr id="2" name="文本框 1">
+            <a:extLst>
+              <a:ext uri="{FF2B5EF4-FFF2-40B4-BE49-F238E27FC236}">
+                <a16:creationId xmlns:a16="http://schemas.microsoft.com/office/drawing/2014/main" id="{212BBBE5-3635-4B8D-89E4-E4521BA98E17}"/>
+              </a:ext>
+            </a:extLst>
+          </p:cNvPr>
+          <p:cNvSpPr txBox="1"/>
+          <p:nvPr/>
+        </p:nvSpPr>
+        <p:spPr>
+          <a:xfrm>
+            <a:off x="5671792" y="692186"/>
+            <a:ext cx="6094520" cy="5940088"/>
+          </a:xfrm>
+          <a:prstGeom prst="rect">
+            <a:avLst/>
+          </a:prstGeom>
+          <a:noFill/>
+        </p:spPr>
+        <p:txBody>
+          <a:bodyPr wrap="square" rtlCol="0">
+            <a:spAutoFit/>
+          </a:bodyPr>
+          <a:lstStyle/>
+          <a:p>
+            <a:pPr algn="just"/>
+            <a:r>
+              <a:rPr lang="en-US" altLang="zh-CN" sz="2000" kern="100" dirty="0">
+                <a:effectLst/>
+                <a:latin typeface="Times New Roman" panose="02020603050405020304" pitchFamily="18" charset="0"/>
+                <a:ea typeface="黑体" panose="02010609060101010101" pitchFamily="49" charset="-122"/>
+              </a:rPr>
+              <a:t>ODS</a:t>
+            </a:r>
+            <a:r>
+              <a:rPr lang="zh-CN" altLang="zh-CN" sz="2000" kern="100" dirty="0">
+                <a:effectLst/>
+                <a:latin typeface="Times New Roman" panose="02020603050405020304" pitchFamily="18" charset="0"/>
+                <a:ea typeface="黑体" panose="02010609060101010101" pitchFamily="49" charset="-122"/>
+              </a:rPr>
+              <a:t>层：原始数据层，存放原始数据，直接加载原始日志、数据，数据保持原貌不做处理</a:t>
+            </a:r>
+            <a:r>
+              <a:rPr lang="zh-CN" altLang="en-US" sz="2000" kern="100" dirty="0">
+                <a:effectLst/>
+                <a:latin typeface="Times New Roman" panose="02020603050405020304" pitchFamily="18" charset="0"/>
+                <a:ea typeface="黑体" panose="02010609060101010101" pitchFamily="49" charset="-122"/>
+              </a:rPr>
+              <a:t>。</a:t>
+            </a:r>
+            <a:endParaRPr lang="en-US" altLang="zh-CN" sz="2000" kern="100" dirty="0">
+              <a:effectLst/>
+              <a:latin typeface="Times New Roman" panose="02020603050405020304" pitchFamily="18" charset="0"/>
+              <a:ea typeface="黑体" panose="02010609060101010101" pitchFamily="49" charset="-122"/>
+            </a:endParaRPr>
+          </a:p>
+          <a:p>
+            <a:pPr algn="just"/>
+            <a:endParaRPr lang="zh-CN" altLang="zh-CN" sz="2000" kern="100" dirty="0">
+              <a:effectLst/>
+              <a:latin typeface="Times New Roman" panose="02020603050405020304" pitchFamily="18" charset="0"/>
+              <a:ea typeface="宋体" panose="02010600030101010101" pitchFamily="2" charset="-122"/>
+            </a:endParaRPr>
+          </a:p>
+          <a:p>
+            <a:pPr algn="just"/>
+            <a:r>
+              <a:rPr lang="en-US" altLang="zh-CN" sz="2000" kern="100" dirty="0">
+                <a:effectLst/>
+                <a:latin typeface="Times New Roman" panose="02020603050405020304" pitchFamily="18" charset="0"/>
+                <a:ea typeface="黑体" panose="02010609060101010101" pitchFamily="49" charset="-122"/>
+              </a:rPr>
+              <a:t>DWD</a:t>
+            </a:r>
+            <a:r>
+              <a:rPr lang="zh-CN" altLang="zh-CN" sz="2000" kern="100" dirty="0">
+                <a:effectLst/>
+                <a:latin typeface="Times New Roman" panose="02020603050405020304" pitchFamily="18" charset="0"/>
+                <a:ea typeface="黑体" panose="02010609060101010101" pitchFamily="49" charset="-122"/>
+              </a:rPr>
+              <a:t>层：对</a:t>
+            </a:r>
+            <a:r>
+              <a:rPr lang="en-US" altLang="zh-CN" sz="2000" kern="100" dirty="0">
+                <a:effectLst/>
+                <a:latin typeface="Times New Roman" panose="02020603050405020304" pitchFamily="18" charset="0"/>
+                <a:ea typeface="黑体" panose="02010609060101010101" pitchFamily="49" charset="-122"/>
+              </a:rPr>
+              <a:t>ODS</a:t>
+            </a:r>
+            <a:r>
+              <a:rPr lang="zh-CN" altLang="zh-CN" sz="2000" kern="100" dirty="0">
+                <a:effectLst/>
+                <a:latin typeface="Times New Roman" panose="02020603050405020304" pitchFamily="18" charset="0"/>
+                <a:ea typeface="黑体" panose="02010609060101010101" pitchFamily="49" charset="-122"/>
+              </a:rPr>
+              <a:t>层数据进行清洗（去除空值，脏数据，超过极限范围的数据）、脱敏等。保存业务事实明细，一行信息代表一次业务行为，例如一次下单。</a:t>
+            </a:r>
+            <a:endParaRPr lang="en-US" altLang="zh-CN" sz="2000" kern="100" dirty="0">
+              <a:effectLst/>
+              <a:latin typeface="Times New Roman" panose="02020603050405020304" pitchFamily="18" charset="0"/>
+              <a:ea typeface="黑体" panose="02010609060101010101" pitchFamily="49" charset="-122"/>
+            </a:endParaRPr>
+          </a:p>
+          <a:p>
+            <a:pPr algn="just"/>
+            <a:endParaRPr lang="zh-CN" altLang="zh-CN" sz="2000" kern="100" dirty="0">
+              <a:effectLst/>
+              <a:latin typeface="Times New Roman" panose="02020603050405020304" pitchFamily="18" charset="0"/>
+              <a:ea typeface="宋体" panose="02010600030101010101" pitchFamily="2" charset="-122"/>
+            </a:endParaRPr>
+          </a:p>
+          <a:p>
+            <a:pPr algn="just"/>
+            <a:r>
+              <a:rPr lang="en-US" altLang="zh-CN" sz="2000" kern="100" dirty="0">
+                <a:effectLst/>
+                <a:latin typeface="Times New Roman" panose="02020603050405020304" pitchFamily="18" charset="0"/>
+                <a:ea typeface="黑体" panose="02010609060101010101" pitchFamily="49" charset="-122"/>
+              </a:rPr>
+              <a:t>DIM</a:t>
+            </a:r>
+            <a:r>
+              <a:rPr lang="zh-CN" altLang="zh-CN" sz="2000" kern="100" dirty="0">
+                <a:effectLst/>
+                <a:latin typeface="Times New Roman" panose="02020603050405020304" pitchFamily="18" charset="0"/>
+                <a:ea typeface="黑体" panose="02010609060101010101" pitchFamily="49" charset="-122"/>
+              </a:rPr>
+              <a:t>层，维度层，保存维度数据，主要是对业务事实的描述信息，例如何人，何时，何地等</a:t>
+            </a:r>
+            <a:r>
+              <a:rPr lang="zh-CN" altLang="en-US" sz="2000" kern="100" dirty="0">
+                <a:effectLst/>
+                <a:latin typeface="Times New Roman" panose="02020603050405020304" pitchFamily="18" charset="0"/>
+                <a:ea typeface="黑体" panose="02010609060101010101" pitchFamily="49" charset="-122"/>
+              </a:rPr>
+              <a:t>。</a:t>
+            </a:r>
+            <a:endParaRPr lang="en-US" altLang="zh-CN" sz="2000" kern="100" dirty="0">
+              <a:effectLst/>
+              <a:latin typeface="Times New Roman" panose="02020603050405020304" pitchFamily="18" charset="0"/>
+              <a:ea typeface="黑体" panose="02010609060101010101" pitchFamily="49" charset="-122"/>
+            </a:endParaRPr>
+          </a:p>
+          <a:p>
+            <a:pPr algn="just"/>
+            <a:endParaRPr lang="zh-CN" altLang="zh-CN" sz="2000" kern="100" dirty="0">
+              <a:effectLst/>
+              <a:latin typeface="Times New Roman" panose="02020603050405020304" pitchFamily="18" charset="0"/>
+              <a:ea typeface="宋体" panose="02010600030101010101" pitchFamily="2" charset="-122"/>
+            </a:endParaRPr>
+          </a:p>
+          <a:p>
+            <a:pPr algn="just"/>
+            <a:r>
+              <a:rPr lang="en-US" altLang="zh-CN" sz="2000" kern="100" dirty="0">
+                <a:effectLst/>
+                <a:latin typeface="Times New Roman" panose="02020603050405020304" pitchFamily="18" charset="0"/>
+                <a:ea typeface="黑体" panose="02010609060101010101" pitchFamily="49" charset="-122"/>
+              </a:rPr>
+              <a:t>DWS</a:t>
+            </a:r>
+            <a:r>
+              <a:rPr lang="zh-CN" altLang="zh-CN" sz="2000" kern="100" dirty="0">
+                <a:effectLst/>
+                <a:latin typeface="Times New Roman" panose="02020603050405020304" pitchFamily="18" charset="0"/>
+                <a:ea typeface="黑体" panose="02010609060101010101" pitchFamily="49" charset="-122"/>
+              </a:rPr>
+              <a:t>层：以</a:t>
+            </a:r>
+            <a:r>
+              <a:rPr lang="en-US" altLang="zh-CN" sz="2000" kern="100" dirty="0">
+                <a:effectLst/>
+                <a:latin typeface="Times New Roman" panose="02020603050405020304" pitchFamily="18" charset="0"/>
+                <a:ea typeface="黑体" panose="02010609060101010101" pitchFamily="49" charset="-122"/>
+              </a:rPr>
+              <a:t>DWD</a:t>
+            </a:r>
+            <a:r>
+              <a:rPr lang="zh-CN" altLang="zh-CN" sz="2000" kern="100" dirty="0">
+                <a:effectLst/>
+                <a:latin typeface="Times New Roman" panose="02020603050405020304" pitchFamily="18" charset="0"/>
+                <a:ea typeface="黑体" panose="02010609060101010101" pitchFamily="49" charset="-122"/>
+              </a:rPr>
+              <a:t>为基础，按天进行轻度汇总。一行信息代表一个主题对象一天的汇总行为，例如一个用户一天下单次数</a:t>
+            </a:r>
+            <a:r>
+              <a:rPr lang="zh-CN" altLang="en-US" sz="2000" kern="100" dirty="0">
+                <a:effectLst/>
+                <a:latin typeface="Times New Roman" panose="02020603050405020304" pitchFamily="18" charset="0"/>
+                <a:ea typeface="黑体" panose="02010609060101010101" pitchFamily="49" charset="-122"/>
+              </a:rPr>
+              <a:t>。</a:t>
+            </a:r>
+            <a:endParaRPr lang="en-US" altLang="zh-CN" sz="2000" kern="100" dirty="0">
+              <a:effectLst/>
+              <a:latin typeface="Times New Roman" panose="02020603050405020304" pitchFamily="18" charset="0"/>
+              <a:ea typeface="黑体" panose="02010609060101010101" pitchFamily="49" charset="-122"/>
+            </a:endParaRPr>
+          </a:p>
+          <a:p>
+            <a:pPr algn="just"/>
+            <a:endParaRPr lang="zh-CN" altLang="zh-CN" sz="2000" kern="100" dirty="0">
+              <a:effectLst/>
+              <a:latin typeface="Times New Roman" panose="02020603050405020304" pitchFamily="18" charset="0"/>
+              <a:ea typeface="宋体" panose="02010600030101010101" pitchFamily="2" charset="-122"/>
+            </a:endParaRPr>
+          </a:p>
+          <a:p>
+            <a:pPr algn="just"/>
+            <a:r>
+              <a:rPr lang="en-US" altLang="zh-CN" sz="2000" kern="100" dirty="0">
+                <a:effectLst/>
+                <a:latin typeface="Times New Roman" panose="02020603050405020304" pitchFamily="18" charset="0"/>
+                <a:ea typeface="黑体" panose="02010609060101010101" pitchFamily="49" charset="-122"/>
+              </a:rPr>
+              <a:t>DWT</a:t>
+            </a:r>
+            <a:r>
+              <a:rPr lang="zh-CN" altLang="zh-CN" sz="2000" kern="100" dirty="0">
+                <a:effectLst/>
+                <a:latin typeface="Times New Roman" panose="02020603050405020304" pitchFamily="18" charset="0"/>
+                <a:ea typeface="黑体" panose="02010609060101010101" pitchFamily="49" charset="-122"/>
+              </a:rPr>
+              <a:t>层：以</a:t>
+            </a:r>
+            <a:r>
+              <a:rPr lang="en-US" altLang="zh-CN" sz="2000" kern="100" dirty="0">
+                <a:effectLst/>
+                <a:latin typeface="Times New Roman" panose="02020603050405020304" pitchFamily="18" charset="0"/>
+                <a:ea typeface="黑体" panose="02010609060101010101" pitchFamily="49" charset="-122"/>
+              </a:rPr>
+              <a:t>DWS</a:t>
+            </a:r>
+            <a:r>
+              <a:rPr lang="zh-CN" altLang="zh-CN" sz="2000" kern="100" dirty="0">
+                <a:effectLst/>
+                <a:latin typeface="Times New Roman" panose="02020603050405020304" pitchFamily="18" charset="0"/>
+                <a:ea typeface="黑体" panose="02010609060101010101" pitchFamily="49" charset="-122"/>
+              </a:rPr>
+              <a:t>为基础，对数据进行累积汇总。一行信息代表一个主题对象的累积行为，例如一个用户从注册那天开始至今一共下了多少次单</a:t>
+            </a:r>
+            <a:r>
+              <a:rPr lang="zh-CN" altLang="en-US" sz="2000" kern="100" dirty="0">
+                <a:effectLst/>
+                <a:latin typeface="Times New Roman" panose="02020603050405020304" pitchFamily="18" charset="0"/>
+                <a:ea typeface="黑体" panose="02010609060101010101" pitchFamily="49" charset="-122"/>
+              </a:rPr>
+              <a:t>。</a:t>
+            </a:r>
+            <a:endParaRPr lang="en-US" altLang="zh-CN" sz="2000" kern="100" dirty="0">
+              <a:effectLst/>
+              <a:latin typeface="Times New Roman" panose="02020603050405020304" pitchFamily="18" charset="0"/>
+              <a:ea typeface="黑体" panose="02010609060101010101" pitchFamily="49" charset="-122"/>
+            </a:endParaRPr>
+          </a:p>
+          <a:p>
+            <a:pPr algn="just"/>
+            <a:endParaRPr lang="zh-CN" altLang="zh-CN" sz="2000" kern="100" dirty="0">
+              <a:effectLst/>
+              <a:latin typeface="Times New Roman" panose="02020603050405020304" pitchFamily="18" charset="0"/>
+              <a:ea typeface="宋体" panose="02010600030101010101" pitchFamily="2" charset="-122"/>
+            </a:endParaRPr>
+          </a:p>
+          <a:p>
+            <a:r>
+              <a:rPr lang="en-US" altLang="zh-CN" sz="2000" kern="100" dirty="0">
+                <a:effectLst/>
+                <a:latin typeface="Times New Roman" panose="02020603050405020304" pitchFamily="18" charset="0"/>
+                <a:ea typeface="黑体" panose="02010609060101010101" pitchFamily="49" charset="-122"/>
+              </a:rPr>
+              <a:t>ADS</a:t>
+            </a:r>
+            <a:r>
+              <a:rPr lang="zh-CN" altLang="zh-CN" sz="2000" kern="100" dirty="0">
+                <a:effectLst/>
+                <a:latin typeface="Times New Roman" panose="02020603050405020304" pitchFamily="18" charset="0"/>
+                <a:ea typeface="黑体" panose="02010609060101010101" pitchFamily="49" charset="-122"/>
+                <a:cs typeface="Times New Roman" panose="02020603050405020304" pitchFamily="18" charset="0"/>
+              </a:rPr>
+              <a:t>层：为各种统计报表提供数据</a:t>
+            </a:r>
+            <a:r>
+              <a:rPr lang="zh-CN" altLang="en-US" sz="2000" kern="100" dirty="0">
+                <a:effectLst/>
+                <a:latin typeface="Times New Roman" panose="02020603050405020304" pitchFamily="18" charset="0"/>
+                <a:ea typeface="黑体" panose="02010609060101010101" pitchFamily="49" charset="-122"/>
+                <a:cs typeface="Times New Roman" panose="02020603050405020304" pitchFamily="18" charset="0"/>
+              </a:rPr>
+              <a:t>。</a:t>
+            </a:r>
+            <a:endParaRPr lang="zh-CN" altLang="en-US" sz="2000" dirty="0"/>
           </a:p>
         </p:txBody>
       </p:sp>
     </p:spTree>
     <p:extLst>
       <p:ext uri="{BB962C8B-B14F-4D97-AF65-F5344CB8AC3E}">
-        <p14:creationId xmlns:p14="http://schemas.microsoft.com/office/powerpoint/2010/main" val="420381865"/>
+        <p14:creationId xmlns:p14="http://schemas.microsoft.com/office/powerpoint/2010/main" val="1566410788"/>
       </p:ext>
     </p:extLst>
   </p:cSld>
@@ -3959,7 +4655,7 @@
         </p:nvSpPr>
         <p:spPr>
           <a:xfrm>
-            <a:off x="1291586" y="254778"/>
+            <a:off x="1291586" y="127389"/>
             <a:ext cx="6094520" cy="523220"/>
           </a:xfrm>
           <a:prstGeom prst="rect">
@@ -3975,16 +4671,1374 @@
           <a:p>
             <a:r>
               <a:rPr lang="zh-CN" altLang="en-US" sz="2800" dirty="0"/>
-              <a:t>模拟数据生成</a:t>
-            </a:r>
-            <a:endParaRPr lang="en-US" altLang="zh-CN" sz="2800" dirty="0"/>
+              <a:t>全流程调度</a:t>
+            </a:r>
+            <a:r>
+              <a:rPr lang="en-US" altLang="zh-CN" sz="2800" dirty="0"/>
+              <a:t>——Azkaban</a:t>
+            </a:r>
+            <a:endParaRPr lang="zh-CN" altLang="en-US" sz="2800" dirty="0"/>
+          </a:p>
+        </p:txBody>
+      </p:sp>
+      <p:pic>
+        <p:nvPicPr>
+          <p:cNvPr id="3" name="图片 2">
+            <a:extLst>
+              <a:ext uri="{FF2B5EF4-FFF2-40B4-BE49-F238E27FC236}">
+                <a16:creationId xmlns:a16="http://schemas.microsoft.com/office/drawing/2014/main" id="{8DCD2953-D788-4B49-9C74-5F50B5D93776}"/>
+              </a:ext>
+            </a:extLst>
+          </p:cNvPr>
+          <p:cNvPicPr>
+            <a:picLocks noChangeAspect="1"/>
+          </p:cNvPicPr>
+          <p:nvPr/>
+        </p:nvPicPr>
+        <p:blipFill>
+          <a:blip r:embed="rId6"/>
+          <a:stretch>
+            <a:fillRect/>
+          </a:stretch>
+        </p:blipFill>
+        <p:spPr>
+          <a:xfrm>
+            <a:off x="0" y="777998"/>
+            <a:ext cx="12192000" cy="5607050"/>
+          </a:xfrm>
+          <a:prstGeom prst="rect">
+            <a:avLst/>
+          </a:prstGeom>
+        </p:spPr>
+      </p:pic>
+    </p:spTree>
+    <p:extLst>
+      <p:ext uri="{BB962C8B-B14F-4D97-AF65-F5344CB8AC3E}">
+        <p14:creationId xmlns:p14="http://schemas.microsoft.com/office/powerpoint/2010/main" val="994202467"/>
+      </p:ext>
+    </p:extLst>
+  </p:cSld>
+  <p:clrMapOvr>
+    <a:masterClrMapping/>
+  </p:clrMapOvr>
+</p:sld>
+</file>
+
+<file path=ppt/slides/slide13.xml><?xml version="1.0" encoding="utf-8"?>
+<p:sld xmlns:a="http://schemas.openxmlformats.org/drawingml/2006/main" xmlns:r="http://schemas.openxmlformats.org/officeDocument/2006/relationships" xmlns:p="http://schemas.openxmlformats.org/presentationml/2006/main">
+  <p:cSld>
+    <p:spTree>
+      <p:nvGrpSpPr>
+        <p:cNvPr id="1" name=""/>
+        <p:cNvGrpSpPr/>
+        <p:nvPr/>
+      </p:nvGrpSpPr>
+      <p:grpSpPr>
+        <a:xfrm>
+          <a:off x="0" y="0"/>
+          <a:ext cx="0" cy="0"/>
+          <a:chOff x="0" y="0"/>
+          <a:chExt cx="0" cy="0"/>
+        </a:xfrm>
+      </p:grpSpPr>
+      <p:pic>
+        <p:nvPicPr>
+          <p:cNvPr id="4" name="图片 3">
+            <a:extLst>
+              <a:ext uri="{FF2B5EF4-FFF2-40B4-BE49-F238E27FC236}">
+                <a16:creationId xmlns:a16="http://schemas.microsoft.com/office/drawing/2014/main" id="{91CCA718-5106-4C41-90B5-A46705790D51}"/>
+              </a:ext>
+            </a:extLst>
+          </p:cNvPr>
+          <p:cNvPicPr>
+            <a:picLocks noChangeAspect="1"/>
+          </p:cNvPicPr>
+          <p:nvPr/>
+        </p:nvPicPr>
+        <p:blipFill rotWithShape="1">
+          <a:blip r:embed="rId2" cstate="print">
+            <a:extLst>
+              <a:ext uri="{BEBA8EAE-BF5A-486C-A8C5-ECC9F3942E4B}">
+                <a14:imgProps xmlns:a14="http://schemas.microsoft.com/office/drawing/2010/main">
+                  <a14:imgLayer r:embed="rId3">
+                    <a14:imgEffect>
+                      <a14:backgroundRemoval t="0" b="64834" l="0" r="52450"/>
+                    </a14:imgEffect>
+                  </a14:imgLayer>
+                </a14:imgProps>
+              </a:ext>
+              <a:ext uri="{28A0092B-C50C-407E-A947-70E740481C1C}">
+                <a14:useLocalDpi xmlns:a14="http://schemas.microsoft.com/office/drawing/2010/main" val="0"/>
+              </a:ext>
+            </a:extLst>
+          </a:blip>
+          <a:srcRect l="4796" t="7905" r="68334" b="39870"/>
+          <a:stretch>
+            <a:fillRect/>
+          </a:stretch>
+        </p:blipFill>
+        <p:spPr>
+          <a:xfrm>
+            <a:off x="0" y="0"/>
+            <a:ext cx="1291586" cy="1498600"/>
+          </a:xfrm>
+          <a:prstGeom prst="rect">
+            <a:avLst/>
+          </a:prstGeom>
+        </p:spPr>
+      </p:pic>
+      <p:pic>
+        <p:nvPicPr>
+          <p:cNvPr id="5" name="图片 4">
+            <a:extLst>
+              <a:ext uri="{FF2B5EF4-FFF2-40B4-BE49-F238E27FC236}">
+                <a16:creationId xmlns:a16="http://schemas.microsoft.com/office/drawing/2014/main" id="{1EB09952-A6B7-4985-A73F-B21B94CD0383}"/>
+              </a:ext>
+            </a:extLst>
+          </p:cNvPr>
+          <p:cNvPicPr>
+            <a:picLocks noChangeAspect="1"/>
+          </p:cNvPicPr>
+          <p:nvPr/>
+        </p:nvPicPr>
+        <p:blipFill rotWithShape="1">
+          <a:blip r:embed="rId4" cstate="print">
+            <a:extLst>
+              <a:ext uri="{BEBA8EAE-BF5A-486C-A8C5-ECC9F3942E4B}">
+                <a14:imgProps xmlns:a14="http://schemas.microsoft.com/office/drawing/2010/main">
+                  <a14:imgLayer r:embed="rId5">
+                    <a14:imgEffect>
+                      <a14:backgroundRemoval t="45230" b="100000" l="56481" r="100000">
+                        <a14:foregroundMark x1="99638" y1="46483" x2="99928" y2="91512"/>
+                        <a14:foregroundMark x1="97852" y1="46160" x2="82694" y2="71584"/>
+                        <a14:foregroundMark x1="80908" y1="70493" x2="57229" y2="98868"/>
+                        <a14:foregroundMark x1="96259" y1="47251" x2="81101" y2="68270"/>
+                        <a14:foregroundMark x1="65749" y1="82862" x2="59015" y2="99636"/>
+                      </a14:backgroundRemoval>
+                    </a14:imgEffect>
+                  </a14:imgLayer>
+                </a14:imgProps>
+              </a:ext>
+              <a:ext uri="{28A0092B-C50C-407E-A947-70E740481C1C}">
+                <a14:useLocalDpi xmlns:a14="http://schemas.microsoft.com/office/drawing/2010/main" val="0"/>
+              </a:ext>
+            </a:extLst>
+          </a:blip>
+          <a:srcRect l="59472" t="50250" r="5326" b="7406"/>
+          <a:stretch>
+            <a:fillRect/>
+          </a:stretch>
+        </p:blipFill>
+        <p:spPr>
+          <a:xfrm>
+            <a:off x="10706100" y="5790996"/>
+            <a:ext cx="1485900" cy="1067003"/>
+          </a:xfrm>
+          <a:prstGeom prst="rect">
+            <a:avLst/>
+          </a:prstGeom>
+        </p:spPr>
+      </p:pic>
+      <p:sp>
+        <p:nvSpPr>
+          <p:cNvPr id="6" name="文本框 5">
+            <a:extLst>
+              <a:ext uri="{FF2B5EF4-FFF2-40B4-BE49-F238E27FC236}">
+                <a16:creationId xmlns:a16="http://schemas.microsoft.com/office/drawing/2014/main" id="{3C25259B-F8D0-41EA-90EC-A0AC412900B4}"/>
+              </a:ext>
+            </a:extLst>
+          </p:cNvPr>
+          <p:cNvSpPr txBox="1"/>
+          <p:nvPr/>
+        </p:nvSpPr>
+        <p:spPr>
+          <a:xfrm>
+            <a:off x="1291586" y="127389"/>
+            <a:ext cx="6094520" cy="523220"/>
+          </a:xfrm>
+          <a:prstGeom prst="rect">
+            <a:avLst/>
+          </a:prstGeom>
+          <a:noFill/>
+        </p:spPr>
+        <p:txBody>
+          <a:bodyPr wrap="square">
+            <a:spAutoFit/>
+          </a:bodyPr>
+          <a:lstStyle/>
+          <a:p>
+            <a:r>
+              <a:rPr lang="zh-CN" altLang="en-US" sz="2800" dirty="0"/>
+              <a:t>全流程调度</a:t>
+            </a:r>
+            <a:r>
+              <a:rPr lang="en-US" altLang="zh-CN" sz="2800" dirty="0"/>
+              <a:t>——Azkaban</a:t>
+            </a:r>
+            <a:endParaRPr lang="zh-CN" altLang="en-US" sz="2800" dirty="0"/>
+          </a:p>
+        </p:txBody>
+      </p:sp>
+      <p:pic>
+        <p:nvPicPr>
+          <p:cNvPr id="7" name="图片 6">
+            <a:extLst>
+              <a:ext uri="{FF2B5EF4-FFF2-40B4-BE49-F238E27FC236}">
+                <a16:creationId xmlns:a16="http://schemas.microsoft.com/office/drawing/2014/main" id="{C1A6C7BC-AC82-41AB-9656-7E7756C77876}"/>
+              </a:ext>
+            </a:extLst>
+          </p:cNvPr>
+          <p:cNvPicPr>
+            <a:picLocks noChangeAspect="1"/>
+          </p:cNvPicPr>
+          <p:nvPr/>
+        </p:nvPicPr>
+        <p:blipFill>
+          <a:blip r:embed="rId6"/>
+          <a:stretch>
+            <a:fillRect/>
+          </a:stretch>
+        </p:blipFill>
+        <p:spPr>
+          <a:xfrm>
+            <a:off x="0" y="777998"/>
+            <a:ext cx="12192000" cy="5699486"/>
+          </a:xfrm>
+          <a:prstGeom prst="rect">
+            <a:avLst/>
+          </a:prstGeom>
+        </p:spPr>
+      </p:pic>
+    </p:spTree>
+    <p:extLst>
+      <p:ext uri="{BB962C8B-B14F-4D97-AF65-F5344CB8AC3E}">
+        <p14:creationId xmlns:p14="http://schemas.microsoft.com/office/powerpoint/2010/main" val="2042678553"/>
+      </p:ext>
+    </p:extLst>
+  </p:cSld>
+  <p:clrMapOvr>
+    <a:masterClrMapping/>
+  </p:clrMapOvr>
+</p:sld>
+</file>
+
+<file path=ppt/slides/slide14.xml><?xml version="1.0" encoding="utf-8"?>
+<p:sld xmlns:a="http://schemas.openxmlformats.org/drawingml/2006/main" xmlns:r="http://schemas.openxmlformats.org/officeDocument/2006/relationships" xmlns:p="http://schemas.openxmlformats.org/presentationml/2006/main">
+  <p:cSld>
+    <p:spTree>
+      <p:nvGrpSpPr>
+        <p:cNvPr id="1" name=""/>
+        <p:cNvGrpSpPr/>
+        <p:nvPr/>
+      </p:nvGrpSpPr>
+      <p:grpSpPr>
+        <a:xfrm>
+          <a:off x="0" y="0"/>
+          <a:ext cx="0" cy="0"/>
+          <a:chOff x="0" y="0"/>
+          <a:chExt cx="0" cy="0"/>
+        </a:xfrm>
+      </p:grpSpPr>
+      <p:pic>
+        <p:nvPicPr>
+          <p:cNvPr id="4" name="图片 3">
+            <a:extLst>
+              <a:ext uri="{FF2B5EF4-FFF2-40B4-BE49-F238E27FC236}">
+                <a16:creationId xmlns:a16="http://schemas.microsoft.com/office/drawing/2014/main" id="{91CCA718-5106-4C41-90B5-A46705790D51}"/>
+              </a:ext>
+            </a:extLst>
+          </p:cNvPr>
+          <p:cNvPicPr>
+            <a:picLocks noChangeAspect="1"/>
+          </p:cNvPicPr>
+          <p:nvPr/>
+        </p:nvPicPr>
+        <p:blipFill rotWithShape="1">
+          <a:blip r:embed="rId2" cstate="print">
+            <a:extLst>
+              <a:ext uri="{BEBA8EAE-BF5A-486C-A8C5-ECC9F3942E4B}">
+                <a14:imgProps xmlns:a14="http://schemas.microsoft.com/office/drawing/2010/main">
+                  <a14:imgLayer r:embed="rId3">
+                    <a14:imgEffect>
+                      <a14:backgroundRemoval t="0" b="64834" l="0" r="52450"/>
+                    </a14:imgEffect>
+                  </a14:imgLayer>
+                </a14:imgProps>
+              </a:ext>
+              <a:ext uri="{28A0092B-C50C-407E-A947-70E740481C1C}">
+                <a14:useLocalDpi xmlns:a14="http://schemas.microsoft.com/office/drawing/2010/main" val="0"/>
+              </a:ext>
+            </a:extLst>
+          </a:blip>
+          <a:srcRect l="4796" t="7905" r="68334" b="39870"/>
+          <a:stretch>
+            <a:fillRect/>
+          </a:stretch>
+        </p:blipFill>
+        <p:spPr>
+          <a:xfrm>
+            <a:off x="0" y="0"/>
+            <a:ext cx="1291586" cy="1498600"/>
+          </a:xfrm>
+          <a:prstGeom prst="rect">
+            <a:avLst/>
+          </a:prstGeom>
+        </p:spPr>
+      </p:pic>
+      <p:pic>
+        <p:nvPicPr>
+          <p:cNvPr id="5" name="图片 4">
+            <a:extLst>
+              <a:ext uri="{FF2B5EF4-FFF2-40B4-BE49-F238E27FC236}">
+                <a16:creationId xmlns:a16="http://schemas.microsoft.com/office/drawing/2014/main" id="{1EB09952-A6B7-4985-A73F-B21B94CD0383}"/>
+              </a:ext>
+            </a:extLst>
+          </p:cNvPr>
+          <p:cNvPicPr>
+            <a:picLocks noChangeAspect="1"/>
+          </p:cNvPicPr>
+          <p:nvPr/>
+        </p:nvPicPr>
+        <p:blipFill rotWithShape="1">
+          <a:blip r:embed="rId4" cstate="print">
+            <a:extLst>
+              <a:ext uri="{BEBA8EAE-BF5A-486C-A8C5-ECC9F3942E4B}">
+                <a14:imgProps xmlns:a14="http://schemas.microsoft.com/office/drawing/2010/main">
+                  <a14:imgLayer r:embed="rId5">
+                    <a14:imgEffect>
+                      <a14:backgroundRemoval t="45230" b="100000" l="56481" r="100000">
+                        <a14:foregroundMark x1="99638" y1="46483" x2="99928" y2="91512"/>
+                        <a14:foregroundMark x1="97852" y1="46160" x2="82694" y2="71584"/>
+                        <a14:foregroundMark x1="80908" y1="70493" x2="57229" y2="98868"/>
+                        <a14:foregroundMark x1="96259" y1="47251" x2="81101" y2="68270"/>
+                        <a14:foregroundMark x1="65749" y1="82862" x2="59015" y2="99636"/>
+                      </a14:backgroundRemoval>
+                    </a14:imgEffect>
+                  </a14:imgLayer>
+                </a14:imgProps>
+              </a:ext>
+              <a:ext uri="{28A0092B-C50C-407E-A947-70E740481C1C}">
+                <a14:useLocalDpi xmlns:a14="http://schemas.microsoft.com/office/drawing/2010/main" val="0"/>
+              </a:ext>
+            </a:extLst>
+          </a:blip>
+          <a:srcRect l="59472" t="50250" r="5326" b="7406"/>
+          <a:stretch>
+            <a:fillRect/>
+          </a:stretch>
+        </p:blipFill>
+        <p:spPr>
+          <a:xfrm>
+            <a:off x="10706100" y="5790996"/>
+            <a:ext cx="1485900" cy="1067003"/>
+          </a:xfrm>
+          <a:prstGeom prst="rect">
+            <a:avLst/>
+          </a:prstGeom>
+        </p:spPr>
+      </p:pic>
+      <p:sp>
+        <p:nvSpPr>
+          <p:cNvPr id="6" name="文本框 5">
+            <a:extLst>
+              <a:ext uri="{FF2B5EF4-FFF2-40B4-BE49-F238E27FC236}">
+                <a16:creationId xmlns:a16="http://schemas.microsoft.com/office/drawing/2014/main" id="{3C25259B-F8D0-41EA-90EC-A0AC412900B4}"/>
+              </a:ext>
+            </a:extLst>
+          </p:cNvPr>
+          <p:cNvSpPr txBox="1"/>
+          <p:nvPr/>
+        </p:nvSpPr>
+        <p:spPr>
+          <a:xfrm>
+            <a:off x="1291586" y="127389"/>
+            <a:ext cx="6094520" cy="523220"/>
+          </a:xfrm>
+          <a:prstGeom prst="rect">
+            <a:avLst/>
+          </a:prstGeom>
+          <a:noFill/>
+        </p:spPr>
+        <p:txBody>
+          <a:bodyPr wrap="square">
+            <a:spAutoFit/>
+          </a:bodyPr>
+          <a:lstStyle/>
+          <a:p>
+            <a:r>
+              <a:rPr lang="zh-CN" altLang="en-US" sz="2800" dirty="0"/>
+              <a:t>全流程调度</a:t>
+            </a:r>
+            <a:r>
+              <a:rPr lang="en-US" altLang="zh-CN" sz="2800" dirty="0"/>
+              <a:t>——Azkaban</a:t>
+            </a:r>
+            <a:endParaRPr lang="zh-CN" altLang="en-US" sz="2800" dirty="0"/>
+          </a:p>
+        </p:txBody>
+      </p:sp>
+      <p:pic>
+        <p:nvPicPr>
+          <p:cNvPr id="3" name="图片 2">
+            <a:extLst>
+              <a:ext uri="{FF2B5EF4-FFF2-40B4-BE49-F238E27FC236}">
+                <a16:creationId xmlns:a16="http://schemas.microsoft.com/office/drawing/2014/main" id="{F6C72A08-E623-4DF7-A2A0-5721A431FFFB}"/>
+              </a:ext>
+            </a:extLst>
+          </p:cNvPr>
+          <p:cNvPicPr>
+            <a:picLocks noChangeAspect="1"/>
+          </p:cNvPicPr>
+          <p:nvPr/>
+        </p:nvPicPr>
+        <p:blipFill>
+          <a:blip r:embed="rId6"/>
+          <a:stretch>
+            <a:fillRect/>
+          </a:stretch>
+        </p:blipFill>
+        <p:spPr>
+          <a:xfrm>
+            <a:off x="0" y="869459"/>
+            <a:ext cx="12192000" cy="5633987"/>
+          </a:xfrm>
+          <a:prstGeom prst="rect">
+            <a:avLst/>
+          </a:prstGeom>
+        </p:spPr>
+      </p:pic>
+      <p:sp>
+        <p:nvSpPr>
+          <p:cNvPr id="8" name="文本框 7">
+            <a:extLst>
+              <a:ext uri="{FF2B5EF4-FFF2-40B4-BE49-F238E27FC236}">
+                <a16:creationId xmlns:a16="http://schemas.microsoft.com/office/drawing/2014/main" id="{A62035CC-A55B-487D-AEE0-C3B06ED9C3CE}"/>
+              </a:ext>
+            </a:extLst>
+          </p:cNvPr>
+          <p:cNvSpPr txBox="1"/>
+          <p:nvPr/>
+        </p:nvSpPr>
+        <p:spPr>
+          <a:xfrm>
+            <a:off x="10493406" y="204333"/>
+            <a:ext cx="1107996" cy="369332"/>
+          </a:xfrm>
+          <a:prstGeom prst="rect">
+            <a:avLst/>
+          </a:prstGeom>
+          <a:noFill/>
+        </p:spPr>
+        <p:txBody>
+          <a:bodyPr wrap="none" rtlCol="0">
+            <a:spAutoFit/>
+          </a:bodyPr>
+          <a:lstStyle/>
+          <a:p>
+            <a:r>
+              <a:rPr lang="zh-CN" altLang="en-US" dirty="0"/>
+              <a:t>参数设置</a:t>
+            </a:r>
           </a:p>
         </p:txBody>
       </p:sp>
     </p:spTree>
     <p:extLst>
       <p:ext uri="{BB962C8B-B14F-4D97-AF65-F5344CB8AC3E}">
-        <p14:creationId xmlns:p14="http://schemas.microsoft.com/office/powerpoint/2010/main" val="2339201142"/>
+        <p14:creationId xmlns:p14="http://schemas.microsoft.com/office/powerpoint/2010/main" val="2177419040"/>
+      </p:ext>
+    </p:extLst>
+  </p:cSld>
+  <p:clrMapOvr>
+    <a:masterClrMapping/>
+  </p:clrMapOvr>
+</p:sld>
+</file>
+
+<file path=ppt/slides/slide15.xml><?xml version="1.0" encoding="utf-8"?>
+<p:sld xmlns:a="http://schemas.openxmlformats.org/drawingml/2006/main" xmlns:r="http://schemas.openxmlformats.org/officeDocument/2006/relationships" xmlns:p="http://schemas.openxmlformats.org/presentationml/2006/main">
+  <p:cSld>
+    <p:spTree>
+      <p:nvGrpSpPr>
+        <p:cNvPr id="1" name=""/>
+        <p:cNvGrpSpPr/>
+        <p:nvPr/>
+      </p:nvGrpSpPr>
+      <p:grpSpPr>
+        <a:xfrm>
+          <a:off x="0" y="0"/>
+          <a:ext cx="0" cy="0"/>
+          <a:chOff x="0" y="0"/>
+          <a:chExt cx="0" cy="0"/>
+        </a:xfrm>
+      </p:grpSpPr>
+      <p:pic>
+        <p:nvPicPr>
+          <p:cNvPr id="4" name="图片 3">
+            <a:extLst>
+              <a:ext uri="{FF2B5EF4-FFF2-40B4-BE49-F238E27FC236}">
+                <a16:creationId xmlns:a16="http://schemas.microsoft.com/office/drawing/2014/main" id="{91CCA718-5106-4C41-90B5-A46705790D51}"/>
+              </a:ext>
+            </a:extLst>
+          </p:cNvPr>
+          <p:cNvPicPr>
+            <a:picLocks noChangeAspect="1"/>
+          </p:cNvPicPr>
+          <p:nvPr/>
+        </p:nvPicPr>
+        <p:blipFill rotWithShape="1">
+          <a:blip r:embed="rId2" cstate="print">
+            <a:extLst>
+              <a:ext uri="{BEBA8EAE-BF5A-486C-A8C5-ECC9F3942E4B}">
+                <a14:imgProps xmlns:a14="http://schemas.microsoft.com/office/drawing/2010/main">
+                  <a14:imgLayer r:embed="rId3">
+                    <a14:imgEffect>
+                      <a14:backgroundRemoval t="0" b="64834" l="0" r="52450"/>
+                    </a14:imgEffect>
+                  </a14:imgLayer>
+                </a14:imgProps>
+              </a:ext>
+              <a:ext uri="{28A0092B-C50C-407E-A947-70E740481C1C}">
+                <a14:useLocalDpi xmlns:a14="http://schemas.microsoft.com/office/drawing/2010/main" val="0"/>
+              </a:ext>
+            </a:extLst>
+          </a:blip>
+          <a:srcRect l="4796" t="7905" r="68334" b="39870"/>
+          <a:stretch>
+            <a:fillRect/>
+          </a:stretch>
+        </p:blipFill>
+        <p:spPr>
+          <a:xfrm>
+            <a:off x="0" y="0"/>
+            <a:ext cx="1291586" cy="1498600"/>
+          </a:xfrm>
+          <a:prstGeom prst="rect">
+            <a:avLst/>
+          </a:prstGeom>
+        </p:spPr>
+      </p:pic>
+      <p:pic>
+        <p:nvPicPr>
+          <p:cNvPr id="5" name="图片 4">
+            <a:extLst>
+              <a:ext uri="{FF2B5EF4-FFF2-40B4-BE49-F238E27FC236}">
+                <a16:creationId xmlns:a16="http://schemas.microsoft.com/office/drawing/2014/main" id="{1EB09952-A6B7-4985-A73F-B21B94CD0383}"/>
+              </a:ext>
+            </a:extLst>
+          </p:cNvPr>
+          <p:cNvPicPr>
+            <a:picLocks noChangeAspect="1"/>
+          </p:cNvPicPr>
+          <p:nvPr/>
+        </p:nvPicPr>
+        <p:blipFill rotWithShape="1">
+          <a:blip r:embed="rId4" cstate="print">
+            <a:extLst>
+              <a:ext uri="{BEBA8EAE-BF5A-486C-A8C5-ECC9F3942E4B}">
+                <a14:imgProps xmlns:a14="http://schemas.microsoft.com/office/drawing/2010/main">
+                  <a14:imgLayer r:embed="rId5">
+                    <a14:imgEffect>
+                      <a14:backgroundRemoval t="45230" b="100000" l="56481" r="100000">
+                        <a14:foregroundMark x1="99638" y1="46483" x2="99928" y2="91512"/>
+                        <a14:foregroundMark x1="97852" y1="46160" x2="82694" y2="71584"/>
+                        <a14:foregroundMark x1="80908" y1="70493" x2="57229" y2="98868"/>
+                        <a14:foregroundMark x1="96259" y1="47251" x2="81101" y2="68270"/>
+                        <a14:foregroundMark x1="65749" y1="82862" x2="59015" y2="99636"/>
+                      </a14:backgroundRemoval>
+                    </a14:imgEffect>
+                  </a14:imgLayer>
+                </a14:imgProps>
+              </a:ext>
+              <a:ext uri="{28A0092B-C50C-407E-A947-70E740481C1C}">
+                <a14:useLocalDpi xmlns:a14="http://schemas.microsoft.com/office/drawing/2010/main" val="0"/>
+              </a:ext>
+            </a:extLst>
+          </a:blip>
+          <a:srcRect l="59472" t="50250" r="5326" b="7406"/>
+          <a:stretch>
+            <a:fillRect/>
+          </a:stretch>
+        </p:blipFill>
+        <p:spPr>
+          <a:xfrm>
+            <a:off x="10706100" y="5790996"/>
+            <a:ext cx="1485900" cy="1067003"/>
+          </a:xfrm>
+          <a:prstGeom prst="rect">
+            <a:avLst/>
+          </a:prstGeom>
+        </p:spPr>
+      </p:pic>
+      <p:sp>
+        <p:nvSpPr>
+          <p:cNvPr id="6" name="文本框 5">
+            <a:extLst>
+              <a:ext uri="{FF2B5EF4-FFF2-40B4-BE49-F238E27FC236}">
+                <a16:creationId xmlns:a16="http://schemas.microsoft.com/office/drawing/2014/main" id="{3C25259B-F8D0-41EA-90EC-A0AC412900B4}"/>
+              </a:ext>
+            </a:extLst>
+          </p:cNvPr>
+          <p:cNvSpPr txBox="1"/>
+          <p:nvPr/>
+        </p:nvSpPr>
+        <p:spPr>
+          <a:xfrm>
+            <a:off x="1291586" y="127389"/>
+            <a:ext cx="6094520" cy="523220"/>
+          </a:xfrm>
+          <a:prstGeom prst="rect">
+            <a:avLst/>
+          </a:prstGeom>
+          <a:noFill/>
+        </p:spPr>
+        <p:txBody>
+          <a:bodyPr wrap="square">
+            <a:spAutoFit/>
+          </a:bodyPr>
+          <a:lstStyle/>
+          <a:p>
+            <a:r>
+              <a:rPr lang="zh-CN" altLang="en-US" sz="2800" dirty="0"/>
+              <a:t>全流程调度</a:t>
+            </a:r>
+            <a:r>
+              <a:rPr lang="en-US" altLang="zh-CN" sz="2800" dirty="0"/>
+              <a:t>——Azkaban</a:t>
+            </a:r>
+            <a:endParaRPr lang="zh-CN" altLang="en-US" sz="2800" dirty="0"/>
+          </a:p>
+        </p:txBody>
+      </p:sp>
+      <p:pic>
+        <p:nvPicPr>
+          <p:cNvPr id="3" name="图片 2">
+            <a:extLst>
+              <a:ext uri="{FF2B5EF4-FFF2-40B4-BE49-F238E27FC236}">
+                <a16:creationId xmlns:a16="http://schemas.microsoft.com/office/drawing/2014/main" id="{5170255E-9652-414C-A711-45202670F420}"/>
+              </a:ext>
+            </a:extLst>
+          </p:cNvPr>
+          <p:cNvPicPr>
+            <a:picLocks noChangeAspect="1"/>
+          </p:cNvPicPr>
+          <p:nvPr/>
+        </p:nvPicPr>
+        <p:blipFill>
+          <a:blip r:embed="rId6"/>
+          <a:stretch>
+            <a:fillRect/>
+          </a:stretch>
+        </p:blipFill>
+        <p:spPr>
+          <a:xfrm>
+            <a:off x="0" y="865718"/>
+            <a:ext cx="12192000" cy="5694736"/>
+          </a:xfrm>
+          <a:prstGeom prst="rect">
+            <a:avLst/>
+          </a:prstGeom>
+        </p:spPr>
+      </p:pic>
+      <p:sp>
+        <p:nvSpPr>
+          <p:cNvPr id="7" name="文本框 6">
+            <a:extLst>
+              <a:ext uri="{FF2B5EF4-FFF2-40B4-BE49-F238E27FC236}">
+                <a16:creationId xmlns:a16="http://schemas.microsoft.com/office/drawing/2014/main" id="{01E87280-6FFB-4F31-8EDC-6A04F0A24F78}"/>
+              </a:ext>
+            </a:extLst>
+          </p:cNvPr>
+          <p:cNvSpPr txBox="1"/>
+          <p:nvPr/>
+        </p:nvSpPr>
+        <p:spPr>
+          <a:xfrm>
+            <a:off x="10475280" y="198841"/>
+            <a:ext cx="1107996" cy="369332"/>
+          </a:xfrm>
+          <a:prstGeom prst="rect">
+            <a:avLst/>
+          </a:prstGeom>
+          <a:noFill/>
+        </p:spPr>
+        <p:txBody>
+          <a:bodyPr wrap="none" rtlCol="0">
+            <a:spAutoFit/>
+          </a:bodyPr>
+          <a:lstStyle/>
+          <a:p>
+            <a:r>
+              <a:rPr lang="zh-CN" altLang="en-US" dirty="0"/>
+              <a:t>调度执行</a:t>
+            </a:r>
+          </a:p>
+        </p:txBody>
+      </p:sp>
+    </p:spTree>
+    <p:extLst>
+      <p:ext uri="{BB962C8B-B14F-4D97-AF65-F5344CB8AC3E}">
+        <p14:creationId xmlns:p14="http://schemas.microsoft.com/office/powerpoint/2010/main" val="2508576906"/>
+      </p:ext>
+    </p:extLst>
+  </p:cSld>
+  <p:clrMapOvr>
+    <a:masterClrMapping/>
+  </p:clrMapOvr>
+</p:sld>
+</file>
+
+<file path=ppt/slides/slide16.xml><?xml version="1.0" encoding="utf-8"?>
+<p:sld xmlns:a="http://schemas.openxmlformats.org/drawingml/2006/main" xmlns:r="http://schemas.openxmlformats.org/officeDocument/2006/relationships" xmlns:p="http://schemas.openxmlformats.org/presentationml/2006/main">
+  <p:cSld>
+    <p:spTree>
+      <p:nvGrpSpPr>
+        <p:cNvPr id="1" name=""/>
+        <p:cNvGrpSpPr/>
+        <p:nvPr/>
+      </p:nvGrpSpPr>
+      <p:grpSpPr>
+        <a:xfrm>
+          <a:off x="0" y="0"/>
+          <a:ext cx="0" cy="0"/>
+          <a:chOff x="0" y="0"/>
+          <a:chExt cx="0" cy="0"/>
+        </a:xfrm>
+      </p:grpSpPr>
+      <p:pic>
+        <p:nvPicPr>
+          <p:cNvPr id="4" name="图片 3">
+            <a:extLst>
+              <a:ext uri="{FF2B5EF4-FFF2-40B4-BE49-F238E27FC236}">
+                <a16:creationId xmlns:a16="http://schemas.microsoft.com/office/drawing/2014/main" id="{91CCA718-5106-4C41-90B5-A46705790D51}"/>
+              </a:ext>
+            </a:extLst>
+          </p:cNvPr>
+          <p:cNvPicPr>
+            <a:picLocks noChangeAspect="1"/>
+          </p:cNvPicPr>
+          <p:nvPr/>
+        </p:nvPicPr>
+        <p:blipFill rotWithShape="1">
+          <a:blip r:embed="rId2" cstate="print">
+            <a:extLst>
+              <a:ext uri="{BEBA8EAE-BF5A-486C-A8C5-ECC9F3942E4B}">
+                <a14:imgProps xmlns:a14="http://schemas.microsoft.com/office/drawing/2010/main">
+                  <a14:imgLayer r:embed="rId3">
+                    <a14:imgEffect>
+                      <a14:backgroundRemoval t="0" b="64834" l="0" r="52450"/>
+                    </a14:imgEffect>
+                  </a14:imgLayer>
+                </a14:imgProps>
+              </a:ext>
+              <a:ext uri="{28A0092B-C50C-407E-A947-70E740481C1C}">
+                <a14:useLocalDpi xmlns:a14="http://schemas.microsoft.com/office/drawing/2010/main" val="0"/>
+              </a:ext>
+            </a:extLst>
+          </a:blip>
+          <a:srcRect l="4796" t="7905" r="68334" b="39870"/>
+          <a:stretch>
+            <a:fillRect/>
+          </a:stretch>
+        </p:blipFill>
+        <p:spPr>
+          <a:xfrm>
+            <a:off x="0" y="0"/>
+            <a:ext cx="1291586" cy="1498600"/>
+          </a:xfrm>
+          <a:prstGeom prst="rect">
+            <a:avLst/>
+          </a:prstGeom>
+        </p:spPr>
+      </p:pic>
+      <p:pic>
+        <p:nvPicPr>
+          <p:cNvPr id="5" name="图片 4">
+            <a:extLst>
+              <a:ext uri="{FF2B5EF4-FFF2-40B4-BE49-F238E27FC236}">
+                <a16:creationId xmlns:a16="http://schemas.microsoft.com/office/drawing/2014/main" id="{1EB09952-A6B7-4985-A73F-B21B94CD0383}"/>
+              </a:ext>
+            </a:extLst>
+          </p:cNvPr>
+          <p:cNvPicPr>
+            <a:picLocks noChangeAspect="1"/>
+          </p:cNvPicPr>
+          <p:nvPr/>
+        </p:nvPicPr>
+        <p:blipFill rotWithShape="1">
+          <a:blip r:embed="rId4" cstate="print">
+            <a:extLst>
+              <a:ext uri="{BEBA8EAE-BF5A-486C-A8C5-ECC9F3942E4B}">
+                <a14:imgProps xmlns:a14="http://schemas.microsoft.com/office/drawing/2010/main">
+                  <a14:imgLayer r:embed="rId5">
+                    <a14:imgEffect>
+                      <a14:backgroundRemoval t="45230" b="100000" l="56481" r="100000">
+                        <a14:foregroundMark x1="99638" y1="46483" x2="99928" y2="91512"/>
+                        <a14:foregroundMark x1="97852" y1="46160" x2="82694" y2="71584"/>
+                        <a14:foregroundMark x1="80908" y1="70493" x2="57229" y2="98868"/>
+                        <a14:foregroundMark x1="96259" y1="47251" x2="81101" y2="68270"/>
+                        <a14:foregroundMark x1="65749" y1="82862" x2="59015" y2="99636"/>
+                      </a14:backgroundRemoval>
+                    </a14:imgEffect>
+                  </a14:imgLayer>
+                </a14:imgProps>
+              </a:ext>
+              <a:ext uri="{28A0092B-C50C-407E-A947-70E740481C1C}">
+                <a14:useLocalDpi xmlns:a14="http://schemas.microsoft.com/office/drawing/2010/main" val="0"/>
+              </a:ext>
+            </a:extLst>
+          </a:blip>
+          <a:srcRect l="59472" t="50250" r="5326" b="7406"/>
+          <a:stretch>
+            <a:fillRect/>
+          </a:stretch>
+        </p:blipFill>
+        <p:spPr>
+          <a:xfrm>
+            <a:off x="10706100" y="5790996"/>
+            <a:ext cx="1485900" cy="1067003"/>
+          </a:xfrm>
+          <a:prstGeom prst="rect">
+            <a:avLst/>
+          </a:prstGeom>
+        </p:spPr>
+      </p:pic>
+      <p:sp>
+        <p:nvSpPr>
+          <p:cNvPr id="6" name="文本框 5">
+            <a:extLst>
+              <a:ext uri="{FF2B5EF4-FFF2-40B4-BE49-F238E27FC236}">
+                <a16:creationId xmlns:a16="http://schemas.microsoft.com/office/drawing/2014/main" id="{3C25259B-F8D0-41EA-90EC-A0AC412900B4}"/>
+              </a:ext>
+            </a:extLst>
+          </p:cNvPr>
+          <p:cNvSpPr txBox="1"/>
+          <p:nvPr/>
+        </p:nvSpPr>
+        <p:spPr>
+          <a:xfrm>
+            <a:off x="1291586" y="127389"/>
+            <a:ext cx="6094520" cy="523220"/>
+          </a:xfrm>
+          <a:prstGeom prst="rect">
+            <a:avLst/>
+          </a:prstGeom>
+          <a:noFill/>
+        </p:spPr>
+        <p:txBody>
+          <a:bodyPr wrap="square">
+            <a:spAutoFit/>
+          </a:bodyPr>
+          <a:lstStyle/>
+          <a:p>
+            <a:r>
+              <a:rPr lang="zh-CN" altLang="en-US" sz="2800" dirty="0"/>
+              <a:t>全流程调度</a:t>
+            </a:r>
+            <a:r>
+              <a:rPr lang="en-US" altLang="zh-CN" sz="2800" dirty="0"/>
+              <a:t>——Azkaban</a:t>
+            </a:r>
+            <a:endParaRPr lang="zh-CN" altLang="en-US" sz="2800" dirty="0"/>
+          </a:p>
+        </p:txBody>
+      </p:sp>
+    </p:spTree>
+    <p:extLst>
+      <p:ext uri="{BB962C8B-B14F-4D97-AF65-F5344CB8AC3E}">
+        <p14:creationId xmlns:p14="http://schemas.microsoft.com/office/powerpoint/2010/main" val="3319285047"/>
+      </p:ext>
+    </p:extLst>
+  </p:cSld>
+  <p:clrMapOvr>
+    <a:masterClrMapping/>
+  </p:clrMapOvr>
+</p:sld>
+</file>
+
+<file path=ppt/slides/slide17.xml><?xml version="1.0" encoding="utf-8"?>
+<p:sld xmlns:a="http://schemas.openxmlformats.org/drawingml/2006/main" xmlns:r="http://schemas.openxmlformats.org/officeDocument/2006/relationships" xmlns:p="http://schemas.openxmlformats.org/presentationml/2006/main">
+  <p:cSld>
+    <p:spTree>
+      <p:nvGrpSpPr>
+        <p:cNvPr id="1" name=""/>
+        <p:cNvGrpSpPr/>
+        <p:nvPr/>
+      </p:nvGrpSpPr>
+      <p:grpSpPr>
+        <a:xfrm>
+          <a:off x="0" y="0"/>
+          <a:ext cx="0" cy="0"/>
+          <a:chOff x="0" y="0"/>
+          <a:chExt cx="0" cy="0"/>
+        </a:xfrm>
+      </p:grpSpPr>
+      <p:pic>
+        <p:nvPicPr>
+          <p:cNvPr id="4" name="图片 3">
+            <a:extLst>
+              <a:ext uri="{FF2B5EF4-FFF2-40B4-BE49-F238E27FC236}">
+                <a16:creationId xmlns:a16="http://schemas.microsoft.com/office/drawing/2014/main" id="{91CCA718-5106-4C41-90B5-A46705790D51}"/>
+              </a:ext>
+            </a:extLst>
+          </p:cNvPr>
+          <p:cNvPicPr>
+            <a:picLocks noChangeAspect="1"/>
+          </p:cNvPicPr>
+          <p:nvPr/>
+        </p:nvPicPr>
+        <p:blipFill rotWithShape="1">
+          <a:blip r:embed="rId2" cstate="print">
+            <a:extLst>
+              <a:ext uri="{BEBA8EAE-BF5A-486C-A8C5-ECC9F3942E4B}">
+                <a14:imgProps xmlns:a14="http://schemas.microsoft.com/office/drawing/2010/main">
+                  <a14:imgLayer r:embed="rId3">
+                    <a14:imgEffect>
+                      <a14:backgroundRemoval t="0" b="64834" l="0" r="52450"/>
+                    </a14:imgEffect>
+                  </a14:imgLayer>
+                </a14:imgProps>
+              </a:ext>
+              <a:ext uri="{28A0092B-C50C-407E-A947-70E740481C1C}">
+                <a14:useLocalDpi xmlns:a14="http://schemas.microsoft.com/office/drawing/2010/main" val="0"/>
+              </a:ext>
+            </a:extLst>
+          </a:blip>
+          <a:srcRect l="4796" t="7905" r="68334" b="39870"/>
+          <a:stretch>
+            <a:fillRect/>
+          </a:stretch>
+        </p:blipFill>
+        <p:spPr>
+          <a:xfrm>
+            <a:off x="0" y="0"/>
+            <a:ext cx="1291586" cy="1498600"/>
+          </a:xfrm>
+          <a:prstGeom prst="rect">
+            <a:avLst/>
+          </a:prstGeom>
+        </p:spPr>
+      </p:pic>
+      <p:pic>
+        <p:nvPicPr>
+          <p:cNvPr id="5" name="图片 4">
+            <a:extLst>
+              <a:ext uri="{FF2B5EF4-FFF2-40B4-BE49-F238E27FC236}">
+                <a16:creationId xmlns:a16="http://schemas.microsoft.com/office/drawing/2014/main" id="{1EB09952-A6B7-4985-A73F-B21B94CD0383}"/>
+              </a:ext>
+            </a:extLst>
+          </p:cNvPr>
+          <p:cNvPicPr>
+            <a:picLocks noChangeAspect="1"/>
+          </p:cNvPicPr>
+          <p:nvPr/>
+        </p:nvPicPr>
+        <p:blipFill rotWithShape="1">
+          <a:blip r:embed="rId4" cstate="print">
+            <a:extLst>
+              <a:ext uri="{BEBA8EAE-BF5A-486C-A8C5-ECC9F3942E4B}">
+                <a14:imgProps xmlns:a14="http://schemas.microsoft.com/office/drawing/2010/main">
+                  <a14:imgLayer r:embed="rId5">
+                    <a14:imgEffect>
+                      <a14:backgroundRemoval t="45230" b="100000" l="56481" r="100000">
+                        <a14:foregroundMark x1="99638" y1="46483" x2="99928" y2="91512"/>
+                        <a14:foregroundMark x1="97852" y1="46160" x2="82694" y2="71584"/>
+                        <a14:foregroundMark x1="80908" y1="70493" x2="57229" y2="98868"/>
+                        <a14:foregroundMark x1="96259" y1="47251" x2="81101" y2="68270"/>
+                        <a14:foregroundMark x1="65749" y1="82862" x2="59015" y2="99636"/>
+                      </a14:backgroundRemoval>
+                    </a14:imgEffect>
+                  </a14:imgLayer>
+                </a14:imgProps>
+              </a:ext>
+              <a:ext uri="{28A0092B-C50C-407E-A947-70E740481C1C}">
+                <a14:useLocalDpi xmlns:a14="http://schemas.microsoft.com/office/drawing/2010/main" val="0"/>
+              </a:ext>
+            </a:extLst>
+          </a:blip>
+          <a:srcRect l="59472" t="50250" r="5326" b="7406"/>
+          <a:stretch>
+            <a:fillRect/>
+          </a:stretch>
+        </p:blipFill>
+        <p:spPr>
+          <a:xfrm>
+            <a:off x="10706100" y="5790996"/>
+            <a:ext cx="1485900" cy="1067003"/>
+          </a:xfrm>
+          <a:prstGeom prst="rect">
+            <a:avLst/>
+          </a:prstGeom>
+        </p:spPr>
+      </p:pic>
+      <p:sp>
+        <p:nvSpPr>
+          <p:cNvPr id="6" name="文本框 5">
+            <a:extLst>
+              <a:ext uri="{FF2B5EF4-FFF2-40B4-BE49-F238E27FC236}">
+                <a16:creationId xmlns:a16="http://schemas.microsoft.com/office/drawing/2014/main" id="{3C25259B-F8D0-41EA-90EC-A0AC412900B4}"/>
+              </a:ext>
+            </a:extLst>
+          </p:cNvPr>
+          <p:cNvSpPr txBox="1"/>
+          <p:nvPr/>
+        </p:nvSpPr>
+        <p:spPr>
+          <a:xfrm>
+            <a:off x="1291586" y="254778"/>
+            <a:ext cx="6094520" cy="523220"/>
+          </a:xfrm>
+          <a:prstGeom prst="rect">
+            <a:avLst/>
+          </a:prstGeom>
+          <a:noFill/>
+        </p:spPr>
+        <p:txBody>
+          <a:bodyPr wrap="square">
+            <a:spAutoFit/>
+          </a:bodyPr>
+          <a:lstStyle/>
+          <a:p>
+            <a:r>
+              <a:rPr lang="zh-CN" altLang="en-US" sz="2800"/>
+              <a:t>可视化呈现</a:t>
+            </a:r>
+            <a:endParaRPr lang="en-US" altLang="zh-CN" sz="2800" dirty="0"/>
+          </a:p>
+        </p:txBody>
+      </p:sp>
+    </p:spTree>
+    <p:extLst>
+      <p:ext uri="{BB962C8B-B14F-4D97-AF65-F5344CB8AC3E}">
+        <p14:creationId xmlns:p14="http://schemas.microsoft.com/office/powerpoint/2010/main" val="1850238111"/>
+      </p:ext>
+    </p:extLst>
+  </p:cSld>
+  <p:clrMapOvr>
+    <a:masterClrMapping/>
+  </p:clrMapOvr>
+</p:sld>
+</file>
+
+<file path=ppt/slides/slide18.xml><?xml version="1.0" encoding="utf-8"?>
+<p:sld xmlns:a="http://schemas.openxmlformats.org/drawingml/2006/main" xmlns:r="http://schemas.openxmlformats.org/officeDocument/2006/relationships" xmlns:p="http://schemas.openxmlformats.org/presentationml/2006/main">
+  <p:cSld>
+    <p:spTree>
+      <p:nvGrpSpPr>
+        <p:cNvPr id="1" name=""/>
+        <p:cNvGrpSpPr/>
+        <p:nvPr/>
+      </p:nvGrpSpPr>
+      <p:grpSpPr>
+        <a:xfrm>
+          <a:off x="0" y="0"/>
+          <a:ext cx="0" cy="0"/>
+          <a:chOff x="0" y="0"/>
+          <a:chExt cx="0" cy="0"/>
+        </a:xfrm>
+      </p:grpSpPr>
+      <p:pic>
+        <p:nvPicPr>
+          <p:cNvPr id="4" name="图片 3">
+            <a:extLst>
+              <a:ext uri="{FF2B5EF4-FFF2-40B4-BE49-F238E27FC236}">
+                <a16:creationId xmlns:a16="http://schemas.microsoft.com/office/drawing/2014/main" id="{91CCA718-5106-4C41-90B5-A46705790D51}"/>
+              </a:ext>
+            </a:extLst>
+          </p:cNvPr>
+          <p:cNvPicPr>
+            <a:picLocks noChangeAspect="1"/>
+          </p:cNvPicPr>
+          <p:nvPr/>
+        </p:nvPicPr>
+        <p:blipFill rotWithShape="1">
+          <a:blip r:embed="rId2" cstate="print">
+            <a:extLst>
+              <a:ext uri="{BEBA8EAE-BF5A-486C-A8C5-ECC9F3942E4B}">
+                <a14:imgProps xmlns:a14="http://schemas.microsoft.com/office/drawing/2010/main">
+                  <a14:imgLayer r:embed="rId3">
+                    <a14:imgEffect>
+                      <a14:backgroundRemoval t="0" b="64834" l="0" r="52450"/>
+                    </a14:imgEffect>
+                  </a14:imgLayer>
+                </a14:imgProps>
+              </a:ext>
+              <a:ext uri="{28A0092B-C50C-407E-A947-70E740481C1C}">
+                <a14:useLocalDpi xmlns:a14="http://schemas.microsoft.com/office/drawing/2010/main" val="0"/>
+              </a:ext>
+            </a:extLst>
+          </a:blip>
+          <a:srcRect l="4796" t="7905" r="68334" b="39870"/>
+          <a:stretch>
+            <a:fillRect/>
+          </a:stretch>
+        </p:blipFill>
+        <p:spPr>
+          <a:xfrm>
+            <a:off x="0" y="0"/>
+            <a:ext cx="1291586" cy="1498600"/>
+          </a:xfrm>
+          <a:prstGeom prst="rect">
+            <a:avLst/>
+          </a:prstGeom>
+        </p:spPr>
+      </p:pic>
+      <p:pic>
+        <p:nvPicPr>
+          <p:cNvPr id="5" name="图片 4">
+            <a:extLst>
+              <a:ext uri="{FF2B5EF4-FFF2-40B4-BE49-F238E27FC236}">
+                <a16:creationId xmlns:a16="http://schemas.microsoft.com/office/drawing/2014/main" id="{1EB09952-A6B7-4985-A73F-B21B94CD0383}"/>
+              </a:ext>
+            </a:extLst>
+          </p:cNvPr>
+          <p:cNvPicPr>
+            <a:picLocks noChangeAspect="1"/>
+          </p:cNvPicPr>
+          <p:nvPr/>
+        </p:nvPicPr>
+        <p:blipFill rotWithShape="1">
+          <a:blip r:embed="rId4" cstate="print">
+            <a:extLst>
+              <a:ext uri="{BEBA8EAE-BF5A-486C-A8C5-ECC9F3942E4B}">
+                <a14:imgProps xmlns:a14="http://schemas.microsoft.com/office/drawing/2010/main">
+                  <a14:imgLayer r:embed="rId5">
+                    <a14:imgEffect>
+                      <a14:backgroundRemoval t="45230" b="100000" l="56481" r="100000">
+                        <a14:foregroundMark x1="99638" y1="46483" x2="99928" y2="91512"/>
+                        <a14:foregroundMark x1="97852" y1="46160" x2="82694" y2="71584"/>
+                        <a14:foregroundMark x1="80908" y1="70493" x2="57229" y2="98868"/>
+                        <a14:foregroundMark x1="96259" y1="47251" x2="81101" y2="68270"/>
+                        <a14:foregroundMark x1="65749" y1="82862" x2="59015" y2="99636"/>
+                      </a14:backgroundRemoval>
+                    </a14:imgEffect>
+                  </a14:imgLayer>
+                </a14:imgProps>
+              </a:ext>
+              <a:ext uri="{28A0092B-C50C-407E-A947-70E740481C1C}">
+                <a14:useLocalDpi xmlns:a14="http://schemas.microsoft.com/office/drawing/2010/main" val="0"/>
+              </a:ext>
+            </a:extLst>
+          </a:blip>
+          <a:srcRect l="59472" t="50250" r="5326" b="7406"/>
+          <a:stretch>
+            <a:fillRect/>
+          </a:stretch>
+        </p:blipFill>
+        <p:spPr>
+          <a:xfrm>
+            <a:off x="10706100" y="5790996"/>
+            <a:ext cx="1485900" cy="1067003"/>
+          </a:xfrm>
+          <a:prstGeom prst="rect">
+            <a:avLst/>
+          </a:prstGeom>
+        </p:spPr>
+      </p:pic>
+      <p:sp>
+        <p:nvSpPr>
+          <p:cNvPr id="6" name="文本框 5">
+            <a:extLst>
+              <a:ext uri="{FF2B5EF4-FFF2-40B4-BE49-F238E27FC236}">
+                <a16:creationId xmlns:a16="http://schemas.microsoft.com/office/drawing/2014/main" id="{3C25259B-F8D0-41EA-90EC-A0AC412900B4}"/>
+              </a:ext>
+            </a:extLst>
+          </p:cNvPr>
+          <p:cNvSpPr txBox="1"/>
+          <p:nvPr/>
+        </p:nvSpPr>
+        <p:spPr>
+          <a:xfrm>
+            <a:off x="1291586" y="254778"/>
+            <a:ext cx="6094520" cy="523220"/>
+          </a:xfrm>
+          <a:prstGeom prst="rect">
+            <a:avLst/>
+          </a:prstGeom>
+          <a:noFill/>
+        </p:spPr>
+        <p:txBody>
+          <a:bodyPr wrap="square">
+            <a:spAutoFit/>
+          </a:bodyPr>
+          <a:lstStyle/>
+          <a:p>
+            <a:r>
+              <a:rPr lang="zh-CN" altLang="en-US" sz="2800"/>
+              <a:t>可视化呈现</a:t>
+            </a:r>
+            <a:endParaRPr lang="en-US" altLang="zh-CN" sz="2800" dirty="0"/>
+          </a:p>
+        </p:txBody>
+      </p:sp>
+    </p:spTree>
+    <p:extLst>
+      <p:ext uri="{BB962C8B-B14F-4D97-AF65-F5344CB8AC3E}">
+        <p14:creationId xmlns:p14="http://schemas.microsoft.com/office/powerpoint/2010/main" val="2562086993"/>
+      </p:ext>
+    </p:extLst>
+  </p:cSld>
+  <p:clrMapOvr>
+    <a:masterClrMapping/>
+  </p:clrMapOvr>
+</p:sld>
+</file>
+
+<file path=ppt/slides/slide19.xml><?xml version="1.0" encoding="utf-8"?>
+<p:sld xmlns:a="http://schemas.openxmlformats.org/drawingml/2006/main" xmlns:r="http://schemas.openxmlformats.org/officeDocument/2006/relationships" xmlns:p="http://schemas.openxmlformats.org/presentationml/2006/main">
+  <p:cSld>
+    <p:spTree>
+      <p:nvGrpSpPr>
+        <p:cNvPr id="1" name=""/>
+        <p:cNvGrpSpPr/>
+        <p:nvPr/>
+      </p:nvGrpSpPr>
+      <p:grpSpPr>
+        <a:xfrm>
+          <a:off x="0" y="0"/>
+          <a:ext cx="0" cy="0"/>
+          <a:chOff x="0" y="0"/>
+          <a:chExt cx="0" cy="0"/>
+        </a:xfrm>
+      </p:grpSpPr>
+      <p:pic>
+        <p:nvPicPr>
+          <p:cNvPr id="4" name="图片 3">
+            <a:extLst>
+              <a:ext uri="{FF2B5EF4-FFF2-40B4-BE49-F238E27FC236}">
+                <a16:creationId xmlns:a16="http://schemas.microsoft.com/office/drawing/2014/main" id="{91CCA718-5106-4C41-90B5-A46705790D51}"/>
+              </a:ext>
+            </a:extLst>
+          </p:cNvPr>
+          <p:cNvPicPr>
+            <a:picLocks noChangeAspect="1"/>
+          </p:cNvPicPr>
+          <p:nvPr/>
+        </p:nvPicPr>
+        <p:blipFill rotWithShape="1">
+          <a:blip r:embed="rId2" cstate="print">
+            <a:extLst>
+              <a:ext uri="{BEBA8EAE-BF5A-486C-A8C5-ECC9F3942E4B}">
+                <a14:imgProps xmlns:a14="http://schemas.microsoft.com/office/drawing/2010/main">
+                  <a14:imgLayer r:embed="rId3">
+                    <a14:imgEffect>
+                      <a14:backgroundRemoval t="0" b="64834" l="0" r="52450"/>
+                    </a14:imgEffect>
+                  </a14:imgLayer>
+                </a14:imgProps>
+              </a:ext>
+              <a:ext uri="{28A0092B-C50C-407E-A947-70E740481C1C}">
+                <a14:useLocalDpi xmlns:a14="http://schemas.microsoft.com/office/drawing/2010/main" val="0"/>
+              </a:ext>
+            </a:extLst>
+          </a:blip>
+          <a:srcRect l="4796" t="7905" r="68334" b="39870"/>
+          <a:stretch>
+            <a:fillRect/>
+          </a:stretch>
+        </p:blipFill>
+        <p:spPr>
+          <a:xfrm>
+            <a:off x="0" y="0"/>
+            <a:ext cx="1291586" cy="1498600"/>
+          </a:xfrm>
+          <a:prstGeom prst="rect">
+            <a:avLst/>
+          </a:prstGeom>
+        </p:spPr>
+      </p:pic>
+      <p:pic>
+        <p:nvPicPr>
+          <p:cNvPr id="5" name="图片 4">
+            <a:extLst>
+              <a:ext uri="{FF2B5EF4-FFF2-40B4-BE49-F238E27FC236}">
+                <a16:creationId xmlns:a16="http://schemas.microsoft.com/office/drawing/2014/main" id="{1EB09952-A6B7-4985-A73F-B21B94CD0383}"/>
+              </a:ext>
+            </a:extLst>
+          </p:cNvPr>
+          <p:cNvPicPr>
+            <a:picLocks noChangeAspect="1"/>
+          </p:cNvPicPr>
+          <p:nvPr/>
+        </p:nvPicPr>
+        <p:blipFill rotWithShape="1">
+          <a:blip r:embed="rId4" cstate="print">
+            <a:extLst>
+              <a:ext uri="{BEBA8EAE-BF5A-486C-A8C5-ECC9F3942E4B}">
+                <a14:imgProps xmlns:a14="http://schemas.microsoft.com/office/drawing/2010/main">
+                  <a14:imgLayer r:embed="rId5">
+                    <a14:imgEffect>
+                      <a14:backgroundRemoval t="45230" b="100000" l="56481" r="100000">
+                        <a14:foregroundMark x1="99638" y1="46483" x2="99928" y2="91512"/>
+                        <a14:foregroundMark x1="97852" y1="46160" x2="82694" y2="71584"/>
+                        <a14:foregroundMark x1="80908" y1="70493" x2="57229" y2="98868"/>
+                        <a14:foregroundMark x1="96259" y1="47251" x2="81101" y2="68270"/>
+                        <a14:foregroundMark x1="65749" y1="82862" x2="59015" y2="99636"/>
+                      </a14:backgroundRemoval>
+                    </a14:imgEffect>
+                  </a14:imgLayer>
+                </a14:imgProps>
+              </a:ext>
+              <a:ext uri="{28A0092B-C50C-407E-A947-70E740481C1C}">
+                <a14:useLocalDpi xmlns:a14="http://schemas.microsoft.com/office/drawing/2010/main" val="0"/>
+              </a:ext>
+            </a:extLst>
+          </a:blip>
+          <a:srcRect l="59472" t="50250" r="5326" b="7406"/>
+          <a:stretch>
+            <a:fillRect/>
+          </a:stretch>
+        </p:blipFill>
+        <p:spPr>
+          <a:xfrm>
+            <a:off x="10706100" y="5790996"/>
+            <a:ext cx="1485900" cy="1067003"/>
+          </a:xfrm>
+          <a:prstGeom prst="rect">
+            <a:avLst/>
+          </a:prstGeom>
+        </p:spPr>
+      </p:pic>
+      <p:sp>
+        <p:nvSpPr>
+          <p:cNvPr id="6" name="文本框 5">
+            <a:extLst>
+              <a:ext uri="{FF2B5EF4-FFF2-40B4-BE49-F238E27FC236}">
+                <a16:creationId xmlns:a16="http://schemas.microsoft.com/office/drawing/2014/main" id="{3C25259B-F8D0-41EA-90EC-A0AC412900B4}"/>
+              </a:ext>
+            </a:extLst>
+          </p:cNvPr>
+          <p:cNvSpPr txBox="1"/>
+          <p:nvPr/>
+        </p:nvSpPr>
+        <p:spPr>
+          <a:xfrm>
+            <a:off x="1291586" y="254778"/>
+            <a:ext cx="6094520" cy="523220"/>
+          </a:xfrm>
+          <a:prstGeom prst="rect">
+            <a:avLst/>
+          </a:prstGeom>
+          <a:noFill/>
+        </p:spPr>
+        <p:txBody>
+          <a:bodyPr wrap="square">
+            <a:spAutoFit/>
+          </a:bodyPr>
+          <a:lstStyle/>
+          <a:p>
+            <a:r>
+              <a:rPr lang="zh-CN" altLang="en-US" sz="2800"/>
+              <a:t>可视化呈现</a:t>
+            </a:r>
+            <a:endParaRPr lang="en-US" altLang="zh-CN" sz="2800" dirty="0"/>
+          </a:p>
+        </p:txBody>
+      </p:sp>
+    </p:spTree>
+    <p:extLst>
+      <p:ext uri="{BB962C8B-B14F-4D97-AF65-F5344CB8AC3E}">
+        <p14:creationId xmlns:p14="http://schemas.microsoft.com/office/powerpoint/2010/main" val="2528840581"/>
       </p:ext>
     </p:extLst>
   </p:cSld>
@@ -4292,6 +6346,170 @@
     <p:extLst>
       <p:ext uri="{BB962C8B-B14F-4D97-AF65-F5344CB8AC3E}">
         <p14:creationId xmlns:p14="http://schemas.microsoft.com/office/powerpoint/2010/main" val="3566467458"/>
+      </p:ext>
+    </p:extLst>
+  </p:cSld>
+  <p:clrMapOvr>
+    <a:masterClrMapping/>
+  </p:clrMapOvr>
+</p:sld>
+</file>
+
+<file path=ppt/slides/slide20.xml><?xml version="1.0" encoding="utf-8"?>
+<p:sld xmlns:a="http://schemas.openxmlformats.org/drawingml/2006/main" xmlns:r="http://schemas.openxmlformats.org/officeDocument/2006/relationships" xmlns:p="http://schemas.openxmlformats.org/presentationml/2006/main">
+  <p:cSld>
+    <p:spTree>
+      <p:nvGrpSpPr>
+        <p:cNvPr id="1" name=""/>
+        <p:cNvGrpSpPr/>
+        <p:nvPr/>
+      </p:nvGrpSpPr>
+      <p:grpSpPr>
+        <a:xfrm>
+          <a:off x="0" y="0"/>
+          <a:ext cx="0" cy="0"/>
+          <a:chOff x="0" y="0"/>
+          <a:chExt cx="0" cy="0"/>
+        </a:xfrm>
+      </p:grpSpPr>
+      <p:pic>
+        <p:nvPicPr>
+          <p:cNvPr id="4" name="图片 3">
+            <a:extLst>
+              <a:ext uri="{FF2B5EF4-FFF2-40B4-BE49-F238E27FC236}">
+                <a16:creationId xmlns:a16="http://schemas.microsoft.com/office/drawing/2014/main" id="{91CCA718-5106-4C41-90B5-A46705790D51}"/>
+              </a:ext>
+            </a:extLst>
+          </p:cNvPr>
+          <p:cNvPicPr>
+            <a:picLocks noChangeAspect="1"/>
+          </p:cNvPicPr>
+          <p:nvPr/>
+        </p:nvPicPr>
+        <p:blipFill rotWithShape="1">
+          <a:blip r:embed="rId2" cstate="print">
+            <a:extLst>
+              <a:ext uri="{BEBA8EAE-BF5A-486C-A8C5-ECC9F3942E4B}">
+                <a14:imgProps xmlns:a14="http://schemas.microsoft.com/office/drawing/2010/main">
+                  <a14:imgLayer r:embed="rId3">
+                    <a14:imgEffect>
+                      <a14:backgroundRemoval t="0" b="64834" l="0" r="52450"/>
+                    </a14:imgEffect>
+                  </a14:imgLayer>
+                </a14:imgProps>
+              </a:ext>
+              <a:ext uri="{28A0092B-C50C-407E-A947-70E740481C1C}">
+                <a14:useLocalDpi xmlns:a14="http://schemas.microsoft.com/office/drawing/2010/main" val="0"/>
+              </a:ext>
+            </a:extLst>
+          </a:blip>
+          <a:srcRect l="4796" t="7905" r="68334" b="39870"/>
+          <a:stretch>
+            <a:fillRect/>
+          </a:stretch>
+        </p:blipFill>
+        <p:spPr>
+          <a:xfrm>
+            <a:off x="0" y="0"/>
+            <a:ext cx="1291586" cy="1498600"/>
+          </a:xfrm>
+          <a:prstGeom prst="rect">
+            <a:avLst/>
+          </a:prstGeom>
+        </p:spPr>
+      </p:pic>
+      <p:pic>
+        <p:nvPicPr>
+          <p:cNvPr id="5" name="图片 4">
+            <a:extLst>
+              <a:ext uri="{FF2B5EF4-FFF2-40B4-BE49-F238E27FC236}">
+                <a16:creationId xmlns:a16="http://schemas.microsoft.com/office/drawing/2014/main" id="{1EB09952-A6B7-4985-A73F-B21B94CD0383}"/>
+              </a:ext>
+            </a:extLst>
+          </p:cNvPr>
+          <p:cNvPicPr>
+            <a:picLocks noChangeAspect="1"/>
+          </p:cNvPicPr>
+          <p:nvPr/>
+        </p:nvPicPr>
+        <p:blipFill rotWithShape="1">
+          <a:blip r:embed="rId4" cstate="print">
+            <a:extLst>
+              <a:ext uri="{BEBA8EAE-BF5A-486C-A8C5-ECC9F3942E4B}">
+                <a14:imgProps xmlns:a14="http://schemas.microsoft.com/office/drawing/2010/main">
+                  <a14:imgLayer r:embed="rId5">
+                    <a14:imgEffect>
+                      <a14:backgroundRemoval t="45230" b="100000" l="56481" r="100000">
+                        <a14:foregroundMark x1="99638" y1="46483" x2="99928" y2="91512"/>
+                        <a14:foregroundMark x1="97852" y1="46160" x2="82694" y2="71584"/>
+                        <a14:foregroundMark x1="80908" y1="70493" x2="57229" y2="98868"/>
+                        <a14:foregroundMark x1="96259" y1="47251" x2="81101" y2="68270"/>
+                        <a14:foregroundMark x1="65749" y1="82862" x2="59015" y2="99636"/>
+                      </a14:backgroundRemoval>
+                    </a14:imgEffect>
+                  </a14:imgLayer>
+                </a14:imgProps>
+              </a:ext>
+              <a:ext uri="{28A0092B-C50C-407E-A947-70E740481C1C}">
+                <a14:useLocalDpi xmlns:a14="http://schemas.microsoft.com/office/drawing/2010/main" val="0"/>
+              </a:ext>
+            </a:extLst>
+          </a:blip>
+          <a:srcRect l="59472" t="50250" r="5326" b="7406"/>
+          <a:stretch>
+            <a:fillRect/>
+          </a:stretch>
+        </p:blipFill>
+        <p:spPr>
+          <a:xfrm>
+            <a:off x="10706100" y="5790996"/>
+            <a:ext cx="1485900" cy="1067003"/>
+          </a:xfrm>
+          <a:prstGeom prst="rect">
+            <a:avLst/>
+          </a:prstGeom>
+        </p:spPr>
+      </p:pic>
+      <p:sp>
+        <p:nvSpPr>
+          <p:cNvPr id="6" name="文本框 5">
+            <a:extLst>
+              <a:ext uri="{FF2B5EF4-FFF2-40B4-BE49-F238E27FC236}">
+                <a16:creationId xmlns:a16="http://schemas.microsoft.com/office/drawing/2014/main" id="{3C25259B-F8D0-41EA-90EC-A0AC412900B4}"/>
+              </a:ext>
+            </a:extLst>
+          </p:cNvPr>
+          <p:cNvSpPr txBox="1"/>
+          <p:nvPr/>
+        </p:nvSpPr>
+        <p:spPr>
+          <a:xfrm>
+            <a:off x="1291586" y="254778"/>
+            <a:ext cx="6094520" cy="523220"/>
+          </a:xfrm>
+          <a:prstGeom prst="rect">
+            <a:avLst/>
+          </a:prstGeom>
+          <a:noFill/>
+        </p:spPr>
+        <p:txBody>
+          <a:bodyPr wrap="square">
+            <a:spAutoFit/>
+          </a:bodyPr>
+          <a:lstStyle/>
+          <a:p>
+            <a:r>
+              <a:rPr lang="zh-CN" altLang="en-US" sz="2800"/>
+              <a:t>可视化呈现</a:t>
+            </a:r>
+            <a:endParaRPr lang="en-US" altLang="zh-CN" sz="2800" dirty="0"/>
+          </a:p>
+        </p:txBody>
+      </p:sp>
+    </p:spTree>
+    <p:extLst>
+      <p:ext uri="{BB962C8B-B14F-4D97-AF65-F5344CB8AC3E}">
+        <p14:creationId xmlns:p14="http://schemas.microsoft.com/office/powerpoint/2010/main" val="3173153598"/>
       </p:ext>
     </p:extLst>
   </p:cSld>
@@ -16946,8 +19164,8 @@
         </p:nvSpPr>
         <p:spPr>
           <a:xfrm>
-            <a:off x="4385336" y="1597980"/>
-            <a:ext cx="5041765" cy="1815882"/>
+            <a:off x="3575117" y="1613118"/>
+            <a:ext cx="5041765" cy="3108543"/>
           </a:xfrm>
           <a:prstGeom prst="rect">
             <a:avLst/>
@@ -16988,13 +19206,46 @@
             </a:r>
             <a:r>
               <a:rPr lang="zh-CN" altLang="en-US" sz="2800" dirty="0"/>
-              <a:t>、全流程调度</a:t>
-            </a:r>
+              <a:t>、数仓建模</a:t>
+            </a:r>
+            <a:endParaRPr lang="en-US" altLang="zh-CN" sz="2800" dirty="0"/>
           </a:p>
           <a:p>
             <a:r>
               <a:rPr lang="en-US" altLang="zh-CN" sz="2800" dirty="0"/>
               <a:t>4</a:t>
+            </a:r>
+            <a:r>
+              <a:rPr lang="zh-CN" altLang="en-US" sz="2800" dirty="0"/>
+              <a:t>、全流程调度</a:t>
+            </a:r>
+            <a:endParaRPr lang="en-US" altLang="zh-CN" sz="2800" dirty="0"/>
+          </a:p>
+          <a:p>
+            <a:r>
+              <a:rPr lang="en-US" altLang="zh-CN" sz="2800" dirty="0"/>
+              <a:t>5</a:t>
+            </a:r>
+            <a:r>
+              <a:rPr lang="zh-CN" altLang="en-US" sz="2800" dirty="0"/>
+              <a:t>、集群监控</a:t>
+            </a:r>
+            <a:endParaRPr lang="en-US" altLang="zh-CN" sz="2800" dirty="0"/>
+          </a:p>
+          <a:p>
+            <a:r>
+              <a:rPr lang="en-US" altLang="zh-CN" sz="2800" dirty="0"/>
+              <a:t>6</a:t>
+            </a:r>
+            <a:r>
+              <a:rPr lang="zh-CN" altLang="en-US" sz="2800" dirty="0"/>
+              <a:t>、即席查询</a:t>
+            </a:r>
+          </a:p>
+          <a:p>
+            <a:r>
+              <a:rPr lang="en-US" altLang="zh-CN" sz="2800" dirty="0"/>
+              <a:t>7</a:t>
             </a:r>
             <a:r>
               <a:rPr lang="zh-CN" altLang="en-US" sz="2800" dirty="0"/>
@@ -17145,7 +19396,7 @@
         </p:nvSpPr>
         <p:spPr>
           <a:xfrm>
-            <a:off x="1291586" y="254778"/>
+            <a:off x="3688557" y="112037"/>
             <a:ext cx="6094520" cy="523220"/>
           </a:xfrm>
           <a:prstGeom prst="rect">
@@ -17161,12 +19412,72 @@
           <a:p>
             <a:r>
               <a:rPr lang="zh-CN" altLang="en-US" sz="2800" dirty="0"/>
-              <a:t>模拟数据生成</a:t>
+              <a:t>各服务器节点进程运行情况</a:t>
             </a:r>
             <a:endParaRPr lang="en-US" altLang="zh-CN" sz="2800" dirty="0"/>
           </a:p>
         </p:txBody>
       </p:sp>
+      <p:pic>
+        <p:nvPicPr>
+          <p:cNvPr id="1026" name="图片 1">
+            <a:extLst>
+              <a:ext uri="{FF2B5EF4-FFF2-40B4-BE49-F238E27FC236}">
+                <a16:creationId xmlns:a16="http://schemas.microsoft.com/office/drawing/2014/main" id="{C94CB332-F859-4098-9EDA-90540B4CB122}"/>
+              </a:ext>
+            </a:extLst>
+          </p:cNvPr>
+          <p:cNvPicPr>
+            <a:picLocks noChangeAspect="1" noChangeArrowheads="1"/>
+          </p:cNvPicPr>
+          <p:nvPr/>
+        </p:nvPicPr>
+        <p:blipFill>
+          <a:blip r:embed="rId6">
+            <a:extLst>
+              <a:ext uri="{28A0092B-C50C-407E-A947-70E740481C1C}">
+                <a14:useLocalDpi xmlns:a14="http://schemas.microsoft.com/office/drawing/2010/main" val="0"/>
+              </a:ext>
+            </a:extLst>
+          </a:blip>
+          <a:srcRect/>
+          <a:stretch>
+            <a:fillRect/>
+          </a:stretch>
+        </p:blipFill>
+        <p:spPr bwMode="auto">
+          <a:xfrm>
+            <a:off x="3838329" y="882065"/>
+            <a:ext cx="4175125" cy="5602288"/>
+          </a:xfrm>
+          <a:prstGeom prst="rect">
+            <a:avLst/>
+          </a:prstGeom>
+          <a:noFill/>
+          <a:ln>
+            <a:noFill/>
+          </a:ln>
+          <a:extLst>
+            <a:ext uri="{909E8E84-426E-40DD-AFC4-6F175D3DCCD1}">
+              <a14:hiddenFill xmlns:a14="http://schemas.microsoft.com/office/drawing/2010/main">
+                <a:solidFill>
+                  <a:srgbClr val="FFFFFF"/>
+                </a:solidFill>
+              </a14:hiddenFill>
+            </a:ext>
+            <a:ext uri="{91240B29-F687-4F45-9708-019B960494DF}">
+              <a14:hiddenLine xmlns:a14="http://schemas.microsoft.com/office/drawing/2010/main" w="9525">
+                <a:solidFill>
+                  <a:srgbClr val="000000"/>
+                </a:solidFill>
+                <a:miter lim="800000"/>
+                <a:headEnd/>
+                <a:tailEnd/>
+              </a14:hiddenLine>
+            </a:ext>
+          </a:extLst>
+        </p:spPr>
+      </p:pic>
     </p:spTree>
     <p:extLst>
       <p:ext uri="{BB962C8B-B14F-4D97-AF65-F5344CB8AC3E}">
@@ -17309,8 +19620,8 @@
         </p:nvSpPr>
         <p:spPr>
           <a:xfrm>
-            <a:off x="1291586" y="254778"/>
-            <a:ext cx="6094520" cy="523220"/>
+            <a:off x="1291585" y="254778"/>
+            <a:ext cx="8962123" cy="523220"/>
           </a:xfrm>
           <a:prstGeom prst="rect">
             <a:avLst/>
@@ -17324,17 +19635,363 @@
           <a:lstStyle/>
           <a:p>
             <a:r>
-              <a:rPr lang="zh-CN" altLang="en-US" sz="2800"/>
-              <a:t>全流程调度</a:t>
-            </a:r>
-            <a:endParaRPr lang="zh-CN" altLang="en-US" sz="2800" dirty="0"/>
+              <a:rPr lang="zh-CN" altLang="en-US" sz="2800" dirty="0"/>
+              <a:t>模拟数据生成</a:t>
+            </a:r>
+            <a:r>
+              <a:rPr lang="en-US" altLang="zh-CN" sz="2800" dirty="0"/>
+              <a:t>——</a:t>
+            </a:r>
+            <a:r>
+              <a:rPr lang="zh-CN" altLang="en-US" sz="2800" dirty="0"/>
+              <a:t>用户行为日志生成</a:t>
+            </a:r>
+            <a:endParaRPr lang="en-US" altLang="zh-CN" sz="2800" dirty="0"/>
           </a:p>
         </p:txBody>
       </p:sp>
+      <p:sp>
+        <p:nvSpPr>
+          <p:cNvPr id="2" name="Rectangle 4">
+            <a:extLst>
+              <a:ext uri="{FF2B5EF4-FFF2-40B4-BE49-F238E27FC236}">
+                <a16:creationId xmlns:a16="http://schemas.microsoft.com/office/drawing/2014/main" id="{48B84074-E029-4BB2-A886-3955655DC732}"/>
+              </a:ext>
+            </a:extLst>
+          </p:cNvPr>
+          <p:cNvSpPr>
+            <a:spLocks noChangeArrowheads="1"/>
+          </p:cNvSpPr>
+          <p:nvPr/>
+        </p:nvSpPr>
+        <p:spPr bwMode="auto">
+          <a:xfrm>
+            <a:off x="1288741" y="1120237"/>
+            <a:ext cx="9614518" cy="1477328"/>
+          </a:xfrm>
+          <a:prstGeom prst="rect">
+            <a:avLst/>
+          </a:prstGeom>
+          <a:noFill/>
+          <a:ln>
+            <a:noFill/>
+          </a:ln>
+          <a:effectLst/>
+          <a:extLst>
+            <a:ext uri="{909E8E84-426E-40DD-AFC4-6F175D3DCCD1}">
+              <a14:hiddenFill xmlns:a14="http://schemas.microsoft.com/office/drawing/2010/main">
+                <a:solidFill>
+                  <a:schemeClr val="accent1"/>
+                </a:solidFill>
+              </a14:hiddenFill>
+            </a:ext>
+            <a:ext uri="{91240B29-F687-4F45-9708-019B960494DF}">
+              <a14:hiddenLine xmlns:a14="http://schemas.microsoft.com/office/drawing/2010/main" w="9525">
+                <a:solidFill>
+                  <a:schemeClr val="tx1"/>
+                </a:solidFill>
+                <a:miter lim="800000"/>
+                <a:headEnd/>
+                <a:tailEnd/>
+              </a14:hiddenLine>
+            </a:ext>
+            <a:ext uri="{AF507438-7753-43E0-B8FC-AC1667EBCBE1}">
+              <a14:hiddenEffects xmlns:a14="http://schemas.microsoft.com/office/drawing/2010/main">
+                <a:effectLst>
+                  <a:outerShdw dist="35921" dir="2700000" algn="ctr" rotWithShape="0">
+                    <a:schemeClr val="bg2"/>
+                  </a:outerShdw>
+                </a:effectLst>
+              </a14:hiddenEffects>
+            </a:ext>
+          </a:extLst>
+        </p:spPr>
+        <p:txBody>
+          <a:bodyPr vert="horz" wrap="square" lIns="91440" tIns="45720" rIns="91440" bIns="45720" numCol="1" anchor="ctr" anchorCtr="0" compatLnSpc="1">
+            <a:prstTxWarp prst="textNoShape">
+              <a:avLst/>
+            </a:prstTxWarp>
+            <a:spAutoFit/>
+          </a:bodyPr>
+          <a:lstStyle/>
+          <a:p>
+            <a:pPr marL="0" marR="0" lvl="0" indent="0" algn="l" defTabSz="914400" rtl="0" eaLnBrk="0" fontAlgn="base" latinLnBrk="0" hangingPunct="0">
+              <a:lnSpc>
+                <a:spcPct val="100000"/>
+              </a:lnSpc>
+              <a:spcBef>
+                <a:spcPct val="0"/>
+              </a:spcBef>
+              <a:spcAft>
+                <a:spcPct val="0"/>
+              </a:spcAft>
+              <a:buClrTx/>
+              <a:buSzTx/>
+              <a:buFontTx/>
+              <a:buNone/>
+              <a:tabLst/>
+            </a:pPr>
+            <a:r>
+              <a:rPr lang="zh-CN" altLang="zh-CN" sz="2400" dirty="0">
+                <a:latin typeface="宋体" panose="02010600030101010101" pitchFamily="2" charset="-122"/>
+                <a:ea typeface="宋体" panose="02010600030101010101" pitchFamily="2" charset="-122"/>
+                <a:cs typeface="Times New Roman" panose="02020603050405020304" pitchFamily="18" charset="0"/>
+              </a:rPr>
+              <a:t>日志生成模块的文件在</a:t>
+            </a:r>
+            <a:r>
+              <a:rPr lang="en-US" altLang="zh-CN" sz="2400" dirty="0">
+                <a:latin typeface="宋体" panose="02010600030101010101" pitchFamily="2" charset="-122"/>
+                <a:ea typeface="宋体" panose="02010600030101010101" pitchFamily="2" charset="-122"/>
+                <a:cs typeface="Times New Roman" panose="02020603050405020304" pitchFamily="18" charset="0"/>
+              </a:rPr>
+              <a:t>/opt/module/</a:t>
+            </a:r>
+            <a:r>
+              <a:rPr lang="en-US" altLang="zh-CN" sz="2400" dirty="0" err="1">
+                <a:latin typeface="宋体" panose="02010600030101010101" pitchFamily="2" charset="-122"/>
+                <a:ea typeface="宋体" panose="02010600030101010101" pitchFamily="2" charset="-122"/>
+                <a:cs typeface="Times New Roman" panose="02020603050405020304" pitchFamily="18" charset="0"/>
+              </a:rPr>
+              <a:t>applog</a:t>
+            </a:r>
+            <a:r>
+              <a:rPr lang="zh-CN" altLang="en-US" sz="2400" dirty="0">
+                <a:latin typeface="宋体" panose="02010600030101010101" pitchFamily="2" charset="-122"/>
+                <a:ea typeface="宋体" panose="02010600030101010101" pitchFamily="2" charset="-122"/>
+                <a:cs typeface="Times New Roman" panose="02020603050405020304" pitchFamily="18" charset="0"/>
+              </a:rPr>
+              <a:t>目录下。</a:t>
+            </a:r>
+            <a:endParaRPr lang="en-US" altLang="zh-CN" sz="2400" dirty="0">
+              <a:latin typeface="宋体" panose="02010600030101010101" pitchFamily="2" charset="-122"/>
+              <a:ea typeface="宋体" panose="02010600030101010101" pitchFamily="2" charset="-122"/>
+              <a:cs typeface="Times New Roman" panose="02020603050405020304" pitchFamily="18" charset="0"/>
+            </a:endParaRPr>
+          </a:p>
+          <a:p>
+            <a:pPr eaLnBrk="0" fontAlgn="base" hangingPunct="0">
+              <a:spcBef>
+                <a:spcPct val="0"/>
+              </a:spcBef>
+              <a:spcAft>
+                <a:spcPct val="0"/>
+              </a:spcAft>
+            </a:pPr>
+            <a:r>
+              <a:rPr lang="zh-CN" altLang="zh-CN" sz="2400" dirty="0">
+                <a:latin typeface="宋体" panose="02010600030101010101" pitchFamily="2" charset="-122"/>
+                <a:ea typeface="宋体" panose="02010600030101010101" pitchFamily="2" charset="-122"/>
+                <a:cs typeface="Times New Roman" panose="02020603050405020304" pitchFamily="18" charset="0"/>
+              </a:rPr>
+              <a:t>只需修改业务日期后执行</a:t>
+            </a:r>
+            <a:r>
+              <a:rPr lang="en-US" altLang="zh-CN" sz="2400" dirty="0">
+                <a:latin typeface="宋体" panose="02010600030101010101" pitchFamily="2" charset="-122"/>
+                <a:ea typeface="宋体" panose="02010600030101010101" pitchFamily="2" charset="-122"/>
+                <a:cs typeface="Times New Roman" panose="02020603050405020304" pitchFamily="18" charset="0"/>
+              </a:rPr>
+              <a:t>java -jar gmall2021-mock-log.jar</a:t>
+            </a:r>
+            <a:r>
+              <a:rPr lang="zh-CN" altLang="zh-CN" sz="2400" dirty="0">
+                <a:latin typeface="宋体" panose="02010600030101010101" pitchFamily="2" charset="-122"/>
+                <a:ea typeface="宋体" panose="02010600030101010101" pitchFamily="2" charset="-122"/>
+                <a:cs typeface="Times New Roman" panose="02020603050405020304" pitchFamily="18" charset="0"/>
+              </a:rPr>
+              <a:t>即可生成指定日期的日志数据。</a:t>
+            </a:r>
+            <a:r>
+              <a:rPr lang="zh-CN" altLang="en-US" sz="2400" dirty="0">
+                <a:latin typeface="宋体" panose="02010600030101010101" pitchFamily="2" charset="-122"/>
+                <a:ea typeface="宋体" panose="02010600030101010101" pitchFamily="2" charset="-122"/>
+                <a:cs typeface="Times New Roman" panose="02020603050405020304" pitchFamily="18" charset="0"/>
+              </a:rPr>
+              <a:t>这里生成了</a:t>
+            </a:r>
+            <a:r>
+              <a:rPr lang="en-US" altLang="zh-CN" sz="2400" dirty="0">
+                <a:latin typeface="宋体" panose="02010600030101010101" pitchFamily="2" charset="-122"/>
+                <a:ea typeface="宋体" panose="02010600030101010101" pitchFamily="2" charset="-122"/>
+                <a:cs typeface="Times New Roman" panose="02020603050405020304" pitchFamily="18" charset="0"/>
+              </a:rPr>
+              <a:t>2021-08-04</a:t>
+            </a:r>
+            <a:r>
+              <a:rPr lang="zh-CN" altLang="en-US" sz="2400" dirty="0">
+                <a:latin typeface="宋体" panose="02010600030101010101" pitchFamily="2" charset="-122"/>
+                <a:ea typeface="宋体" panose="02010600030101010101" pitchFamily="2" charset="-122"/>
+                <a:cs typeface="Times New Roman" panose="02020603050405020304" pitchFamily="18" charset="0"/>
+              </a:rPr>
+              <a:t>的数据。</a:t>
+            </a:r>
+            <a:endParaRPr kumimoji="0" lang="zh-CN" altLang="en-US" sz="2400" b="0" i="0" u="none" strike="noStrike" cap="none" normalizeH="0" baseline="0" dirty="0">
+              <a:ln>
+                <a:noFill/>
+              </a:ln>
+              <a:solidFill>
+                <a:schemeClr val="tx1"/>
+              </a:solidFill>
+              <a:effectLst/>
+              <a:latin typeface="宋体" panose="02010600030101010101" pitchFamily="2" charset="-122"/>
+              <a:ea typeface="宋体" panose="02010600030101010101" pitchFamily="2" charset="-122"/>
+            </a:endParaRPr>
+          </a:p>
+          <a:p>
+            <a:pPr marL="0" marR="0" lvl="0" indent="0" algn="l" defTabSz="914400" rtl="0" eaLnBrk="0" fontAlgn="base" latinLnBrk="0" hangingPunct="0">
+              <a:lnSpc>
+                <a:spcPct val="100000"/>
+              </a:lnSpc>
+              <a:spcBef>
+                <a:spcPct val="0"/>
+              </a:spcBef>
+              <a:spcAft>
+                <a:spcPct val="0"/>
+              </a:spcAft>
+              <a:buClrTx/>
+              <a:buSzTx/>
+              <a:buFontTx/>
+              <a:buNone/>
+              <a:tabLst/>
+            </a:pPr>
+            <a:r>
+              <a:rPr kumimoji="0" lang="zh-CN" altLang="en-US" sz="1800" b="0" i="0" u="none" strike="noStrike" cap="none" normalizeH="0" baseline="0" dirty="0">
+                <a:ln>
+                  <a:noFill/>
+                </a:ln>
+                <a:solidFill>
+                  <a:schemeClr val="tx1"/>
+                </a:solidFill>
+                <a:effectLst/>
+                <a:latin typeface="Arial" panose="020B0604020202020204" pitchFamily="34" charset="0"/>
+              </a:rPr>
+              <a:t>数据存储</a:t>
+            </a:r>
+            <a:r>
+              <a:rPr lang="zh-CN" altLang="en-US" dirty="0">
+                <a:latin typeface="Arial" panose="020B0604020202020204" pitchFamily="34" charset="0"/>
+              </a:rPr>
+              <a:t>在</a:t>
+            </a:r>
+            <a:r>
+              <a:rPr lang="en-US" altLang="zh-CN" dirty="0">
+                <a:latin typeface="Arial" panose="020B0604020202020204" pitchFamily="34" charset="0"/>
+              </a:rPr>
+              <a:t>HDFS</a:t>
+            </a:r>
+            <a:r>
+              <a:rPr lang="zh-CN" altLang="en-US" dirty="0">
+                <a:latin typeface="Arial" panose="020B0604020202020204" pitchFamily="34" charset="0"/>
+              </a:rPr>
+              <a:t>上，使用</a:t>
+            </a:r>
+            <a:r>
+              <a:rPr lang="en-US" altLang="zh-CN" dirty="0" err="1">
+                <a:latin typeface="Arial" panose="020B0604020202020204" pitchFamily="34" charset="0"/>
+              </a:rPr>
+              <a:t>lzo</a:t>
+            </a:r>
+            <a:r>
+              <a:rPr lang="zh-CN" altLang="en-US" dirty="0">
+                <a:latin typeface="Arial" panose="020B0604020202020204" pitchFamily="34" charset="0"/>
+              </a:rPr>
+              <a:t>压缩。</a:t>
+            </a:r>
+            <a:endParaRPr kumimoji="0" lang="zh-CN" altLang="en-US" sz="1800" b="0" i="0" u="none" strike="noStrike" cap="none" normalizeH="0" baseline="0" dirty="0">
+              <a:ln>
+                <a:noFill/>
+              </a:ln>
+              <a:solidFill>
+                <a:schemeClr val="tx1"/>
+              </a:solidFill>
+              <a:effectLst/>
+              <a:latin typeface="Arial" panose="020B0604020202020204" pitchFamily="34" charset="0"/>
+            </a:endParaRPr>
+          </a:p>
+        </p:txBody>
+      </p:sp>
+      <p:pic>
+        <p:nvPicPr>
+          <p:cNvPr id="2051" name="图片 1">
+            <a:extLst>
+              <a:ext uri="{FF2B5EF4-FFF2-40B4-BE49-F238E27FC236}">
+                <a16:creationId xmlns:a16="http://schemas.microsoft.com/office/drawing/2014/main" id="{CEAD5167-C8DD-4B72-96A8-D9C82BE91132}"/>
+              </a:ext>
+            </a:extLst>
+          </p:cNvPr>
+          <p:cNvPicPr>
+            <a:picLocks noChangeAspect="1" noChangeArrowheads="1"/>
+          </p:cNvPicPr>
+          <p:nvPr/>
+        </p:nvPicPr>
+        <p:blipFill>
+          <a:blip r:embed="rId6">
+            <a:extLst>
+              <a:ext uri="{28A0092B-C50C-407E-A947-70E740481C1C}">
+                <a14:useLocalDpi xmlns:a14="http://schemas.microsoft.com/office/drawing/2010/main" val="0"/>
+              </a:ext>
+            </a:extLst>
+          </a:blip>
+          <a:srcRect/>
+          <a:stretch>
+            <a:fillRect/>
+          </a:stretch>
+        </p:blipFill>
+        <p:spPr bwMode="auto">
+          <a:xfrm>
+            <a:off x="2389572" y="2597565"/>
+            <a:ext cx="5762625" cy="784225"/>
+          </a:xfrm>
+          <a:prstGeom prst="rect">
+            <a:avLst/>
+          </a:prstGeom>
+          <a:noFill/>
+          <a:extLst>
+            <a:ext uri="{909E8E84-426E-40DD-AFC4-6F175D3DCCD1}">
+              <a14:hiddenFill xmlns:a14="http://schemas.microsoft.com/office/drawing/2010/main">
+                <a:solidFill>
+                  <a:srgbClr val="FFFFFF"/>
+                </a:solidFill>
+              </a14:hiddenFill>
+            </a:ext>
+          </a:extLst>
+        </p:spPr>
+      </p:pic>
+      <p:pic>
+        <p:nvPicPr>
+          <p:cNvPr id="7" name="图片 6">
+            <a:extLst>
+              <a:ext uri="{FF2B5EF4-FFF2-40B4-BE49-F238E27FC236}">
+                <a16:creationId xmlns:a16="http://schemas.microsoft.com/office/drawing/2014/main" id="{5E8372DC-BF8C-492E-A44F-44BE6687E4EB}"/>
+              </a:ext>
+            </a:extLst>
+          </p:cNvPr>
+          <p:cNvPicPr>
+            <a:picLocks noChangeAspect="1"/>
+          </p:cNvPicPr>
+          <p:nvPr/>
+        </p:nvPicPr>
+        <p:blipFill>
+          <a:blip r:embed="rId7"/>
+          <a:stretch>
+            <a:fillRect/>
+          </a:stretch>
+        </p:blipFill>
+        <p:spPr>
+          <a:xfrm>
+            <a:off x="852256" y="3616387"/>
+            <a:ext cx="9685538" cy="3067087"/>
+          </a:xfrm>
+          <a:prstGeom prst="rect">
+            <a:avLst/>
+          </a:prstGeom>
+        </p:spPr>
+      </p:pic>
     </p:spTree>
     <p:extLst>
       <p:ext uri="{BB962C8B-B14F-4D97-AF65-F5344CB8AC3E}">
-        <p14:creationId xmlns:p14="http://schemas.microsoft.com/office/powerpoint/2010/main" val="994202467"/>
+        <p14:creationId xmlns:p14="http://schemas.microsoft.com/office/powerpoint/2010/main" val="420381865"/>
       </p:ext>
     </p:extLst>
   </p:cSld>

--- a/电商离线数据仓库流程架构.pptx
+++ b/电商离线数据仓库流程架构.pptx
@@ -21,10 +21,11 @@
     <p:sldId id="274" r:id="rId15"/>
     <p:sldId id="275" r:id="rId16"/>
     <p:sldId id="276" r:id="rId17"/>
-    <p:sldId id="265" r:id="rId18"/>
-    <p:sldId id="269" r:id="rId19"/>
-    <p:sldId id="270" r:id="rId20"/>
-    <p:sldId id="271" r:id="rId21"/>
+    <p:sldId id="277" r:id="rId18"/>
+    <p:sldId id="265" r:id="rId19"/>
+    <p:sldId id="269" r:id="rId20"/>
+    <p:sldId id="270" r:id="rId21"/>
+    <p:sldId id="271" r:id="rId22"/>
   </p:sldIdLst>
   <p:sldSz cx="12192000" cy="6858000"/>
   <p:notesSz cx="6858000" cy="9144000"/>
@@ -5543,6 +5544,71 @@
           </a:p>
         </p:txBody>
       </p:sp>
+      <p:pic>
+        <p:nvPicPr>
+          <p:cNvPr id="3" name="图片 2">
+            <a:extLst>
+              <a:ext uri="{FF2B5EF4-FFF2-40B4-BE49-F238E27FC236}">
+                <a16:creationId xmlns:a16="http://schemas.microsoft.com/office/drawing/2014/main" id="{8102F552-F457-47A0-B55D-AB7E1CE9E25A}"/>
+              </a:ext>
+            </a:extLst>
+          </p:cNvPr>
+          <p:cNvPicPr>
+            <a:picLocks noChangeAspect="1"/>
+          </p:cNvPicPr>
+          <p:nvPr/>
+        </p:nvPicPr>
+        <p:blipFill>
+          <a:blip r:embed="rId6"/>
+          <a:stretch>
+            <a:fillRect/>
+          </a:stretch>
+        </p:blipFill>
+        <p:spPr>
+          <a:xfrm>
+            <a:off x="0" y="881033"/>
+            <a:ext cx="12192000" cy="5646348"/>
+          </a:xfrm>
+          <a:prstGeom prst="rect">
+            <a:avLst/>
+          </a:prstGeom>
+        </p:spPr>
+      </p:pic>
+      <p:sp>
+        <p:nvSpPr>
+          <p:cNvPr id="7" name="文本框 6">
+            <a:extLst>
+              <a:ext uri="{FF2B5EF4-FFF2-40B4-BE49-F238E27FC236}">
+                <a16:creationId xmlns:a16="http://schemas.microsoft.com/office/drawing/2014/main" id="{C7345099-31EF-44DA-9D6B-F887C86005E4}"/>
+              </a:ext>
+            </a:extLst>
+          </p:cNvPr>
+          <p:cNvSpPr txBox="1"/>
+          <p:nvPr/>
+        </p:nvSpPr>
+        <p:spPr>
+          <a:xfrm>
+            <a:off x="10475280" y="198841"/>
+            <a:ext cx="1107996" cy="369332"/>
+          </a:xfrm>
+          <a:prstGeom prst="rect">
+            <a:avLst/>
+          </a:prstGeom>
+          <a:noFill/>
+        </p:spPr>
+        <p:txBody>
+          <a:bodyPr wrap="none" rtlCol="0">
+            <a:spAutoFit/>
+          </a:bodyPr>
+          <a:lstStyle/>
+          <a:p>
+            <a:r>
+              <a:rPr lang="zh-CN" altLang="en-US" dirty="0"/>
+              <a:t>执行成功</a:t>
+            </a:r>
+          </a:p>
+        </p:txBody>
+      </p:sp>
     </p:spTree>
     <p:extLst>
       <p:ext uri="{BB962C8B-B14F-4D97-AF65-F5344CB8AC3E}">
@@ -5685,7 +5751,7 @@
         </p:nvSpPr>
         <p:spPr>
           <a:xfrm>
-            <a:off x="1291586" y="254778"/>
+            <a:off x="1291586" y="127389"/>
             <a:ext cx="6094520" cy="523220"/>
           </a:xfrm>
           <a:prstGeom prst="rect">
@@ -5700,17 +5766,86 @@
           <a:lstStyle/>
           <a:p>
             <a:r>
-              <a:rPr lang="zh-CN" altLang="en-US" sz="2800"/>
-              <a:t>可视化呈现</a:t>
-            </a:r>
-            <a:endParaRPr lang="en-US" altLang="zh-CN" sz="2800" dirty="0"/>
+              <a:rPr lang="zh-CN" altLang="en-US" sz="2800" dirty="0"/>
+              <a:t>全流程调度</a:t>
+            </a:r>
+            <a:r>
+              <a:rPr lang="en-US" altLang="zh-CN" sz="2800" dirty="0"/>
+              <a:t>——Azkaban</a:t>
+            </a:r>
+            <a:endParaRPr lang="zh-CN" altLang="en-US" sz="2800" dirty="0"/>
           </a:p>
         </p:txBody>
       </p:sp>
+      <p:sp>
+        <p:nvSpPr>
+          <p:cNvPr id="7" name="文本框 6">
+            <a:extLst>
+              <a:ext uri="{FF2B5EF4-FFF2-40B4-BE49-F238E27FC236}">
+                <a16:creationId xmlns:a16="http://schemas.microsoft.com/office/drawing/2014/main" id="{C7345099-31EF-44DA-9D6B-F887C86005E4}"/>
+              </a:ext>
+            </a:extLst>
+          </p:cNvPr>
+          <p:cNvSpPr txBox="1"/>
+          <p:nvPr/>
+        </p:nvSpPr>
+        <p:spPr>
+          <a:xfrm>
+            <a:off x="10475280" y="198841"/>
+            <a:ext cx="1107996" cy="369332"/>
+          </a:xfrm>
+          <a:prstGeom prst="rect">
+            <a:avLst/>
+          </a:prstGeom>
+          <a:noFill/>
+        </p:spPr>
+        <p:txBody>
+          <a:bodyPr wrap="none" rtlCol="0">
+            <a:spAutoFit/>
+          </a:bodyPr>
+          <a:lstStyle/>
+          <a:p>
+            <a:r>
+              <a:rPr lang="zh-CN" altLang="en-US" dirty="0"/>
+              <a:t>执行情况</a:t>
+            </a:r>
+          </a:p>
+        </p:txBody>
+      </p:sp>
+      <p:pic>
+        <p:nvPicPr>
+          <p:cNvPr id="8" name="图片 7">
+            <a:extLst>
+              <a:ext uri="{FF2B5EF4-FFF2-40B4-BE49-F238E27FC236}">
+                <a16:creationId xmlns:a16="http://schemas.microsoft.com/office/drawing/2014/main" id="{B6EF8B9E-F7DB-43BF-BE2D-4CC1C3436D31}"/>
+              </a:ext>
+            </a:extLst>
+          </p:cNvPr>
+          <p:cNvPicPr>
+            <a:picLocks noChangeAspect="1"/>
+          </p:cNvPicPr>
+          <p:nvPr/>
+        </p:nvPicPr>
+        <p:blipFill>
+          <a:blip r:embed="rId6"/>
+          <a:stretch>
+            <a:fillRect/>
+          </a:stretch>
+        </p:blipFill>
+        <p:spPr>
+          <a:xfrm>
+            <a:off x="0" y="872169"/>
+            <a:ext cx="12192000" cy="5575300"/>
+          </a:xfrm>
+          <a:prstGeom prst="rect">
+            <a:avLst/>
+          </a:prstGeom>
+        </p:spPr>
+      </p:pic>
     </p:spTree>
     <p:extLst>
       <p:ext uri="{BB962C8B-B14F-4D97-AF65-F5344CB8AC3E}">
-        <p14:creationId xmlns:p14="http://schemas.microsoft.com/office/powerpoint/2010/main" val="1850238111"/>
+        <p14:creationId xmlns:p14="http://schemas.microsoft.com/office/powerpoint/2010/main" val="3489812493"/>
       </p:ext>
     </p:extLst>
   </p:cSld>
@@ -5874,7 +6009,7 @@
     </p:spTree>
     <p:extLst>
       <p:ext uri="{BB962C8B-B14F-4D97-AF65-F5344CB8AC3E}">
-        <p14:creationId xmlns:p14="http://schemas.microsoft.com/office/powerpoint/2010/main" val="2562086993"/>
+        <p14:creationId xmlns:p14="http://schemas.microsoft.com/office/powerpoint/2010/main" val="1850238111"/>
       </p:ext>
     </p:extLst>
   </p:cSld>
@@ -6038,7 +6173,7 @@
     </p:spTree>
     <p:extLst>
       <p:ext uri="{BB962C8B-B14F-4D97-AF65-F5344CB8AC3E}">
-        <p14:creationId xmlns:p14="http://schemas.microsoft.com/office/powerpoint/2010/main" val="2528840581"/>
+        <p14:creationId xmlns:p14="http://schemas.microsoft.com/office/powerpoint/2010/main" val="2562086993"/>
       </p:ext>
     </p:extLst>
   </p:cSld>
@@ -6356,6 +6491,170 @@
 </file>
 
 <file path=ppt/slides/slide20.xml><?xml version="1.0" encoding="utf-8"?>
+<p:sld xmlns:a="http://schemas.openxmlformats.org/drawingml/2006/main" xmlns:r="http://schemas.openxmlformats.org/officeDocument/2006/relationships" xmlns:p="http://schemas.openxmlformats.org/presentationml/2006/main">
+  <p:cSld>
+    <p:spTree>
+      <p:nvGrpSpPr>
+        <p:cNvPr id="1" name=""/>
+        <p:cNvGrpSpPr/>
+        <p:nvPr/>
+      </p:nvGrpSpPr>
+      <p:grpSpPr>
+        <a:xfrm>
+          <a:off x="0" y="0"/>
+          <a:ext cx="0" cy="0"/>
+          <a:chOff x="0" y="0"/>
+          <a:chExt cx="0" cy="0"/>
+        </a:xfrm>
+      </p:grpSpPr>
+      <p:pic>
+        <p:nvPicPr>
+          <p:cNvPr id="4" name="图片 3">
+            <a:extLst>
+              <a:ext uri="{FF2B5EF4-FFF2-40B4-BE49-F238E27FC236}">
+                <a16:creationId xmlns:a16="http://schemas.microsoft.com/office/drawing/2014/main" id="{91CCA718-5106-4C41-90B5-A46705790D51}"/>
+              </a:ext>
+            </a:extLst>
+          </p:cNvPr>
+          <p:cNvPicPr>
+            <a:picLocks noChangeAspect="1"/>
+          </p:cNvPicPr>
+          <p:nvPr/>
+        </p:nvPicPr>
+        <p:blipFill rotWithShape="1">
+          <a:blip r:embed="rId2" cstate="print">
+            <a:extLst>
+              <a:ext uri="{BEBA8EAE-BF5A-486C-A8C5-ECC9F3942E4B}">
+                <a14:imgProps xmlns:a14="http://schemas.microsoft.com/office/drawing/2010/main">
+                  <a14:imgLayer r:embed="rId3">
+                    <a14:imgEffect>
+                      <a14:backgroundRemoval t="0" b="64834" l="0" r="52450"/>
+                    </a14:imgEffect>
+                  </a14:imgLayer>
+                </a14:imgProps>
+              </a:ext>
+              <a:ext uri="{28A0092B-C50C-407E-A947-70E740481C1C}">
+                <a14:useLocalDpi xmlns:a14="http://schemas.microsoft.com/office/drawing/2010/main" val="0"/>
+              </a:ext>
+            </a:extLst>
+          </a:blip>
+          <a:srcRect l="4796" t="7905" r="68334" b="39870"/>
+          <a:stretch>
+            <a:fillRect/>
+          </a:stretch>
+        </p:blipFill>
+        <p:spPr>
+          <a:xfrm>
+            <a:off x="0" y="0"/>
+            <a:ext cx="1291586" cy="1498600"/>
+          </a:xfrm>
+          <a:prstGeom prst="rect">
+            <a:avLst/>
+          </a:prstGeom>
+        </p:spPr>
+      </p:pic>
+      <p:pic>
+        <p:nvPicPr>
+          <p:cNvPr id="5" name="图片 4">
+            <a:extLst>
+              <a:ext uri="{FF2B5EF4-FFF2-40B4-BE49-F238E27FC236}">
+                <a16:creationId xmlns:a16="http://schemas.microsoft.com/office/drawing/2014/main" id="{1EB09952-A6B7-4985-A73F-B21B94CD0383}"/>
+              </a:ext>
+            </a:extLst>
+          </p:cNvPr>
+          <p:cNvPicPr>
+            <a:picLocks noChangeAspect="1"/>
+          </p:cNvPicPr>
+          <p:nvPr/>
+        </p:nvPicPr>
+        <p:blipFill rotWithShape="1">
+          <a:blip r:embed="rId4" cstate="print">
+            <a:extLst>
+              <a:ext uri="{BEBA8EAE-BF5A-486C-A8C5-ECC9F3942E4B}">
+                <a14:imgProps xmlns:a14="http://schemas.microsoft.com/office/drawing/2010/main">
+                  <a14:imgLayer r:embed="rId5">
+                    <a14:imgEffect>
+                      <a14:backgroundRemoval t="45230" b="100000" l="56481" r="100000">
+                        <a14:foregroundMark x1="99638" y1="46483" x2="99928" y2="91512"/>
+                        <a14:foregroundMark x1="97852" y1="46160" x2="82694" y2="71584"/>
+                        <a14:foregroundMark x1="80908" y1="70493" x2="57229" y2="98868"/>
+                        <a14:foregroundMark x1="96259" y1="47251" x2="81101" y2="68270"/>
+                        <a14:foregroundMark x1="65749" y1="82862" x2="59015" y2="99636"/>
+                      </a14:backgroundRemoval>
+                    </a14:imgEffect>
+                  </a14:imgLayer>
+                </a14:imgProps>
+              </a:ext>
+              <a:ext uri="{28A0092B-C50C-407E-A947-70E740481C1C}">
+                <a14:useLocalDpi xmlns:a14="http://schemas.microsoft.com/office/drawing/2010/main" val="0"/>
+              </a:ext>
+            </a:extLst>
+          </a:blip>
+          <a:srcRect l="59472" t="50250" r="5326" b="7406"/>
+          <a:stretch>
+            <a:fillRect/>
+          </a:stretch>
+        </p:blipFill>
+        <p:spPr>
+          <a:xfrm>
+            <a:off x="10706100" y="5790996"/>
+            <a:ext cx="1485900" cy="1067003"/>
+          </a:xfrm>
+          <a:prstGeom prst="rect">
+            <a:avLst/>
+          </a:prstGeom>
+        </p:spPr>
+      </p:pic>
+      <p:sp>
+        <p:nvSpPr>
+          <p:cNvPr id="6" name="文本框 5">
+            <a:extLst>
+              <a:ext uri="{FF2B5EF4-FFF2-40B4-BE49-F238E27FC236}">
+                <a16:creationId xmlns:a16="http://schemas.microsoft.com/office/drawing/2014/main" id="{3C25259B-F8D0-41EA-90EC-A0AC412900B4}"/>
+              </a:ext>
+            </a:extLst>
+          </p:cNvPr>
+          <p:cNvSpPr txBox="1"/>
+          <p:nvPr/>
+        </p:nvSpPr>
+        <p:spPr>
+          <a:xfrm>
+            <a:off x="1291586" y="254778"/>
+            <a:ext cx="6094520" cy="523220"/>
+          </a:xfrm>
+          <a:prstGeom prst="rect">
+            <a:avLst/>
+          </a:prstGeom>
+          <a:noFill/>
+        </p:spPr>
+        <p:txBody>
+          <a:bodyPr wrap="square">
+            <a:spAutoFit/>
+          </a:bodyPr>
+          <a:lstStyle/>
+          <a:p>
+            <a:r>
+              <a:rPr lang="zh-CN" altLang="en-US" sz="2800"/>
+              <a:t>可视化呈现</a:t>
+            </a:r>
+            <a:endParaRPr lang="en-US" altLang="zh-CN" sz="2800" dirty="0"/>
+          </a:p>
+        </p:txBody>
+      </p:sp>
+    </p:spTree>
+    <p:extLst>
+      <p:ext uri="{BB962C8B-B14F-4D97-AF65-F5344CB8AC3E}">
+        <p14:creationId xmlns:p14="http://schemas.microsoft.com/office/powerpoint/2010/main" val="2528840581"/>
+      </p:ext>
+    </p:extLst>
+  </p:cSld>
+  <p:clrMapOvr>
+    <a:masterClrMapping/>
+  </p:clrMapOvr>
+</p:sld>
+</file>
+
+<file path=ppt/slides/slide21.xml><?xml version="1.0" encoding="utf-8"?>
 <p:sld xmlns:a="http://schemas.openxmlformats.org/drawingml/2006/main" xmlns:r="http://schemas.openxmlformats.org/officeDocument/2006/relationships" xmlns:p="http://schemas.openxmlformats.org/presentationml/2006/main">
   <p:cSld>
     <p:spTree>

--- a/电商离线数据仓库流程架构.pptx
+++ b/电商离线数据仓库流程架构.pptx
@@ -22,10 +22,11 @@
     <p:sldId id="275" r:id="rId16"/>
     <p:sldId id="276" r:id="rId17"/>
     <p:sldId id="277" r:id="rId18"/>
-    <p:sldId id="265" r:id="rId19"/>
-    <p:sldId id="269" r:id="rId20"/>
-    <p:sldId id="270" r:id="rId21"/>
-    <p:sldId id="271" r:id="rId22"/>
+    <p:sldId id="278" r:id="rId19"/>
+    <p:sldId id="265" r:id="rId20"/>
+    <p:sldId id="269" r:id="rId21"/>
+    <p:sldId id="270" r:id="rId22"/>
+    <p:sldId id="271" r:id="rId23"/>
   </p:sldIdLst>
   <p:sldSz cx="12192000" cy="6858000"/>
   <p:notesSz cx="6858000" cy="9144000"/>
@@ -279,7 +280,7 @@
           <a:p>
             <a:fld id="{1129E15B-970B-47A3-8C8F-22DF97A0F1AB}" type="datetimeFigureOut">
               <a:rPr lang="zh-CN" altLang="en-US" smtClean="0"/>
-              <a:t>2022/1/24</a:t>
+              <a:t>2022/1/26</a:t>
             </a:fld>
             <a:endParaRPr lang="zh-CN" altLang="en-US"/>
           </a:p>
@@ -477,7 +478,7 @@
           <a:p>
             <a:fld id="{1129E15B-970B-47A3-8C8F-22DF97A0F1AB}" type="datetimeFigureOut">
               <a:rPr lang="zh-CN" altLang="en-US" smtClean="0"/>
-              <a:t>2022/1/24</a:t>
+              <a:t>2022/1/26</a:t>
             </a:fld>
             <a:endParaRPr lang="zh-CN" altLang="en-US"/>
           </a:p>
@@ -685,7 +686,7 @@
           <a:p>
             <a:fld id="{1129E15B-970B-47A3-8C8F-22DF97A0F1AB}" type="datetimeFigureOut">
               <a:rPr lang="zh-CN" altLang="en-US" smtClean="0"/>
-              <a:t>2022/1/24</a:t>
+              <a:t>2022/1/26</a:t>
             </a:fld>
             <a:endParaRPr lang="zh-CN" altLang="en-US"/>
           </a:p>
@@ -883,7 +884,7 @@
           <a:p>
             <a:fld id="{1129E15B-970B-47A3-8C8F-22DF97A0F1AB}" type="datetimeFigureOut">
               <a:rPr lang="zh-CN" altLang="en-US" smtClean="0"/>
-              <a:t>2022/1/24</a:t>
+              <a:t>2022/1/26</a:t>
             </a:fld>
             <a:endParaRPr lang="zh-CN" altLang="en-US"/>
           </a:p>
@@ -1158,7 +1159,7 @@
           <a:p>
             <a:fld id="{1129E15B-970B-47A3-8C8F-22DF97A0F1AB}" type="datetimeFigureOut">
               <a:rPr lang="zh-CN" altLang="en-US" smtClean="0"/>
-              <a:t>2022/1/24</a:t>
+              <a:t>2022/1/26</a:t>
             </a:fld>
             <a:endParaRPr lang="zh-CN" altLang="en-US"/>
           </a:p>
@@ -1423,7 +1424,7 @@
           <a:p>
             <a:fld id="{1129E15B-970B-47A3-8C8F-22DF97A0F1AB}" type="datetimeFigureOut">
               <a:rPr lang="zh-CN" altLang="en-US" smtClean="0"/>
-              <a:t>2022/1/24</a:t>
+              <a:t>2022/1/26</a:t>
             </a:fld>
             <a:endParaRPr lang="zh-CN" altLang="en-US"/>
           </a:p>
@@ -1835,7 +1836,7 @@
           <a:p>
             <a:fld id="{1129E15B-970B-47A3-8C8F-22DF97A0F1AB}" type="datetimeFigureOut">
               <a:rPr lang="zh-CN" altLang="en-US" smtClean="0"/>
-              <a:t>2022/1/24</a:t>
+              <a:t>2022/1/26</a:t>
             </a:fld>
             <a:endParaRPr lang="zh-CN" altLang="en-US"/>
           </a:p>
@@ -1976,7 +1977,7 @@
           <a:p>
             <a:fld id="{1129E15B-970B-47A3-8C8F-22DF97A0F1AB}" type="datetimeFigureOut">
               <a:rPr lang="zh-CN" altLang="en-US" smtClean="0"/>
-              <a:t>2022/1/24</a:t>
+              <a:t>2022/1/26</a:t>
             </a:fld>
             <a:endParaRPr lang="zh-CN" altLang="en-US"/>
           </a:p>
@@ -2089,7 +2090,7 @@
           <a:p>
             <a:fld id="{1129E15B-970B-47A3-8C8F-22DF97A0F1AB}" type="datetimeFigureOut">
               <a:rPr lang="zh-CN" altLang="en-US" smtClean="0"/>
-              <a:t>2022/1/24</a:t>
+              <a:t>2022/1/26</a:t>
             </a:fld>
             <a:endParaRPr lang="zh-CN" altLang="en-US"/>
           </a:p>
@@ -2400,7 +2401,7 @@
           <a:p>
             <a:fld id="{1129E15B-970B-47A3-8C8F-22DF97A0F1AB}" type="datetimeFigureOut">
               <a:rPr lang="zh-CN" altLang="en-US" smtClean="0"/>
-              <a:t>2022/1/24</a:t>
+              <a:t>2022/1/26</a:t>
             </a:fld>
             <a:endParaRPr lang="zh-CN" altLang="en-US"/>
           </a:p>
@@ -2688,7 +2689,7 @@
           <a:p>
             <a:fld id="{1129E15B-970B-47A3-8C8F-22DF97A0F1AB}" type="datetimeFigureOut">
               <a:rPr lang="zh-CN" altLang="en-US" smtClean="0"/>
-              <a:t>2022/1/24</a:t>
+              <a:t>2022/1/26</a:t>
             </a:fld>
             <a:endParaRPr lang="zh-CN" altLang="en-US"/>
           </a:p>
@@ -2929,7 +2930,7 @@
           <a:p>
             <a:fld id="{1129E15B-970B-47A3-8C8F-22DF97A0F1AB}" type="datetimeFigureOut">
               <a:rPr lang="zh-CN" altLang="en-US" smtClean="0"/>
-              <a:t>2022/1/24</a:t>
+              <a:t>2022/1/26</a:t>
             </a:fld>
             <a:endParaRPr lang="zh-CN" altLang="en-US"/>
           </a:p>
@@ -3655,8 +3656,12 @@
           <a:lstStyle/>
           <a:p>
             <a:r>
+              <a:rPr lang="en-US" altLang="zh-CN" sz="2800" dirty="0"/>
+              <a:t>2</a:t>
+            </a:r>
+            <a:r>
               <a:rPr lang="zh-CN" altLang="en-US" sz="2800" dirty="0"/>
-              <a:t>模拟数据生成</a:t>
+              <a:t>、模拟数据生成</a:t>
             </a:r>
             <a:r>
               <a:rPr lang="en-US" altLang="zh-CN" sz="2800" dirty="0"/>
@@ -4149,8 +4154,12 @@
           <a:lstStyle/>
           <a:p>
             <a:r>
+              <a:rPr lang="en-US" altLang="zh-CN" sz="2800" dirty="0"/>
+              <a:t>3</a:t>
+            </a:r>
+            <a:r>
               <a:rPr lang="zh-CN" altLang="en-US" sz="2800" dirty="0"/>
-              <a:t>数仓建模</a:t>
+              <a:t>、数仓建模</a:t>
             </a:r>
             <a:endParaRPr lang="en-US" altLang="zh-CN" sz="2800" dirty="0"/>
           </a:p>
@@ -4671,8 +4680,12 @@
           <a:lstStyle/>
           <a:p>
             <a:r>
+              <a:rPr lang="en-US" altLang="zh-CN" sz="2800" dirty="0"/>
+              <a:t>4</a:t>
+            </a:r>
+            <a:r>
               <a:rPr lang="zh-CN" altLang="en-US" sz="2800" dirty="0"/>
-              <a:t>全流程调度</a:t>
+              <a:t>、全流程调度</a:t>
             </a:r>
             <a:r>
               <a:rPr lang="en-US" altLang="zh-CN" sz="2800" dirty="0"/>
@@ -4869,8 +4882,12 @@
           <a:lstStyle/>
           <a:p>
             <a:r>
+              <a:rPr lang="en-US" altLang="zh-CN" sz="2800" dirty="0"/>
+              <a:t>4</a:t>
+            </a:r>
+            <a:r>
               <a:rPr lang="zh-CN" altLang="en-US" sz="2800" dirty="0"/>
-              <a:t>全流程调度</a:t>
+              <a:t>、全流程调度</a:t>
             </a:r>
             <a:r>
               <a:rPr lang="en-US" altLang="zh-CN" sz="2800" dirty="0"/>
@@ -5067,8 +5084,12 @@
           <a:lstStyle/>
           <a:p>
             <a:r>
+              <a:rPr lang="en-US" altLang="zh-CN" sz="2800" dirty="0"/>
+              <a:t>4</a:t>
+            </a:r>
+            <a:r>
               <a:rPr lang="zh-CN" altLang="en-US" sz="2800" dirty="0"/>
-              <a:t>全流程调度</a:t>
+              <a:t>、全流程调度</a:t>
             </a:r>
             <a:r>
               <a:rPr lang="en-US" altLang="zh-CN" sz="2800" dirty="0"/>
@@ -5300,8 +5321,12 @@
           <a:lstStyle/>
           <a:p>
             <a:r>
+              <a:rPr lang="en-US" altLang="zh-CN" sz="2800" dirty="0"/>
+              <a:t>4</a:t>
+            </a:r>
+            <a:r>
               <a:rPr lang="zh-CN" altLang="en-US" sz="2800" dirty="0"/>
-              <a:t>全流程调度</a:t>
+              <a:t>、全流程调度</a:t>
             </a:r>
             <a:r>
               <a:rPr lang="en-US" altLang="zh-CN" sz="2800" dirty="0"/>
@@ -5533,8 +5558,12 @@
           <a:lstStyle/>
           <a:p>
             <a:r>
+              <a:rPr lang="en-US" altLang="zh-CN" sz="2800" dirty="0"/>
+              <a:t>4</a:t>
+            </a:r>
+            <a:r>
               <a:rPr lang="zh-CN" altLang="en-US" sz="2800" dirty="0"/>
-              <a:t>全流程调度</a:t>
+              <a:t>、全流程调度</a:t>
             </a:r>
             <a:r>
               <a:rPr lang="en-US" altLang="zh-CN" sz="2800" dirty="0"/>
@@ -5766,8 +5795,12 @@
           <a:lstStyle/>
           <a:p>
             <a:r>
+              <a:rPr lang="en-US" altLang="zh-CN" sz="2800" dirty="0"/>
+              <a:t>4</a:t>
+            </a:r>
+            <a:r>
               <a:rPr lang="zh-CN" altLang="en-US" sz="2800" dirty="0"/>
-              <a:t>全流程调度</a:t>
+              <a:t>、全流程调度</a:t>
             </a:r>
             <a:r>
               <a:rPr lang="en-US" altLang="zh-CN" sz="2800" dirty="0"/>
@@ -5999,8 +6032,16 @@
           <a:lstStyle/>
           <a:p>
             <a:r>
-              <a:rPr lang="zh-CN" altLang="en-US" sz="2800"/>
-              <a:t>可视化呈现</a:t>
+              <a:rPr lang="en-US" altLang="zh-CN" sz="2800" dirty="0"/>
+              <a:t>5</a:t>
+            </a:r>
+            <a:r>
+              <a:rPr lang="zh-CN" altLang="en-US" sz="2800" dirty="0"/>
+              <a:t>、集群监控</a:t>
+            </a:r>
+            <a:r>
+              <a:rPr lang="en-US" altLang="zh-CN" sz="2800"/>
+              <a:t>——</a:t>
             </a:r>
             <a:endParaRPr lang="en-US" altLang="zh-CN" sz="2800" dirty="0"/>
           </a:p>
@@ -6009,7 +6050,7 @@
     </p:spTree>
     <p:extLst>
       <p:ext uri="{BB962C8B-B14F-4D97-AF65-F5344CB8AC3E}">
-        <p14:creationId xmlns:p14="http://schemas.microsoft.com/office/powerpoint/2010/main" val="1850238111"/>
+        <p14:creationId xmlns:p14="http://schemas.microsoft.com/office/powerpoint/2010/main" val="1563032952"/>
       </p:ext>
     </p:extLst>
   </p:cSld>
@@ -6173,7 +6214,7 @@
     </p:spTree>
     <p:extLst>
       <p:ext uri="{BB962C8B-B14F-4D97-AF65-F5344CB8AC3E}">
-        <p14:creationId xmlns:p14="http://schemas.microsoft.com/office/powerpoint/2010/main" val="2562086993"/>
+        <p14:creationId xmlns:p14="http://schemas.microsoft.com/office/powerpoint/2010/main" val="1850238111"/>
       </p:ext>
     </p:extLst>
   </p:cSld>
@@ -6644,6 +6685,170 @@
     </p:spTree>
     <p:extLst>
       <p:ext uri="{BB962C8B-B14F-4D97-AF65-F5344CB8AC3E}">
+        <p14:creationId xmlns:p14="http://schemas.microsoft.com/office/powerpoint/2010/main" val="2562086993"/>
+      </p:ext>
+    </p:extLst>
+  </p:cSld>
+  <p:clrMapOvr>
+    <a:masterClrMapping/>
+  </p:clrMapOvr>
+</p:sld>
+</file>
+
+<file path=ppt/slides/slide21.xml><?xml version="1.0" encoding="utf-8"?>
+<p:sld xmlns:a="http://schemas.openxmlformats.org/drawingml/2006/main" xmlns:r="http://schemas.openxmlformats.org/officeDocument/2006/relationships" xmlns:p="http://schemas.openxmlformats.org/presentationml/2006/main">
+  <p:cSld>
+    <p:spTree>
+      <p:nvGrpSpPr>
+        <p:cNvPr id="1" name=""/>
+        <p:cNvGrpSpPr/>
+        <p:nvPr/>
+      </p:nvGrpSpPr>
+      <p:grpSpPr>
+        <a:xfrm>
+          <a:off x="0" y="0"/>
+          <a:ext cx="0" cy="0"/>
+          <a:chOff x="0" y="0"/>
+          <a:chExt cx="0" cy="0"/>
+        </a:xfrm>
+      </p:grpSpPr>
+      <p:pic>
+        <p:nvPicPr>
+          <p:cNvPr id="4" name="图片 3">
+            <a:extLst>
+              <a:ext uri="{FF2B5EF4-FFF2-40B4-BE49-F238E27FC236}">
+                <a16:creationId xmlns:a16="http://schemas.microsoft.com/office/drawing/2014/main" id="{91CCA718-5106-4C41-90B5-A46705790D51}"/>
+              </a:ext>
+            </a:extLst>
+          </p:cNvPr>
+          <p:cNvPicPr>
+            <a:picLocks noChangeAspect="1"/>
+          </p:cNvPicPr>
+          <p:nvPr/>
+        </p:nvPicPr>
+        <p:blipFill rotWithShape="1">
+          <a:blip r:embed="rId2" cstate="print">
+            <a:extLst>
+              <a:ext uri="{BEBA8EAE-BF5A-486C-A8C5-ECC9F3942E4B}">
+                <a14:imgProps xmlns:a14="http://schemas.microsoft.com/office/drawing/2010/main">
+                  <a14:imgLayer r:embed="rId3">
+                    <a14:imgEffect>
+                      <a14:backgroundRemoval t="0" b="64834" l="0" r="52450"/>
+                    </a14:imgEffect>
+                  </a14:imgLayer>
+                </a14:imgProps>
+              </a:ext>
+              <a:ext uri="{28A0092B-C50C-407E-A947-70E740481C1C}">
+                <a14:useLocalDpi xmlns:a14="http://schemas.microsoft.com/office/drawing/2010/main" val="0"/>
+              </a:ext>
+            </a:extLst>
+          </a:blip>
+          <a:srcRect l="4796" t="7905" r="68334" b="39870"/>
+          <a:stretch>
+            <a:fillRect/>
+          </a:stretch>
+        </p:blipFill>
+        <p:spPr>
+          <a:xfrm>
+            <a:off x="0" y="0"/>
+            <a:ext cx="1291586" cy="1498600"/>
+          </a:xfrm>
+          <a:prstGeom prst="rect">
+            <a:avLst/>
+          </a:prstGeom>
+        </p:spPr>
+      </p:pic>
+      <p:pic>
+        <p:nvPicPr>
+          <p:cNvPr id="5" name="图片 4">
+            <a:extLst>
+              <a:ext uri="{FF2B5EF4-FFF2-40B4-BE49-F238E27FC236}">
+                <a16:creationId xmlns:a16="http://schemas.microsoft.com/office/drawing/2014/main" id="{1EB09952-A6B7-4985-A73F-B21B94CD0383}"/>
+              </a:ext>
+            </a:extLst>
+          </p:cNvPr>
+          <p:cNvPicPr>
+            <a:picLocks noChangeAspect="1"/>
+          </p:cNvPicPr>
+          <p:nvPr/>
+        </p:nvPicPr>
+        <p:blipFill rotWithShape="1">
+          <a:blip r:embed="rId4" cstate="print">
+            <a:extLst>
+              <a:ext uri="{BEBA8EAE-BF5A-486C-A8C5-ECC9F3942E4B}">
+                <a14:imgProps xmlns:a14="http://schemas.microsoft.com/office/drawing/2010/main">
+                  <a14:imgLayer r:embed="rId5">
+                    <a14:imgEffect>
+                      <a14:backgroundRemoval t="45230" b="100000" l="56481" r="100000">
+                        <a14:foregroundMark x1="99638" y1="46483" x2="99928" y2="91512"/>
+                        <a14:foregroundMark x1="97852" y1="46160" x2="82694" y2="71584"/>
+                        <a14:foregroundMark x1="80908" y1="70493" x2="57229" y2="98868"/>
+                        <a14:foregroundMark x1="96259" y1="47251" x2="81101" y2="68270"/>
+                        <a14:foregroundMark x1="65749" y1="82862" x2="59015" y2="99636"/>
+                      </a14:backgroundRemoval>
+                    </a14:imgEffect>
+                  </a14:imgLayer>
+                </a14:imgProps>
+              </a:ext>
+              <a:ext uri="{28A0092B-C50C-407E-A947-70E740481C1C}">
+                <a14:useLocalDpi xmlns:a14="http://schemas.microsoft.com/office/drawing/2010/main" val="0"/>
+              </a:ext>
+            </a:extLst>
+          </a:blip>
+          <a:srcRect l="59472" t="50250" r="5326" b="7406"/>
+          <a:stretch>
+            <a:fillRect/>
+          </a:stretch>
+        </p:blipFill>
+        <p:spPr>
+          <a:xfrm>
+            <a:off x="10706100" y="5790996"/>
+            <a:ext cx="1485900" cy="1067003"/>
+          </a:xfrm>
+          <a:prstGeom prst="rect">
+            <a:avLst/>
+          </a:prstGeom>
+        </p:spPr>
+      </p:pic>
+      <p:sp>
+        <p:nvSpPr>
+          <p:cNvPr id="6" name="文本框 5">
+            <a:extLst>
+              <a:ext uri="{FF2B5EF4-FFF2-40B4-BE49-F238E27FC236}">
+                <a16:creationId xmlns:a16="http://schemas.microsoft.com/office/drawing/2014/main" id="{3C25259B-F8D0-41EA-90EC-A0AC412900B4}"/>
+              </a:ext>
+            </a:extLst>
+          </p:cNvPr>
+          <p:cNvSpPr txBox="1"/>
+          <p:nvPr/>
+        </p:nvSpPr>
+        <p:spPr>
+          <a:xfrm>
+            <a:off x="1291586" y="254778"/>
+            <a:ext cx="6094520" cy="523220"/>
+          </a:xfrm>
+          <a:prstGeom prst="rect">
+            <a:avLst/>
+          </a:prstGeom>
+          <a:noFill/>
+        </p:spPr>
+        <p:txBody>
+          <a:bodyPr wrap="square">
+            <a:spAutoFit/>
+          </a:bodyPr>
+          <a:lstStyle/>
+          <a:p>
+            <a:r>
+              <a:rPr lang="zh-CN" altLang="en-US" sz="2800"/>
+              <a:t>可视化呈现</a:t>
+            </a:r>
+            <a:endParaRPr lang="en-US" altLang="zh-CN" sz="2800" dirty="0"/>
+          </a:p>
+        </p:txBody>
+      </p:sp>
+    </p:spTree>
+    <p:extLst>
+      <p:ext uri="{BB962C8B-B14F-4D97-AF65-F5344CB8AC3E}">
         <p14:creationId xmlns:p14="http://schemas.microsoft.com/office/powerpoint/2010/main" val="2528840581"/>
       </p:ext>
     </p:extLst>
@@ -6654,7 +6859,7 @@
 </p:sld>
 </file>
 
-<file path=ppt/slides/slide21.xml><?xml version="1.0" encoding="utf-8"?>
+<file path=ppt/slides/slide22.xml><?xml version="1.0" encoding="utf-8"?>
 <p:sld xmlns:a="http://schemas.openxmlformats.org/drawingml/2006/main" xmlns:r="http://schemas.openxmlformats.org/officeDocument/2006/relationships" xmlns:p="http://schemas.openxmlformats.org/presentationml/2006/main">
   <p:cSld>
     <p:spTree>
@@ -19695,7 +19900,7 @@
         </p:nvSpPr>
         <p:spPr>
           <a:xfrm>
-            <a:off x="3688557" y="112037"/>
+            <a:off x="3271306" y="112037"/>
             <a:ext cx="6094520" cy="523220"/>
           </a:xfrm>
           <a:prstGeom prst="rect">
@@ -19710,8 +19915,12 @@
           <a:lstStyle/>
           <a:p>
             <a:r>
+              <a:rPr lang="en-US" altLang="zh-CN" sz="2800" dirty="0"/>
+              <a:t>1</a:t>
+            </a:r>
+            <a:r>
               <a:rPr lang="zh-CN" altLang="en-US" sz="2800" dirty="0"/>
-              <a:t>各服务器节点进程运行情况</a:t>
+              <a:t>、各服务器节点进程运行情况</a:t>
             </a:r>
             <a:endParaRPr lang="en-US" altLang="zh-CN" sz="2800" dirty="0"/>
           </a:p>
@@ -19934,8 +20143,12 @@
           <a:lstStyle/>
           <a:p>
             <a:r>
+              <a:rPr lang="en-US" altLang="zh-CN" sz="2800" dirty="0"/>
+              <a:t>2</a:t>
+            </a:r>
+            <a:r>
               <a:rPr lang="zh-CN" altLang="en-US" sz="2800" dirty="0"/>
-              <a:t>模拟数据生成</a:t>
+              <a:t>、模拟数据生成</a:t>
             </a:r>
             <a:r>
               <a:rPr lang="en-US" altLang="zh-CN" sz="2800" dirty="0"/>
